--- a/Slides/slides_landing_FQE.pptx
+++ b/Slides/slides_landing_FQE.pptx
@@ -3647,7 +3647,7 @@
           <a:p>
             <a:fld id="{832EBBF9-F82F-44D3-89EF-0D00AAB7E8EF}" type="datetimeFigureOut">
               <a:rPr lang="en-US" smtClean="0"/>
-              <a:t>11/6/2021</a:t>
+              <a:t>11/7/2021</a:t>
             </a:fld>
             <a:endParaRPr lang="en-US"/>
           </a:p>
@@ -4069,6 +4069,118 @@
             </a:pPr>
             <a:r>
               <a:rPr lang="en-US" b="1" i="1" dirty="0"/>
+              <a:t>Multilevel Bayesian:</a:t>
+            </a:r>
+          </a:p>
+          <a:p>
+            <a:pPr marL="628650" marR="0" lvl="1" indent="-171450" algn="l" defTabSz="914400" rtl="0" eaLnBrk="1" fontAlgn="auto" latinLnBrk="0" hangingPunct="1">
+              <a:lnSpc>
+                <a:spcPct val="100000"/>
+              </a:lnSpc>
+              <a:spcBef>
+                <a:spcPts val="0"/>
+              </a:spcBef>
+              <a:spcAft>
+                <a:spcPts val="0"/>
+              </a:spcAft>
+              <a:buClrTx/>
+              <a:buSzTx/>
+              <a:buFontTx/>
+              <a:buChar char="-"/>
+              <a:tabLst/>
+              <a:defRPr/>
+            </a:pPr>
+            <a:r>
+              <a:rPr lang="en-US" b="0" i="1" dirty="0"/>
+              <a:t>Easy to incorporate non-linear models</a:t>
+            </a:r>
+          </a:p>
+          <a:p>
+            <a:pPr marL="628650" marR="0" lvl="1" indent="-171450" algn="l" defTabSz="914400" rtl="0" eaLnBrk="1" fontAlgn="auto" latinLnBrk="0" hangingPunct="1">
+              <a:lnSpc>
+                <a:spcPct val="100000"/>
+              </a:lnSpc>
+              <a:spcBef>
+                <a:spcPts val="0"/>
+              </a:spcBef>
+              <a:spcAft>
+                <a:spcPts val="0"/>
+              </a:spcAft>
+              <a:buClrTx/>
+              <a:buSzTx/>
+              <a:buFontTx/>
+              <a:buChar char="-"/>
+              <a:tabLst/>
+              <a:defRPr/>
+            </a:pPr>
+            <a:r>
+              <a:rPr lang="en-US" b="0" i="1" dirty="0"/>
+              <a:t>Easy to include different hierarchical levels.</a:t>
+            </a:r>
+          </a:p>
+          <a:p>
+            <a:pPr marL="628650" marR="0" lvl="1" indent="-171450" algn="l" defTabSz="914400" rtl="0" eaLnBrk="1" fontAlgn="auto" latinLnBrk="0" hangingPunct="1">
+              <a:lnSpc>
+                <a:spcPct val="100000"/>
+              </a:lnSpc>
+              <a:spcBef>
+                <a:spcPts val="0"/>
+              </a:spcBef>
+              <a:spcAft>
+                <a:spcPts val="0"/>
+              </a:spcAft>
+              <a:buClrTx/>
+              <a:buSzTx/>
+              <a:buFontTx/>
+              <a:buChar char="-"/>
+              <a:tabLst/>
+              <a:defRPr/>
+            </a:pPr>
+            <a:r>
+              <a:rPr lang="en-US" b="0" i="1" dirty="0"/>
+              <a:t>Naturally assume a prior distribution for the group level effect</a:t>
+            </a:r>
+          </a:p>
+          <a:p>
+            <a:pPr marL="628650" marR="0" lvl="1" indent="-171450" algn="l" defTabSz="914400" rtl="0" eaLnBrk="1" fontAlgn="auto" latinLnBrk="0" hangingPunct="1">
+              <a:lnSpc>
+                <a:spcPct val="100000"/>
+              </a:lnSpc>
+              <a:spcBef>
+                <a:spcPts val="0"/>
+              </a:spcBef>
+              <a:spcAft>
+                <a:spcPts val="0"/>
+              </a:spcAft>
+              <a:buClrTx/>
+              <a:buSzTx/>
+              <a:buFontTx/>
+              <a:buChar char="-"/>
+              <a:tabLst/>
+              <a:defRPr/>
+            </a:pPr>
+            <a:endParaRPr lang="en-US" b="1" i="1" dirty="0"/>
+          </a:p>
+          <a:p>
+            <a:pPr marL="171450" marR="0" lvl="0" indent="-171450" algn="l" defTabSz="914400" rtl="0" eaLnBrk="1" fontAlgn="auto" latinLnBrk="0" hangingPunct="1">
+              <a:lnSpc>
+                <a:spcPct val="100000"/>
+              </a:lnSpc>
+              <a:spcBef>
+                <a:spcPts val="0"/>
+              </a:spcBef>
+              <a:spcAft>
+                <a:spcPts val="0"/>
+              </a:spcAft>
+              <a:buClrTx/>
+              <a:buSzTx/>
+              <a:buFontTx/>
+              <a:buChar char="-"/>
+              <a:tabLst/>
+              <a:defRPr/>
+            </a:pPr>
+            <a:r>
+              <a:rPr lang="en-US" b="1" i="1" dirty="0"/>
               <a:t>Talk that ports were selected if we observe landings of the species in consideration. </a:t>
             </a:r>
             <a:endParaRPr lang="en-US" b="1" dirty="0"/>
@@ -4118,12 +4230,8 @@
               <a:defRPr/>
             </a:pPr>
             <a:r>
-              <a:rPr lang="en-US"/>
-              <a:t>DS</a:t>
-            </a:r>
-            <a:r>
               <a:rPr lang="en-US" dirty="0"/>
-              <a:t>.</a:t>
+              <a:t>DS.</a:t>
             </a:r>
             <a:r>
               <a:rPr lang="en-US" sz="1200" b="0" i="0" kern="1200" dirty="0">
@@ -4215,31 +4323,7 @@
                 <a:ea typeface="+mn-ea"/>
                 <a:cs typeface="+mn-cs"/>
               </a:rPr>
-              <a:t>R: No, I'm looking just landings, this questions is for the discrete choice model for locations</a:t>
-            </a:r>
-            <a:r>
-              <a:rPr lang="en-US" sz="1200" b="0" i="0" kern="1200">
-                <a:solidFill>
-                  <a:schemeClr val="tx1"/>
-                </a:solidFill>
-                <a:effectLst/>
-                <a:latin typeface="+mn-lt"/>
-                <a:ea typeface="+mn-ea"/>
-                <a:cs typeface="+mn-cs"/>
-              </a:rPr>
-              <a:t>. Regard </a:t>
-            </a:r>
-            <a:r>
-              <a:rPr lang="en-US" sz="1200" b="0" i="0" kern="1200" dirty="0">
-                <a:solidFill>
-                  <a:schemeClr val="tx1"/>
-                </a:solidFill>
-                <a:effectLst/>
-                <a:latin typeface="+mn-lt"/>
-                <a:ea typeface="+mn-ea"/>
-                <a:cs typeface="+mn-cs"/>
-              </a:rPr>
-              <a:t>to selection bias, you are right. </a:t>
+              <a:t>R: No, I'm looking just landings, this questions is for the discrete choice model for locations. Regard to selection bias, you are right. </a:t>
             </a:r>
           </a:p>
           <a:p>
@@ -6923,7 +7007,7 @@
           <a:p>
             <a:fld id="{63C4C297-DBDA-4ACB-BFAB-FD3B44600C31}" type="datetime1">
               <a:rPr lang="en-US" smtClean="0"/>
-              <a:t>11/6/2021</a:t>
+              <a:t>11/7/2021</a:t>
             </a:fld>
             <a:endParaRPr lang="en-US"/>
           </a:p>
@@ -7093,7 +7177,7 @@
           <a:p>
             <a:fld id="{D7EF550D-7706-4090-9E8E-1FC4A8CD6CFB}" type="datetime1">
               <a:rPr lang="en-US" smtClean="0"/>
-              <a:t>11/6/2021</a:t>
+              <a:t>11/7/2021</a:t>
             </a:fld>
             <a:endParaRPr lang="en-US"/>
           </a:p>
@@ -7273,7 +7357,7 @@
           <a:p>
             <a:fld id="{17980AC1-0312-4E97-869E-FA046780C18F}" type="datetime1">
               <a:rPr lang="en-US" smtClean="0"/>
-              <a:t>11/6/2021</a:t>
+              <a:t>11/7/2021</a:t>
             </a:fld>
             <a:endParaRPr lang="en-US"/>
           </a:p>
@@ -7443,7 +7527,7 @@
           <a:p>
             <a:fld id="{8F4801DD-E47D-4CC4-A7FA-9F20F6673B18}" type="datetime1">
               <a:rPr lang="en-US" smtClean="0"/>
-              <a:t>11/6/2021</a:t>
+              <a:t>11/7/2021</a:t>
             </a:fld>
             <a:endParaRPr lang="en-US"/>
           </a:p>
@@ -7687,7 +7771,7 @@
           <a:p>
             <a:fld id="{BF786561-BB39-4DEC-9180-E9BE082C798E}" type="datetime1">
               <a:rPr lang="en-US" smtClean="0"/>
-              <a:t>11/6/2021</a:t>
+              <a:t>11/7/2021</a:t>
             </a:fld>
             <a:endParaRPr lang="en-US"/>
           </a:p>
@@ -7919,7 +8003,7 @@
           <a:p>
             <a:fld id="{4E7702F0-0CE5-4CC0-827E-F25D6B559E3F}" type="datetime1">
               <a:rPr lang="en-US" smtClean="0"/>
-              <a:t>11/6/2021</a:t>
+              <a:t>11/7/2021</a:t>
             </a:fld>
             <a:endParaRPr lang="en-US"/>
           </a:p>
@@ -8286,7 +8370,7 @@
           <a:p>
             <a:fld id="{0520955F-FC17-441B-8C04-BE49B7B30DEB}" type="datetime1">
               <a:rPr lang="en-US" smtClean="0"/>
-              <a:t>11/6/2021</a:t>
+              <a:t>11/7/2021</a:t>
             </a:fld>
             <a:endParaRPr lang="en-US"/>
           </a:p>
@@ -8404,7 +8488,7 @@
           <a:p>
             <a:fld id="{2D80F6ED-3FD7-4447-92BA-3C3B9311D2D3}" type="datetime1">
               <a:rPr lang="en-US" smtClean="0"/>
-              <a:t>11/6/2021</a:t>
+              <a:t>11/7/2021</a:t>
             </a:fld>
             <a:endParaRPr lang="en-US"/>
           </a:p>
@@ -8499,7 +8583,7 @@
           <a:p>
             <a:fld id="{2918E5FC-3CF7-451E-8148-918CB4B7E173}" type="datetime1">
               <a:rPr lang="en-US" smtClean="0"/>
-              <a:t>11/6/2021</a:t>
+              <a:t>11/7/2021</a:t>
             </a:fld>
             <a:endParaRPr lang="en-US"/>
           </a:p>
@@ -8776,7 +8860,7 @@
           <a:p>
             <a:fld id="{A829BC82-10DA-47CF-BF87-5CF96CE3B2E3}" type="datetime1">
               <a:rPr lang="en-US" smtClean="0"/>
-              <a:t>11/6/2021</a:t>
+              <a:t>11/7/2021</a:t>
             </a:fld>
             <a:endParaRPr lang="en-US"/>
           </a:p>
@@ -9033,7 +9117,7 @@
           <a:p>
             <a:fld id="{C92A2A56-14F4-40B0-9CE8-567949C44697}" type="datetime1">
               <a:rPr lang="en-US" smtClean="0"/>
-              <a:t>11/6/2021</a:t>
+              <a:t>11/7/2021</a:t>
             </a:fld>
             <a:endParaRPr lang="en-US"/>
           </a:p>
@@ -9246,7 +9330,7 @@
           <a:p>
             <a:fld id="{99DA4EE0-29A1-49DB-9591-D1E2158C7D40}" type="datetime1">
               <a:rPr lang="en-US" smtClean="0"/>
-              <a:t>11/6/2021</a:t>
+              <a:t>11/7/2021</a:t>
             </a:fld>
             <a:endParaRPr lang="en-US"/>
           </a:p>
@@ -10239,8 +10323,8 @@
           <a:chExt cx="0" cy="0"/>
         </a:xfrm>
       </p:grpSpPr>
-      <mc:AlternateContent xmlns:mc="http://schemas.openxmlformats.org/markup-compatibility/2006" xmlns:a14="http://schemas.microsoft.com/office/drawing/2010/main">
-        <mc:Choice Requires="a14">
+      <mc:AlternateContent xmlns:mc="http://schemas.openxmlformats.org/markup-compatibility/2006">
+        <mc:Choice xmlns:a14="http://schemas.microsoft.com/office/drawing/2010/main" Requires="a14">
           <p:sp>
             <p:nvSpPr>
               <p:cNvPr id="3" name="Content Placeholder 2">
@@ -10259,13 +10343,13 @@
             </p:nvSpPr>
             <p:spPr>
               <a:xfrm>
-                <a:off x="498765" y="1392383"/>
-                <a:ext cx="8104908" cy="4779818"/>
+                <a:off x="339634" y="1058409"/>
+                <a:ext cx="8464732" cy="5480504"/>
               </a:xfrm>
             </p:spPr>
             <p:txBody>
               <a:bodyPr>
-                <a:normAutofit fontScale="77500" lnSpcReduction="20000"/>
+                <a:normAutofit fontScale="85000" lnSpcReduction="20000"/>
               </a:bodyPr>
               <a:lstStyle/>
               <a:p>
@@ -10278,7 +10362,7 @@
                   <a:rPr lang="en-US" dirty="0">
                     <a:ea typeface="Microsoft JhengHei UI" panose="020B0604030504040204" pitchFamily="34" charset="-120"/>
                   </a:rPr>
-                  <a:t>Hierarchical Bayesian Hurdle model</a:t>
+                  <a:t>Hierarchical Bayesian Hurdle model (separate model by species)</a:t>
                 </a:r>
               </a:p>
               <a:p>
@@ -10304,7 +10388,7 @@
                   <a:rPr lang="en-US" dirty="0">
                     <a:ea typeface="Microsoft JhengHei UI" panose="020B0604030504040204" pitchFamily="34" charset="-120"/>
                   </a:rPr>
-                  <a:t>Multilevel effects (i.e. hierarchical effects by ports/vessel)</a:t>
+                  <a:t>Incorporate previous knowledge, as priors</a:t>
                 </a:r>
               </a:p>
               <a:p>
@@ -10317,7 +10401,33 @@
                   <a:rPr lang="en-US" dirty="0">
                     <a:ea typeface="Microsoft JhengHei UI" panose="020B0604030504040204" pitchFamily="34" charset="-120"/>
                   </a:rPr>
-                  <a:t>Incorporate previous knowledge, as priors</a:t>
+                  <a:t>Multilevel effects (i.e. hierarchical effects by ports/vessel)</a:t>
+                </a:r>
+              </a:p>
+              <a:p>
+                <a:pPr lvl="2">
+                  <a:lnSpc>
+                    <a:spcPct val="120000"/>
+                  </a:lnSpc>
+                </a:pPr>
+                <a:r>
+                  <a:rPr lang="en-US" dirty="0">
+                    <a:ea typeface="Microsoft JhengHei UI" panose="020B0604030504040204" pitchFamily="34" charset="-120"/>
+                  </a:rPr>
+                  <a:t>More flexible than Maximum Likelihood Methods</a:t>
+                </a:r>
+              </a:p>
+              <a:p>
+                <a:pPr lvl="2">
+                  <a:lnSpc>
+                    <a:spcPct val="120000"/>
+                  </a:lnSpc>
+                </a:pPr>
+                <a:r>
+                  <a:rPr lang="en-US" dirty="0">
+                    <a:ea typeface="Microsoft JhengHei UI" panose="020B0604030504040204" pitchFamily="34" charset="-120"/>
+                  </a:rPr>
+                  <a:t>Group-specific effects vary randomly according to a prior distribution.</a:t>
                 </a:r>
               </a:p>
               <a:p>
@@ -10382,19 +10492,6 @@
                 <a:endParaRPr lang="en-US" dirty="0">
                   <a:ea typeface="Microsoft JhengHei UI" panose="020B0604030504040204" pitchFamily="34" charset="-120"/>
                 </a:endParaRPr>
-              </a:p>
-              <a:p>
-                <a:pPr>
-                  <a:lnSpc>
-                    <a:spcPct val="120000"/>
-                  </a:lnSpc>
-                </a:pPr>
-                <a:r>
-                  <a:rPr lang="en-US" dirty="0">
-                    <a:ea typeface="Microsoft JhengHei UI" panose="020B0604030504040204" pitchFamily="34" charset="-120"/>
-                  </a:rPr>
-                  <a:t>Separate model by species</a:t>
-                </a:r>
               </a:p>
               <a:p>
                 <a:pPr>
@@ -10506,7 +10603,7 @@
             </p:txBody>
           </p:sp>
         </mc:Choice>
-        <mc:Fallback xmlns="">
+        <mc:Fallback>
           <p:sp>
             <p:nvSpPr>
               <p:cNvPr id="3" name="Content Placeholder 2">
@@ -10525,13 +10622,13 @@
             </p:nvSpPr>
             <p:spPr>
               <a:xfrm>
-                <a:off x="498765" y="1392383"/>
-                <a:ext cx="8104908" cy="4779818"/>
+                <a:off x="339634" y="1058409"/>
+                <a:ext cx="8464732" cy="5480504"/>
               </a:xfrm>
               <a:blipFill>
                 <a:blip r:embed="rId4"/>
                 <a:stretch>
-                  <a:fillRect l="-903" t="-764"/>
+                  <a:fillRect l="-1009" t="-890"/>
                 </a:stretch>
               </a:blipFill>
             </p:spPr>

--- a/Slides/slides_landing_FQE.pptx
+++ b/Slides/slides_landing_FQE.pptx
@@ -23,15 +23,15 @@
     <p:sldId id="290" r:id="rId14"/>
     <p:sldId id="269" r:id="rId15"/>
     <p:sldId id="270" r:id="rId16"/>
-    <p:sldId id="273" r:id="rId17"/>
-    <p:sldId id="266" r:id="rId18"/>
-    <p:sldId id="265" r:id="rId19"/>
-    <p:sldId id="268" r:id="rId20"/>
-    <p:sldId id="260" r:id="rId21"/>
-    <p:sldId id="283" r:id="rId22"/>
-    <p:sldId id="287" r:id="rId23"/>
-    <p:sldId id="277" r:id="rId24"/>
-    <p:sldId id="271" r:id="rId25"/>
+    <p:sldId id="271" r:id="rId17"/>
+    <p:sldId id="273" r:id="rId18"/>
+    <p:sldId id="266" r:id="rId19"/>
+    <p:sldId id="265" r:id="rId20"/>
+    <p:sldId id="268" r:id="rId21"/>
+    <p:sldId id="260" r:id="rId22"/>
+    <p:sldId id="283" r:id="rId23"/>
+    <p:sldId id="287" r:id="rId24"/>
+    <p:sldId id="277" r:id="rId25"/>
     <p:sldId id="272" r:id="rId26"/>
     <p:sldId id="280" r:id="rId27"/>
   </p:sldIdLst>
@@ -3647,7 +3647,7 @@
           <a:p>
             <a:fld id="{832EBBF9-F82F-44D3-89EF-0D00AAB7E8EF}" type="datetimeFigureOut">
               <a:rPr lang="en-US" smtClean="0"/>
-              <a:t>11/7/2021</a:t>
+              <a:t>11/8/2021</a:t>
             </a:fld>
             <a:endParaRPr lang="en-US"/>
           </a:p>
@@ -3958,6 +3958,82 @@
           <a:bodyPr/>
           <a:lstStyle/>
           <a:p>
+            <a:pPr marL="171450" indent="-171450">
+              <a:buFontTx/>
+              <a:buChar char="-"/>
+            </a:pPr>
+            <a:r>
+              <a:rPr lang="en-US" sz="1200" b="0" i="0" kern="1200" dirty="0">
+                <a:solidFill>
+                  <a:schemeClr val="tx1"/>
+                </a:solidFill>
+                <a:effectLst/>
+                <a:latin typeface="+mn-lt"/>
+                <a:ea typeface="+mn-ea"/>
+                <a:cs typeface="+mn-cs"/>
+              </a:rPr>
+              <a:t>Relative prices between species?</a:t>
+            </a:r>
+          </a:p>
+          <a:p>
+            <a:pPr marL="171450" indent="-171450">
+              <a:buFontTx/>
+              <a:buChar char="-"/>
+            </a:pPr>
+            <a:r>
+              <a:rPr lang="en-US" sz="1200" b="0" i="0" kern="1200" dirty="0">
+                <a:solidFill>
+                  <a:schemeClr val="tx1"/>
+                </a:solidFill>
+                <a:effectLst/>
+                <a:latin typeface="+mn-lt"/>
+                <a:ea typeface="+mn-ea"/>
+                <a:cs typeface="+mn-cs"/>
+              </a:rPr>
+              <a:t>Include income diversification as a variable. </a:t>
+            </a:r>
+          </a:p>
+          <a:p>
+            <a:pPr marL="171450" indent="-171450">
+              <a:buFontTx/>
+              <a:buChar char="-"/>
+            </a:pPr>
+            <a:r>
+              <a:rPr lang="en-US" sz="1200" b="0" i="0" kern="1200" dirty="0">
+                <a:solidFill>
+                  <a:schemeClr val="tx1"/>
+                </a:solidFill>
+                <a:effectLst/>
+                <a:latin typeface="+mn-lt"/>
+                <a:ea typeface="+mn-ea"/>
+                <a:cs typeface="+mn-cs"/>
+              </a:rPr>
+              <a:t>Low prices, spikes in landings… weird incentives behind. Prices to low. Maybe not relevant</a:t>
+            </a:r>
+          </a:p>
+          <a:p>
+            <a:pPr marL="171450" indent="-171450">
+              <a:buFontTx/>
+              <a:buChar char="-"/>
+            </a:pPr>
+            <a:r>
+              <a:rPr lang="en-US" sz="1200" b="0" i="0" kern="1200" dirty="0">
+                <a:solidFill>
+                  <a:schemeClr val="tx1"/>
+                </a:solidFill>
+                <a:effectLst/>
+                <a:latin typeface="+mn-lt"/>
+                <a:ea typeface="+mn-ea"/>
+                <a:cs typeface="+mn-cs"/>
+              </a:rPr>
+              <a:t>Squid if substitute for sardine, why decrease when sardine close?</a:t>
+            </a:r>
+          </a:p>
+          <a:p>
+            <a:pPr marL="171450" indent="-171450">
+              <a:buFontTx/>
+              <a:buChar char="-"/>
+            </a:pPr>
             <a:endParaRPr lang="en-US" sz="1200" b="0" i="0" kern="1200" dirty="0">
               <a:solidFill>
                 <a:schemeClr val="tx1"/>
@@ -5325,36 +5401,6 @@
           <a:bodyPr/>
           <a:lstStyle/>
           <a:p>
-            <a:pPr marL="171450" indent="-171450">
-              <a:buFont typeface="Arial" panose="020B0604020202020204" pitchFamily="34" charset="0"/>
-              <a:buChar char="•"/>
-            </a:pPr>
-            <a:r>
-              <a:rPr lang="en-US" baseline="0" dirty="0"/>
-              <a:t>Verbally talk about confounding of environment similarly affecting squid and sardine dynamics sardine was closed in 2015 and 2015 was also a low year in terms of squid during ENSO. </a:t>
-            </a:r>
-          </a:p>
-          <a:p>
-            <a:pPr marL="628650" lvl="1" indent="-171450">
-              <a:buFont typeface="Arial" panose="020B0604020202020204" pitchFamily="34" charset="0"/>
-              <a:buChar char="•"/>
-            </a:pPr>
-            <a:r>
-              <a:rPr lang="en-US" baseline="0" dirty="0"/>
-              <a:t>It should be solve though when we include SDM for market squid. </a:t>
-            </a:r>
-          </a:p>
-          <a:p>
-            <a:endParaRPr lang="en-US" baseline="0" dirty="0"/>
-          </a:p>
-          <a:p>
-            <a:r>
-              <a:rPr lang="en-US" baseline="0" dirty="0"/>
-              <a:t>Replace port codes with names. </a:t>
-            </a:r>
-            <a:endParaRPr lang="en-US" dirty="0"/>
-          </a:p>
-          <a:p>
             <a:endParaRPr lang="en-US" dirty="0"/>
           </a:p>
         </p:txBody>
@@ -5385,7 +5431,7 @@
     </p:spTree>
     <p:extLst>
       <p:ext uri="{BB962C8B-B14F-4D97-AF65-F5344CB8AC3E}">
-        <p14:creationId xmlns:p14="http://schemas.microsoft.com/office/powerpoint/2010/main" val="1825352613"/>
+        <p14:creationId xmlns:p14="http://schemas.microsoft.com/office/powerpoint/2010/main" val="3385294582"/>
       </p:ext>
     </p:extLst>
   </p:cSld>
@@ -5439,6 +5485,36 @@
           <a:bodyPr/>
           <a:lstStyle/>
           <a:p>
+            <a:pPr marL="171450" indent="-171450">
+              <a:buFont typeface="Arial" panose="020B0604020202020204" pitchFamily="34" charset="0"/>
+              <a:buChar char="•"/>
+            </a:pPr>
+            <a:r>
+              <a:rPr lang="en-US" baseline="0" dirty="0"/>
+              <a:t>Verbally talk about confounding of environment similarly affecting squid and sardine dynamics sardine was closed in 2015 and 2015 was also a low year in terms of squid during ENSO. </a:t>
+            </a:r>
+          </a:p>
+          <a:p>
+            <a:pPr marL="628650" lvl="1" indent="-171450">
+              <a:buFont typeface="Arial" panose="020B0604020202020204" pitchFamily="34" charset="0"/>
+              <a:buChar char="•"/>
+            </a:pPr>
+            <a:r>
+              <a:rPr lang="en-US" baseline="0" dirty="0"/>
+              <a:t>It should be solve though when we include SDM for market squid. </a:t>
+            </a:r>
+          </a:p>
+          <a:p>
+            <a:endParaRPr lang="en-US" baseline="0" dirty="0"/>
+          </a:p>
+          <a:p>
+            <a:r>
+              <a:rPr lang="en-US" baseline="0" dirty="0"/>
+              <a:t>Replace port codes with names. </a:t>
+            </a:r>
+            <a:endParaRPr lang="en-US" dirty="0"/>
+          </a:p>
+          <a:p>
             <a:endParaRPr lang="en-US" dirty="0"/>
           </a:p>
         </p:txBody>
@@ -5469,7 +5545,7 @@
     </p:spTree>
     <p:extLst>
       <p:ext uri="{BB962C8B-B14F-4D97-AF65-F5344CB8AC3E}">
-        <p14:creationId xmlns:p14="http://schemas.microsoft.com/office/powerpoint/2010/main" val="3356199659"/>
+        <p14:creationId xmlns:p14="http://schemas.microsoft.com/office/powerpoint/2010/main" val="1825352613"/>
       </p:ext>
     </p:extLst>
   </p:cSld>
@@ -5553,7 +5629,7 @@
     </p:spTree>
     <p:extLst>
       <p:ext uri="{BB962C8B-B14F-4D97-AF65-F5344CB8AC3E}">
-        <p14:creationId xmlns:p14="http://schemas.microsoft.com/office/powerpoint/2010/main" val="3023133886"/>
+        <p14:creationId xmlns:p14="http://schemas.microsoft.com/office/powerpoint/2010/main" val="3356199659"/>
       </p:ext>
     </p:extLst>
   </p:cSld>
@@ -5607,10 +5683,7 @@
           <a:bodyPr/>
           <a:lstStyle/>
           <a:p>
-            <a:r>
-              <a:rPr lang="en-US" dirty="0"/>
-              <a:t>SEINE is the main Gear used by this fleet.</a:t>
-            </a:r>
+            <a:endParaRPr lang="en-US" dirty="0"/>
           </a:p>
         </p:txBody>
       </p:sp>
@@ -5631,7 +5704,94 @@
           <a:p>
             <a:fld id="{B751F954-3776-48DE-B231-63E89C74A71E}" type="slidenum">
               <a:rPr lang="en-US" smtClean="0"/>
-              <a:t>21</a:t>
+              <a:t>19</a:t>
+            </a:fld>
+            <a:endParaRPr lang="en-US"/>
+          </a:p>
+        </p:txBody>
+      </p:sp>
+    </p:spTree>
+    <p:extLst>
+      <p:ext uri="{BB962C8B-B14F-4D97-AF65-F5344CB8AC3E}">
+        <p14:creationId xmlns:p14="http://schemas.microsoft.com/office/powerpoint/2010/main" val="3023133886"/>
+      </p:ext>
+    </p:extLst>
+  </p:cSld>
+  <p:clrMapOvr>
+    <a:masterClrMapping/>
+  </p:clrMapOvr>
+</p:notes>
+</file>
+
+<file path=ppt/notesSlides/notesSlide19.xml><?xml version="1.0" encoding="utf-8"?>
+<p:notes xmlns:a="http://schemas.openxmlformats.org/drawingml/2006/main" xmlns:r="http://schemas.openxmlformats.org/officeDocument/2006/relationships" xmlns:p="http://schemas.openxmlformats.org/presentationml/2006/main">
+  <p:cSld>
+    <p:spTree>
+      <p:nvGrpSpPr>
+        <p:cNvPr id="1" name=""/>
+        <p:cNvGrpSpPr/>
+        <p:nvPr/>
+      </p:nvGrpSpPr>
+      <p:grpSpPr>
+        <a:xfrm>
+          <a:off x="0" y="0"/>
+          <a:ext cx="0" cy="0"/>
+          <a:chOff x="0" y="0"/>
+          <a:chExt cx="0" cy="0"/>
+        </a:xfrm>
+      </p:grpSpPr>
+      <p:sp>
+        <p:nvSpPr>
+          <p:cNvPr id="2" name="Slide Image Placeholder 1"/>
+          <p:cNvSpPr>
+            <a:spLocks noGrp="1" noRot="1" noChangeAspect="1"/>
+          </p:cNvSpPr>
+          <p:nvPr>
+            <p:ph type="sldImg"/>
+          </p:nvPr>
+        </p:nvSpPr>
+        <p:spPr/>
+      </p:sp>
+      <p:sp>
+        <p:nvSpPr>
+          <p:cNvPr id="3" name="Notes Placeholder 2"/>
+          <p:cNvSpPr>
+            <a:spLocks noGrp="1"/>
+          </p:cNvSpPr>
+          <p:nvPr>
+            <p:ph type="body" idx="1"/>
+          </p:nvPr>
+        </p:nvSpPr>
+        <p:spPr/>
+        <p:txBody>
+          <a:bodyPr/>
+          <a:lstStyle/>
+          <a:p>
+            <a:r>
+              <a:rPr lang="en-US" dirty="0"/>
+              <a:t>SEINE is the main Gear used by this fleet.</a:t>
+            </a:r>
+          </a:p>
+        </p:txBody>
+      </p:sp>
+      <p:sp>
+        <p:nvSpPr>
+          <p:cNvPr id="4" name="Slide Number Placeholder 3"/>
+          <p:cNvSpPr>
+            <a:spLocks noGrp="1"/>
+          </p:cNvSpPr>
+          <p:nvPr>
+            <p:ph type="sldNum" sz="quarter" idx="5"/>
+          </p:nvPr>
+        </p:nvSpPr>
+        <p:spPr/>
+        <p:txBody>
+          <a:bodyPr/>
+          <a:lstStyle/>
+          <a:p>
+            <a:fld id="{B751F954-3776-48DE-B231-63E89C74A71E}" type="slidenum">
+              <a:rPr lang="en-US" smtClean="0"/>
+              <a:t>22</a:t>
             </a:fld>
             <a:endParaRPr lang="en-US"/>
           </a:p>
@@ -5650,7 +5810,107 @@
 </p:notes>
 </file>
 
-<file path=ppt/notesSlides/notesSlide19.xml><?xml version="1.0" encoding="utf-8"?>
+<file path=ppt/notesSlides/notesSlide2.xml><?xml version="1.0" encoding="utf-8"?>
+<p:notes xmlns:a="http://schemas.openxmlformats.org/drawingml/2006/main" xmlns:r="http://schemas.openxmlformats.org/officeDocument/2006/relationships" xmlns:p="http://schemas.openxmlformats.org/presentationml/2006/main">
+  <p:cSld>
+    <p:spTree>
+      <p:nvGrpSpPr>
+        <p:cNvPr id="1" name=""/>
+        <p:cNvGrpSpPr/>
+        <p:nvPr/>
+      </p:nvGrpSpPr>
+      <p:grpSpPr>
+        <a:xfrm>
+          <a:off x="0" y="0"/>
+          <a:ext cx="0" cy="0"/>
+          <a:chOff x="0" y="0"/>
+          <a:chExt cx="0" cy="0"/>
+        </a:xfrm>
+      </p:grpSpPr>
+      <p:sp>
+        <p:nvSpPr>
+          <p:cNvPr id="2" name="Slide Image Placeholder 1"/>
+          <p:cNvSpPr>
+            <a:spLocks noGrp="1" noRot="1" noChangeAspect="1"/>
+          </p:cNvSpPr>
+          <p:nvPr>
+            <p:ph type="sldImg"/>
+          </p:nvPr>
+        </p:nvSpPr>
+        <p:spPr/>
+      </p:sp>
+      <p:sp>
+        <p:nvSpPr>
+          <p:cNvPr id="3" name="Notes Placeholder 2"/>
+          <p:cNvSpPr>
+            <a:spLocks noGrp="1"/>
+          </p:cNvSpPr>
+          <p:nvPr>
+            <p:ph type="body" idx="1"/>
+          </p:nvPr>
+        </p:nvSpPr>
+        <p:spPr/>
+        <p:txBody>
+          <a:bodyPr/>
+          <a:lstStyle/>
+          <a:p>
+            <a:r>
+              <a:rPr lang="en-US" dirty="0"/>
+              <a:t>Coastal Pelagic Species refer</a:t>
+            </a:r>
+            <a:r>
+              <a:rPr lang="en-US" baseline="0" dirty="0"/>
+              <a:t>s to the group of species included in the Pacific Fishery Management Council’s</a:t>
+            </a:r>
+          </a:p>
+          <a:p>
+            <a:r>
+              <a:rPr lang="en-US" baseline="0" dirty="0"/>
+              <a:t>Coastal Pelagic Species Management Plan (https://www.fisheries.noaa.gov/management-plan/coastal-pelagic-species-management-plan)</a:t>
+            </a:r>
+          </a:p>
+          <a:p>
+            <a:endParaRPr lang="en-US" dirty="0"/>
+          </a:p>
+        </p:txBody>
+      </p:sp>
+      <p:sp>
+        <p:nvSpPr>
+          <p:cNvPr id="4" name="Slide Number Placeholder 3"/>
+          <p:cNvSpPr>
+            <a:spLocks noGrp="1"/>
+          </p:cNvSpPr>
+          <p:nvPr>
+            <p:ph type="sldNum" sz="quarter" idx="5"/>
+          </p:nvPr>
+        </p:nvSpPr>
+        <p:spPr/>
+        <p:txBody>
+          <a:bodyPr/>
+          <a:lstStyle/>
+          <a:p>
+            <a:fld id="{B751F954-3776-48DE-B231-63E89C74A71E}" type="slidenum">
+              <a:rPr lang="en-US" smtClean="0"/>
+              <a:t>2</a:t>
+            </a:fld>
+            <a:endParaRPr lang="en-US"/>
+          </a:p>
+        </p:txBody>
+      </p:sp>
+    </p:spTree>
+    <p:extLst>
+      <p:ext uri="{BB962C8B-B14F-4D97-AF65-F5344CB8AC3E}">
+        <p14:creationId xmlns:p14="http://schemas.microsoft.com/office/powerpoint/2010/main" val="2029789702"/>
+      </p:ext>
+    </p:extLst>
+  </p:cSld>
+  <p:clrMapOvr>
+    <a:masterClrMapping/>
+  </p:clrMapOvr>
+</p:notes>
+</file>
+
+<file path=ppt/notesSlides/notesSlide20.xml><?xml version="1.0" encoding="utf-8"?>
 <p:notes xmlns:a="http://schemas.openxmlformats.org/drawingml/2006/main" xmlns:r="http://schemas.openxmlformats.org/officeDocument/2006/relationships" xmlns:p="http://schemas.openxmlformats.org/presentationml/2006/main">
   <p:cSld>
     <p:spTree>
@@ -5801,7 +6061,7 @@
           <a:p>
             <a:fld id="{B751F954-3776-48DE-B231-63E89C74A71E}" type="slidenum">
               <a:rPr lang="en-US" smtClean="0"/>
-              <a:t>22</a:t>
+              <a:t>23</a:t>
             </a:fld>
             <a:endParaRPr lang="en-US"/>
           </a:p>
@@ -5811,190 +6071,6 @@
     <p:extLst>
       <p:ext uri="{BB962C8B-B14F-4D97-AF65-F5344CB8AC3E}">
         <p14:creationId xmlns:p14="http://schemas.microsoft.com/office/powerpoint/2010/main" val="4289375314"/>
-      </p:ext>
-    </p:extLst>
-  </p:cSld>
-  <p:clrMapOvr>
-    <a:masterClrMapping/>
-  </p:clrMapOvr>
-</p:notes>
-</file>
-
-<file path=ppt/notesSlides/notesSlide2.xml><?xml version="1.0" encoding="utf-8"?>
-<p:notes xmlns:a="http://schemas.openxmlformats.org/drawingml/2006/main" xmlns:r="http://schemas.openxmlformats.org/officeDocument/2006/relationships" xmlns:p="http://schemas.openxmlformats.org/presentationml/2006/main">
-  <p:cSld>
-    <p:spTree>
-      <p:nvGrpSpPr>
-        <p:cNvPr id="1" name=""/>
-        <p:cNvGrpSpPr/>
-        <p:nvPr/>
-      </p:nvGrpSpPr>
-      <p:grpSpPr>
-        <a:xfrm>
-          <a:off x="0" y="0"/>
-          <a:ext cx="0" cy="0"/>
-          <a:chOff x="0" y="0"/>
-          <a:chExt cx="0" cy="0"/>
-        </a:xfrm>
-      </p:grpSpPr>
-      <p:sp>
-        <p:nvSpPr>
-          <p:cNvPr id="2" name="Slide Image Placeholder 1"/>
-          <p:cNvSpPr>
-            <a:spLocks noGrp="1" noRot="1" noChangeAspect="1"/>
-          </p:cNvSpPr>
-          <p:nvPr>
-            <p:ph type="sldImg"/>
-          </p:nvPr>
-        </p:nvSpPr>
-        <p:spPr/>
-      </p:sp>
-      <p:sp>
-        <p:nvSpPr>
-          <p:cNvPr id="3" name="Notes Placeholder 2"/>
-          <p:cNvSpPr>
-            <a:spLocks noGrp="1"/>
-          </p:cNvSpPr>
-          <p:nvPr>
-            <p:ph type="body" idx="1"/>
-          </p:nvPr>
-        </p:nvSpPr>
-        <p:spPr/>
-        <p:txBody>
-          <a:bodyPr/>
-          <a:lstStyle/>
-          <a:p>
-            <a:r>
-              <a:rPr lang="en-US" dirty="0"/>
-              <a:t>Coastal Pelagic Species refer</a:t>
-            </a:r>
-            <a:r>
-              <a:rPr lang="en-US" baseline="0" dirty="0"/>
-              <a:t>s to the group of species included in the Pacific Fishery Management Council’s</a:t>
-            </a:r>
-          </a:p>
-          <a:p>
-            <a:r>
-              <a:rPr lang="en-US" baseline="0" dirty="0"/>
-              <a:t>Coastal Pelagic Species Management Plan (https://www.fisheries.noaa.gov/management-plan/coastal-pelagic-species-management-plan)</a:t>
-            </a:r>
-          </a:p>
-          <a:p>
-            <a:endParaRPr lang="en-US" dirty="0"/>
-          </a:p>
-        </p:txBody>
-      </p:sp>
-      <p:sp>
-        <p:nvSpPr>
-          <p:cNvPr id="4" name="Slide Number Placeholder 3"/>
-          <p:cNvSpPr>
-            <a:spLocks noGrp="1"/>
-          </p:cNvSpPr>
-          <p:nvPr>
-            <p:ph type="sldNum" sz="quarter" idx="5"/>
-          </p:nvPr>
-        </p:nvSpPr>
-        <p:spPr/>
-        <p:txBody>
-          <a:bodyPr/>
-          <a:lstStyle/>
-          <a:p>
-            <a:fld id="{B751F954-3776-48DE-B231-63E89C74A71E}" type="slidenum">
-              <a:rPr lang="en-US" smtClean="0"/>
-              <a:t>2</a:t>
-            </a:fld>
-            <a:endParaRPr lang="en-US"/>
-          </a:p>
-        </p:txBody>
-      </p:sp>
-    </p:spTree>
-    <p:extLst>
-      <p:ext uri="{BB962C8B-B14F-4D97-AF65-F5344CB8AC3E}">
-        <p14:creationId xmlns:p14="http://schemas.microsoft.com/office/powerpoint/2010/main" val="2029789702"/>
-      </p:ext>
-    </p:extLst>
-  </p:cSld>
-  <p:clrMapOvr>
-    <a:masterClrMapping/>
-  </p:clrMapOvr>
-</p:notes>
-</file>
-
-<file path=ppt/notesSlides/notesSlide20.xml><?xml version="1.0" encoding="utf-8"?>
-<p:notes xmlns:a="http://schemas.openxmlformats.org/drawingml/2006/main" xmlns:r="http://schemas.openxmlformats.org/officeDocument/2006/relationships" xmlns:p="http://schemas.openxmlformats.org/presentationml/2006/main">
-  <p:cSld>
-    <p:spTree>
-      <p:nvGrpSpPr>
-        <p:cNvPr id="1" name=""/>
-        <p:cNvGrpSpPr/>
-        <p:nvPr/>
-      </p:nvGrpSpPr>
-      <p:grpSpPr>
-        <a:xfrm>
-          <a:off x="0" y="0"/>
-          <a:ext cx="0" cy="0"/>
-          <a:chOff x="0" y="0"/>
-          <a:chExt cx="0" cy="0"/>
-        </a:xfrm>
-      </p:grpSpPr>
-      <p:sp>
-        <p:nvSpPr>
-          <p:cNvPr id="2" name="Slide Image Placeholder 1"/>
-          <p:cNvSpPr>
-            <a:spLocks noGrp="1" noRot="1" noChangeAspect="1"/>
-          </p:cNvSpPr>
-          <p:nvPr>
-            <p:ph type="sldImg"/>
-          </p:nvPr>
-        </p:nvSpPr>
-        <p:spPr/>
-      </p:sp>
-      <p:sp>
-        <p:nvSpPr>
-          <p:cNvPr id="3" name="Notes Placeholder 2"/>
-          <p:cNvSpPr>
-            <a:spLocks noGrp="1"/>
-          </p:cNvSpPr>
-          <p:nvPr>
-            <p:ph type="body" idx="1"/>
-          </p:nvPr>
-        </p:nvSpPr>
-        <p:spPr/>
-        <p:txBody>
-          <a:bodyPr/>
-          <a:lstStyle/>
-          <a:p>
-            <a:endParaRPr lang="en-US" dirty="0"/>
-          </a:p>
-        </p:txBody>
-      </p:sp>
-      <p:sp>
-        <p:nvSpPr>
-          <p:cNvPr id="4" name="Slide Number Placeholder 3"/>
-          <p:cNvSpPr>
-            <a:spLocks noGrp="1"/>
-          </p:cNvSpPr>
-          <p:nvPr>
-            <p:ph type="sldNum" sz="quarter" idx="5"/>
-          </p:nvPr>
-        </p:nvSpPr>
-        <p:spPr/>
-        <p:txBody>
-          <a:bodyPr/>
-          <a:lstStyle/>
-          <a:p>
-            <a:fld id="{B751F954-3776-48DE-B231-63E89C74A71E}" type="slidenum">
-              <a:rPr lang="en-US" smtClean="0"/>
-              <a:t>23</a:t>
-            </a:fld>
-            <a:endParaRPr lang="en-US"/>
-          </a:p>
-        </p:txBody>
-      </p:sp>
-    </p:spTree>
-    <p:extLst>
-      <p:ext uri="{BB962C8B-B14F-4D97-AF65-F5344CB8AC3E}">
-        <p14:creationId xmlns:p14="http://schemas.microsoft.com/office/powerpoint/2010/main" val="189883249"/>
       </p:ext>
     </p:extLst>
   </p:cSld>
@@ -6078,7 +6154,7 @@
     </p:spTree>
     <p:extLst>
       <p:ext uri="{BB962C8B-B14F-4D97-AF65-F5344CB8AC3E}">
-        <p14:creationId xmlns:p14="http://schemas.microsoft.com/office/powerpoint/2010/main" val="3385294582"/>
+        <p14:creationId xmlns:p14="http://schemas.microsoft.com/office/powerpoint/2010/main" val="189883249"/>
       </p:ext>
     </p:extLst>
   </p:cSld>
@@ -6235,20 +6311,7 @@
             </a:pPr>
             <a:r>
               <a:rPr lang="en-US" dirty="0"/>
-              <a:t>1- Warm ocean cycle favors sardine and reduce anchovy,</a:t>
-            </a:r>
-            <a:r>
-              <a:rPr lang="en-US" baseline="0" dirty="0"/>
-              <a:t> though there are exceptions, such as during the recent ‘warm blob’ heatwave.</a:t>
-            </a:r>
-          </a:p>
-          <a:p>
-            <a:pPr>
-              <a:defRPr/>
-            </a:pPr>
-            <a:r>
-              <a:rPr lang="en-US" dirty="0"/>
-              <a:t>2 – Squid may actually be a better substitute in terms of the fleet.</a:t>
+              <a:t>THESE THREE SPECIES SHARE SIMILAR GEAR AND VESSEL SIZES,</a:t>
             </a:r>
           </a:p>
           <a:p>
@@ -6269,6 +6332,62 @@
               <a:tabLst/>
               <a:defRPr/>
             </a:pPr>
+            <a:endParaRPr lang="en-US" dirty="0"/>
+          </a:p>
+          <a:p>
+            <a:pPr marL="0" marR="0" lvl="0" indent="0" algn="l" defTabSz="914400" rtl="0" eaLnBrk="1" fontAlgn="auto" latinLnBrk="0" hangingPunct="1">
+              <a:lnSpc>
+                <a:spcPct val="100000"/>
+              </a:lnSpc>
+              <a:spcBef>
+                <a:spcPts val="0"/>
+              </a:spcBef>
+              <a:spcAft>
+                <a:spcPts val="0"/>
+              </a:spcAft>
+              <a:buClrTx/>
+              <a:buSzTx/>
+              <a:buFontTx/>
+              <a:buNone/>
+              <a:tabLst/>
+              <a:defRPr/>
+            </a:pPr>
+            <a:r>
+              <a:rPr lang="en-US" dirty="0"/>
+              <a:t>1- Warm ocean cycle favors sardine and reduce anchovy,</a:t>
+            </a:r>
+            <a:r>
+              <a:rPr lang="en-US" baseline="0" dirty="0"/>
+              <a:t> though there are exceptions, such as during the recent ‘warm blob’ heatwave.</a:t>
+            </a:r>
+          </a:p>
+          <a:p>
+            <a:pPr>
+              <a:defRPr/>
+            </a:pPr>
+            <a:r>
+              <a:rPr lang="en-US" dirty="0"/>
+              <a:t>2 – Squid may actually be a better substitute in terms of the fleet.</a:t>
+            </a:r>
+          </a:p>
+          <a:p>
+            <a:pPr marL="0" marR="0" lvl="0" indent="0" algn="l" defTabSz="914400" rtl="0" eaLnBrk="1" fontAlgn="auto" latinLnBrk="0" hangingPunct="1">
+              <a:lnSpc>
+                <a:spcPct val="100000"/>
+              </a:lnSpc>
+              <a:spcBef>
+                <a:spcPts val="0"/>
+              </a:spcBef>
+              <a:spcAft>
+                <a:spcPts val="0"/>
+              </a:spcAft>
+              <a:buClrTx/>
+              <a:buSzTx/>
+              <a:buFontTx/>
+              <a:buNone/>
+              <a:tabLst/>
+              <a:defRPr/>
+            </a:pPr>
             <a:r>
               <a:rPr lang="en-US" i="1" dirty="0"/>
               <a:t>3- </a:t>
@@ -6277,6 +6396,26 @@
               <a:rPr lang="en-US" dirty="0"/>
               <a:t>Important bait species for recreational fisheries</a:t>
             </a:r>
+          </a:p>
+          <a:p>
+            <a:pPr marL="0" marR="0" lvl="0" indent="0" algn="l" defTabSz="914400" rtl="0" eaLnBrk="1" fontAlgn="auto" latinLnBrk="0" hangingPunct="1">
+              <a:lnSpc>
+                <a:spcPct val="100000"/>
+              </a:lnSpc>
+              <a:spcBef>
+                <a:spcPts val="0"/>
+              </a:spcBef>
+              <a:spcAft>
+                <a:spcPts val="0"/>
+              </a:spcAft>
+              <a:buClrTx/>
+              <a:buSzTx/>
+              <a:buFontTx/>
+              <a:buNone/>
+              <a:tabLst/>
+              <a:defRPr/>
+            </a:pPr>
+            <a:endParaRPr lang="en-US" dirty="0"/>
           </a:p>
           <a:p>
             <a:pPr>
@@ -6480,7 +6619,10 @@
           <a:bodyPr/>
           <a:lstStyle/>
           <a:p>
-            <a:endParaRPr lang="en-US" dirty="0"/>
+            <a:r>
+              <a:rPr lang="en-US" dirty="0"/>
+              <a:t>Talk about first hypothesis on abundance.</a:t>
+            </a:r>
           </a:p>
         </p:txBody>
       </p:sp>
@@ -7007,7 +7149,7 @@
           <a:p>
             <a:fld id="{63C4C297-DBDA-4ACB-BFAB-FD3B44600C31}" type="datetime1">
               <a:rPr lang="en-US" smtClean="0"/>
-              <a:t>11/7/2021</a:t>
+              <a:t>11/8/2021</a:t>
             </a:fld>
             <a:endParaRPr lang="en-US"/>
           </a:p>
@@ -7177,7 +7319,7 @@
           <a:p>
             <a:fld id="{D7EF550D-7706-4090-9E8E-1FC4A8CD6CFB}" type="datetime1">
               <a:rPr lang="en-US" smtClean="0"/>
-              <a:t>11/7/2021</a:t>
+              <a:t>11/8/2021</a:t>
             </a:fld>
             <a:endParaRPr lang="en-US"/>
           </a:p>
@@ -7357,7 +7499,7 @@
           <a:p>
             <a:fld id="{17980AC1-0312-4E97-869E-FA046780C18F}" type="datetime1">
               <a:rPr lang="en-US" smtClean="0"/>
-              <a:t>11/7/2021</a:t>
+              <a:t>11/8/2021</a:t>
             </a:fld>
             <a:endParaRPr lang="en-US"/>
           </a:p>
@@ -7527,7 +7669,7 @@
           <a:p>
             <a:fld id="{8F4801DD-E47D-4CC4-A7FA-9F20F6673B18}" type="datetime1">
               <a:rPr lang="en-US" smtClean="0"/>
-              <a:t>11/7/2021</a:t>
+              <a:t>11/8/2021</a:t>
             </a:fld>
             <a:endParaRPr lang="en-US"/>
           </a:p>
@@ -7771,7 +7913,7 @@
           <a:p>
             <a:fld id="{BF786561-BB39-4DEC-9180-E9BE082C798E}" type="datetime1">
               <a:rPr lang="en-US" smtClean="0"/>
-              <a:t>11/7/2021</a:t>
+              <a:t>11/8/2021</a:t>
             </a:fld>
             <a:endParaRPr lang="en-US"/>
           </a:p>
@@ -8003,7 +8145,7 @@
           <a:p>
             <a:fld id="{4E7702F0-0CE5-4CC0-827E-F25D6B559E3F}" type="datetime1">
               <a:rPr lang="en-US" smtClean="0"/>
-              <a:t>11/7/2021</a:t>
+              <a:t>11/8/2021</a:t>
             </a:fld>
             <a:endParaRPr lang="en-US"/>
           </a:p>
@@ -8370,7 +8512,7 @@
           <a:p>
             <a:fld id="{0520955F-FC17-441B-8C04-BE49B7B30DEB}" type="datetime1">
               <a:rPr lang="en-US" smtClean="0"/>
-              <a:t>11/7/2021</a:t>
+              <a:t>11/8/2021</a:t>
             </a:fld>
             <a:endParaRPr lang="en-US"/>
           </a:p>
@@ -8488,7 +8630,7 @@
           <a:p>
             <a:fld id="{2D80F6ED-3FD7-4447-92BA-3C3B9311D2D3}" type="datetime1">
               <a:rPr lang="en-US" smtClean="0"/>
-              <a:t>11/7/2021</a:t>
+              <a:t>11/8/2021</a:t>
             </a:fld>
             <a:endParaRPr lang="en-US"/>
           </a:p>
@@ -8583,7 +8725,7 @@
           <a:p>
             <a:fld id="{2918E5FC-3CF7-451E-8148-918CB4B7E173}" type="datetime1">
               <a:rPr lang="en-US" smtClean="0"/>
-              <a:t>11/7/2021</a:t>
+              <a:t>11/8/2021</a:t>
             </a:fld>
             <a:endParaRPr lang="en-US"/>
           </a:p>
@@ -8860,7 +9002,7 @@
           <a:p>
             <a:fld id="{A829BC82-10DA-47CF-BF87-5CF96CE3B2E3}" type="datetime1">
               <a:rPr lang="en-US" smtClean="0"/>
-              <a:t>11/7/2021</a:t>
+              <a:t>11/8/2021</a:t>
             </a:fld>
             <a:endParaRPr lang="en-US"/>
           </a:p>
@@ -9117,7 +9259,7 @@
           <a:p>
             <a:fld id="{C92A2A56-14F4-40B0-9CE8-567949C44697}" type="datetime1">
               <a:rPr lang="en-US" smtClean="0"/>
-              <a:t>11/7/2021</a:t>
+              <a:t>11/8/2021</a:t>
             </a:fld>
             <a:endParaRPr lang="en-US"/>
           </a:p>
@@ -9330,7 +9472,7 @@
           <a:p>
             <a:fld id="{99DA4EE0-29A1-49DB-9591-D1E2158C7D40}" type="datetime1">
               <a:rPr lang="en-US" smtClean="0"/>
-              <a:t>11/7/2021</a:t>
+              <a:t>11/8/2021</a:t>
             </a:fld>
             <a:endParaRPr lang="en-US"/>
           </a:p>
@@ -9915,7 +10057,7 @@
         </p:nvCxnSpPr>
         <p:spPr>
           <a:xfrm flipV="1">
-            <a:off x="689676" y="3189916"/>
+            <a:off x="652102" y="3176178"/>
             <a:ext cx="7764647" cy="24120"/>
           </a:xfrm>
           <a:prstGeom prst="line">
@@ -10323,8 +10465,8 @@
           <a:chExt cx="0" cy="0"/>
         </a:xfrm>
       </p:grpSpPr>
-      <mc:AlternateContent xmlns:mc="http://schemas.openxmlformats.org/markup-compatibility/2006">
-        <mc:Choice xmlns:a14="http://schemas.microsoft.com/office/drawing/2010/main" Requires="a14">
+      <mc:AlternateContent xmlns:mc="http://schemas.openxmlformats.org/markup-compatibility/2006" xmlns:a14="http://schemas.microsoft.com/office/drawing/2010/main">
+        <mc:Choice Requires="a14">
           <p:sp>
             <p:nvSpPr>
               <p:cNvPr id="3" name="Content Placeholder 2">
@@ -10603,7 +10745,7 @@
             </p:txBody>
           </p:sp>
         </mc:Choice>
-        <mc:Fallback>
+        <mc:Fallback xmlns="">
           <p:sp>
             <p:nvSpPr>
               <p:cNvPr id="3" name="Content Placeholder 2">
@@ -13169,6 +13311,143 @@
         </p:spPr>
         <p:txBody>
           <a:bodyPr>
+            <a:noAutofit/>
+          </a:bodyPr>
+          <a:lstStyle/>
+          <a:p>
+            <a:r>
+              <a:rPr lang="en-US" sz="3200" dirty="0">
+                <a:solidFill>
+                  <a:schemeClr val="bg1"/>
+                </a:solidFill>
+                <a:latin typeface="+mn-lt"/>
+              </a:rPr>
+              <a:t>  Results: Sardine more preferred than squid</a:t>
+            </a:r>
+          </a:p>
+        </p:txBody>
+      </p:sp>
+      <p:pic>
+        <p:nvPicPr>
+          <p:cNvPr id="6" name="Content Placeholder 5">
+            <a:extLst>
+              <a:ext uri="{FF2B5EF4-FFF2-40B4-BE49-F238E27FC236}">
+                <a16:creationId xmlns:a16="http://schemas.microsoft.com/office/drawing/2014/main" id="{4E9124C2-AAB9-4277-B440-1905D276226A}"/>
+              </a:ext>
+            </a:extLst>
+          </p:cNvPr>
+          <p:cNvPicPr>
+            <a:picLocks noGrp="1" noChangeAspect="1"/>
+          </p:cNvPicPr>
+          <p:nvPr>
+            <p:ph idx="1"/>
+          </p:nvPr>
+        </p:nvPicPr>
+        <p:blipFill>
+          <a:blip r:embed="rId3">
+            <a:extLst>
+              <a:ext uri="{28A0092B-C50C-407E-A947-70E740481C1C}">
+                <a14:useLocalDpi xmlns:a14="http://schemas.microsoft.com/office/drawing/2010/main" val="0"/>
+              </a:ext>
+            </a:extLst>
+          </a:blip>
+          <a:stretch>
+            <a:fillRect/>
+          </a:stretch>
+        </p:blipFill>
+        <p:spPr>
+          <a:xfrm>
+            <a:off x="259901" y="1177467"/>
+            <a:ext cx="8624197" cy="5322361"/>
+          </a:xfrm>
+        </p:spPr>
+      </p:pic>
+      <p:sp>
+        <p:nvSpPr>
+          <p:cNvPr id="5" name="Slide Number Placeholder 4">
+            <a:extLst>
+              <a:ext uri="{FF2B5EF4-FFF2-40B4-BE49-F238E27FC236}">
+                <a16:creationId xmlns:a16="http://schemas.microsoft.com/office/drawing/2014/main" id="{B63F1F1F-4FB3-4CE5-BD91-1E702B3DAE91}"/>
+              </a:ext>
+            </a:extLst>
+          </p:cNvPr>
+          <p:cNvSpPr>
+            <a:spLocks noGrp="1"/>
+          </p:cNvSpPr>
+          <p:nvPr>
+            <p:ph type="sldNum" sz="quarter" idx="12"/>
+          </p:nvPr>
+        </p:nvSpPr>
+        <p:spPr/>
+        <p:txBody>
+          <a:bodyPr/>
+          <a:lstStyle/>
+          <a:p>
+            <a:fld id="{6FD4AA8C-2C0B-45F2-84FF-CF2E58E014B2}" type="slidenum">
+              <a:rPr lang="en-US" smtClean="0"/>
+              <a:t>16</a:t>
+            </a:fld>
+            <a:endParaRPr lang="en-US"/>
+          </a:p>
+        </p:txBody>
+      </p:sp>
+    </p:spTree>
+    <p:extLst>
+      <p:ext uri="{BB962C8B-B14F-4D97-AF65-F5344CB8AC3E}">
+        <p14:creationId xmlns:p14="http://schemas.microsoft.com/office/powerpoint/2010/main" val="3608945073"/>
+      </p:ext>
+    </p:extLst>
+  </p:cSld>
+  <p:clrMapOvr>
+    <a:masterClrMapping/>
+  </p:clrMapOvr>
+</p:sld>
+</file>
+
+<file path=ppt/slides/slide17.xml><?xml version="1.0" encoding="utf-8"?>
+<p:sld xmlns:a="http://schemas.openxmlformats.org/drawingml/2006/main" xmlns:r="http://schemas.openxmlformats.org/officeDocument/2006/relationships" xmlns:p="http://schemas.openxmlformats.org/presentationml/2006/main">
+  <p:cSld>
+    <p:spTree>
+      <p:nvGrpSpPr>
+        <p:cNvPr id="1" name=""/>
+        <p:cNvGrpSpPr/>
+        <p:nvPr/>
+      </p:nvGrpSpPr>
+      <p:grpSpPr>
+        <a:xfrm>
+          <a:off x="0" y="0"/>
+          <a:ext cx="0" cy="0"/>
+          <a:chOff x="0" y="0"/>
+          <a:chExt cx="0" cy="0"/>
+        </a:xfrm>
+      </p:grpSpPr>
+      <p:sp>
+        <p:nvSpPr>
+          <p:cNvPr id="2" name="Title 1">
+            <a:extLst>
+              <a:ext uri="{FF2B5EF4-FFF2-40B4-BE49-F238E27FC236}">
+                <a16:creationId xmlns:a16="http://schemas.microsoft.com/office/drawing/2014/main" id="{AB146FD5-B7E6-4311-BEFD-D6D4A89D4FAF}"/>
+              </a:ext>
+            </a:extLst>
+          </p:cNvPr>
+          <p:cNvSpPr>
+            <a:spLocks noGrp="1"/>
+          </p:cNvSpPr>
+          <p:nvPr>
+            <p:ph type="title"/>
+          </p:nvPr>
+        </p:nvSpPr>
+        <p:spPr>
+          <a:xfrm>
+            <a:off x="0" y="1"/>
+            <a:ext cx="9144000" cy="923278"/>
+          </a:xfrm>
+          <a:solidFill>
+            <a:srgbClr val="003C6C"/>
+          </a:solidFill>
+        </p:spPr>
+        <p:txBody>
+          <a:bodyPr>
             <a:normAutofit/>
           </a:bodyPr>
           <a:lstStyle/>
@@ -13258,7 +13537,7 @@
           <a:p>
             <a:fld id="{6FD4AA8C-2C0B-45F2-84FF-CF2E58E014B2}" type="slidenum">
               <a:rPr lang="en-US" smtClean="0"/>
-              <a:t>16</a:t>
+              <a:t>17</a:t>
             </a:fld>
             <a:endParaRPr lang="en-US"/>
           </a:p>
@@ -13277,7 +13556,7 @@
 </p:sld>
 </file>
 
-<file path=ppt/slides/slide17.xml><?xml version="1.0" encoding="utf-8"?>
+<file path=ppt/slides/slide18.xml><?xml version="1.0" encoding="utf-8"?>
 <p:sld xmlns:a="http://schemas.openxmlformats.org/drawingml/2006/main" xmlns:r="http://schemas.openxmlformats.org/officeDocument/2006/relationships" xmlns:p="http://schemas.openxmlformats.org/presentationml/2006/main">
   <p:cSld>
     <p:spTree>
@@ -13398,7 +13677,26 @@
             </a:pPr>
             <a:r>
               <a:rPr lang="en-US" dirty="0"/>
-              <a:t>Closure reduce market squid landings. Is this because of a lower participation in fishing?</a:t>
+              <a:t>Closure reduce market squid landings</a:t>
+            </a:r>
+            <a:r>
+              <a:rPr lang="en-US"/>
+              <a:t>. </a:t>
+            </a:r>
+          </a:p>
+          <a:p>
+            <a:pPr lvl="1">
+              <a:lnSpc>
+                <a:spcPct val="110000"/>
+              </a:lnSpc>
+            </a:pPr>
+            <a:r>
+              <a:rPr lang="en-US"/>
+              <a:t>Is </a:t>
+            </a:r>
+            <a:r>
+              <a:rPr lang="en-US" dirty="0"/>
+              <a:t>this because of a lower participation in fishing?</a:t>
             </a:r>
           </a:p>
         </p:txBody>
@@ -13426,7 +13724,7 @@
           <a:p>
             <a:fld id="{6FD4AA8C-2C0B-45F2-84FF-CF2E58E014B2}" type="slidenum">
               <a:rPr lang="en-US" smtClean="0"/>
-              <a:t>17</a:t>
+              <a:t>18</a:t>
             </a:fld>
             <a:endParaRPr lang="en-US"/>
           </a:p>
@@ -13445,7 +13743,7 @@
 </p:sld>
 </file>
 
-<file path=ppt/slides/slide18.xml><?xml version="1.0" encoding="utf-8"?>
+<file path=ppt/slides/slide19.xml><?xml version="1.0" encoding="utf-8"?>
 <p:sld xmlns:a="http://schemas.openxmlformats.org/drawingml/2006/main" xmlns:r="http://schemas.openxmlformats.org/officeDocument/2006/relationships" xmlns:p="http://schemas.openxmlformats.org/presentationml/2006/main">
   <p:cSld>
     <p:spTree>
@@ -13720,7 +14018,7 @@
           <a:p>
             <a:fld id="{6FD4AA8C-2C0B-45F2-84FF-CF2E58E014B2}" type="slidenum">
               <a:rPr lang="en-US" smtClean="0"/>
-              <a:t>18</a:t>
+              <a:t>19</a:t>
             </a:fld>
             <a:endParaRPr lang="en-US"/>
           </a:p>
@@ -13739,7 +14037,315 @@
 </p:sld>
 </file>
 
-<file path=ppt/slides/slide19.xml><?xml version="1.0" encoding="utf-8"?>
+<file path=ppt/slides/slide2.xml><?xml version="1.0" encoding="utf-8"?>
+<p:sld xmlns:a="http://schemas.openxmlformats.org/drawingml/2006/main" xmlns:r="http://schemas.openxmlformats.org/officeDocument/2006/relationships" xmlns:p="http://schemas.openxmlformats.org/presentationml/2006/main">
+  <p:cSld>
+    <p:spTree>
+      <p:nvGrpSpPr>
+        <p:cNvPr id="1" name=""/>
+        <p:cNvGrpSpPr/>
+        <p:nvPr/>
+      </p:nvGrpSpPr>
+      <p:grpSpPr>
+        <a:xfrm>
+          <a:off x="0" y="0"/>
+          <a:ext cx="0" cy="0"/>
+          <a:chOff x="0" y="0"/>
+          <a:chExt cx="0" cy="0"/>
+        </a:xfrm>
+      </p:grpSpPr>
+      <p:pic>
+        <p:nvPicPr>
+          <p:cNvPr id="7" name="Picture 6">
+            <a:extLst>
+              <a:ext uri="{FF2B5EF4-FFF2-40B4-BE49-F238E27FC236}">
+                <a16:creationId xmlns:a16="http://schemas.microsoft.com/office/drawing/2014/main" id="{2561A8DD-5202-426A-A596-138AFEBB7307}"/>
+              </a:ext>
+            </a:extLst>
+          </p:cNvPr>
+          <p:cNvPicPr>
+            <a:picLocks noChangeAspect="1"/>
+          </p:cNvPicPr>
+          <p:nvPr/>
+        </p:nvPicPr>
+        <p:blipFill rotWithShape="1">
+          <a:blip r:embed="rId3"/>
+          <a:srcRect b="5911"/>
+          <a:stretch/>
+        </p:blipFill>
+        <p:spPr>
+          <a:xfrm>
+            <a:off x="3639085" y="1636493"/>
+            <a:ext cx="5504915" cy="3387258"/>
+          </a:xfrm>
+          <a:prstGeom prst="rect">
+            <a:avLst/>
+          </a:prstGeom>
+        </p:spPr>
+      </p:pic>
+      <p:sp>
+        <p:nvSpPr>
+          <p:cNvPr id="2" name="Title 1">
+            <a:extLst>
+              <a:ext uri="{FF2B5EF4-FFF2-40B4-BE49-F238E27FC236}">
+                <a16:creationId xmlns:a16="http://schemas.microsoft.com/office/drawing/2014/main" id="{AB146FD5-B7E6-4311-BEFD-D6D4A89D4FAF}"/>
+              </a:ext>
+            </a:extLst>
+          </p:cNvPr>
+          <p:cNvSpPr>
+            <a:spLocks noGrp="1"/>
+          </p:cNvSpPr>
+          <p:nvPr>
+            <p:ph type="title"/>
+          </p:nvPr>
+        </p:nvSpPr>
+        <p:spPr>
+          <a:xfrm>
+            <a:off x="0" y="1"/>
+            <a:ext cx="9144000" cy="923278"/>
+          </a:xfrm>
+          <a:solidFill>
+            <a:srgbClr val="003C6C"/>
+          </a:solidFill>
+        </p:spPr>
+        <p:txBody>
+          <a:bodyPr/>
+          <a:lstStyle/>
+          <a:p>
+            <a:r>
+              <a:rPr lang="en-US" dirty="0">
+                <a:solidFill>
+                  <a:schemeClr val="bg1"/>
+                </a:solidFill>
+                <a:latin typeface="+mn-lt"/>
+                <a:ea typeface="Microsoft JhengHei UI" panose="020B0604030504040204" pitchFamily="34" charset="-120"/>
+              </a:rPr>
+              <a:t>  California Current System (CCS)</a:t>
+            </a:r>
+          </a:p>
+        </p:txBody>
+      </p:sp>
+      <p:sp>
+        <p:nvSpPr>
+          <p:cNvPr id="3" name="Content Placeholder 2">
+            <a:extLst>
+              <a:ext uri="{FF2B5EF4-FFF2-40B4-BE49-F238E27FC236}">
+                <a16:creationId xmlns:a16="http://schemas.microsoft.com/office/drawing/2014/main" id="{F5F89EB4-FE7A-4332-8A77-6D74A195BC07}"/>
+              </a:ext>
+            </a:extLst>
+          </p:cNvPr>
+          <p:cNvSpPr>
+            <a:spLocks noGrp="1"/>
+          </p:cNvSpPr>
+          <p:nvPr>
+            <p:ph idx="1"/>
+          </p:nvPr>
+        </p:nvSpPr>
+        <p:spPr>
+          <a:xfrm>
+            <a:off x="495484" y="1413128"/>
+            <a:ext cx="3554001" cy="5129185"/>
+          </a:xfrm>
+        </p:spPr>
+        <p:txBody>
+          <a:bodyPr>
+            <a:normAutofit/>
+          </a:bodyPr>
+          <a:lstStyle/>
+          <a:p>
+            <a:pPr>
+              <a:lnSpc>
+                <a:spcPct val="100000"/>
+              </a:lnSpc>
+            </a:pPr>
+            <a:r>
+              <a:rPr lang="en-US" sz="2000" dirty="0">
+                <a:ea typeface="Microsoft JhengHei UI" panose="020B0604030504040204" pitchFamily="34" charset="-120"/>
+              </a:rPr>
+              <a:t>Unique ecosystem</a:t>
+            </a:r>
+          </a:p>
+          <a:p>
+            <a:pPr>
+              <a:lnSpc>
+                <a:spcPct val="100000"/>
+              </a:lnSpc>
+            </a:pPr>
+            <a:r>
+              <a:rPr lang="en-US" sz="2000" dirty="0">
+                <a:ea typeface="Microsoft JhengHei UI" panose="020B0604030504040204" pitchFamily="34" charset="-120"/>
+              </a:rPr>
+              <a:t>Provides many ecosystem services</a:t>
+            </a:r>
+          </a:p>
+          <a:p>
+            <a:pPr>
+              <a:lnSpc>
+                <a:spcPct val="100000"/>
+              </a:lnSpc>
+            </a:pPr>
+            <a:r>
+              <a:rPr lang="en-US" sz="2000" dirty="0">
+                <a:ea typeface="Microsoft JhengHei UI" panose="020B0604030504040204" pitchFamily="34" charset="-120"/>
+              </a:rPr>
+              <a:t>Home to many protected species</a:t>
+            </a:r>
+          </a:p>
+          <a:p>
+            <a:pPr>
+              <a:lnSpc>
+                <a:spcPct val="100000"/>
+              </a:lnSpc>
+            </a:pPr>
+            <a:r>
+              <a:rPr lang="en-US" sz="2000" dirty="0">
+                <a:ea typeface="Microsoft JhengHei UI" panose="020B0604030504040204" pitchFamily="34" charset="-120"/>
+              </a:rPr>
+              <a:t>Sustains commercial and recreational fisheries:</a:t>
+            </a:r>
+          </a:p>
+          <a:p>
+            <a:pPr lvl="1">
+              <a:lnSpc>
+                <a:spcPct val="100000"/>
+              </a:lnSpc>
+            </a:pPr>
+            <a:r>
+              <a:rPr lang="en-US" sz="1800" dirty="0">
+                <a:ea typeface="Microsoft JhengHei UI" panose="020B0604030504040204" pitchFamily="34" charset="-120"/>
+              </a:rPr>
+              <a:t>Forage species</a:t>
+            </a:r>
+          </a:p>
+          <a:p>
+            <a:pPr lvl="1">
+              <a:lnSpc>
+                <a:spcPct val="100000"/>
+              </a:lnSpc>
+            </a:pPr>
+            <a:r>
+              <a:rPr lang="en-US" sz="1800" dirty="0">
+                <a:ea typeface="Microsoft JhengHei UI" panose="020B0604030504040204" pitchFamily="34" charset="-120"/>
+              </a:rPr>
+              <a:t>Coastal Pelagic Species</a:t>
+            </a:r>
+          </a:p>
+        </p:txBody>
+      </p:sp>
+      <p:pic>
+        <p:nvPicPr>
+          <p:cNvPr id="8" name="Picture 7">
+            <a:extLst>
+              <a:ext uri="{FF2B5EF4-FFF2-40B4-BE49-F238E27FC236}">
+                <a16:creationId xmlns:a16="http://schemas.microsoft.com/office/drawing/2014/main" id="{E1A0B5D7-8E64-41AF-A5B9-D5CA770A3AE0}"/>
+              </a:ext>
+            </a:extLst>
+          </p:cNvPr>
+          <p:cNvPicPr>
+            <a:picLocks noChangeAspect="1"/>
+          </p:cNvPicPr>
+          <p:nvPr/>
+        </p:nvPicPr>
+        <p:blipFill>
+          <a:blip r:embed="rId4" cstate="print">
+            <a:extLst>
+              <a:ext uri="{28A0092B-C50C-407E-A947-70E740481C1C}">
+                <a14:useLocalDpi xmlns:a14="http://schemas.microsoft.com/office/drawing/2010/main" val="0"/>
+              </a:ext>
+            </a:extLst>
+          </a:blip>
+          <a:stretch>
+            <a:fillRect/>
+          </a:stretch>
+        </p:blipFill>
+        <p:spPr>
+          <a:xfrm>
+            <a:off x="4855853" y="2574066"/>
+            <a:ext cx="477327" cy="514895"/>
+          </a:xfrm>
+          <a:prstGeom prst="rect">
+            <a:avLst/>
+          </a:prstGeom>
+        </p:spPr>
+      </p:pic>
+      <p:sp>
+        <p:nvSpPr>
+          <p:cNvPr id="9" name="TextBox 8">
+            <a:extLst>
+              <a:ext uri="{FF2B5EF4-FFF2-40B4-BE49-F238E27FC236}">
+                <a16:creationId xmlns:a16="http://schemas.microsoft.com/office/drawing/2014/main" id="{62AD89DE-CF48-472C-B256-59AFAA03520B}"/>
+              </a:ext>
+            </a:extLst>
+          </p:cNvPr>
+          <p:cNvSpPr txBox="1"/>
+          <p:nvPr/>
+        </p:nvSpPr>
+        <p:spPr>
+          <a:xfrm>
+            <a:off x="6776428" y="4997123"/>
+            <a:ext cx="1872087" cy="461665"/>
+          </a:xfrm>
+          <a:prstGeom prst="rect">
+            <a:avLst/>
+          </a:prstGeom>
+          <a:noFill/>
+        </p:spPr>
+        <p:txBody>
+          <a:bodyPr wrap="square" rtlCol="0">
+            <a:spAutoFit/>
+          </a:bodyPr>
+          <a:lstStyle/>
+          <a:p>
+            <a:r>
+              <a:rPr lang="en-US" sz="1200" i="1" dirty="0"/>
+              <a:t>Illustration by Fiona Morris</a:t>
+            </a:r>
+          </a:p>
+        </p:txBody>
+      </p:sp>
+      <p:sp>
+        <p:nvSpPr>
+          <p:cNvPr id="6" name="Slide Number Placeholder 5">
+            <a:extLst>
+              <a:ext uri="{FF2B5EF4-FFF2-40B4-BE49-F238E27FC236}">
+                <a16:creationId xmlns:a16="http://schemas.microsoft.com/office/drawing/2014/main" id="{D59AEBD6-2615-4476-8EA6-3992972395BB}"/>
+              </a:ext>
+            </a:extLst>
+          </p:cNvPr>
+          <p:cNvSpPr>
+            <a:spLocks noGrp="1"/>
+          </p:cNvSpPr>
+          <p:nvPr>
+            <p:ph type="sldNum" sz="quarter" idx="12"/>
+          </p:nvPr>
+        </p:nvSpPr>
+        <p:spPr/>
+        <p:txBody>
+          <a:bodyPr/>
+          <a:lstStyle/>
+          <a:p>
+            <a:fld id="{6FD4AA8C-2C0B-45F2-84FF-CF2E58E014B2}" type="slidenum">
+              <a:rPr lang="en-US" smtClean="0"/>
+              <a:t>2</a:t>
+            </a:fld>
+            <a:endParaRPr lang="en-US" dirty="0"/>
+          </a:p>
+        </p:txBody>
+      </p:sp>
+    </p:spTree>
+    <p:extLst>
+      <p:ext uri="{BB962C8B-B14F-4D97-AF65-F5344CB8AC3E}">
+        <p14:creationId xmlns:p14="http://schemas.microsoft.com/office/powerpoint/2010/main" val="567117408"/>
+      </p:ext>
+    </p:extLst>
+  </p:cSld>
+  <p:clrMapOvr>
+    <a:masterClrMapping/>
+  </p:clrMapOvr>
+</p:sld>
+</file>
+
+<file path=ppt/slides/slide20.xml><?xml version="1.0" encoding="utf-8"?>
 <p:sld xmlns:a="http://schemas.openxmlformats.org/drawingml/2006/main" xmlns:r="http://schemas.openxmlformats.org/officeDocument/2006/relationships" xmlns:p="http://schemas.openxmlformats.org/presentationml/2006/main">
   <p:cSld>
     <p:bg>
@@ -14092,315 +14698,7 @@
 </p:sld>
 </file>
 
-<file path=ppt/slides/slide2.xml><?xml version="1.0" encoding="utf-8"?>
-<p:sld xmlns:a="http://schemas.openxmlformats.org/drawingml/2006/main" xmlns:r="http://schemas.openxmlformats.org/officeDocument/2006/relationships" xmlns:p="http://schemas.openxmlformats.org/presentationml/2006/main">
-  <p:cSld>
-    <p:spTree>
-      <p:nvGrpSpPr>
-        <p:cNvPr id="1" name=""/>
-        <p:cNvGrpSpPr/>
-        <p:nvPr/>
-      </p:nvGrpSpPr>
-      <p:grpSpPr>
-        <a:xfrm>
-          <a:off x="0" y="0"/>
-          <a:ext cx="0" cy="0"/>
-          <a:chOff x="0" y="0"/>
-          <a:chExt cx="0" cy="0"/>
-        </a:xfrm>
-      </p:grpSpPr>
-      <p:pic>
-        <p:nvPicPr>
-          <p:cNvPr id="7" name="Picture 6">
-            <a:extLst>
-              <a:ext uri="{FF2B5EF4-FFF2-40B4-BE49-F238E27FC236}">
-                <a16:creationId xmlns:a16="http://schemas.microsoft.com/office/drawing/2014/main" id="{2561A8DD-5202-426A-A596-138AFEBB7307}"/>
-              </a:ext>
-            </a:extLst>
-          </p:cNvPr>
-          <p:cNvPicPr>
-            <a:picLocks noChangeAspect="1"/>
-          </p:cNvPicPr>
-          <p:nvPr/>
-        </p:nvPicPr>
-        <p:blipFill rotWithShape="1">
-          <a:blip r:embed="rId3"/>
-          <a:srcRect b="5911"/>
-          <a:stretch/>
-        </p:blipFill>
-        <p:spPr>
-          <a:xfrm>
-            <a:off x="3639085" y="1636493"/>
-            <a:ext cx="5504915" cy="3387258"/>
-          </a:xfrm>
-          <a:prstGeom prst="rect">
-            <a:avLst/>
-          </a:prstGeom>
-        </p:spPr>
-      </p:pic>
-      <p:sp>
-        <p:nvSpPr>
-          <p:cNvPr id="2" name="Title 1">
-            <a:extLst>
-              <a:ext uri="{FF2B5EF4-FFF2-40B4-BE49-F238E27FC236}">
-                <a16:creationId xmlns:a16="http://schemas.microsoft.com/office/drawing/2014/main" id="{AB146FD5-B7E6-4311-BEFD-D6D4A89D4FAF}"/>
-              </a:ext>
-            </a:extLst>
-          </p:cNvPr>
-          <p:cNvSpPr>
-            <a:spLocks noGrp="1"/>
-          </p:cNvSpPr>
-          <p:nvPr>
-            <p:ph type="title"/>
-          </p:nvPr>
-        </p:nvSpPr>
-        <p:spPr>
-          <a:xfrm>
-            <a:off x="0" y="1"/>
-            <a:ext cx="9144000" cy="923278"/>
-          </a:xfrm>
-          <a:solidFill>
-            <a:srgbClr val="003C6C"/>
-          </a:solidFill>
-        </p:spPr>
-        <p:txBody>
-          <a:bodyPr/>
-          <a:lstStyle/>
-          <a:p>
-            <a:r>
-              <a:rPr lang="en-US" dirty="0">
-                <a:solidFill>
-                  <a:schemeClr val="bg1"/>
-                </a:solidFill>
-                <a:latin typeface="+mn-lt"/>
-                <a:ea typeface="Microsoft JhengHei UI" panose="020B0604030504040204" pitchFamily="34" charset="-120"/>
-              </a:rPr>
-              <a:t>  California Current System (CCS)</a:t>
-            </a:r>
-          </a:p>
-        </p:txBody>
-      </p:sp>
-      <p:sp>
-        <p:nvSpPr>
-          <p:cNvPr id="3" name="Content Placeholder 2">
-            <a:extLst>
-              <a:ext uri="{FF2B5EF4-FFF2-40B4-BE49-F238E27FC236}">
-                <a16:creationId xmlns:a16="http://schemas.microsoft.com/office/drawing/2014/main" id="{F5F89EB4-FE7A-4332-8A77-6D74A195BC07}"/>
-              </a:ext>
-            </a:extLst>
-          </p:cNvPr>
-          <p:cNvSpPr>
-            <a:spLocks noGrp="1"/>
-          </p:cNvSpPr>
-          <p:nvPr>
-            <p:ph idx="1"/>
-          </p:nvPr>
-        </p:nvSpPr>
-        <p:spPr>
-          <a:xfrm>
-            <a:off x="495484" y="1413128"/>
-            <a:ext cx="3554001" cy="5129185"/>
-          </a:xfrm>
-        </p:spPr>
-        <p:txBody>
-          <a:bodyPr>
-            <a:normAutofit/>
-          </a:bodyPr>
-          <a:lstStyle/>
-          <a:p>
-            <a:pPr>
-              <a:lnSpc>
-                <a:spcPct val="100000"/>
-              </a:lnSpc>
-            </a:pPr>
-            <a:r>
-              <a:rPr lang="en-US" sz="2000" dirty="0">
-                <a:ea typeface="Microsoft JhengHei UI" panose="020B0604030504040204" pitchFamily="34" charset="-120"/>
-              </a:rPr>
-              <a:t>Unique ecosystem</a:t>
-            </a:r>
-          </a:p>
-          <a:p>
-            <a:pPr>
-              <a:lnSpc>
-                <a:spcPct val="100000"/>
-              </a:lnSpc>
-            </a:pPr>
-            <a:r>
-              <a:rPr lang="en-US" sz="2000" dirty="0">
-                <a:ea typeface="Microsoft JhengHei UI" panose="020B0604030504040204" pitchFamily="34" charset="-120"/>
-              </a:rPr>
-              <a:t>Provides many ecosystem services</a:t>
-            </a:r>
-          </a:p>
-          <a:p>
-            <a:pPr>
-              <a:lnSpc>
-                <a:spcPct val="100000"/>
-              </a:lnSpc>
-            </a:pPr>
-            <a:r>
-              <a:rPr lang="en-US" sz="2000" dirty="0">
-                <a:ea typeface="Microsoft JhengHei UI" panose="020B0604030504040204" pitchFamily="34" charset="-120"/>
-              </a:rPr>
-              <a:t>Home to many protected species</a:t>
-            </a:r>
-          </a:p>
-          <a:p>
-            <a:pPr>
-              <a:lnSpc>
-                <a:spcPct val="100000"/>
-              </a:lnSpc>
-            </a:pPr>
-            <a:r>
-              <a:rPr lang="en-US" sz="2000" dirty="0">
-                <a:ea typeface="Microsoft JhengHei UI" panose="020B0604030504040204" pitchFamily="34" charset="-120"/>
-              </a:rPr>
-              <a:t>Sustains commercial and recreational fisheries:</a:t>
-            </a:r>
-          </a:p>
-          <a:p>
-            <a:pPr lvl="1">
-              <a:lnSpc>
-                <a:spcPct val="100000"/>
-              </a:lnSpc>
-            </a:pPr>
-            <a:r>
-              <a:rPr lang="en-US" sz="1800" dirty="0">
-                <a:ea typeface="Microsoft JhengHei UI" panose="020B0604030504040204" pitchFamily="34" charset="-120"/>
-              </a:rPr>
-              <a:t>Forage species</a:t>
-            </a:r>
-          </a:p>
-          <a:p>
-            <a:pPr lvl="1">
-              <a:lnSpc>
-                <a:spcPct val="100000"/>
-              </a:lnSpc>
-            </a:pPr>
-            <a:r>
-              <a:rPr lang="en-US" sz="1800" dirty="0">
-                <a:ea typeface="Microsoft JhengHei UI" panose="020B0604030504040204" pitchFamily="34" charset="-120"/>
-              </a:rPr>
-              <a:t>Coastal Pelagic Species</a:t>
-            </a:r>
-          </a:p>
-        </p:txBody>
-      </p:sp>
-      <p:pic>
-        <p:nvPicPr>
-          <p:cNvPr id="8" name="Picture 7">
-            <a:extLst>
-              <a:ext uri="{FF2B5EF4-FFF2-40B4-BE49-F238E27FC236}">
-                <a16:creationId xmlns:a16="http://schemas.microsoft.com/office/drawing/2014/main" id="{E1A0B5D7-8E64-41AF-A5B9-D5CA770A3AE0}"/>
-              </a:ext>
-            </a:extLst>
-          </p:cNvPr>
-          <p:cNvPicPr>
-            <a:picLocks noChangeAspect="1"/>
-          </p:cNvPicPr>
-          <p:nvPr/>
-        </p:nvPicPr>
-        <p:blipFill>
-          <a:blip r:embed="rId4" cstate="print">
-            <a:extLst>
-              <a:ext uri="{28A0092B-C50C-407E-A947-70E740481C1C}">
-                <a14:useLocalDpi xmlns:a14="http://schemas.microsoft.com/office/drawing/2010/main" val="0"/>
-              </a:ext>
-            </a:extLst>
-          </a:blip>
-          <a:stretch>
-            <a:fillRect/>
-          </a:stretch>
-        </p:blipFill>
-        <p:spPr>
-          <a:xfrm>
-            <a:off x="4855853" y="2574066"/>
-            <a:ext cx="477327" cy="514895"/>
-          </a:xfrm>
-          <a:prstGeom prst="rect">
-            <a:avLst/>
-          </a:prstGeom>
-        </p:spPr>
-      </p:pic>
-      <p:sp>
-        <p:nvSpPr>
-          <p:cNvPr id="9" name="TextBox 8">
-            <a:extLst>
-              <a:ext uri="{FF2B5EF4-FFF2-40B4-BE49-F238E27FC236}">
-                <a16:creationId xmlns:a16="http://schemas.microsoft.com/office/drawing/2014/main" id="{62AD89DE-CF48-472C-B256-59AFAA03520B}"/>
-              </a:ext>
-            </a:extLst>
-          </p:cNvPr>
-          <p:cNvSpPr txBox="1"/>
-          <p:nvPr/>
-        </p:nvSpPr>
-        <p:spPr>
-          <a:xfrm>
-            <a:off x="6776428" y="4997123"/>
-            <a:ext cx="1872087" cy="461665"/>
-          </a:xfrm>
-          <a:prstGeom prst="rect">
-            <a:avLst/>
-          </a:prstGeom>
-          <a:noFill/>
-        </p:spPr>
-        <p:txBody>
-          <a:bodyPr wrap="square" rtlCol="0">
-            <a:spAutoFit/>
-          </a:bodyPr>
-          <a:lstStyle/>
-          <a:p>
-            <a:r>
-              <a:rPr lang="en-US" sz="1200" i="1" dirty="0"/>
-              <a:t>Illustration by Fiona Morris</a:t>
-            </a:r>
-          </a:p>
-        </p:txBody>
-      </p:sp>
-      <p:sp>
-        <p:nvSpPr>
-          <p:cNvPr id="6" name="Slide Number Placeholder 5">
-            <a:extLst>
-              <a:ext uri="{FF2B5EF4-FFF2-40B4-BE49-F238E27FC236}">
-                <a16:creationId xmlns:a16="http://schemas.microsoft.com/office/drawing/2014/main" id="{D59AEBD6-2615-4476-8EA6-3992972395BB}"/>
-              </a:ext>
-            </a:extLst>
-          </p:cNvPr>
-          <p:cNvSpPr>
-            <a:spLocks noGrp="1"/>
-          </p:cNvSpPr>
-          <p:nvPr>
-            <p:ph type="sldNum" sz="quarter" idx="12"/>
-          </p:nvPr>
-        </p:nvSpPr>
-        <p:spPr/>
-        <p:txBody>
-          <a:bodyPr/>
-          <a:lstStyle/>
-          <a:p>
-            <a:fld id="{6FD4AA8C-2C0B-45F2-84FF-CF2E58E014B2}" type="slidenum">
-              <a:rPr lang="en-US" smtClean="0"/>
-              <a:t>2</a:t>
-            </a:fld>
-            <a:endParaRPr lang="en-US" dirty="0"/>
-          </a:p>
-        </p:txBody>
-      </p:sp>
-    </p:spTree>
-    <p:extLst>
-      <p:ext uri="{BB962C8B-B14F-4D97-AF65-F5344CB8AC3E}">
-        <p14:creationId xmlns:p14="http://schemas.microsoft.com/office/powerpoint/2010/main" val="567117408"/>
-      </p:ext>
-    </p:extLst>
-  </p:cSld>
-  <p:clrMapOvr>
-    <a:masterClrMapping/>
-  </p:clrMapOvr>
-</p:sld>
-</file>
-
-<file path=ppt/slides/slide20.xml><?xml version="1.0" encoding="utf-8"?>
+<file path=ppt/slides/slide21.xml><?xml version="1.0" encoding="utf-8"?>
 <p:sld xmlns:a="http://schemas.openxmlformats.org/drawingml/2006/main" xmlns:r="http://schemas.openxmlformats.org/officeDocument/2006/relationships" xmlns:p="http://schemas.openxmlformats.org/presentationml/2006/main" show="0">
   <p:cSld>
     <p:spTree>
@@ -14631,7 +14929,7 @@
           <a:p>
             <a:fld id="{6FD4AA8C-2C0B-45F2-84FF-CF2E58E014B2}" type="slidenum">
               <a:rPr lang="en-US" smtClean="0"/>
-              <a:t>20</a:t>
+              <a:t>21</a:t>
             </a:fld>
             <a:endParaRPr lang="en-US"/>
           </a:p>
@@ -14650,7 +14948,7 @@
 </p:sld>
 </file>
 
-<file path=ppt/slides/slide21.xml><?xml version="1.0" encoding="utf-8"?>
+<file path=ppt/slides/slide22.xml><?xml version="1.0" encoding="utf-8"?>
 <p:sld xmlns:a="http://schemas.openxmlformats.org/drawingml/2006/main" xmlns:r="http://schemas.openxmlformats.org/officeDocument/2006/relationships" xmlns:p="http://schemas.openxmlformats.org/presentationml/2006/main" show="0">
   <p:cSld>
     <p:spTree>
@@ -14769,7 +15067,7 @@
           <a:p>
             <a:fld id="{6FD4AA8C-2C0B-45F2-84FF-CF2E58E014B2}" type="slidenum">
               <a:rPr lang="en-US" smtClean="0"/>
-              <a:t>21</a:t>
+              <a:t>22</a:t>
             </a:fld>
             <a:endParaRPr lang="en-US"/>
           </a:p>
@@ -14818,7 +15116,7 @@
 </p:sld>
 </file>
 
-<file path=ppt/slides/slide22.xml><?xml version="1.0" encoding="utf-8"?>
+<file path=ppt/slides/slide23.xml><?xml version="1.0" encoding="utf-8"?>
 <p:sld xmlns:a="http://schemas.openxmlformats.org/drawingml/2006/main" xmlns:r="http://schemas.openxmlformats.org/officeDocument/2006/relationships" xmlns:p="http://schemas.openxmlformats.org/presentationml/2006/main" show="0">
   <p:cSld>
     <p:spTree>
@@ -15872,7 +16170,7 @@
           <a:p>
             <a:fld id="{6FD4AA8C-2C0B-45F2-84FF-CF2E58E014B2}" type="slidenum">
               <a:rPr lang="en-US" smtClean="0"/>
-              <a:t>22</a:t>
+              <a:t>23</a:t>
             </a:fld>
             <a:endParaRPr lang="en-US"/>
           </a:p>
@@ -15891,7 +16189,7 @@
 </p:sld>
 </file>
 
-<file path=ppt/slides/slide23.xml><?xml version="1.0" encoding="utf-8"?>
+<file path=ppt/slides/slide24.xml><?xml version="1.0" encoding="utf-8"?>
 <p:sld xmlns:a="http://schemas.openxmlformats.org/drawingml/2006/main" xmlns:r="http://schemas.openxmlformats.org/officeDocument/2006/relationships" xmlns:p="http://schemas.openxmlformats.org/presentationml/2006/main" show="0">
   <p:cSld>
     <p:spTree>
@@ -17467,7 +17765,7 @@
           <a:p>
             <a:fld id="{6FD4AA8C-2C0B-45F2-84FF-CF2E58E014B2}" type="slidenum">
               <a:rPr lang="en-US" smtClean="0"/>
-              <a:t>23</a:t>
+              <a:t>24</a:t>
             </a:fld>
             <a:endParaRPr lang="en-US"/>
           </a:p>
@@ -17477,143 +17775,6 @@
     <p:extLst>
       <p:ext uri="{BB962C8B-B14F-4D97-AF65-F5344CB8AC3E}">
         <p14:creationId xmlns:p14="http://schemas.microsoft.com/office/powerpoint/2010/main" val="4153786854"/>
-      </p:ext>
-    </p:extLst>
-  </p:cSld>
-  <p:clrMapOvr>
-    <a:masterClrMapping/>
-  </p:clrMapOvr>
-</p:sld>
-</file>
-
-<file path=ppt/slides/slide24.xml><?xml version="1.0" encoding="utf-8"?>
-<p:sld xmlns:a="http://schemas.openxmlformats.org/drawingml/2006/main" xmlns:r="http://schemas.openxmlformats.org/officeDocument/2006/relationships" xmlns:p="http://schemas.openxmlformats.org/presentationml/2006/main" show="0">
-  <p:cSld>
-    <p:spTree>
-      <p:nvGrpSpPr>
-        <p:cNvPr id="1" name=""/>
-        <p:cNvGrpSpPr/>
-        <p:nvPr/>
-      </p:nvGrpSpPr>
-      <p:grpSpPr>
-        <a:xfrm>
-          <a:off x="0" y="0"/>
-          <a:ext cx="0" cy="0"/>
-          <a:chOff x="0" y="0"/>
-          <a:chExt cx="0" cy="0"/>
-        </a:xfrm>
-      </p:grpSpPr>
-      <p:sp>
-        <p:nvSpPr>
-          <p:cNvPr id="2" name="Title 1">
-            <a:extLst>
-              <a:ext uri="{FF2B5EF4-FFF2-40B4-BE49-F238E27FC236}">
-                <a16:creationId xmlns:a16="http://schemas.microsoft.com/office/drawing/2014/main" id="{AB146FD5-B7E6-4311-BEFD-D6D4A89D4FAF}"/>
-              </a:ext>
-            </a:extLst>
-          </p:cNvPr>
-          <p:cNvSpPr>
-            <a:spLocks noGrp="1"/>
-          </p:cNvSpPr>
-          <p:nvPr>
-            <p:ph type="title"/>
-          </p:nvPr>
-        </p:nvSpPr>
-        <p:spPr>
-          <a:xfrm>
-            <a:off x="0" y="1"/>
-            <a:ext cx="9144000" cy="923278"/>
-          </a:xfrm>
-          <a:solidFill>
-            <a:srgbClr val="003C6C"/>
-          </a:solidFill>
-        </p:spPr>
-        <p:txBody>
-          <a:bodyPr>
-            <a:noAutofit/>
-          </a:bodyPr>
-          <a:lstStyle/>
-          <a:p>
-            <a:r>
-              <a:rPr lang="en-US" sz="3200" dirty="0">
-                <a:solidFill>
-                  <a:schemeClr val="bg1"/>
-                </a:solidFill>
-                <a:latin typeface="+mn-lt"/>
-              </a:rPr>
-              <a:t>  Results: Sardine more preferred than squid</a:t>
-            </a:r>
-          </a:p>
-        </p:txBody>
-      </p:sp>
-      <p:pic>
-        <p:nvPicPr>
-          <p:cNvPr id="6" name="Content Placeholder 5">
-            <a:extLst>
-              <a:ext uri="{FF2B5EF4-FFF2-40B4-BE49-F238E27FC236}">
-                <a16:creationId xmlns:a16="http://schemas.microsoft.com/office/drawing/2014/main" id="{4E9124C2-AAB9-4277-B440-1905D276226A}"/>
-              </a:ext>
-            </a:extLst>
-          </p:cNvPr>
-          <p:cNvPicPr>
-            <a:picLocks noGrp="1" noChangeAspect="1"/>
-          </p:cNvPicPr>
-          <p:nvPr>
-            <p:ph idx="1"/>
-          </p:nvPr>
-        </p:nvPicPr>
-        <p:blipFill>
-          <a:blip r:embed="rId3">
-            <a:extLst>
-              <a:ext uri="{28A0092B-C50C-407E-A947-70E740481C1C}">
-                <a14:useLocalDpi xmlns:a14="http://schemas.microsoft.com/office/drawing/2010/main" val="0"/>
-              </a:ext>
-            </a:extLst>
-          </a:blip>
-          <a:stretch>
-            <a:fillRect/>
-          </a:stretch>
-        </p:blipFill>
-        <p:spPr>
-          <a:xfrm>
-            <a:off x="259901" y="1177467"/>
-            <a:ext cx="8624197" cy="5322361"/>
-          </a:xfrm>
-        </p:spPr>
-      </p:pic>
-      <p:sp>
-        <p:nvSpPr>
-          <p:cNvPr id="5" name="Slide Number Placeholder 4">
-            <a:extLst>
-              <a:ext uri="{FF2B5EF4-FFF2-40B4-BE49-F238E27FC236}">
-                <a16:creationId xmlns:a16="http://schemas.microsoft.com/office/drawing/2014/main" id="{B63F1F1F-4FB3-4CE5-BD91-1E702B3DAE91}"/>
-              </a:ext>
-            </a:extLst>
-          </p:cNvPr>
-          <p:cNvSpPr>
-            <a:spLocks noGrp="1"/>
-          </p:cNvSpPr>
-          <p:nvPr>
-            <p:ph type="sldNum" sz="quarter" idx="12"/>
-          </p:nvPr>
-        </p:nvSpPr>
-        <p:spPr/>
-        <p:txBody>
-          <a:bodyPr/>
-          <a:lstStyle/>
-          <a:p>
-            <a:fld id="{6FD4AA8C-2C0B-45F2-84FF-CF2E58E014B2}" type="slidenum">
-              <a:rPr lang="en-US" smtClean="0"/>
-              <a:t>24</a:t>
-            </a:fld>
-            <a:endParaRPr lang="en-US"/>
-          </a:p>
-        </p:txBody>
-      </p:sp>
-    </p:spTree>
-    <p:extLst>
-      <p:ext uri="{BB962C8B-B14F-4D97-AF65-F5344CB8AC3E}">
-        <p14:creationId xmlns:p14="http://schemas.microsoft.com/office/powerpoint/2010/main" val="3608945073"/>
       </p:ext>
     </p:extLst>
   </p:cSld>
@@ -20464,13 +20625,13 @@
         </p:nvSpPr>
         <p:spPr>
           <a:xfrm>
-            <a:off x="389785" y="1546294"/>
-            <a:ext cx="8047633" cy="4351338"/>
+            <a:off x="389785" y="1162595"/>
+            <a:ext cx="8349266" cy="5193756"/>
           </a:xfrm>
         </p:spPr>
         <p:txBody>
           <a:bodyPr>
-            <a:normAutofit fontScale="92500"/>
+            <a:normAutofit/>
           </a:bodyPr>
           <a:lstStyle/>
           <a:p>
@@ -20648,25 +20809,25 @@
           <a:lstStyle/>
           <a:p>
             <a:r>
-              <a:rPr lang="en-US" sz="2200" dirty="0"/>
+              <a:rPr lang="en-US" dirty="0"/>
               <a:t>Two approaches</a:t>
             </a:r>
           </a:p>
           <a:p>
             <a:pPr lvl="1"/>
             <a:r>
-              <a:rPr lang="en-US" sz="1900" dirty="0"/>
+              <a:rPr lang="en-US" dirty="0"/>
               <a:t>Landings model (results using public aggregate data).</a:t>
             </a:r>
           </a:p>
           <a:p>
             <a:pPr lvl="1"/>
             <a:r>
-              <a:rPr lang="en-US" sz="1900" dirty="0"/>
+              <a:rPr lang="en-US" dirty="0"/>
               <a:t>Participation model (</a:t>
             </a:r>
             <a:r>
-              <a:rPr lang="en-US" sz="1900" dirty="0">
+              <a:rPr lang="en-US" dirty="0">
                 <a:solidFill>
                   <a:srgbClr val="FF0000"/>
                 </a:solidFill>
@@ -20674,45 +20835,45 @@
               <a:t>no results yet</a:t>
             </a:r>
             <a:r>
-              <a:rPr lang="en-US" sz="1900" dirty="0"/>
+              <a:rPr lang="en-US" dirty="0"/>
               <a:t>).</a:t>
             </a:r>
           </a:p>
           <a:p>
-            <a:endParaRPr lang="en-US" sz="2200" dirty="0"/>
-          </a:p>
-          <a:p>
-            <a:r>
-              <a:rPr lang="en-US" sz="2200" dirty="0"/>
+            <a:endParaRPr lang="en-US" dirty="0"/>
+          </a:p>
+          <a:p>
+            <a:r>
+              <a:rPr lang="en-US" dirty="0"/>
               <a:t>Data</a:t>
             </a:r>
           </a:p>
           <a:p>
             <a:pPr lvl="1"/>
             <a:r>
-              <a:rPr lang="en-US" sz="1900" dirty="0"/>
+              <a:rPr lang="en-US" dirty="0"/>
               <a:t>Fish tickets from The Pacific Fisheries Information Network (</a:t>
             </a:r>
             <a:r>
-              <a:rPr lang="en-US" sz="1900" dirty="0" err="1"/>
+              <a:rPr lang="en-US" dirty="0" err="1"/>
               <a:t>PacFIN</a:t>
             </a:r>
             <a:r>
-              <a:rPr lang="en-US" sz="1900" dirty="0"/>
+              <a:rPr lang="en-US" dirty="0"/>
               <a:t>) from 1980-2020</a:t>
             </a:r>
           </a:p>
           <a:p>
             <a:pPr lvl="1"/>
             <a:r>
-              <a:rPr lang="en-US" sz="1900" dirty="0"/>
+              <a:rPr lang="en-US" dirty="0"/>
               <a:t>Current and projected species distribution from Species Distribution Models (SDMs) from </a:t>
             </a:r>
             <a:r>
-              <a:rPr lang="en-US" sz="1900" b="1" dirty="0"/>
+              <a:rPr lang="en-US" b="1" dirty="0"/>
               <a:t>1997-2018</a:t>
             </a:r>
-            <a:endParaRPr lang="en-US" b="1" dirty="0"/>
+            <a:endParaRPr lang="en-US" sz="3200" b="1" dirty="0"/>
           </a:p>
         </p:txBody>
       </p:sp>
@@ -21057,8 +21218,8 @@
         </p:nvSpPr>
         <p:spPr>
           <a:xfrm>
-            <a:off x="184803" y="3050210"/>
-            <a:ext cx="4031014" cy="3254977"/>
+            <a:off x="184803" y="3296430"/>
+            <a:ext cx="4031014" cy="2762535"/>
           </a:xfrm>
           <a:prstGeom prst="rect">
             <a:avLst/>
@@ -21323,30 +21484,8 @@
             </a:pPr>
             <a:r>
               <a:rPr lang="en-US" sz="1600" dirty="0"/>
-              <a:t>Data</a:t>
-            </a:r>
-            <a:r>
-              <a:rPr lang="en-US" sz="1600"/>
-              <a:t>: Logbooks </a:t>
-            </a:r>
-            <a:endParaRPr lang="en-US" sz="1600" dirty="0"/>
-          </a:p>
-          <a:p>
-            <a:pPr marL="285750" indent="-285750">
-              <a:buFont typeface="Arial" panose="020B0604020202020204" pitchFamily="34" charset="0"/>
-              <a:buChar char="•"/>
-            </a:pPr>
-            <a:r>
-              <a:rPr lang="en-US" sz="1600"/>
-              <a:t>Problem with selection</a:t>
-            </a:r>
-            <a:endParaRPr lang="en-US" sz="1600" dirty="0"/>
-          </a:p>
-          <a:p>
-            <a:pPr marL="285750" indent="-285750">
-              <a:buFont typeface="Arial" panose="020B0604020202020204" pitchFamily="34" charset="0"/>
-              <a:buChar char="•"/>
-            </a:pPr>
+              <a:t>Data: Logbooks </a:t>
+            </a:r>
             <a:endParaRPr lang="en-US" sz="1600" dirty="0">
               <a:solidFill>
                 <a:schemeClr val="tx1"/>

--- a/Slides/slides_landing_FQE.pptx
+++ b/Slides/slides_landing_FQE.pptx
@@ -4034,6 +4034,45 @@
               <a:buFontTx/>
               <a:buChar char="-"/>
             </a:pPr>
+            <a:r>
+              <a:rPr lang="en-US" sz="1200" b="0" i="0" kern="1200" dirty="0">
+                <a:solidFill>
+                  <a:schemeClr val="tx1"/>
+                </a:solidFill>
+                <a:effectLst/>
+                <a:latin typeface="+mn-lt"/>
+                <a:ea typeface="+mn-ea"/>
+                <a:cs typeface="+mn-cs"/>
+              </a:rPr>
+              <a:t>How easy a vessel changes between species (or </a:t>
+            </a:r>
+            <a:r>
+              <a:rPr lang="en-US" sz="1200" b="0" i="0" kern="1200">
+                <a:solidFill>
+                  <a:schemeClr val="tx1"/>
+                </a:solidFill>
+                <a:effectLst/>
+                <a:latin typeface="+mn-lt"/>
+                <a:ea typeface="+mn-ea"/>
+                <a:cs typeface="+mn-cs"/>
+              </a:rPr>
+              <a:t>between gears)</a:t>
+            </a:r>
+            <a:endParaRPr lang="en-US" sz="1200" b="0" i="0" kern="1200" dirty="0">
+              <a:solidFill>
+                <a:schemeClr val="tx1"/>
+              </a:solidFill>
+              <a:effectLst/>
+              <a:latin typeface="+mn-lt"/>
+              <a:ea typeface="+mn-ea"/>
+              <a:cs typeface="+mn-cs"/>
+            </a:endParaRPr>
+          </a:p>
+          <a:p>
+            <a:pPr marL="171450" indent="-171450">
+              <a:buFontTx/>
+              <a:buChar char="-"/>
+            </a:pPr>
             <a:endParaRPr lang="en-US" sz="1200" b="0" i="0" kern="1200" dirty="0">
               <a:solidFill>
                 <a:schemeClr val="tx1"/>
@@ -21229,7 +21268,7 @@
           </a:ln>
           <a:extLst>
             <a:ext uri="{C572A759-6A51-4108-AA02-DFA0A04FC94B}">
-              <ma14:wrappingTextBoxFlag xmlns:lc="http://schemas.openxmlformats.org/drawingml/2006/lockedCanvas" xmlns:ma14="http://schemas.microsoft.com/office/mac/drawingml/2011/main" xmlns:a14="http://schemas.microsoft.com/office/drawing/2010/main" xmlns:m="http://schemas.openxmlformats.org/officeDocument/2006/math" xmlns="" val="1"/>
+              <ma14:wrappingTextBoxFlag xmlns="" xmlns:m="http://schemas.openxmlformats.org/officeDocument/2006/math" xmlns:a14="http://schemas.microsoft.com/office/drawing/2010/main" xmlns:ma14="http://schemas.microsoft.com/office/mac/drawingml/2011/main" xmlns:lc="http://schemas.openxmlformats.org/drawingml/2006/lockedCanvas" val="1"/>
             </a:ext>
           </a:extLst>
         </p:spPr>

--- a/Slides/slides_landing_FQE.pptx
+++ b/Slides/slides_landing_FQE.pptx
@@ -5,35 +5,34 @@
     <p:sldMasterId id="2147483660" r:id="rId1"/>
   </p:sldMasterIdLst>
   <p:notesMasterIdLst>
-    <p:notesMasterId r:id="rId28"/>
+    <p:notesMasterId r:id="rId27"/>
   </p:notesMasterIdLst>
   <p:sldIdLst>
     <p:sldId id="256" r:id="rId2"/>
-    <p:sldId id="257" r:id="rId3"/>
-    <p:sldId id="263" r:id="rId4"/>
-    <p:sldId id="284" r:id="rId5"/>
-    <p:sldId id="261" r:id="rId6"/>
-    <p:sldId id="288" r:id="rId7"/>
-    <p:sldId id="264" r:id="rId8"/>
-    <p:sldId id="274" r:id="rId9"/>
-    <p:sldId id="279" r:id="rId10"/>
-    <p:sldId id="289" r:id="rId11"/>
-    <p:sldId id="275" r:id="rId12"/>
-    <p:sldId id="278" r:id="rId13"/>
-    <p:sldId id="290" r:id="rId14"/>
-    <p:sldId id="269" r:id="rId15"/>
-    <p:sldId id="270" r:id="rId16"/>
-    <p:sldId id="271" r:id="rId17"/>
-    <p:sldId id="273" r:id="rId18"/>
-    <p:sldId id="266" r:id="rId19"/>
-    <p:sldId id="265" r:id="rId20"/>
-    <p:sldId id="268" r:id="rId21"/>
-    <p:sldId id="260" r:id="rId22"/>
-    <p:sldId id="283" r:id="rId23"/>
-    <p:sldId id="287" r:id="rId24"/>
-    <p:sldId id="277" r:id="rId25"/>
-    <p:sldId id="272" r:id="rId26"/>
-    <p:sldId id="280" r:id="rId27"/>
+    <p:sldId id="264" r:id="rId3"/>
+    <p:sldId id="292" r:id="rId4"/>
+    <p:sldId id="274" r:id="rId5"/>
+    <p:sldId id="279" r:id="rId6"/>
+    <p:sldId id="270" r:id="rId7"/>
+    <p:sldId id="266" r:id="rId8"/>
+    <p:sldId id="268" r:id="rId9"/>
+    <p:sldId id="284" r:id="rId10"/>
+    <p:sldId id="257" r:id="rId11"/>
+    <p:sldId id="263" r:id="rId12"/>
+    <p:sldId id="261" r:id="rId13"/>
+    <p:sldId id="288" r:id="rId14"/>
+    <p:sldId id="289" r:id="rId15"/>
+    <p:sldId id="275" r:id="rId16"/>
+    <p:sldId id="278" r:id="rId17"/>
+    <p:sldId id="290" r:id="rId18"/>
+    <p:sldId id="269" r:id="rId19"/>
+    <p:sldId id="271" r:id="rId20"/>
+    <p:sldId id="260" r:id="rId21"/>
+    <p:sldId id="283" r:id="rId22"/>
+    <p:sldId id="287" r:id="rId23"/>
+    <p:sldId id="277" r:id="rId24"/>
+    <p:sldId id="272" r:id="rId25"/>
+    <p:sldId id="280" r:id="rId26"/>
   </p:sldIdLst>
   <p:sldSz cx="9144000" cy="6858000" type="screen4x3"/>
   <p:notesSz cx="6858000" cy="9144000"/>
@@ -3647,7 +3646,7 @@
           <a:p>
             <a:fld id="{832EBBF9-F82F-44D3-89EF-0D00AAB7E8EF}" type="datetimeFigureOut">
               <a:rPr lang="en-US" smtClean="0"/>
-              <a:t>11/8/2021</a:t>
+              <a:t>11/30/2021</a:t>
             </a:fld>
             <a:endParaRPr lang="en-US"/>
           </a:p>
@@ -4165,324 +4164,10 @@
           <a:bodyPr/>
           <a:lstStyle/>
           <a:p>
-            <a:pPr marL="171450" marR="0" lvl="0" indent="-171450" algn="l" defTabSz="914400" rtl="0" eaLnBrk="1" fontAlgn="auto" latinLnBrk="0" hangingPunct="1">
-              <a:lnSpc>
-                <a:spcPct val="100000"/>
-              </a:lnSpc>
-              <a:spcBef>
-                <a:spcPts val="0"/>
-              </a:spcBef>
-              <a:spcAft>
-                <a:spcPts val="0"/>
-              </a:spcAft>
-              <a:buClrTx/>
-              <a:buSzTx/>
-              <a:buFontTx/>
-              <a:buChar char="-"/>
-              <a:tabLst/>
-              <a:defRPr/>
-            </a:pPr>
-            <a:r>
-              <a:rPr lang="en-US" b="1" i="1" dirty="0"/>
-              <a:t>Multilevel Bayesian:</a:t>
-            </a:r>
-          </a:p>
-          <a:p>
-            <a:pPr marL="628650" marR="0" lvl="1" indent="-171450" algn="l" defTabSz="914400" rtl="0" eaLnBrk="1" fontAlgn="auto" latinLnBrk="0" hangingPunct="1">
-              <a:lnSpc>
-                <a:spcPct val="100000"/>
-              </a:lnSpc>
-              <a:spcBef>
-                <a:spcPts val="0"/>
-              </a:spcBef>
-              <a:spcAft>
-                <a:spcPts val="0"/>
-              </a:spcAft>
-              <a:buClrTx/>
-              <a:buSzTx/>
-              <a:buFontTx/>
-              <a:buChar char="-"/>
-              <a:tabLst/>
-              <a:defRPr/>
-            </a:pPr>
-            <a:r>
-              <a:rPr lang="en-US" b="0" i="1" dirty="0"/>
-              <a:t>Easy to incorporate non-linear models</a:t>
-            </a:r>
-          </a:p>
-          <a:p>
-            <a:pPr marL="628650" marR="0" lvl="1" indent="-171450" algn="l" defTabSz="914400" rtl="0" eaLnBrk="1" fontAlgn="auto" latinLnBrk="0" hangingPunct="1">
-              <a:lnSpc>
-                <a:spcPct val="100000"/>
-              </a:lnSpc>
-              <a:spcBef>
-                <a:spcPts val="0"/>
-              </a:spcBef>
-              <a:spcAft>
-                <a:spcPts val="0"/>
-              </a:spcAft>
-              <a:buClrTx/>
-              <a:buSzTx/>
-              <a:buFontTx/>
-              <a:buChar char="-"/>
-              <a:tabLst/>
-              <a:defRPr/>
-            </a:pPr>
-            <a:r>
-              <a:rPr lang="en-US" b="0" i="1" dirty="0"/>
-              <a:t>Easy to include different hierarchical levels.</a:t>
-            </a:r>
-          </a:p>
-          <a:p>
-            <a:pPr marL="628650" marR="0" lvl="1" indent="-171450" algn="l" defTabSz="914400" rtl="0" eaLnBrk="1" fontAlgn="auto" latinLnBrk="0" hangingPunct="1">
-              <a:lnSpc>
-                <a:spcPct val="100000"/>
-              </a:lnSpc>
-              <a:spcBef>
-                <a:spcPts val="0"/>
-              </a:spcBef>
-              <a:spcAft>
-                <a:spcPts val="0"/>
-              </a:spcAft>
-              <a:buClrTx/>
-              <a:buSzTx/>
-              <a:buFontTx/>
-              <a:buChar char="-"/>
-              <a:tabLst/>
-              <a:defRPr/>
-            </a:pPr>
-            <a:r>
-              <a:rPr lang="en-US" b="0" i="1" dirty="0"/>
-              <a:t>Naturally assume a prior distribution for the group level effect</a:t>
-            </a:r>
-          </a:p>
-          <a:p>
-            <a:pPr marL="628650" marR="0" lvl="1" indent="-171450" algn="l" defTabSz="914400" rtl="0" eaLnBrk="1" fontAlgn="auto" latinLnBrk="0" hangingPunct="1">
-              <a:lnSpc>
-                <a:spcPct val="100000"/>
-              </a:lnSpc>
-              <a:spcBef>
-                <a:spcPts val="0"/>
-              </a:spcBef>
-              <a:spcAft>
-                <a:spcPts val="0"/>
-              </a:spcAft>
-              <a:buClrTx/>
-              <a:buSzTx/>
-              <a:buFontTx/>
-              <a:buChar char="-"/>
-              <a:tabLst/>
-              <a:defRPr/>
-            </a:pPr>
-            <a:endParaRPr lang="en-US" b="1" i="1" dirty="0"/>
-          </a:p>
-          <a:p>
-            <a:pPr marL="171450" marR="0" lvl="0" indent="-171450" algn="l" defTabSz="914400" rtl="0" eaLnBrk="1" fontAlgn="auto" latinLnBrk="0" hangingPunct="1">
-              <a:lnSpc>
-                <a:spcPct val="100000"/>
-              </a:lnSpc>
-              <a:spcBef>
-                <a:spcPts val="0"/>
-              </a:spcBef>
-              <a:spcAft>
-                <a:spcPts val="0"/>
-              </a:spcAft>
-              <a:buClrTx/>
-              <a:buSzTx/>
-              <a:buFontTx/>
-              <a:buChar char="-"/>
-              <a:tabLst/>
-              <a:defRPr/>
-            </a:pPr>
-            <a:r>
-              <a:rPr lang="en-US" b="1" i="1" dirty="0"/>
-              <a:t>Talk that ports were selected if we observe landings of the species in consideration. </a:t>
-            </a:r>
-            <a:endParaRPr lang="en-US" b="1" dirty="0"/>
-          </a:p>
-          <a:p>
-            <a:pPr marL="0" marR="0" lvl="0" indent="0" algn="l" defTabSz="914400" rtl="0" eaLnBrk="1" fontAlgn="auto" latinLnBrk="0" hangingPunct="1">
-              <a:lnSpc>
-                <a:spcPct val="100000"/>
-              </a:lnSpc>
-              <a:spcBef>
-                <a:spcPts val="0"/>
-              </a:spcBef>
-              <a:spcAft>
-                <a:spcPts val="0"/>
-              </a:spcAft>
-              <a:buClrTx/>
-              <a:buSzTx/>
-              <a:buFontTx/>
-              <a:buNone/>
-              <a:tabLst/>
-              <a:defRPr/>
-            </a:pPr>
-            <a:endParaRPr lang="en-US" i="1" dirty="0"/>
-          </a:p>
-          <a:p>
-            <a:pPr>
-              <a:defRPr/>
-            </a:pPr>
-            <a:endParaRPr lang="en-US" dirty="0"/>
-          </a:p>
-          <a:p>
-            <a:pPr marL="0" marR="0" lvl="0" indent="0" algn="l" defTabSz="914400" rtl="0" eaLnBrk="1" fontAlgn="auto" latinLnBrk="0" hangingPunct="1">
-              <a:lnSpc>
-                <a:spcPct val="100000"/>
-              </a:lnSpc>
-              <a:spcBef>
-                <a:spcPts val="0"/>
-              </a:spcBef>
-              <a:spcAft>
-                <a:spcPts val="0"/>
-              </a:spcAft>
-              <a:buClrTx/>
-              <a:buSzTx/>
-              <a:buFontTx/>
-              <a:buNone/>
-              <a:tabLst/>
-              <a:defRPr/>
-            </a:pPr>
             <a:r>
               <a:rPr lang="en-US" dirty="0"/>
-              <a:t>DS.</a:t>
-            </a:r>
-            <a:r>
-              <a:rPr lang="en-US" sz="1200" b="0" i="0" kern="1200" dirty="0">
-                <a:solidFill>
-                  <a:schemeClr val="tx1"/>
-                </a:solidFill>
-                <a:effectLst/>
-                <a:latin typeface="+mn-lt"/>
-                <a:ea typeface="+mn-ea"/>
-                <a:cs typeface="+mn-cs"/>
-              </a:rPr>
-              <a:t>Q: Felipe, you are looking at distribution of fishing locations and fish caught and landed in those locations as opposed to some objective level of abundance and distribution, right? The data are fishery dependent, and hence there is potential endogeneity and sample selection bias both in the choice of fishing and </a:t>
-            </a:r>
-            <a:r>
-              <a:rPr lang="en-US" sz="1200" b="0" i="0" kern="1200" dirty="0" err="1">
-                <a:solidFill>
-                  <a:schemeClr val="tx1"/>
-                </a:solidFill>
-                <a:effectLst/>
-                <a:latin typeface="+mn-lt"/>
-                <a:ea typeface="+mn-ea"/>
-                <a:cs typeface="+mn-cs"/>
-              </a:rPr>
-              <a:t>landngs</a:t>
-            </a:r>
-            <a:r>
-              <a:rPr lang="en-US" sz="1200" b="0" i="0" kern="1200" dirty="0">
-                <a:solidFill>
-                  <a:schemeClr val="tx1"/>
-                </a:solidFill>
-                <a:effectLst/>
-                <a:latin typeface="+mn-lt"/>
-                <a:ea typeface="+mn-ea"/>
-                <a:cs typeface="+mn-cs"/>
-              </a:rPr>
-              <a:t> but using a port in the first place from historical data, all from logbook data. S</a:t>
-            </a:r>
-          </a:p>
-          <a:p>
-            <a:r>
-              <a:rPr lang="en-US" sz="1200" b="0" i="0" kern="1200" dirty="0">
-                <a:solidFill>
-                  <a:schemeClr val="tx1"/>
-                </a:solidFill>
-                <a:effectLst/>
-                <a:latin typeface="+mn-lt"/>
-                <a:ea typeface="+mn-ea"/>
-                <a:cs typeface="+mn-cs"/>
-              </a:rPr>
-              <a:t>So, these are abundance not as if from a random selection across all areas.</a:t>
-            </a:r>
-          </a:p>
-          <a:p>
-            <a:endParaRPr lang="en-US" sz="1200" b="0" i="0" kern="1200" dirty="0">
-              <a:solidFill>
-                <a:schemeClr val="tx1"/>
-              </a:solidFill>
-              <a:effectLst/>
-              <a:latin typeface="+mn-lt"/>
-              <a:ea typeface="+mn-ea"/>
-              <a:cs typeface="+mn-cs"/>
-            </a:endParaRPr>
-          </a:p>
-          <a:p>
-            <a:pPr marL="0" marR="0" lvl="0" indent="0" algn="l" defTabSz="914400" rtl="0" eaLnBrk="1" fontAlgn="auto" latinLnBrk="0" hangingPunct="1">
-              <a:lnSpc>
-                <a:spcPct val="100000"/>
-              </a:lnSpc>
-              <a:spcBef>
-                <a:spcPts val="0"/>
-              </a:spcBef>
-              <a:spcAft>
-                <a:spcPts val="0"/>
-              </a:spcAft>
-              <a:buClrTx/>
-              <a:buSzTx/>
-              <a:buFontTx/>
-              <a:buNone/>
-              <a:tabLst/>
-              <a:defRPr/>
-            </a:pPr>
-            <a:r>
-              <a:rPr lang="en-US" sz="1200" b="0" i="0" kern="1200" dirty="0">
-                <a:solidFill>
-                  <a:schemeClr val="tx1"/>
-                </a:solidFill>
-                <a:effectLst/>
-                <a:latin typeface="+mn-lt"/>
-                <a:ea typeface="+mn-ea"/>
-                <a:cs typeface="+mn-cs"/>
-              </a:rPr>
-              <a:t>R: No, I'm looking just landings, this questions is for the discrete choice model for locations. Regard to selection bias, you are right. </a:t>
-            </a:r>
-          </a:p>
-          <a:p>
-            <a:pPr marL="0" marR="0" lvl="0" indent="0" algn="l" defTabSz="914400" rtl="0" eaLnBrk="1" fontAlgn="auto" latinLnBrk="0" hangingPunct="1">
-              <a:lnSpc>
-                <a:spcPct val="100000"/>
-              </a:lnSpc>
-              <a:spcBef>
-                <a:spcPts val="0"/>
-              </a:spcBef>
-              <a:spcAft>
-                <a:spcPts val="0"/>
-              </a:spcAft>
-              <a:buClrTx/>
-              <a:buSzTx/>
-              <a:buFontTx/>
-              <a:buNone/>
-              <a:tabLst/>
-              <a:defRPr/>
-            </a:pPr>
-            <a:endParaRPr lang="en-US" i="1" dirty="0"/>
-          </a:p>
-          <a:p>
-            <a:pPr marL="0" marR="0" lvl="0" indent="0" algn="l" defTabSz="914400" rtl="0" eaLnBrk="1" fontAlgn="auto" latinLnBrk="0" hangingPunct="1">
-              <a:lnSpc>
-                <a:spcPct val="100000"/>
-              </a:lnSpc>
-              <a:spcBef>
-                <a:spcPts val="0"/>
-              </a:spcBef>
-              <a:spcAft>
-                <a:spcPts val="0"/>
-              </a:spcAft>
-              <a:buClrTx/>
-              <a:buSzTx/>
-              <a:buFontTx/>
-              <a:buNone/>
-              <a:tabLst/>
-              <a:defRPr/>
-            </a:pPr>
-            <a:endParaRPr lang="en-US" i="1" dirty="0"/>
-          </a:p>
-          <a:p>
-            <a:endParaRPr lang="en-US" dirty="0"/>
+              <a:t>Talk about first hypothesis on abundance.</a:t>
+            </a:r>
           </a:p>
         </p:txBody>
       </p:sp>
@@ -4503,7 +4188,7 @@
           <a:p>
             <a:fld id="{B751F954-3776-48DE-B231-63E89C74A71E}" type="slidenum">
               <a:rPr lang="en-US" smtClean="0"/>
-              <a:t>11</a:t>
+              <a:t>12</a:t>
             </a:fld>
             <a:endParaRPr lang="en-US"/>
           </a:p>
@@ -4512,7 +4197,7 @@
     </p:spTree>
     <p:extLst>
       <p:ext uri="{BB962C8B-B14F-4D97-AF65-F5344CB8AC3E}">
-        <p14:creationId xmlns:p14="http://schemas.microsoft.com/office/powerpoint/2010/main" val="462084604"/>
+        <p14:creationId xmlns:p14="http://schemas.microsoft.com/office/powerpoint/2010/main" val="1950580843"/>
       </p:ext>
     </p:extLst>
   </p:cSld>
@@ -4566,208 +4251,6 @@
           <a:bodyPr/>
           <a:lstStyle/>
           <a:p>
-            <a:r>
-              <a:rPr lang="en-US" dirty="0"/>
-              <a:t>Random effect model, similar to panel data model.</a:t>
-            </a:r>
-          </a:p>
-          <a:p>
-            <a:endParaRPr lang="en-US" dirty="0"/>
-          </a:p>
-          <a:p>
-            <a:r>
-              <a:rPr lang="en-US" dirty="0"/>
-              <a:t>DS:</a:t>
-            </a:r>
-          </a:p>
-          <a:p>
-            <a:pPr marL="171450" marR="0" lvl="0" indent="-171450" algn="l" defTabSz="914400" rtl="0" eaLnBrk="1" fontAlgn="auto" latinLnBrk="0" hangingPunct="1">
-              <a:lnSpc>
-                <a:spcPct val="100000"/>
-              </a:lnSpc>
-              <a:spcBef>
-                <a:spcPts val="0"/>
-              </a:spcBef>
-              <a:spcAft>
-                <a:spcPts val="0"/>
-              </a:spcAft>
-              <a:buClrTx/>
-              <a:buSzTx/>
-              <a:buFontTx/>
-              <a:buChar char="-"/>
-              <a:tabLst/>
-              <a:defRPr/>
-            </a:pPr>
-            <a:r>
-              <a:rPr lang="en-US" sz="1200" b="0" i="0" kern="1200" dirty="0">
-                <a:solidFill>
-                  <a:schemeClr val="tx1"/>
-                </a:solidFill>
-                <a:effectLst/>
-                <a:latin typeface="+mn-lt"/>
-                <a:ea typeface="+mn-ea"/>
-                <a:cs typeface="+mn-cs"/>
-              </a:rPr>
-              <a:t>Q: Did you do any cointegration analysis beforehand to check for any potential spurious regression?</a:t>
-            </a:r>
-          </a:p>
-          <a:p>
-            <a:pPr marL="171450" marR="0" lvl="0" indent="-171450" algn="l" defTabSz="914400" rtl="0" eaLnBrk="1" fontAlgn="auto" latinLnBrk="0" hangingPunct="1">
-              <a:lnSpc>
-                <a:spcPct val="100000"/>
-              </a:lnSpc>
-              <a:spcBef>
-                <a:spcPts val="0"/>
-              </a:spcBef>
-              <a:spcAft>
-                <a:spcPts val="0"/>
-              </a:spcAft>
-              <a:buClrTx/>
-              <a:buSzTx/>
-              <a:buFontTx/>
-              <a:buChar char="-"/>
-              <a:tabLst/>
-              <a:defRPr/>
-            </a:pPr>
-            <a:r>
-              <a:rPr lang="en-US" sz="1200" b="0" i="0" kern="1200" dirty="0">
-                <a:solidFill>
-                  <a:schemeClr val="tx1"/>
-                </a:solidFill>
-                <a:effectLst/>
-                <a:latin typeface="+mn-lt"/>
-                <a:ea typeface="+mn-ea"/>
-                <a:cs typeface="+mn-cs"/>
-              </a:rPr>
-              <a:t>A: When I have monthly time series.</a:t>
-            </a:r>
-          </a:p>
-          <a:p>
-            <a:endParaRPr lang="en-US" sz="1200" b="0" i="0" kern="1200" dirty="0">
-              <a:solidFill>
-                <a:schemeClr val="tx1"/>
-              </a:solidFill>
-              <a:effectLst/>
-              <a:latin typeface="+mn-lt"/>
-              <a:ea typeface="+mn-ea"/>
-              <a:cs typeface="+mn-cs"/>
-            </a:endParaRPr>
-          </a:p>
-          <a:p>
-            <a:r>
-              <a:rPr lang="en-US" sz="1200" b="0" i="0" kern="1200" dirty="0">
-                <a:solidFill>
-                  <a:schemeClr val="tx1"/>
-                </a:solidFill>
-                <a:effectLst/>
-                <a:latin typeface="+mn-lt"/>
-                <a:ea typeface="+mn-ea"/>
-                <a:cs typeface="+mn-cs"/>
-              </a:rPr>
-              <a:t>DS:</a:t>
-            </a:r>
-          </a:p>
-          <a:p>
-            <a:pPr marL="171450" indent="-171450">
-              <a:buFontTx/>
-              <a:buChar char="-"/>
-            </a:pPr>
-            <a:r>
-              <a:rPr lang="en-US" sz="1200" b="0" i="0" kern="1200" dirty="0">
-                <a:solidFill>
-                  <a:schemeClr val="tx1"/>
-                </a:solidFill>
-                <a:effectLst/>
-                <a:latin typeface="+mn-lt"/>
-                <a:ea typeface="+mn-ea"/>
-                <a:cs typeface="+mn-cs"/>
-              </a:rPr>
-              <a:t>Q:  Does potential serial correlation arise with these types of regressions?</a:t>
-            </a:r>
-          </a:p>
-          <a:p>
-            <a:pPr marL="457200" lvl="1" indent="0">
-              <a:buFontTx/>
-              <a:buNone/>
-            </a:pPr>
-            <a:r>
-              <a:rPr lang="en-US" sz="1200" b="0" i="0" kern="1200" dirty="0">
-                <a:solidFill>
-                  <a:schemeClr val="tx1"/>
-                </a:solidFill>
-                <a:effectLst/>
-                <a:latin typeface="+mn-lt"/>
-                <a:ea typeface="+mn-ea"/>
-                <a:cs typeface="+mn-cs"/>
-              </a:rPr>
-              <a:t>A: I have to check!</a:t>
-            </a:r>
-          </a:p>
-          <a:p>
-            <a:pPr marL="171450" indent="-171450">
-              <a:buFontTx/>
-              <a:buChar char="-"/>
-            </a:pPr>
-            <a:r>
-              <a:rPr lang="en-US" sz="1200" b="0" i="0" kern="1200" dirty="0">
-                <a:solidFill>
-                  <a:schemeClr val="tx1"/>
-                </a:solidFill>
-                <a:effectLst/>
-                <a:latin typeface="+mn-lt"/>
-                <a:ea typeface="+mn-ea"/>
-                <a:cs typeface="+mn-cs"/>
-              </a:rPr>
-              <a:t>Q: Do ENSO events create a structural break in the time series that must be controlled for?</a:t>
-            </a:r>
-          </a:p>
-          <a:p>
-            <a:pPr marL="0" indent="0">
-              <a:buFontTx/>
-              <a:buNone/>
-            </a:pPr>
-            <a:r>
-              <a:rPr lang="en-US" sz="1200" b="0" i="0" kern="1200" dirty="0">
-                <a:solidFill>
-                  <a:schemeClr val="tx1"/>
-                </a:solidFill>
-                <a:effectLst/>
-                <a:latin typeface="+mn-lt"/>
-                <a:ea typeface="+mn-ea"/>
-                <a:cs typeface="+mn-cs"/>
-              </a:rPr>
-              <a:t>	A: Should be included in SDMs </a:t>
-            </a:r>
-          </a:p>
-          <a:p>
-            <a:pPr marL="171450" marR="0" lvl="0" indent="-171450" algn="l" defTabSz="914400" rtl="0" eaLnBrk="1" fontAlgn="auto" latinLnBrk="0" hangingPunct="1">
-              <a:lnSpc>
-                <a:spcPct val="100000"/>
-              </a:lnSpc>
-              <a:spcBef>
-                <a:spcPts val="0"/>
-              </a:spcBef>
-              <a:spcAft>
-                <a:spcPts val="0"/>
-              </a:spcAft>
-              <a:buClrTx/>
-              <a:buSzTx/>
-              <a:buFontTx/>
-              <a:buChar char="-"/>
-              <a:tabLst/>
-              <a:defRPr/>
-            </a:pPr>
-            <a:endParaRPr lang="en-US" sz="1200" b="0" i="0" kern="1200" dirty="0">
-              <a:solidFill>
-                <a:schemeClr val="tx1"/>
-              </a:solidFill>
-              <a:effectLst/>
-              <a:latin typeface="+mn-lt"/>
-              <a:ea typeface="+mn-ea"/>
-              <a:cs typeface="+mn-cs"/>
-            </a:endParaRPr>
-          </a:p>
-          <a:p>
             <a:endParaRPr lang="en-US" dirty="0"/>
           </a:p>
         </p:txBody>
@@ -4789,7 +4272,7 @@
           <a:p>
             <a:fld id="{B751F954-3776-48DE-B231-63E89C74A71E}" type="slidenum">
               <a:rPr lang="en-US" smtClean="0"/>
-              <a:t>12</a:t>
+              <a:t>13</a:t>
             </a:fld>
             <a:endParaRPr lang="en-US"/>
           </a:p>
@@ -4798,7 +4281,7 @@
     </p:spTree>
     <p:extLst>
       <p:ext uri="{BB962C8B-B14F-4D97-AF65-F5344CB8AC3E}">
-        <p14:creationId xmlns:p14="http://schemas.microsoft.com/office/powerpoint/2010/main" val="85746133"/>
+        <p14:creationId xmlns:p14="http://schemas.microsoft.com/office/powerpoint/2010/main" val="2734871331"/>
       </p:ext>
     </p:extLst>
   </p:cSld>
@@ -4852,159 +4335,7 @@
           <a:bodyPr/>
           <a:lstStyle/>
           <a:p>
-            <a:endParaRPr lang="en-US" sz="1200" b="0" i="0" kern="1200" dirty="0">
-              <a:solidFill>
-                <a:schemeClr val="tx1"/>
-              </a:solidFill>
-              <a:effectLst/>
-              <a:latin typeface="+mn-lt"/>
-              <a:ea typeface="+mn-ea"/>
-              <a:cs typeface="+mn-cs"/>
-            </a:endParaRPr>
-          </a:p>
-          <a:p>
-            <a:r>
-              <a:rPr lang="en-US" sz="1200" b="0" i="0" kern="1200" dirty="0">
-                <a:solidFill>
-                  <a:schemeClr val="tx1"/>
-                </a:solidFill>
-                <a:effectLst/>
-                <a:latin typeface="+mn-lt"/>
-                <a:ea typeface="+mn-ea"/>
-                <a:cs typeface="+mn-cs"/>
-              </a:rPr>
-              <a:t>Dale Squires:</a:t>
-            </a:r>
-          </a:p>
-          <a:p>
-            <a:pPr marL="171450" indent="-171450">
-              <a:buFontTx/>
-              <a:buChar char="-"/>
-            </a:pPr>
-            <a:r>
-              <a:rPr lang="en-US" sz="1200" b="0" i="0" kern="1200" dirty="0">
-                <a:solidFill>
-                  <a:schemeClr val="tx1"/>
-                </a:solidFill>
-                <a:effectLst/>
-                <a:latin typeface="+mn-lt"/>
-                <a:ea typeface="+mn-ea"/>
-                <a:cs typeface="+mn-cs"/>
-              </a:rPr>
-              <a:t>Q:  Does potential serial correlation arise with these types of regressions?</a:t>
-            </a:r>
-          </a:p>
-          <a:p>
-            <a:pPr marL="457200" lvl="1" indent="0">
-              <a:buFontTx/>
-              <a:buNone/>
-            </a:pPr>
-            <a:r>
-              <a:rPr lang="en-US" sz="1200" b="0" i="0" kern="1200" dirty="0">
-                <a:solidFill>
-                  <a:schemeClr val="tx1"/>
-                </a:solidFill>
-                <a:effectLst/>
-                <a:latin typeface="+mn-lt"/>
-                <a:ea typeface="+mn-ea"/>
-                <a:cs typeface="+mn-cs"/>
-              </a:rPr>
-              <a:t>A: I have to check!</a:t>
-            </a:r>
-          </a:p>
-          <a:p>
-            <a:pPr marL="171450" indent="-171450">
-              <a:buFontTx/>
-              <a:buChar char="-"/>
-            </a:pPr>
-            <a:r>
-              <a:rPr lang="en-US" sz="1200" b="0" i="0" kern="1200" dirty="0">
-                <a:solidFill>
-                  <a:schemeClr val="tx1"/>
-                </a:solidFill>
-                <a:effectLst/>
-                <a:latin typeface="+mn-lt"/>
-                <a:ea typeface="+mn-ea"/>
-                <a:cs typeface="+mn-cs"/>
-              </a:rPr>
-              <a:t>Q: Do ENSO events create a structural break in the time series that must be controlled for?</a:t>
-            </a:r>
-          </a:p>
-          <a:p>
-            <a:pPr marL="0" indent="0">
-              <a:buFontTx/>
-              <a:buNone/>
-            </a:pPr>
-            <a:r>
-              <a:rPr lang="en-US" sz="1200" b="0" i="0" kern="1200" dirty="0">
-                <a:solidFill>
-                  <a:schemeClr val="tx1"/>
-                </a:solidFill>
-                <a:effectLst/>
-                <a:latin typeface="+mn-lt"/>
-                <a:ea typeface="+mn-ea"/>
-                <a:cs typeface="+mn-cs"/>
-              </a:rPr>
-              <a:t>	A: Should be included in SDMs </a:t>
-            </a:r>
-          </a:p>
-          <a:p>
-            <a:pPr marL="171450" marR="0" lvl="0" indent="-171450" algn="l" defTabSz="914400" rtl="0" eaLnBrk="1" fontAlgn="auto" latinLnBrk="0" hangingPunct="1">
-              <a:lnSpc>
-                <a:spcPct val="100000"/>
-              </a:lnSpc>
-              <a:spcBef>
-                <a:spcPts val="0"/>
-              </a:spcBef>
-              <a:spcAft>
-                <a:spcPts val="0"/>
-              </a:spcAft>
-              <a:buClrTx/>
-              <a:buSzTx/>
-              <a:buFontTx/>
-              <a:buChar char="-"/>
-              <a:tabLst/>
-              <a:defRPr/>
-            </a:pPr>
-            <a:r>
-              <a:rPr lang="en-US" sz="1200" b="0" i="0" kern="1200" dirty="0">
-                <a:solidFill>
-                  <a:schemeClr val="tx1"/>
-                </a:solidFill>
-                <a:effectLst/>
-                <a:latin typeface="+mn-lt"/>
-                <a:ea typeface="+mn-ea"/>
-                <a:cs typeface="+mn-cs"/>
-              </a:rPr>
-              <a:t>Q: distance and cost can be viewed as endogenous. distance would be chosen at the same time as location. many view location as a descriptor but the choice of that descriptor can be viewed as endogenous or simultaneously chosen with </a:t>
-            </a:r>
-            <a:r>
-              <a:rPr lang="en-US" sz="1200" b="0" i="0" kern="1200" dirty="0" err="1">
-                <a:solidFill>
-                  <a:schemeClr val="tx1"/>
-                </a:solidFill>
-                <a:effectLst/>
-                <a:latin typeface="+mn-lt"/>
-                <a:ea typeface="+mn-ea"/>
-                <a:cs typeface="+mn-cs"/>
-              </a:rPr>
-              <a:t>locaton</a:t>
-            </a:r>
-            <a:r>
-              <a:rPr lang="en-US" sz="1200" b="0" i="0" kern="1200" dirty="0">
-                <a:solidFill>
-                  <a:schemeClr val="tx1"/>
-                </a:solidFill>
-                <a:effectLst/>
-                <a:latin typeface="+mn-lt"/>
-                <a:ea typeface="+mn-ea"/>
-                <a:cs typeface="+mn-cs"/>
-              </a:rPr>
-              <a:t>.</a:t>
-            </a:r>
-          </a:p>
-          <a:p>
-            <a:pPr marL="457200" marR="0" lvl="1" indent="0" algn="l" defTabSz="914400" rtl="0" eaLnBrk="1" fontAlgn="auto" latinLnBrk="0" hangingPunct="1">
+            <a:pPr marL="0" marR="0" lvl="0" indent="0" algn="l" defTabSz="914400" rtl="0" eaLnBrk="1" fontAlgn="auto" latinLnBrk="0" hangingPunct="1">
               <a:lnSpc>
                 <a:spcPct val="100000"/>
               </a:lnSpc>
@@ -5021,124 +4352,7 @@
               <a:tabLst/>
               <a:defRPr/>
             </a:pPr>
-            <a:r>
-              <a:rPr lang="en-US" sz="1200" b="0" i="0" kern="1200" dirty="0">
-                <a:solidFill>
-                  <a:schemeClr val="tx1"/>
-                </a:solidFill>
-                <a:effectLst/>
-                <a:latin typeface="+mn-lt"/>
-                <a:ea typeface="+mn-ea"/>
-                <a:cs typeface="+mn-cs"/>
-              </a:rPr>
-              <a:t>	A: In a discrete choice model</a:t>
-            </a:r>
-          </a:p>
-          <a:p>
-            <a:endParaRPr lang="en-US" sz="1200" b="0" i="0" kern="1200" dirty="0">
-              <a:solidFill>
-                <a:schemeClr val="tx1"/>
-              </a:solidFill>
-              <a:effectLst/>
-              <a:latin typeface="+mn-lt"/>
-              <a:ea typeface="+mn-ea"/>
-              <a:cs typeface="+mn-cs"/>
-            </a:endParaRPr>
-          </a:p>
-          <a:p>
-            <a:r>
-              <a:rPr lang="en-US" sz="1200" b="0" i="0" kern="1200" dirty="0">
-                <a:solidFill>
-                  <a:schemeClr val="tx1"/>
-                </a:solidFill>
-                <a:effectLst/>
-                <a:latin typeface="+mn-lt"/>
-                <a:ea typeface="+mn-ea"/>
-                <a:cs typeface="+mn-cs"/>
-              </a:rPr>
-              <a:t>Stephen </a:t>
-            </a:r>
-            <a:r>
-              <a:rPr lang="en-US" sz="1200" b="0" i="0" kern="1200" dirty="0" err="1">
-                <a:solidFill>
-                  <a:schemeClr val="tx1"/>
-                </a:solidFill>
-                <a:effectLst/>
-                <a:latin typeface="+mn-lt"/>
-                <a:ea typeface="+mn-ea"/>
-                <a:cs typeface="+mn-cs"/>
-              </a:rPr>
-              <a:t>Stohs</a:t>
-            </a:r>
-            <a:r>
-              <a:rPr lang="en-US" sz="1200" b="0" i="0" kern="1200" dirty="0">
-                <a:solidFill>
-                  <a:schemeClr val="tx1"/>
-                </a:solidFill>
-                <a:effectLst/>
-                <a:latin typeface="+mn-lt"/>
-                <a:ea typeface="+mn-ea"/>
-                <a:cs typeface="+mn-cs"/>
-              </a:rPr>
-              <a:t>:</a:t>
-            </a:r>
-          </a:p>
-          <a:p>
-            <a:pPr marL="171450" indent="-171450">
-              <a:buFontTx/>
-              <a:buChar char="-"/>
-            </a:pPr>
-            <a:r>
-              <a:rPr lang="en-US" sz="1200" b="0" i="0" kern="1200" dirty="0">
-                <a:solidFill>
-                  <a:schemeClr val="tx1"/>
-                </a:solidFill>
-                <a:effectLst/>
-                <a:latin typeface="+mn-lt"/>
-                <a:ea typeface="+mn-ea"/>
-                <a:cs typeface="+mn-cs"/>
-              </a:rPr>
-              <a:t>Potential solution: Use SDM model predictions as an instrumental variable for predicting fishing location choice... (????)</a:t>
-            </a:r>
-          </a:p>
-          <a:p>
-            <a:endParaRPr lang="en-US" sz="1200" b="0" i="0" kern="1200" dirty="0">
-              <a:solidFill>
-                <a:schemeClr val="tx1"/>
-              </a:solidFill>
-              <a:effectLst/>
-              <a:latin typeface="+mn-lt"/>
-              <a:ea typeface="+mn-ea"/>
-              <a:cs typeface="+mn-cs"/>
-            </a:endParaRPr>
-          </a:p>
-          <a:p>
-            <a:pPr marL="171450" marR="0" lvl="0" indent="-171450" algn="l" defTabSz="914400" rtl="0" eaLnBrk="1" fontAlgn="auto" latinLnBrk="0" hangingPunct="1">
-              <a:lnSpc>
-                <a:spcPct val="100000"/>
-              </a:lnSpc>
-              <a:spcBef>
-                <a:spcPts val="0"/>
-              </a:spcBef>
-              <a:spcAft>
-                <a:spcPts val="0"/>
-              </a:spcAft>
-              <a:buClrTx/>
-              <a:buSzTx/>
-              <a:buFontTx/>
-              <a:buChar char="-"/>
-              <a:tabLst/>
-              <a:defRPr/>
-            </a:pPr>
-            <a:endParaRPr lang="en-US" sz="1200" b="0" i="0" kern="1200" dirty="0">
-              <a:solidFill>
-                <a:schemeClr val="tx1"/>
-              </a:solidFill>
-              <a:effectLst/>
-              <a:latin typeface="+mn-lt"/>
-              <a:ea typeface="+mn-ea"/>
-              <a:cs typeface="+mn-cs"/>
-            </a:endParaRPr>
+            <a:endParaRPr lang="en-US" dirty="0"/>
           </a:p>
           <a:p>
             <a:endParaRPr lang="en-US" dirty="0"/>
@@ -5162,7 +4376,7 @@
           <a:p>
             <a:fld id="{B751F954-3776-48DE-B231-63E89C74A71E}" type="slidenum">
               <a:rPr lang="en-US" smtClean="0"/>
-              <a:t>13</a:t>
+              <a:t>14</a:t>
             </a:fld>
             <a:endParaRPr lang="en-US"/>
           </a:p>
@@ -5171,7 +4385,7 @@
     </p:spTree>
     <p:extLst>
       <p:ext uri="{BB962C8B-B14F-4D97-AF65-F5344CB8AC3E}">
-        <p14:creationId xmlns:p14="http://schemas.microsoft.com/office/powerpoint/2010/main" val="543063806"/>
+        <p14:creationId xmlns:p14="http://schemas.microsoft.com/office/powerpoint/2010/main" val="4160622724"/>
       </p:ext>
     </p:extLst>
   </p:cSld>
@@ -5225,6 +4439,323 @@
           <a:bodyPr/>
           <a:lstStyle/>
           <a:p>
+            <a:pPr marL="171450" marR="0" lvl="0" indent="-171450" algn="l" defTabSz="914400" rtl="0" eaLnBrk="1" fontAlgn="auto" latinLnBrk="0" hangingPunct="1">
+              <a:lnSpc>
+                <a:spcPct val="100000"/>
+              </a:lnSpc>
+              <a:spcBef>
+                <a:spcPts val="0"/>
+              </a:spcBef>
+              <a:spcAft>
+                <a:spcPts val="0"/>
+              </a:spcAft>
+              <a:buClrTx/>
+              <a:buSzTx/>
+              <a:buFontTx/>
+              <a:buChar char="-"/>
+              <a:tabLst/>
+              <a:defRPr/>
+            </a:pPr>
+            <a:r>
+              <a:rPr lang="en-US" b="1" i="1" dirty="0"/>
+              <a:t>Multilevel Bayesian:</a:t>
+            </a:r>
+          </a:p>
+          <a:p>
+            <a:pPr marL="628650" marR="0" lvl="1" indent="-171450" algn="l" defTabSz="914400" rtl="0" eaLnBrk="1" fontAlgn="auto" latinLnBrk="0" hangingPunct="1">
+              <a:lnSpc>
+                <a:spcPct val="100000"/>
+              </a:lnSpc>
+              <a:spcBef>
+                <a:spcPts val="0"/>
+              </a:spcBef>
+              <a:spcAft>
+                <a:spcPts val="0"/>
+              </a:spcAft>
+              <a:buClrTx/>
+              <a:buSzTx/>
+              <a:buFontTx/>
+              <a:buChar char="-"/>
+              <a:tabLst/>
+              <a:defRPr/>
+            </a:pPr>
+            <a:r>
+              <a:rPr lang="en-US" b="0" i="1" dirty="0"/>
+              <a:t>Easy to incorporate non-linear models</a:t>
+            </a:r>
+          </a:p>
+          <a:p>
+            <a:pPr marL="628650" marR="0" lvl="1" indent="-171450" algn="l" defTabSz="914400" rtl="0" eaLnBrk="1" fontAlgn="auto" latinLnBrk="0" hangingPunct="1">
+              <a:lnSpc>
+                <a:spcPct val="100000"/>
+              </a:lnSpc>
+              <a:spcBef>
+                <a:spcPts val="0"/>
+              </a:spcBef>
+              <a:spcAft>
+                <a:spcPts val="0"/>
+              </a:spcAft>
+              <a:buClrTx/>
+              <a:buSzTx/>
+              <a:buFontTx/>
+              <a:buChar char="-"/>
+              <a:tabLst/>
+              <a:defRPr/>
+            </a:pPr>
+            <a:r>
+              <a:rPr lang="en-US" b="0" i="1" dirty="0"/>
+              <a:t>Easy to include different hierarchical levels.</a:t>
+            </a:r>
+          </a:p>
+          <a:p>
+            <a:pPr marL="628650" marR="0" lvl="1" indent="-171450" algn="l" defTabSz="914400" rtl="0" eaLnBrk="1" fontAlgn="auto" latinLnBrk="0" hangingPunct="1">
+              <a:lnSpc>
+                <a:spcPct val="100000"/>
+              </a:lnSpc>
+              <a:spcBef>
+                <a:spcPts val="0"/>
+              </a:spcBef>
+              <a:spcAft>
+                <a:spcPts val="0"/>
+              </a:spcAft>
+              <a:buClrTx/>
+              <a:buSzTx/>
+              <a:buFontTx/>
+              <a:buChar char="-"/>
+              <a:tabLst/>
+              <a:defRPr/>
+            </a:pPr>
+            <a:r>
+              <a:rPr lang="en-US" b="0" i="1" dirty="0"/>
+              <a:t>Naturally assume a prior distribution for the group level effect</a:t>
+            </a:r>
+          </a:p>
+          <a:p>
+            <a:pPr marL="628650" marR="0" lvl="1" indent="-171450" algn="l" defTabSz="914400" rtl="0" eaLnBrk="1" fontAlgn="auto" latinLnBrk="0" hangingPunct="1">
+              <a:lnSpc>
+                <a:spcPct val="100000"/>
+              </a:lnSpc>
+              <a:spcBef>
+                <a:spcPts val="0"/>
+              </a:spcBef>
+              <a:spcAft>
+                <a:spcPts val="0"/>
+              </a:spcAft>
+              <a:buClrTx/>
+              <a:buSzTx/>
+              <a:buFontTx/>
+              <a:buChar char="-"/>
+              <a:tabLst/>
+              <a:defRPr/>
+            </a:pPr>
+            <a:endParaRPr lang="en-US" b="1" i="1" dirty="0"/>
+          </a:p>
+          <a:p>
+            <a:pPr marL="171450" marR="0" lvl="0" indent="-171450" algn="l" defTabSz="914400" rtl="0" eaLnBrk="1" fontAlgn="auto" latinLnBrk="0" hangingPunct="1">
+              <a:lnSpc>
+                <a:spcPct val="100000"/>
+              </a:lnSpc>
+              <a:spcBef>
+                <a:spcPts val="0"/>
+              </a:spcBef>
+              <a:spcAft>
+                <a:spcPts val="0"/>
+              </a:spcAft>
+              <a:buClrTx/>
+              <a:buSzTx/>
+              <a:buFontTx/>
+              <a:buChar char="-"/>
+              <a:tabLst/>
+              <a:defRPr/>
+            </a:pPr>
+            <a:r>
+              <a:rPr lang="en-US" b="1" i="1" dirty="0"/>
+              <a:t>Talk that ports were selected if we observe landings of the species in consideration. </a:t>
+            </a:r>
+            <a:endParaRPr lang="en-US" b="1" dirty="0"/>
+          </a:p>
+          <a:p>
+            <a:pPr marL="0" marR="0" lvl="0" indent="0" algn="l" defTabSz="914400" rtl="0" eaLnBrk="1" fontAlgn="auto" latinLnBrk="0" hangingPunct="1">
+              <a:lnSpc>
+                <a:spcPct val="100000"/>
+              </a:lnSpc>
+              <a:spcBef>
+                <a:spcPts val="0"/>
+              </a:spcBef>
+              <a:spcAft>
+                <a:spcPts val="0"/>
+              </a:spcAft>
+              <a:buClrTx/>
+              <a:buSzTx/>
+              <a:buFontTx/>
+              <a:buNone/>
+              <a:tabLst/>
+              <a:defRPr/>
+            </a:pPr>
+            <a:endParaRPr lang="en-US" i="1" dirty="0"/>
+          </a:p>
+          <a:p>
+            <a:pPr>
+              <a:defRPr/>
+            </a:pPr>
+            <a:endParaRPr lang="en-US" dirty="0"/>
+          </a:p>
+          <a:p>
+            <a:pPr marL="0" marR="0" lvl="0" indent="0" algn="l" defTabSz="914400" rtl="0" eaLnBrk="1" fontAlgn="auto" latinLnBrk="0" hangingPunct="1">
+              <a:lnSpc>
+                <a:spcPct val="100000"/>
+              </a:lnSpc>
+              <a:spcBef>
+                <a:spcPts val="0"/>
+              </a:spcBef>
+              <a:spcAft>
+                <a:spcPts val="0"/>
+              </a:spcAft>
+              <a:buClrTx/>
+              <a:buSzTx/>
+              <a:buFontTx/>
+              <a:buNone/>
+              <a:tabLst/>
+              <a:defRPr/>
+            </a:pPr>
+            <a:r>
+              <a:rPr lang="en-US" dirty="0"/>
+              <a:t>DS.</a:t>
+            </a:r>
+            <a:r>
+              <a:rPr lang="en-US" sz="1200" b="0" i="0" kern="1200" dirty="0">
+                <a:solidFill>
+                  <a:schemeClr val="tx1"/>
+                </a:solidFill>
+                <a:effectLst/>
+                <a:latin typeface="+mn-lt"/>
+                <a:ea typeface="+mn-ea"/>
+                <a:cs typeface="+mn-cs"/>
+              </a:rPr>
+              <a:t>Q: Felipe, you are looking at distribution of fishing locations and fish caught and landed in those locations as opposed to some objective level of abundance and distribution, right? The data are fishery dependent, and hence there is potential endogeneity and sample selection bias both in the choice of fishing and </a:t>
+            </a:r>
+            <a:r>
+              <a:rPr lang="en-US" sz="1200" b="0" i="0" kern="1200" dirty="0" err="1">
+                <a:solidFill>
+                  <a:schemeClr val="tx1"/>
+                </a:solidFill>
+                <a:effectLst/>
+                <a:latin typeface="+mn-lt"/>
+                <a:ea typeface="+mn-ea"/>
+                <a:cs typeface="+mn-cs"/>
+              </a:rPr>
+              <a:t>landngs</a:t>
+            </a:r>
+            <a:r>
+              <a:rPr lang="en-US" sz="1200" b="0" i="0" kern="1200" dirty="0">
+                <a:solidFill>
+                  <a:schemeClr val="tx1"/>
+                </a:solidFill>
+                <a:effectLst/>
+                <a:latin typeface="+mn-lt"/>
+                <a:ea typeface="+mn-ea"/>
+                <a:cs typeface="+mn-cs"/>
+              </a:rPr>
+              <a:t> but using a port in the first place from historical data, all from logbook data. S</a:t>
+            </a:r>
+          </a:p>
+          <a:p>
+            <a:r>
+              <a:rPr lang="en-US" sz="1200" b="0" i="0" kern="1200" dirty="0">
+                <a:solidFill>
+                  <a:schemeClr val="tx1"/>
+                </a:solidFill>
+                <a:effectLst/>
+                <a:latin typeface="+mn-lt"/>
+                <a:ea typeface="+mn-ea"/>
+                <a:cs typeface="+mn-cs"/>
+              </a:rPr>
+              <a:t>So, these are abundance not as if from a random selection across all areas.</a:t>
+            </a:r>
+          </a:p>
+          <a:p>
+            <a:endParaRPr lang="en-US" sz="1200" b="0" i="0" kern="1200" dirty="0">
+              <a:solidFill>
+                <a:schemeClr val="tx1"/>
+              </a:solidFill>
+              <a:effectLst/>
+              <a:latin typeface="+mn-lt"/>
+              <a:ea typeface="+mn-ea"/>
+              <a:cs typeface="+mn-cs"/>
+            </a:endParaRPr>
+          </a:p>
+          <a:p>
+            <a:pPr marL="0" marR="0" lvl="0" indent="0" algn="l" defTabSz="914400" rtl="0" eaLnBrk="1" fontAlgn="auto" latinLnBrk="0" hangingPunct="1">
+              <a:lnSpc>
+                <a:spcPct val="100000"/>
+              </a:lnSpc>
+              <a:spcBef>
+                <a:spcPts val="0"/>
+              </a:spcBef>
+              <a:spcAft>
+                <a:spcPts val="0"/>
+              </a:spcAft>
+              <a:buClrTx/>
+              <a:buSzTx/>
+              <a:buFontTx/>
+              <a:buNone/>
+              <a:tabLst/>
+              <a:defRPr/>
+            </a:pPr>
+            <a:r>
+              <a:rPr lang="en-US" sz="1200" b="0" i="0" kern="1200" dirty="0">
+                <a:solidFill>
+                  <a:schemeClr val="tx1"/>
+                </a:solidFill>
+                <a:effectLst/>
+                <a:latin typeface="+mn-lt"/>
+                <a:ea typeface="+mn-ea"/>
+                <a:cs typeface="+mn-cs"/>
+              </a:rPr>
+              <a:t>R: No, I'm looking just landings, this questions is for the discrete choice model for locations. Regard to selection bias, you are right. </a:t>
+            </a:r>
+          </a:p>
+          <a:p>
+            <a:pPr marL="0" marR="0" lvl="0" indent="0" algn="l" defTabSz="914400" rtl="0" eaLnBrk="1" fontAlgn="auto" latinLnBrk="0" hangingPunct="1">
+              <a:lnSpc>
+                <a:spcPct val="100000"/>
+              </a:lnSpc>
+              <a:spcBef>
+                <a:spcPts val="0"/>
+              </a:spcBef>
+              <a:spcAft>
+                <a:spcPts val="0"/>
+              </a:spcAft>
+              <a:buClrTx/>
+              <a:buSzTx/>
+              <a:buFontTx/>
+              <a:buNone/>
+              <a:tabLst/>
+              <a:defRPr/>
+            </a:pPr>
+            <a:endParaRPr lang="en-US" i="1" dirty="0"/>
+          </a:p>
+          <a:p>
+            <a:pPr marL="0" marR="0" lvl="0" indent="0" algn="l" defTabSz="914400" rtl="0" eaLnBrk="1" fontAlgn="auto" latinLnBrk="0" hangingPunct="1">
+              <a:lnSpc>
+                <a:spcPct val="100000"/>
+              </a:lnSpc>
+              <a:spcBef>
+                <a:spcPts val="0"/>
+              </a:spcBef>
+              <a:spcAft>
+                <a:spcPts val="0"/>
+              </a:spcAft>
+              <a:buClrTx/>
+              <a:buSzTx/>
+              <a:buFontTx/>
+              <a:buNone/>
+              <a:tabLst/>
+              <a:defRPr/>
+            </a:pPr>
+            <a:endParaRPr lang="en-US" i="1" dirty="0"/>
+          </a:p>
+          <a:p>
             <a:endParaRPr lang="en-US" dirty="0"/>
           </a:p>
         </p:txBody>
@@ -5246,7 +4777,7 @@
           <a:p>
             <a:fld id="{B751F954-3776-48DE-B231-63E89C74A71E}" type="slidenum">
               <a:rPr lang="en-US" smtClean="0"/>
-              <a:t>14</a:t>
+              <a:t>15</a:t>
             </a:fld>
             <a:endParaRPr lang="en-US"/>
           </a:p>
@@ -5255,7 +4786,7 @@
     </p:spTree>
     <p:extLst>
       <p:ext uri="{BB962C8B-B14F-4D97-AF65-F5344CB8AC3E}">
-        <p14:creationId xmlns:p14="http://schemas.microsoft.com/office/powerpoint/2010/main" val="1800163424"/>
+        <p14:creationId xmlns:p14="http://schemas.microsoft.com/office/powerpoint/2010/main" val="462084604"/>
       </p:ext>
     </p:extLst>
   </p:cSld>
@@ -5309,7 +4840,22 @@
           <a:bodyPr/>
           <a:lstStyle/>
           <a:p>
-            <a:pPr marL="0" marR="0" lvl="0" indent="0" algn="l" defTabSz="914400" rtl="0" eaLnBrk="1" fontAlgn="auto" latinLnBrk="0" hangingPunct="1">
+            <a:r>
+              <a:rPr lang="en-US" dirty="0"/>
+              <a:t>Random effect model, similar to panel data model.</a:t>
+            </a:r>
+          </a:p>
+          <a:p>
+            <a:endParaRPr lang="en-US" dirty="0"/>
+          </a:p>
+          <a:p>
+            <a:r>
+              <a:rPr lang="en-US" dirty="0"/>
+              <a:t>DS:</a:t>
+            </a:r>
+          </a:p>
+          <a:p>
+            <a:pPr marL="171450" marR="0" lvl="0" indent="-171450" algn="l" defTabSz="914400" rtl="0" eaLnBrk="1" fontAlgn="auto" latinLnBrk="0" hangingPunct="1">
               <a:lnSpc>
                 <a:spcPct val="100000"/>
               </a:lnSpc>
@@ -5322,38 +4868,178 @@
               <a:buClrTx/>
               <a:buSzTx/>
               <a:buFontTx/>
-              <a:buNone/>
+              <a:buChar char="-"/>
               <a:tabLst/>
               <a:defRPr/>
             </a:pPr>
             <a:r>
-              <a:rPr lang="en-US" baseline="0" dirty="0"/>
-              <a:t>Take your time in  describing these complex plots. </a:t>
-            </a:r>
-          </a:p>
-          <a:p>
-            <a:endParaRPr lang="en-US" dirty="0"/>
-          </a:p>
-          <a:p>
-            <a:endParaRPr lang="en-US" dirty="0"/>
-          </a:p>
-          <a:p>
-            <a:r>
-              <a:rPr lang="en-US" i="1" dirty="0"/>
-              <a:t>Change</a:t>
-            </a:r>
-            <a:r>
-              <a:rPr lang="en-US" i="1" baseline="0" dirty="0"/>
-              <a:t> from </a:t>
-            </a:r>
-            <a:r>
-              <a:rPr lang="en-US" i="1" baseline="0" dirty="0" err="1"/>
-              <a:t>acroynms</a:t>
-            </a:r>
-            <a:r>
-              <a:rPr lang="en-US" i="1" baseline="0" dirty="0"/>
-              <a:t> to words or names. </a:t>
-            </a:r>
+              <a:rPr lang="en-US" sz="1200" b="0" i="0" kern="1200" dirty="0">
+                <a:solidFill>
+                  <a:schemeClr val="tx1"/>
+                </a:solidFill>
+                <a:effectLst/>
+                <a:latin typeface="+mn-lt"/>
+                <a:ea typeface="+mn-ea"/>
+                <a:cs typeface="+mn-cs"/>
+              </a:rPr>
+              <a:t>Q: Did you do any cointegration analysis beforehand to check for any potential spurious regression?</a:t>
+            </a:r>
+          </a:p>
+          <a:p>
+            <a:pPr marL="171450" marR="0" lvl="0" indent="-171450" algn="l" defTabSz="914400" rtl="0" eaLnBrk="1" fontAlgn="auto" latinLnBrk="0" hangingPunct="1">
+              <a:lnSpc>
+                <a:spcPct val="100000"/>
+              </a:lnSpc>
+              <a:spcBef>
+                <a:spcPts val="0"/>
+              </a:spcBef>
+              <a:spcAft>
+                <a:spcPts val="0"/>
+              </a:spcAft>
+              <a:buClrTx/>
+              <a:buSzTx/>
+              <a:buFontTx/>
+              <a:buChar char="-"/>
+              <a:tabLst/>
+              <a:defRPr/>
+            </a:pPr>
+            <a:r>
+              <a:rPr lang="en-US" sz="1200" b="0" i="0" kern="1200" dirty="0">
+                <a:solidFill>
+                  <a:schemeClr val="tx1"/>
+                </a:solidFill>
+                <a:effectLst/>
+                <a:latin typeface="+mn-lt"/>
+                <a:ea typeface="+mn-ea"/>
+                <a:cs typeface="+mn-cs"/>
+              </a:rPr>
+              <a:t>A: When I have monthly time series.</a:t>
+            </a:r>
+          </a:p>
+          <a:p>
+            <a:endParaRPr lang="en-US" sz="1200" b="0" i="0" kern="1200" dirty="0">
+              <a:solidFill>
+                <a:schemeClr val="tx1"/>
+              </a:solidFill>
+              <a:effectLst/>
+              <a:latin typeface="+mn-lt"/>
+              <a:ea typeface="+mn-ea"/>
+              <a:cs typeface="+mn-cs"/>
+            </a:endParaRPr>
+          </a:p>
+          <a:p>
+            <a:r>
+              <a:rPr lang="en-US" sz="1200" b="0" i="0" kern="1200" dirty="0">
+                <a:solidFill>
+                  <a:schemeClr val="tx1"/>
+                </a:solidFill>
+                <a:effectLst/>
+                <a:latin typeface="+mn-lt"/>
+                <a:ea typeface="+mn-ea"/>
+                <a:cs typeface="+mn-cs"/>
+              </a:rPr>
+              <a:t>DS:</a:t>
+            </a:r>
+          </a:p>
+          <a:p>
+            <a:pPr marL="171450" indent="-171450">
+              <a:buFontTx/>
+              <a:buChar char="-"/>
+            </a:pPr>
+            <a:r>
+              <a:rPr lang="en-US" sz="1200" b="0" i="0" kern="1200" dirty="0">
+                <a:solidFill>
+                  <a:schemeClr val="tx1"/>
+                </a:solidFill>
+                <a:effectLst/>
+                <a:latin typeface="+mn-lt"/>
+                <a:ea typeface="+mn-ea"/>
+                <a:cs typeface="+mn-cs"/>
+              </a:rPr>
+              <a:t>Q:  Does potential serial correlation arise with these types of regressions?</a:t>
+            </a:r>
+          </a:p>
+          <a:p>
+            <a:pPr marL="457200" lvl="1" indent="0">
+              <a:buFontTx/>
+              <a:buNone/>
+            </a:pPr>
+            <a:r>
+              <a:rPr lang="en-US" sz="1200" b="0" i="0" kern="1200" dirty="0">
+                <a:solidFill>
+                  <a:schemeClr val="tx1"/>
+                </a:solidFill>
+                <a:effectLst/>
+                <a:latin typeface="+mn-lt"/>
+                <a:ea typeface="+mn-ea"/>
+                <a:cs typeface="+mn-cs"/>
+              </a:rPr>
+              <a:t>A: I have to check!</a:t>
+            </a:r>
+          </a:p>
+          <a:p>
+            <a:pPr marL="171450" indent="-171450">
+              <a:buFontTx/>
+              <a:buChar char="-"/>
+            </a:pPr>
+            <a:r>
+              <a:rPr lang="en-US" sz="1200" b="0" i="0" kern="1200" dirty="0">
+                <a:solidFill>
+                  <a:schemeClr val="tx1"/>
+                </a:solidFill>
+                <a:effectLst/>
+                <a:latin typeface="+mn-lt"/>
+                <a:ea typeface="+mn-ea"/>
+                <a:cs typeface="+mn-cs"/>
+              </a:rPr>
+              <a:t>Q: Do ENSO events create a structural break in the time series that must be controlled for?</a:t>
+            </a:r>
+          </a:p>
+          <a:p>
+            <a:pPr marL="0" indent="0">
+              <a:buFontTx/>
+              <a:buNone/>
+            </a:pPr>
+            <a:r>
+              <a:rPr lang="en-US" sz="1200" b="0" i="0" kern="1200" dirty="0">
+                <a:solidFill>
+                  <a:schemeClr val="tx1"/>
+                </a:solidFill>
+                <a:effectLst/>
+                <a:latin typeface="+mn-lt"/>
+                <a:ea typeface="+mn-ea"/>
+                <a:cs typeface="+mn-cs"/>
+              </a:rPr>
+              <a:t>	A: Should be included in SDMs </a:t>
+            </a:r>
+          </a:p>
+          <a:p>
+            <a:pPr marL="171450" marR="0" lvl="0" indent="-171450" algn="l" defTabSz="914400" rtl="0" eaLnBrk="1" fontAlgn="auto" latinLnBrk="0" hangingPunct="1">
+              <a:lnSpc>
+                <a:spcPct val="100000"/>
+              </a:lnSpc>
+              <a:spcBef>
+                <a:spcPts val="0"/>
+              </a:spcBef>
+              <a:spcAft>
+                <a:spcPts val="0"/>
+              </a:spcAft>
+              <a:buClrTx/>
+              <a:buSzTx/>
+              <a:buFontTx/>
+              <a:buChar char="-"/>
+              <a:tabLst/>
+              <a:defRPr/>
+            </a:pPr>
+            <a:endParaRPr lang="en-US" sz="1200" b="0" i="0" kern="1200" dirty="0">
+              <a:solidFill>
+                <a:schemeClr val="tx1"/>
+              </a:solidFill>
+              <a:effectLst/>
+              <a:latin typeface="+mn-lt"/>
+              <a:ea typeface="+mn-ea"/>
+              <a:cs typeface="+mn-cs"/>
+            </a:endParaRPr>
           </a:p>
           <a:p>
             <a:endParaRPr lang="en-US" dirty="0"/>
@@ -5377,7 +5063,7 @@
           <a:p>
             <a:fld id="{B751F954-3776-48DE-B231-63E89C74A71E}" type="slidenum">
               <a:rPr lang="en-US" smtClean="0"/>
-              <a:t>15</a:t>
+              <a:t>16</a:t>
             </a:fld>
             <a:endParaRPr lang="en-US"/>
           </a:p>
@@ -5386,7 +5072,7 @@
     </p:spTree>
     <p:extLst>
       <p:ext uri="{BB962C8B-B14F-4D97-AF65-F5344CB8AC3E}">
-        <p14:creationId xmlns:p14="http://schemas.microsoft.com/office/powerpoint/2010/main" val="2917464127"/>
+        <p14:creationId xmlns:p14="http://schemas.microsoft.com/office/powerpoint/2010/main" val="85746133"/>
       </p:ext>
     </p:extLst>
   </p:cSld>
@@ -5440,6 +5126,295 @@
           <a:bodyPr/>
           <a:lstStyle/>
           <a:p>
+            <a:endParaRPr lang="en-US" sz="1200" b="0" i="0" kern="1200" dirty="0">
+              <a:solidFill>
+                <a:schemeClr val="tx1"/>
+              </a:solidFill>
+              <a:effectLst/>
+              <a:latin typeface="+mn-lt"/>
+              <a:ea typeface="+mn-ea"/>
+              <a:cs typeface="+mn-cs"/>
+            </a:endParaRPr>
+          </a:p>
+          <a:p>
+            <a:r>
+              <a:rPr lang="en-US" sz="1200" b="0" i="0" kern="1200" dirty="0">
+                <a:solidFill>
+                  <a:schemeClr val="tx1"/>
+                </a:solidFill>
+                <a:effectLst/>
+                <a:latin typeface="+mn-lt"/>
+                <a:ea typeface="+mn-ea"/>
+                <a:cs typeface="+mn-cs"/>
+              </a:rPr>
+              <a:t>Dale Squires:</a:t>
+            </a:r>
+          </a:p>
+          <a:p>
+            <a:pPr marL="171450" indent="-171450">
+              <a:buFontTx/>
+              <a:buChar char="-"/>
+            </a:pPr>
+            <a:r>
+              <a:rPr lang="en-US" sz="1200" b="0" i="0" kern="1200" dirty="0">
+                <a:solidFill>
+                  <a:schemeClr val="tx1"/>
+                </a:solidFill>
+                <a:effectLst/>
+                <a:latin typeface="+mn-lt"/>
+                <a:ea typeface="+mn-ea"/>
+                <a:cs typeface="+mn-cs"/>
+              </a:rPr>
+              <a:t>Q:  Does potential serial correlation arise with these types of regressions?</a:t>
+            </a:r>
+          </a:p>
+          <a:p>
+            <a:pPr marL="457200" lvl="1" indent="0">
+              <a:buFontTx/>
+              <a:buNone/>
+            </a:pPr>
+            <a:r>
+              <a:rPr lang="en-US" sz="1200" b="0" i="0" kern="1200" dirty="0">
+                <a:solidFill>
+                  <a:schemeClr val="tx1"/>
+                </a:solidFill>
+                <a:effectLst/>
+                <a:latin typeface="+mn-lt"/>
+                <a:ea typeface="+mn-ea"/>
+                <a:cs typeface="+mn-cs"/>
+              </a:rPr>
+              <a:t>A: I have to check!</a:t>
+            </a:r>
+          </a:p>
+          <a:p>
+            <a:pPr marL="171450" indent="-171450">
+              <a:buFontTx/>
+              <a:buChar char="-"/>
+            </a:pPr>
+            <a:r>
+              <a:rPr lang="en-US" sz="1200" b="0" i="0" kern="1200" dirty="0">
+                <a:solidFill>
+                  <a:schemeClr val="tx1"/>
+                </a:solidFill>
+                <a:effectLst/>
+                <a:latin typeface="+mn-lt"/>
+                <a:ea typeface="+mn-ea"/>
+                <a:cs typeface="+mn-cs"/>
+              </a:rPr>
+              <a:t>Q: Do ENSO events create a structural break in the time series that must be controlled for?</a:t>
+            </a:r>
+          </a:p>
+          <a:p>
+            <a:pPr marL="0" indent="0">
+              <a:buFontTx/>
+              <a:buNone/>
+            </a:pPr>
+            <a:r>
+              <a:rPr lang="en-US" sz="1200" b="0" i="0" kern="1200" dirty="0">
+                <a:solidFill>
+                  <a:schemeClr val="tx1"/>
+                </a:solidFill>
+                <a:effectLst/>
+                <a:latin typeface="+mn-lt"/>
+                <a:ea typeface="+mn-ea"/>
+                <a:cs typeface="+mn-cs"/>
+              </a:rPr>
+              <a:t>	A: Should be included in SDMs </a:t>
+            </a:r>
+          </a:p>
+          <a:p>
+            <a:pPr marL="171450" marR="0" lvl="0" indent="-171450" algn="l" defTabSz="914400" rtl="0" eaLnBrk="1" fontAlgn="auto" latinLnBrk="0" hangingPunct="1">
+              <a:lnSpc>
+                <a:spcPct val="100000"/>
+              </a:lnSpc>
+              <a:spcBef>
+                <a:spcPts val="0"/>
+              </a:spcBef>
+              <a:spcAft>
+                <a:spcPts val="0"/>
+              </a:spcAft>
+              <a:buClrTx/>
+              <a:buSzTx/>
+              <a:buFontTx/>
+              <a:buChar char="-"/>
+              <a:tabLst/>
+              <a:defRPr/>
+            </a:pPr>
+            <a:r>
+              <a:rPr lang="en-US" sz="1200" b="0" i="0" kern="1200" dirty="0">
+                <a:solidFill>
+                  <a:schemeClr val="tx1"/>
+                </a:solidFill>
+                <a:effectLst/>
+                <a:latin typeface="+mn-lt"/>
+                <a:ea typeface="+mn-ea"/>
+                <a:cs typeface="+mn-cs"/>
+              </a:rPr>
+              <a:t>Q: distance and cost can be viewed as endogenous. distance would be chosen at the same time as location. many view location as a descriptor but the choice of that descriptor can be viewed as endogenous or simultaneously chosen with </a:t>
+            </a:r>
+            <a:r>
+              <a:rPr lang="en-US" sz="1200" b="0" i="0" kern="1200" dirty="0" err="1">
+                <a:solidFill>
+                  <a:schemeClr val="tx1"/>
+                </a:solidFill>
+                <a:effectLst/>
+                <a:latin typeface="+mn-lt"/>
+                <a:ea typeface="+mn-ea"/>
+                <a:cs typeface="+mn-cs"/>
+              </a:rPr>
+              <a:t>locaton</a:t>
+            </a:r>
+            <a:r>
+              <a:rPr lang="en-US" sz="1200" b="0" i="0" kern="1200" dirty="0">
+                <a:solidFill>
+                  <a:schemeClr val="tx1"/>
+                </a:solidFill>
+                <a:effectLst/>
+                <a:latin typeface="+mn-lt"/>
+                <a:ea typeface="+mn-ea"/>
+                <a:cs typeface="+mn-cs"/>
+              </a:rPr>
+              <a:t>.</a:t>
+            </a:r>
+          </a:p>
+          <a:p>
+            <a:pPr marL="457200" marR="0" lvl="1" indent="0" algn="l" defTabSz="914400" rtl="0" eaLnBrk="1" fontAlgn="auto" latinLnBrk="0" hangingPunct="1">
+              <a:lnSpc>
+                <a:spcPct val="100000"/>
+              </a:lnSpc>
+              <a:spcBef>
+                <a:spcPts val="0"/>
+              </a:spcBef>
+              <a:spcAft>
+                <a:spcPts val="0"/>
+              </a:spcAft>
+              <a:buClrTx/>
+              <a:buSzTx/>
+              <a:buFontTx/>
+              <a:buNone/>
+              <a:tabLst/>
+              <a:defRPr/>
+            </a:pPr>
+            <a:r>
+              <a:rPr lang="en-US" sz="1200" b="0" i="0" kern="1200" dirty="0">
+                <a:solidFill>
+                  <a:schemeClr val="tx1"/>
+                </a:solidFill>
+                <a:effectLst/>
+                <a:latin typeface="+mn-lt"/>
+                <a:ea typeface="+mn-ea"/>
+                <a:cs typeface="+mn-cs"/>
+              </a:rPr>
+              <a:t>	A: In a discrete choice model</a:t>
+            </a:r>
+          </a:p>
+          <a:p>
+            <a:endParaRPr lang="en-US" sz="1200" b="0" i="0" kern="1200" dirty="0">
+              <a:solidFill>
+                <a:schemeClr val="tx1"/>
+              </a:solidFill>
+              <a:effectLst/>
+              <a:latin typeface="+mn-lt"/>
+              <a:ea typeface="+mn-ea"/>
+              <a:cs typeface="+mn-cs"/>
+            </a:endParaRPr>
+          </a:p>
+          <a:p>
+            <a:r>
+              <a:rPr lang="en-US" sz="1200" b="0" i="0" kern="1200" dirty="0">
+                <a:solidFill>
+                  <a:schemeClr val="tx1"/>
+                </a:solidFill>
+                <a:effectLst/>
+                <a:latin typeface="+mn-lt"/>
+                <a:ea typeface="+mn-ea"/>
+                <a:cs typeface="+mn-cs"/>
+              </a:rPr>
+              <a:t>Stephen </a:t>
+            </a:r>
+            <a:r>
+              <a:rPr lang="en-US" sz="1200" b="0" i="0" kern="1200" dirty="0" err="1">
+                <a:solidFill>
+                  <a:schemeClr val="tx1"/>
+                </a:solidFill>
+                <a:effectLst/>
+                <a:latin typeface="+mn-lt"/>
+                <a:ea typeface="+mn-ea"/>
+                <a:cs typeface="+mn-cs"/>
+              </a:rPr>
+              <a:t>Stohs</a:t>
+            </a:r>
+            <a:r>
+              <a:rPr lang="en-US" sz="1200" b="0" i="0" kern="1200" dirty="0">
+                <a:solidFill>
+                  <a:schemeClr val="tx1"/>
+                </a:solidFill>
+                <a:effectLst/>
+                <a:latin typeface="+mn-lt"/>
+                <a:ea typeface="+mn-ea"/>
+                <a:cs typeface="+mn-cs"/>
+              </a:rPr>
+              <a:t>:</a:t>
+            </a:r>
+          </a:p>
+          <a:p>
+            <a:pPr marL="171450" indent="-171450">
+              <a:buFontTx/>
+              <a:buChar char="-"/>
+            </a:pPr>
+            <a:r>
+              <a:rPr lang="en-US" sz="1200" b="0" i="0" kern="1200" dirty="0">
+                <a:solidFill>
+                  <a:schemeClr val="tx1"/>
+                </a:solidFill>
+                <a:effectLst/>
+                <a:latin typeface="+mn-lt"/>
+                <a:ea typeface="+mn-ea"/>
+                <a:cs typeface="+mn-cs"/>
+              </a:rPr>
+              <a:t>Potential solution: Use SDM model predictions as an instrumental variable for predicting fishing location choice... (????)</a:t>
+            </a:r>
+          </a:p>
+          <a:p>
+            <a:endParaRPr lang="en-US" sz="1200" b="0" i="0" kern="1200" dirty="0">
+              <a:solidFill>
+                <a:schemeClr val="tx1"/>
+              </a:solidFill>
+              <a:effectLst/>
+              <a:latin typeface="+mn-lt"/>
+              <a:ea typeface="+mn-ea"/>
+              <a:cs typeface="+mn-cs"/>
+            </a:endParaRPr>
+          </a:p>
+          <a:p>
+            <a:pPr marL="171450" marR="0" lvl="0" indent="-171450" algn="l" defTabSz="914400" rtl="0" eaLnBrk="1" fontAlgn="auto" latinLnBrk="0" hangingPunct="1">
+              <a:lnSpc>
+                <a:spcPct val="100000"/>
+              </a:lnSpc>
+              <a:spcBef>
+                <a:spcPts val="0"/>
+              </a:spcBef>
+              <a:spcAft>
+                <a:spcPts val="0"/>
+              </a:spcAft>
+              <a:buClrTx/>
+              <a:buSzTx/>
+              <a:buFontTx/>
+              <a:buChar char="-"/>
+              <a:tabLst/>
+              <a:defRPr/>
+            </a:pPr>
+            <a:endParaRPr lang="en-US" sz="1200" b="0" i="0" kern="1200" dirty="0">
+              <a:solidFill>
+                <a:schemeClr val="tx1"/>
+              </a:solidFill>
+              <a:effectLst/>
+              <a:latin typeface="+mn-lt"/>
+              <a:ea typeface="+mn-ea"/>
+              <a:cs typeface="+mn-cs"/>
+            </a:endParaRPr>
+          </a:p>
+          <a:p>
             <a:endParaRPr lang="en-US" dirty="0"/>
           </a:p>
         </p:txBody>
@@ -5461,7 +5436,7 @@
           <a:p>
             <a:fld id="{B751F954-3776-48DE-B231-63E89C74A71E}" type="slidenum">
               <a:rPr lang="en-US" smtClean="0"/>
-              <a:t>16</a:t>
+              <a:t>17</a:t>
             </a:fld>
             <a:endParaRPr lang="en-US"/>
           </a:p>
@@ -5470,7 +5445,7 @@
     </p:spTree>
     <p:extLst>
       <p:ext uri="{BB962C8B-B14F-4D97-AF65-F5344CB8AC3E}">
-        <p14:creationId xmlns:p14="http://schemas.microsoft.com/office/powerpoint/2010/main" val="3385294582"/>
+        <p14:creationId xmlns:p14="http://schemas.microsoft.com/office/powerpoint/2010/main" val="543063806"/>
       </p:ext>
     </p:extLst>
   </p:cSld>
@@ -5524,36 +5499,6 @@
           <a:bodyPr/>
           <a:lstStyle/>
           <a:p>
-            <a:pPr marL="171450" indent="-171450">
-              <a:buFont typeface="Arial" panose="020B0604020202020204" pitchFamily="34" charset="0"/>
-              <a:buChar char="•"/>
-            </a:pPr>
-            <a:r>
-              <a:rPr lang="en-US" baseline="0" dirty="0"/>
-              <a:t>Verbally talk about confounding of environment similarly affecting squid and sardine dynamics sardine was closed in 2015 and 2015 was also a low year in terms of squid during ENSO. </a:t>
-            </a:r>
-          </a:p>
-          <a:p>
-            <a:pPr marL="628650" lvl="1" indent="-171450">
-              <a:buFont typeface="Arial" panose="020B0604020202020204" pitchFamily="34" charset="0"/>
-              <a:buChar char="•"/>
-            </a:pPr>
-            <a:r>
-              <a:rPr lang="en-US" baseline="0" dirty="0"/>
-              <a:t>It should be solve though when we include SDM for market squid. </a:t>
-            </a:r>
-          </a:p>
-          <a:p>
-            <a:endParaRPr lang="en-US" baseline="0" dirty="0"/>
-          </a:p>
-          <a:p>
-            <a:r>
-              <a:rPr lang="en-US" baseline="0" dirty="0"/>
-              <a:t>Replace port codes with names. </a:t>
-            </a:r>
-            <a:endParaRPr lang="en-US" dirty="0"/>
-          </a:p>
-          <a:p>
             <a:endParaRPr lang="en-US" dirty="0"/>
           </a:p>
         </p:txBody>
@@ -5575,7 +5520,7 @@
           <a:p>
             <a:fld id="{B751F954-3776-48DE-B231-63E89C74A71E}" type="slidenum">
               <a:rPr lang="en-US" smtClean="0"/>
-              <a:t>17</a:t>
+              <a:t>18</a:t>
             </a:fld>
             <a:endParaRPr lang="en-US"/>
           </a:p>
@@ -5584,7 +5529,7 @@
     </p:spTree>
     <p:extLst>
       <p:ext uri="{BB962C8B-B14F-4D97-AF65-F5344CB8AC3E}">
-        <p14:creationId xmlns:p14="http://schemas.microsoft.com/office/powerpoint/2010/main" val="1825352613"/>
+        <p14:creationId xmlns:p14="http://schemas.microsoft.com/office/powerpoint/2010/main" val="1800163424"/>
       </p:ext>
     </p:extLst>
   </p:cSld>
@@ -5659,7 +5604,7 @@
           <a:p>
             <a:fld id="{B751F954-3776-48DE-B231-63E89C74A71E}" type="slidenum">
               <a:rPr lang="en-US" smtClean="0"/>
-              <a:t>18</a:t>
+              <a:t>19</a:t>
             </a:fld>
             <a:endParaRPr lang="en-US"/>
           </a:p>
@@ -5668,7 +5613,7 @@
     </p:spTree>
     <p:extLst>
       <p:ext uri="{BB962C8B-B14F-4D97-AF65-F5344CB8AC3E}">
-        <p14:creationId xmlns:p14="http://schemas.microsoft.com/office/powerpoint/2010/main" val="3356199659"/>
+        <p14:creationId xmlns:p14="http://schemas.microsoft.com/office/powerpoint/2010/main" val="3385294582"/>
       </p:ext>
     </p:extLst>
   </p:cSld>
@@ -5722,7 +5667,10 @@
           <a:bodyPr/>
           <a:lstStyle/>
           <a:p>
-            <a:endParaRPr lang="en-US" dirty="0"/>
+            <a:r>
+              <a:rPr lang="en-US" dirty="0"/>
+              <a:t>SEINE is the main Gear used by this fleet.</a:t>
+            </a:r>
           </a:p>
         </p:txBody>
       </p:sp>
@@ -5743,94 +5691,7 @@
           <a:p>
             <a:fld id="{B751F954-3776-48DE-B231-63E89C74A71E}" type="slidenum">
               <a:rPr lang="en-US" smtClean="0"/>
-              <a:t>19</a:t>
-            </a:fld>
-            <a:endParaRPr lang="en-US"/>
-          </a:p>
-        </p:txBody>
-      </p:sp>
-    </p:spTree>
-    <p:extLst>
-      <p:ext uri="{BB962C8B-B14F-4D97-AF65-F5344CB8AC3E}">
-        <p14:creationId xmlns:p14="http://schemas.microsoft.com/office/powerpoint/2010/main" val="3023133886"/>
-      </p:ext>
-    </p:extLst>
-  </p:cSld>
-  <p:clrMapOvr>
-    <a:masterClrMapping/>
-  </p:clrMapOvr>
-</p:notes>
-</file>
-
-<file path=ppt/notesSlides/notesSlide19.xml><?xml version="1.0" encoding="utf-8"?>
-<p:notes xmlns:a="http://schemas.openxmlformats.org/drawingml/2006/main" xmlns:r="http://schemas.openxmlformats.org/officeDocument/2006/relationships" xmlns:p="http://schemas.openxmlformats.org/presentationml/2006/main">
-  <p:cSld>
-    <p:spTree>
-      <p:nvGrpSpPr>
-        <p:cNvPr id="1" name=""/>
-        <p:cNvGrpSpPr/>
-        <p:nvPr/>
-      </p:nvGrpSpPr>
-      <p:grpSpPr>
-        <a:xfrm>
-          <a:off x="0" y="0"/>
-          <a:ext cx="0" cy="0"/>
-          <a:chOff x="0" y="0"/>
-          <a:chExt cx="0" cy="0"/>
-        </a:xfrm>
-      </p:grpSpPr>
-      <p:sp>
-        <p:nvSpPr>
-          <p:cNvPr id="2" name="Slide Image Placeholder 1"/>
-          <p:cNvSpPr>
-            <a:spLocks noGrp="1" noRot="1" noChangeAspect="1"/>
-          </p:cNvSpPr>
-          <p:nvPr>
-            <p:ph type="sldImg"/>
-          </p:nvPr>
-        </p:nvSpPr>
-        <p:spPr/>
-      </p:sp>
-      <p:sp>
-        <p:nvSpPr>
-          <p:cNvPr id="3" name="Notes Placeholder 2"/>
-          <p:cNvSpPr>
-            <a:spLocks noGrp="1"/>
-          </p:cNvSpPr>
-          <p:nvPr>
-            <p:ph type="body" idx="1"/>
-          </p:nvPr>
-        </p:nvSpPr>
-        <p:spPr/>
-        <p:txBody>
-          <a:bodyPr/>
-          <a:lstStyle/>
-          <a:p>
-            <a:r>
-              <a:rPr lang="en-US" dirty="0"/>
-              <a:t>SEINE is the main Gear used by this fleet.</a:t>
-            </a:r>
-          </a:p>
-        </p:txBody>
-      </p:sp>
-      <p:sp>
-        <p:nvSpPr>
-          <p:cNvPr id="4" name="Slide Number Placeholder 3"/>
-          <p:cNvSpPr>
-            <a:spLocks noGrp="1"/>
-          </p:cNvSpPr>
-          <p:nvPr>
-            <p:ph type="sldNum" sz="quarter" idx="5"/>
-          </p:nvPr>
-        </p:nvSpPr>
-        <p:spPr/>
-        <p:txBody>
-          <a:bodyPr/>
-          <a:lstStyle/>
-          <a:p>
-            <a:fld id="{B751F954-3776-48DE-B231-63E89C74A71E}" type="slidenum">
-              <a:rPr lang="en-US" smtClean="0"/>
-              <a:t>22</a:t>
+              <a:t>21</a:t>
             </a:fld>
             <a:endParaRPr lang="en-US"/>
           </a:p>
@@ -5849,107 +5710,7 @@
 </p:notes>
 </file>
 
-<file path=ppt/notesSlides/notesSlide2.xml><?xml version="1.0" encoding="utf-8"?>
-<p:notes xmlns:a="http://schemas.openxmlformats.org/drawingml/2006/main" xmlns:r="http://schemas.openxmlformats.org/officeDocument/2006/relationships" xmlns:p="http://schemas.openxmlformats.org/presentationml/2006/main">
-  <p:cSld>
-    <p:spTree>
-      <p:nvGrpSpPr>
-        <p:cNvPr id="1" name=""/>
-        <p:cNvGrpSpPr/>
-        <p:nvPr/>
-      </p:nvGrpSpPr>
-      <p:grpSpPr>
-        <a:xfrm>
-          <a:off x="0" y="0"/>
-          <a:ext cx="0" cy="0"/>
-          <a:chOff x="0" y="0"/>
-          <a:chExt cx="0" cy="0"/>
-        </a:xfrm>
-      </p:grpSpPr>
-      <p:sp>
-        <p:nvSpPr>
-          <p:cNvPr id="2" name="Slide Image Placeholder 1"/>
-          <p:cNvSpPr>
-            <a:spLocks noGrp="1" noRot="1" noChangeAspect="1"/>
-          </p:cNvSpPr>
-          <p:nvPr>
-            <p:ph type="sldImg"/>
-          </p:nvPr>
-        </p:nvSpPr>
-        <p:spPr/>
-      </p:sp>
-      <p:sp>
-        <p:nvSpPr>
-          <p:cNvPr id="3" name="Notes Placeholder 2"/>
-          <p:cNvSpPr>
-            <a:spLocks noGrp="1"/>
-          </p:cNvSpPr>
-          <p:nvPr>
-            <p:ph type="body" idx="1"/>
-          </p:nvPr>
-        </p:nvSpPr>
-        <p:spPr/>
-        <p:txBody>
-          <a:bodyPr/>
-          <a:lstStyle/>
-          <a:p>
-            <a:r>
-              <a:rPr lang="en-US" dirty="0"/>
-              <a:t>Coastal Pelagic Species refer</a:t>
-            </a:r>
-            <a:r>
-              <a:rPr lang="en-US" baseline="0" dirty="0"/>
-              <a:t>s to the group of species included in the Pacific Fishery Management Council’s</a:t>
-            </a:r>
-          </a:p>
-          <a:p>
-            <a:r>
-              <a:rPr lang="en-US" baseline="0" dirty="0"/>
-              <a:t>Coastal Pelagic Species Management Plan (https://www.fisheries.noaa.gov/management-plan/coastal-pelagic-species-management-plan)</a:t>
-            </a:r>
-          </a:p>
-          <a:p>
-            <a:endParaRPr lang="en-US" dirty="0"/>
-          </a:p>
-        </p:txBody>
-      </p:sp>
-      <p:sp>
-        <p:nvSpPr>
-          <p:cNvPr id="4" name="Slide Number Placeholder 3"/>
-          <p:cNvSpPr>
-            <a:spLocks noGrp="1"/>
-          </p:cNvSpPr>
-          <p:nvPr>
-            <p:ph type="sldNum" sz="quarter" idx="5"/>
-          </p:nvPr>
-        </p:nvSpPr>
-        <p:spPr/>
-        <p:txBody>
-          <a:bodyPr/>
-          <a:lstStyle/>
-          <a:p>
-            <a:fld id="{B751F954-3776-48DE-B231-63E89C74A71E}" type="slidenum">
-              <a:rPr lang="en-US" smtClean="0"/>
-              <a:t>2</a:t>
-            </a:fld>
-            <a:endParaRPr lang="en-US"/>
-          </a:p>
-        </p:txBody>
-      </p:sp>
-    </p:spTree>
-    <p:extLst>
-      <p:ext uri="{BB962C8B-B14F-4D97-AF65-F5344CB8AC3E}">
-        <p14:creationId xmlns:p14="http://schemas.microsoft.com/office/powerpoint/2010/main" val="2029789702"/>
-      </p:ext>
-    </p:extLst>
-  </p:cSld>
-  <p:clrMapOvr>
-    <a:masterClrMapping/>
-  </p:clrMapOvr>
-</p:notes>
-</file>
-
-<file path=ppt/notesSlides/notesSlide20.xml><?xml version="1.0" encoding="utf-8"?>
+<file path=ppt/notesSlides/notesSlide19.xml><?xml version="1.0" encoding="utf-8"?>
 <p:notes xmlns:a="http://schemas.openxmlformats.org/drawingml/2006/main" xmlns:r="http://schemas.openxmlformats.org/officeDocument/2006/relationships" xmlns:p="http://schemas.openxmlformats.org/presentationml/2006/main">
   <p:cSld>
     <p:spTree>
@@ -6100,7 +5861,7 @@
           <a:p>
             <a:fld id="{B751F954-3776-48DE-B231-63E89C74A71E}" type="slidenum">
               <a:rPr lang="en-US" smtClean="0"/>
-              <a:t>23</a:t>
+              <a:t>22</a:t>
             </a:fld>
             <a:endParaRPr lang="en-US"/>
           </a:p>
@@ -6110,6 +5871,174 @@
     <p:extLst>
       <p:ext uri="{BB962C8B-B14F-4D97-AF65-F5344CB8AC3E}">
         <p14:creationId xmlns:p14="http://schemas.microsoft.com/office/powerpoint/2010/main" val="4289375314"/>
+      </p:ext>
+    </p:extLst>
+  </p:cSld>
+  <p:clrMapOvr>
+    <a:masterClrMapping/>
+  </p:clrMapOvr>
+</p:notes>
+</file>
+
+<file path=ppt/notesSlides/notesSlide2.xml><?xml version="1.0" encoding="utf-8"?>
+<p:notes xmlns:a="http://schemas.openxmlformats.org/drawingml/2006/main" xmlns:r="http://schemas.openxmlformats.org/officeDocument/2006/relationships" xmlns:p="http://schemas.openxmlformats.org/presentationml/2006/main">
+  <p:cSld>
+    <p:spTree>
+      <p:nvGrpSpPr>
+        <p:cNvPr id="1" name=""/>
+        <p:cNvGrpSpPr/>
+        <p:nvPr/>
+      </p:nvGrpSpPr>
+      <p:grpSpPr>
+        <a:xfrm>
+          <a:off x="0" y="0"/>
+          <a:ext cx="0" cy="0"/>
+          <a:chOff x="0" y="0"/>
+          <a:chExt cx="0" cy="0"/>
+        </a:xfrm>
+      </p:grpSpPr>
+      <p:sp>
+        <p:nvSpPr>
+          <p:cNvPr id="2" name="Slide Image Placeholder 1"/>
+          <p:cNvSpPr>
+            <a:spLocks noGrp="1" noRot="1" noChangeAspect="1"/>
+          </p:cNvSpPr>
+          <p:nvPr>
+            <p:ph type="sldImg"/>
+          </p:nvPr>
+        </p:nvSpPr>
+        <p:spPr/>
+      </p:sp>
+      <p:sp>
+        <p:nvSpPr>
+          <p:cNvPr id="3" name="Notes Placeholder 2"/>
+          <p:cNvSpPr>
+            <a:spLocks noGrp="1"/>
+          </p:cNvSpPr>
+          <p:nvPr>
+            <p:ph type="body" idx="1"/>
+          </p:nvPr>
+        </p:nvSpPr>
+        <p:spPr/>
+        <p:txBody>
+          <a:bodyPr/>
+          <a:lstStyle/>
+          <a:p>
+            <a:endParaRPr lang="en-US" dirty="0"/>
+          </a:p>
+        </p:txBody>
+      </p:sp>
+      <p:sp>
+        <p:nvSpPr>
+          <p:cNvPr id="4" name="Slide Number Placeholder 3"/>
+          <p:cNvSpPr>
+            <a:spLocks noGrp="1"/>
+          </p:cNvSpPr>
+          <p:nvPr>
+            <p:ph type="sldNum" sz="quarter" idx="5"/>
+          </p:nvPr>
+        </p:nvSpPr>
+        <p:spPr/>
+        <p:txBody>
+          <a:bodyPr/>
+          <a:lstStyle/>
+          <a:p>
+            <a:fld id="{B751F954-3776-48DE-B231-63E89C74A71E}" type="slidenum">
+              <a:rPr lang="en-US" smtClean="0"/>
+              <a:t>3</a:t>
+            </a:fld>
+            <a:endParaRPr lang="en-US"/>
+          </a:p>
+        </p:txBody>
+      </p:sp>
+    </p:spTree>
+    <p:extLst>
+      <p:ext uri="{BB962C8B-B14F-4D97-AF65-F5344CB8AC3E}">
+        <p14:creationId xmlns:p14="http://schemas.microsoft.com/office/powerpoint/2010/main" val="1635027552"/>
+      </p:ext>
+    </p:extLst>
+  </p:cSld>
+  <p:clrMapOvr>
+    <a:masterClrMapping/>
+  </p:clrMapOvr>
+</p:notes>
+</file>
+
+<file path=ppt/notesSlides/notesSlide20.xml><?xml version="1.0" encoding="utf-8"?>
+<p:notes xmlns:a="http://schemas.openxmlformats.org/drawingml/2006/main" xmlns:r="http://schemas.openxmlformats.org/officeDocument/2006/relationships" xmlns:p="http://schemas.openxmlformats.org/presentationml/2006/main">
+  <p:cSld>
+    <p:spTree>
+      <p:nvGrpSpPr>
+        <p:cNvPr id="1" name=""/>
+        <p:cNvGrpSpPr/>
+        <p:nvPr/>
+      </p:nvGrpSpPr>
+      <p:grpSpPr>
+        <a:xfrm>
+          <a:off x="0" y="0"/>
+          <a:ext cx="0" cy="0"/>
+          <a:chOff x="0" y="0"/>
+          <a:chExt cx="0" cy="0"/>
+        </a:xfrm>
+      </p:grpSpPr>
+      <p:sp>
+        <p:nvSpPr>
+          <p:cNvPr id="2" name="Slide Image Placeholder 1"/>
+          <p:cNvSpPr>
+            <a:spLocks noGrp="1" noRot="1" noChangeAspect="1"/>
+          </p:cNvSpPr>
+          <p:nvPr>
+            <p:ph type="sldImg"/>
+          </p:nvPr>
+        </p:nvSpPr>
+        <p:spPr/>
+      </p:sp>
+      <p:sp>
+        <p:nvSpPr>
+          <p:cNvPr id="3" name="Notes Placeholder 2"/>
+          <p:cNvSpPr>
+            <a:spLocks noGrp="1"/>
+          </p:cNvSpPr>
+          <p:nvPr>
+            <p:ph type="body" idx="1"/>
+          </p:nvPr>
+        </p:nvSpPr>
+        <p:spPr/>
+        <p:txBody>
+          <a:bodyPr/>
+          <a:lstStyle/>
+          <a:p>
+            <a:endParaRPr lang="en-US" dirty="0"/>
+          </a:p>
+        </p:txBody>
+      </p:sp>
+      <p:sp>
+        <p:nvSpPr>
+          <p:cNvPr id="4" name="Slide Number Placeholder 3"/>
+          <p:cNvSpPr>
+            <a:spLocks noGrp="1"/>
+          </p:cNvSpPr>
+          <p:nvPr>
+            <p:ph type="sldNum" sz="quarter" idx="5"/>
+          </p:nvPr>
+        </p:nvSpPr>
+        <p:spPr/>
+        <p:txBody>
+          <a:bodyPr/>
+          <a:lstStyle/>
+          <a:p>
+            <a:fld id="{B751F954-3776-48DE-B231-63E89C74A71E}" type="slidenum">
+              <a:rPr lang="en-US" smtClean="0"/>
+              <a:t>23</a:t>
+            </a:fld>
+            <a:endParaRPr lang="en-US"/>
+          </a:p>
+        </p:txBody>
+      </p:sp>
+    </p:spTree>
+    <p:extLst>
+      <p:ext uri="{BB962C8B-B14F-4D97-AF65-F5344CB8AC3E}">
+        <p14:creationId xmlns:p14="http://schemas.microsoft.com/office/powerpoint/2010/main" val="189883249"/>
       </p:ext>
     </p:extLst>
   </p:cSld>
@@ -6185,90 +6114,6 @@
             <a:fld id="{B751F954-3776-48DE-B231-63E89C74A71E}" type="slidenum">
               <a:rPr lang="en-US" smtClean="0"/>
               <a:t>24</a:t>
-            </a:fld>
-            <a:endParaRPr lang="en-US"/>
-          </a:p>
-        </p:txBody>
-      </p:sp>
-    </p:spTree>
-    <p:extLst>
-      <p:ext uri="{BB962C8B-B14F-4D97-AF65-F5344CB8AC3E}">
-        <p14:creationId xmlns:p14="http://schemas.microsoft.com/office/powerpoint/2010/main" val="189883249"/>
-      </p:ext>
-    </p:extLst>
-  </p:cSld>
-  <p:clrMapOvr>
-    <a:masterClrMapping/>
-  </p:clrMapOvr>
-</p:notes>
-</file>
-
-<file path=ppt/notesSlides/notesSlide22.xml><?xml version="1.0" encoding="utf-8"?>
-<p:notes xmlns:a="http://schemas.openxmlformats.org/drawingml/2006/main" xmlns:r="http://schemas.openxmlformats.org/officeDocument/2006/relationships" xmlns:p="http://schemas.openxmlformats.org/presentationml/2006/main">
-  <p:cSld>
-    <p:spTree>
-      <p:nvGrpSpPr>
-        <p:cNvPr id="1" name=""/>
-        <p:cNvGrpSpPr/>
-        <p:nvPr/>
-      </p:nvGrpSpPr>
-      <p:grpSpPr>
-        <a:xfrm>
-          <a:off x="0" y="0"/>
-          <a:ext cx="0" cy="0"/>
-          <a:chOff x="0" y="0"/>
-          <a:chExt cx="0" cy="0"/>
-        </a:xfrm>
-      </p:grpSpPr>
-      <p:sp>
-        <p:nvSpPr>
-          <p:cNvPr id="2" name="Slide Image Placeholder 1"/>
-          <p:cNvSpPr>
-            <a:spLocks noGrp="1" noRot="1" noChangeAspect="1"/>
-          </p:cNvSpPr>
-          <p:nvPr>
-            <p:ph type="sldImg"/>
-          </p:nvPr>
-        </p:nvSpPr>
-        <p:spPr/>
-      </p:sp>
-      <p:sp>
-        <p:nvSpPr>
-          <p:cNvPr id="3" name="Notes Placeholder 2"/>
-          <p:cNvSpPr>
-            <a:spLocks noGrp="1"/>
-          </p:cNvSpPr>
-          <p:nvPr>
-            <p:ph type="body" idx="1"/>
-          </p:nvPr>
-        </p:nvSpPr>
-        <p:spPr/>
-        <p:txBody>
-          <a:bodyPr/>
-          <a:lstStyle/>
-          <a:p>
-            <a:endParaRPr lang="en-US" dirty="0"/>
-          </a:p>
-        </p:txBody>
-      </p:sp>
-      <p:sp>
-        <p:nvSpPr>
-          <p:cNvPr id="4" name="Slide Number Placeholder 3"/>
-          <p:cNvSpPr>
-            <a:spLocks noGrp="1"/>
-          </p:cNvSpPr>
-          <p:nvPr>
-            <p:ph type="sldNum" sz="quarter" idx="5"/>
-          </p:nvPr>
-        </p:nvSpPr>
-        <p:spPr/>
-        <p:txBody>
-          <a:bodyPr/>
-          <a:lstStyle/>
-          <a:p>
-            <a:fld id="{B751F954-3776-48DE-B231-63E89C74A71E}" type="slidenum">
-              <a:rPr lang="en-US" smtClean="0"/>
-              <a:t>25</a:t>
             </a:fld>
             <a:endParaRPr lang="en-US"/>
           </a:p>
@@ -6331,163 +6176,7 @@
           <a:bodyPr/>
           <a:lstStyle/>
           <a:p>
-            <a:pPr marL="0" marR="0" lvl="0" indent="0" algn="l" defTabSz="914400" rtl="0" eaLnBrk="1" fontAlgn="auto" latinLnBrk="0" hangingPunct="1">
-              <a:lnSpc>
-                <a:spcPct val="100000"/>
-              </a:lnSpc>
-              <a:spcBef>
-                <a:spcPts val="0"/>
-              </a:spcBef>
-              <a:spcAft>
-                <a:spcPts val="0"/>
-              </a:spcAft>
-              <a:buClrTx/>
-              <a:buSzTx/>
-              <a:buFontTx/>
-              <a:buNone/>
-              <a:tabLst/>
-              <a:defRPr/>
-            </a:pPr>
-            <a:r>
-              <a:rPr lang="en-US" dirty="0"/>
-              <a:t>THESE THREE SPECIES SHARE SIMILAR GEAR AND VESSEL SIZES,</a:t>
-            </a:r>
-          </a:p>
-          <a:p>
-            <a:pPr marL="0" marR="0" lvl="0" indent="0" algn="l" defTabSz="914400" rtl="0" eaLnBrk="1" fontAlgn="auto" latinLnBrk="0" hangingPunct="1">
-              <a:lnSpc>
-                <a:spcPct val="100000"/>
-              </a:lnSpc>
-              <a:spcBef>
-                <a:spcPts val="0"/>
-              </a:spcBef>
-              <a:spcAft>
-                <a:spcPts val="0"/>
-              </a:spcAft>
-              <a:buClrTx/>
-              <a:buSzTx/>
-              <a:buFontTx/>
-              <a:buNone/>
-              <a:tabLst/>
-              <a:defRPr/>
-            </a:pPr>
             <a:endParaRPr lang="en-US" dirty="0"/>
-          </a:p>
-          <a:p>
-            <a:pPr marL="0" marR="0" lvl="0" indent="0" algn="l" defTabSz="914400" rtl="0" eaLnBrk="1" fontAlgn="auto" latinLnBrk="0" hangingPunct="1">
-              <a:lnSpc>
-                <a:spcPct val="100000"/>
-              </a:lnSpc>
-              <a:spcBef>
-                <a:spcPts val="0"/>
-              </a:spcBef>
-              <a:spcAft>
-                <a:spcPts val="0"/>
-              </a:spcAft>
-              <a:buClrTx/>
-              <a:buSzTx/>
-              <a:buFontTx/>
-              <a:buNone/>
-              <a:tabLst/>
-              <a:defRPr/>
-            </a:pPr>
-            <a:r>
-              <a:rPr lang="en-US" dirty="0"/>
-              <a:t>1- Warm ocean cycle favors sardine and reduce anchovy,</a:t>
-            </a:r>
-            <a:r>
-              <a:rPr lang="en-US" baseline="0" dirty="0"/>
-              <a:t> though there are exceptions, such as during the recent ‘warm blob’ heatwave.</a:t>
-            </a:r>
-          </a:p>
-          <a:p>
-            <a:pPr>
-              <a:defRPr/>
-            </a:pPr>
-            <a:r>
-              <a:rPr lang="en-US" dirty="0"/>
-              <a:t>2 – Squid may actually be a better substitute in terms of the fleet.</a:t>
-            </a:r>
-          </a:p>
-          <a:p>
-            <a:pPr marL="0" marR="0" lvl="0" indent="0" algn="l" defTabSz="914400" rtl="0" eaLnBrk="1" fontAlgn="auto" latinLnBrk="0" hangingPunct="1">
-              <a:lnSpc>
-                <a:spcPct val="100000"/>
-              </a:lnSpc>
-              <a:spcBef>
-                <a:spcPts val="0"/>
-              </a:spcBef>
-              <a:spcAft>
-                <a:spcPts val="0"/>
-              </a:spcAft>
-              <a:buClrTx/>
-              <a:buSzTx/>
-              <a:buFontTx/>
-              <a:buNone/>
-              <a:tabLst/>
-              <a:defRPr/>
-            </a:pPr>
-            <a:r>
-              <a:rPr lang="en-US" i="1" dirty="0"/>
-              <a:t>3- </a:t>
-            </a:r>
-            <a:r>
-              <a:rPr lang="en-US" dirty="0"/>
-              <a:t>Important bait species for recreational fisheries</a:t>
-            </a:r>
-          </a:p>
-          <a:p>
-            <a:pPr marL="0" marR="0" lvl="0" indent="0" algn="l" defTabSz="914400" rtl="0" eaLnBrk="1" fontAlgn="auto" latinLnBrk="0" hangingPunct="1">
-              <a:lnSpc>
-                <a:spcPct val="100000"/>
-              </a:lnSpc>
-              <a:spcBef>
-                <a:spcPts val="0"/>
-              </a:spcBef>
-              <a:spcAft>
-                <a:spcPts val="0"/>
-              </a:spcAft>
-              <a:buClrTx/>
-              <a:buSzTx/>
-              <a:buFontTx/>
-              <a:buNone/>
-              <a:tabLst/>
-              <a:defRPr/>
-            </a:pPr>
-            <a:endParaRPr lang="en-US" dirty="0"/>
-          </a:p>
-          <a:p>
-            <a:pPr>
-              <a:defRPr/>
-            </a:pPr>
-            <a:endParaRPr lang="en-US" i="1" dirty="0"/>
-          </a:p>
-          <a:p>
-            <a:pPr>
-              <a:defRPr/>
-            </a:pPr>
-            <a:endParaRPr lang="en-US" i="1" dirty="0"/>
-          </a:p>
-          <a:p>
-            <a:pPr>
-              <a:defRPr/>
-            </a:pPr>
-            <a:endParaRPr lang="en-US" i="1" dirty="0"/>
-          </a:p>
-          <a:p>
-            <a:pPr>
-              <a:defRPr/>
-            </a:pPr>
-            <a:r>
-              <a:rPr lang="en-US" i="1" dirty="0"/>
-              <a:t>- Include fisheries background???  (trip scenario)</a:t>
-            </a:r>
-          </a:p>
-          <a:p>
-            <a:pPr>
-              <a:defRPr/>
-            </a:pPr>
-            <a:endParaRPr lang="en-US" i="1" dirty="0"/>
           </a:p>
         </p:txBody>
       </p:sp>
@@ -6508,7 +6197,7 @@
           <a:p>
             <a:fld id="{B751F954-3776-48DE-B231-63E89C74A71E}" type="slidenum">
               <a:rPr lang="en-US" smtClean="0"/>
-              <a:t>3</a:t>
+              <a:t>4</a:t>
             </a:fld>
             <a:endParaRPr lang="en-US"/>
           </a:p>
@@ -6517,7 +6206,7 @@
     </p:spTree>
     <p:extLst>
       <p:ext uri="{BB962C8B-B14F-4D97-AF65-F5344CB8AC3E}">
-        <p14:creationId xmlns:p14="http://schemas.microsoft.com/office/powerpoint/2010/main" val="3336870608"/>
+        <p14:creationId xmlns:p14="http://schemas.microsoft.com/office/powerpoint/2010/main" val="718504189"/>
       </p:ext>
     </p:extLst>
   </p:cSld>
@@ -6571,10 +6260,7 @@
           <a:bodyPr/>
           <a:lstStyle/>
           <a:p>
-            <a:r>
-              <a:rPr lang="en-US" dirty="0"/>
-              <a:t>WHAT IS BEHIND THIS TRENDS</a:t>
-            </a:r>
+            <a:endParaRPr lang="en-US" dirty="0"/>
           </a:p>
         </p:txBody>
       </p:sp>
@@ -6595,7 +6281,7 @@
           <a:p>
             <a:fld id="{B751F954-3776-48DE-B231-63E89C74A71E}" type="slidenum">
               <a:rPr lang="en-US" smtClean="0"/>
-              <a:t>4</a:t>
+              <a:t>5</a:t>
             </a:fld>
             <a:endParaRPr lang="en-US"/>
           </a:p>
@@ -6604,7 +6290,7 @@
     </p:spTree>
     <p:extLst>
       <p:ext uri="{BB962C8B-B14F-4D97-AF65-F5344CB8AC3E}">
-        <p14:creationId xmlns:p14="http://schemas.microsoft.com/office/powerpoint/2010/main" val="3109375171"/>
+        <p14:creationId xmlns:p14="http://schemas.microsoft.com/office/powerpoint/2010/main" val="4247870789"/>
       </p:ext>
     </p:extLst>
   </p:cSld>
@@ -6658,10 +6344,54 @@
           <a:bodyPr/>
           <a:lstStyle/>
           <a:p>
-            <a:r>
-              <a:rPr lang="en-US" dirty="0"/>
-              <a:t>Talk about first hypothesis on abundance.</a:t>
-            </a:r>
+            <a:pPr marL="0" marR="0" lvl="0" indent="0" algn="l" defTabSz="914400" rtl="0" eaLnBrk="1" fontAlgn="auto" latinLnBrk="0" hangingPunct="1">
+              <a:lnSpc>
+                <a:spcPct val="100000"/>
+              </a:lnSpc>
+              <a:spcBef>
+                <a:spcPts val="0"/>
+              </a:spcBef>
+              <a:spcAft>
+                <a:spcPts val="0"/>
+              </a:spcAft>
+              <a:buClrTx/>
+              <a:buSzTx/>
+              <a:buFontTx/>
+              <a:buNone/>
+              <a:tabLst/>
+              <a:defRPr/>
+            </a:pPr>
+            <a:r>
+              <a:rPr lang="en-US" baseline="0" dirty="0"/>
+              <a:t>Take your time in  describing these complex plots. </a:t>
+            </a:r>
+          </a:p>
+          <a:p>
+            <a:endParaRPr lang="en-US" dirty="0"/>
+          </a:p>
+          <a:p>
+            <a:endParaRPr lang="en-US" dirty="0"/>
+          </a:p>
+          <a:p>
+            <a:r>
+              <a:rPr lang="en-US" i="1" dirty="0"/>
+              <a:t>Change</a:t>
+            </a:r>
+            <a:r>
+              <a:rPr lang="en-US" i="1" baseline="0" dirty="0"/>
+              <a:t> from </a:t>
+            </a:r>
+            <a:r>
+              <a:rPr lang="en-US" i="1" baseline="0" dirty="0" err="1"/>
+              <a:t>acroynms</a:t>
+            </a:r>
+            <a:r>
+              <a:rPr lang="en-US" i="1" baseline="0" dirty="0"/>
+              <a:t> to words or names. </a:t>
+            </a:r>
+          </a:p>
+          <a:p>
+            <a:endParaRPr lang="en-US" dirty="0"/>
           </a:p>
         </p:txBody>
       </p:sp>
@@ -6682,7 +6412,7 @@
           <a:p>
             <a:fld id="{B751F954-3776-48DE-B231-63E89C74A71E}" type="slidenum">
               <a:rPr lang="en-US" smtClean="0"/>
-              <a:t>5</a:t>
+              <a:t>6</a:t>
             </a:fld>
             <a:endParaRPr lang="en-US"/>
           </a:p>
@@ -6691,7 +6421,7 @@
     </p:spTree>
     <p:extLst>
       <p:ext uri="{BB962C8B-B14F-4D97-AF65-F5344CB8AC3E}">
-        <p14:creationId xmlns:p14="http://schemas.microsoft.com/office/powerpoint/2010/main" val="1950580843"/>
+        <p14:creationId xmlns:p14="http://schemas.microsoft.com/office/powerpoint/2010/main" val="2917464127"/>
       </p:ext>
     </p:extLst>
   </p:cSld>
@@ -6766,7 +6496,7 @@
           <a:p>
             <a:fld id="{B751F954-3776-48DE-B231-63E89C74A71E}" type="slidenum">
               <a:rPr lang="en-US" smtClean="0"/>
-              <a:t>6</a:t>
+              <a:t>7</a:t>
             </a:fld>
             <a:endParaRPr lang="en-US"/>
           </a:p>
@@ -6775,7 +6505,7 @@
     </p:spTree>
     <p:extLst>
       <p:ext uri="{BB962C8B-B14F-4D97-AF65-F5344CB8AC3E}">
-        <p14:creationId xmlns:p14="http://schemas.microsoft.com/office/powerpoint/2010/main" val="2734871331"/>
+        <p14:creationId xmlns:p14="http://schemas.microsoft.com/office/powerpoint/2010/main" val="292429078"/>
       </p:ext>
     </p:extLst>
   </p:cSld>
@@ -6829,7 +6559,10 @@
           <a:bodyPr/>
           <a:lstStyle/>
           <a:p>
-            <a:endParaRPr lang="en-US" dirty="0"/>
+            <a:r>
+              <a:rPr lang="en-US" dirty="0"/>
+              <a:t>WHAT IS BEHIND THIS TRENDS</a:t>
+            </a:r>
           </a:p>
         </p:txBody>
       </p:sp>
@@ -6850,7 +6583,7 @@
           <a:p>
             <a:fld id="{B751F954-3776-48DE-B231-63E89C74A71E}" type="slidenum">
               <a:rPr lang="en-US" smtClean="0"/>
-              <a:t>8</a:t>
+              <a:t>9</a:t>
             </a:fld>
             <a:endParaRPr lang="en-US"/>
           </a:p>
@@ -6859,7 +6592,7 @@
     </p:spTree>
     <p:extLst>
       <p:ext uri="{BB962C8B-B14F-4D97-AF65-F5344CB8AC3E}">
-        <p14:creationId xmlns:p14="http://schemas.microsoft.com/office/powerpoint/2010/main" val="718504189"/>
+        <p14:creationId xmlns:p14="http://schemas.microsoft.com/office/powerpoint/2010/main" val="3109375171"/>
       </p:ext>
     </p:extLst>
   </p:cSld>
@@ -6913,6 +6646,22 @@
           <a:bodyPr/>
           <a:lstStyle/>
           <a:p>
+            <a:r>
+              <a:rPr lang="en-US" dirty="0"/>
+              <a:t>Coastal Pelagic Species refer</a:t>
+            </a:r>
+            <a:r>
+              <a:rPr lang="en-US" baseline="0" dirty="0"/>
+              <a:t>s to the group of species included in the Pacific Fishery Management Council’s</a:t>
+            </a:r>
+          </a:p>
+          <a:p>
+            <a:r>
+              <a:rPr lang="en-US" baseline="0" dirty="0"/>
+              <a:t>Coastal Pelagic Species Management Plan (https://www.fisheries.noaa.gov/management-plan/coastal-pelagic-species-management-plan)</a:t>
+            </a:r>
+          </a:p>
+          <a:p>
             <a:endParaRPr lang="en-US" dirty="0"/>
           </a:p>
         </p:txBody>
@@ -6934,7 +6683,7 @@
           <a:p>
             <a:fld id="{B751F954-3776-48DE-B231-63E89C74A71E}" type="slidenum">
               <a:rPr lang="en-US" smtClean="0"/>
-              <a:t>9</a:t>
+              <a:t>10</a:t>
             </a:fld>
             <a:endParaRPr lang="en-US"/>
           </a:p>
@@ -6943,7 +6692,7 @@
     </p:spTree>
     <p:extLst>
       <p:ext uri="{BB962C8B-B14F-4D97-AF65-F5344CB8AC3E}">
-        <p14:creationId xmlns:p14="http://schemas.microsoft.com/office/powerpoint/2010/main" val="4247870789"/>
+        <p14:creationId xmlns:p14="http://schemas.microsoft.com/office/powerpoint/2010/main" val="2029789702"/>
       </p:ext>
     </p:extLst>
   </p:cSld>
@@ -7014,10 +6763,146 @@
               <a:tabLst/>
               <a:defRPr/>
             </a:pPr>
+            <a:r>
+              <a:rPr lang="en-US" dirty="0"/>
+              <a:t>THESE THREE SPECIES SHARE SIMILAR GEAR AND VESSEL SIZES,</a:t>
+            </a:r>
+          </a:p>
+          <a:p>
+            <a:pPr marL="0" marR="0" lvl="0" indent="0" algn="l" defTabSz="914400" rtl="0" eaLnBrk="1" fontAlgn="auto" latinLnBrk="0" hangingPunct="1">
+              <a:lnSpc>
+                <a:spcPct val="100000"/>
+              </a:lnSpc>
+              <a:spcBef>
+                <a:spcPts val="0"/>
+              </a:spcBef>
+              <a:spcAft>
+                <a:spcPts val="0"/>
+              </a:spcAft>
+              <a:buClrTx/>
+              <a:buSzTx/>
+              <a:buFontTx/>
+              <a:buNone/>
+              <a:tabLst/>
+              <a:defRPr/>
+            </a:pPr>
             <a:endParaRPr lang="en-US" dirty="0"/>
           </a:p>
           <a:p>
+            <a:pPr marL="0" marR="0" lvl="0" indent="0" algn="l" defTabSz="914400" rtl="0" eaLnBrk="1" fontAlgn="auto" latinLnBrk="0" hangingPunct="1">
+              <a:lnSpc>
+                <a:spcPct val="100000"/>
+              </a:lnSpc>
+              <a:spcBef>
+                <a:spcPts val="0"/>
+              </a:spcBef>
+              <a:spcAft>
+                <a:spcPts val="0"/>
+              </a:spcAft>
+              <a:buClrTx/>
+              <a:buSzTx/>
+              <a:buFontTx/>
+              <a:buNone/>
+              <a:tabLst/>
+              <a:defRPr/>
+            </a:pPr>
+            <a:r>
+              <a:rPr lang="en-US" dirty="0"/>
+              <a:t>1- Warm ocean cycle favors sardine and reduce anchovy,</a:t>
+            </a:r>
+            <a:r>
+              <a:rPr lang="en-US" baseline="0" dirty="0"/>
+              <a:t> though there are exceptions, such as during the recent ‘warm blob’ heatwave.</a:t>
+            </a:r>
+          </a:p>
+          <a:p>
+            <a:pPr>
+              <a:defRPr/>
+            </a:pPr>
+            <a:r>
+              <a:rPr lang="en-US" dirty="0"/>
+              <a:t>2 – Squid may actually be a better substitute in terms of the fleet.</a:t>
+            </a:r>
+          </a:p>
+          <a:p>
+            <a:pPr marL="0" marR="0" lvl="0" indent="0" algn="l" defTabSz="914400" rtl="0" eaLnBrk="1" fontAlgn="auto" latinLnBrk="0" hangingPunct="1">
+              <a:lnSpc>
+                <a:spcPct val="100000"/>
+              </a:lnSpc>
+              <a:spcBef>
+                <a:spcPts val="0"/>
+              </a:spcBef>
+              <a:spcAft>
+                <a:spcPts val="0"/>
+              </a:spcAft>
+              <a:buClrTx/>
+              <a:buSzTx/>
+              <a:buFontTx/>
+              <a:buNone/>
+              <a:tabLst/>
+              <a:defRPr/>
+            </a:pPr>
+            <a:r>
+              <a:rPr lang="en-US" i="1" dirty="0"/>
+              <a:t>3- </a:t>
+            </a:r>
+            <a:r>
+              <a:rPr lang="en-US" dirty="0"/>
+              <a:t>Important bait species for recreational fisheries</a:t>
+            </a:r>
+          </a:p>
+          <a:p>
+            <a:pPr marL="0" marR="0" lvl="0" indent="0" algn="l" defTabSz="914400" rtl="0" eaLnBrk="1" fontAlgn="auto" latinLnBrk="0" hangingPunct="1">
+              <a:lnSpc>
+                <a:spcPct val="100000"/>
+              </a:lnSpc>
+              <a:spcBef>
+                <a:spcPts val="0"/>
+              </a:spcBef>
+              <a:spcAft>
+                <a:spcPts val="0"/>
+              </a:spcAft>
+              <a:buClrTx/>
+              <a:buSzTx/>
+              <a:buFontTx/>
+              <a:buNone/>
+              <a:tabLst/>
+              <a:defRPr/>
+            </a:pPr>
             <a:endParaRPr lang="en-US" dirty="0"/>
+          </a:p>
+          <a:p>
+            <a:pPr>
+              <a:defRPr/>
+            </a:pPr>
+            <a:endParaRPr lang="en-US" i="1" dirty="0"/>
+          </a:p>
+          <a:p>
+            <a:pPr>
+              <a:defRPr/>
+            </a:pPr>
+            <a:endParaRPr lang="en-US" i="1" dirty="0"/>
+          </a:p>
+          <a:p>
+            <a:pPr>
+              <a:defRPr/>
+            </a:pPr>
+            <a:endParaRPr lang="en-US" i="1" dirty="0"/>
+          </a:p>
+          <a:p>
+            <a:pPr>
+              <a:defRPr/>
+            </a:pPr>
+            <a:r>
+              <a:rPr lang="en-US" i="1" dirty="0"/>
+              <a:t>- Include fisheries background???  (trip scenario)</a:t>
+            </a:r>
+          </a:p>
+          <a:p>
+            <a:pPr>
+              <a:defRPr/>
+            </a:pPr>
+            <a:endParaRPr lang="en-US" i="1" dirty="0"/>
           </a:p>
         </p:txBody>
       </p:sp>
@@ -7038,7 +6923,7 @@
           <a:p>
             <a:fld id="{B751F954-3776-48DE-B231-63E89C74A71E}" type="slidenum">
               <a:rPr lang="en-US" smtClean="0"/>
-              <a:t>10</a:t>
+              <a:t>11</a:t>
             </a:fld>
             <a:endParaRPr lang="en-US"/>
           </a:p>
@@ -7047,7 +6932,7 @@
     </p:spTree>
     <p:extLst>
       <p:ext uri="{BB962C8B-B14F-4D97-AF65-F5344CB8AC3E}">
-        <p14:creationId xmlns:p14="http://schemas.microsoft.com/office/powerpoint/2010/main" val="4160622724"/>
+        <p14:creationId xmlns:p14="http://schemas.microsoft.com/office/powerpoint/2010/main" val="3336870608"/>
       </p:ext>
     </p:extLst>
   </p:cSld>
@@ -7188,7 +7073,7 @@
           <a:p>
             <a:fld id="{63C4C297-DBDA-4ACB-BFAB-FD3B44600C31}" type="datetime1">
               <a:rPr lang="en-US" smtClean="0"/>
-              <a:t>11/8/2021</a:t>
+              <a:t>11/30/2021</a:t>
             </a:fld>
             <a:endParaRPr lang="en-US"/>
           </a:p>
@@ -7358,7 +7243,7 @@
           <a:p>
             <a:fld id="{D7EF550D-7706-4090-9E8E-1FC4A8CD6CFB}" type="datetime1">
               <a:rPr lang="en-US" smtClean="0"/>
-              <a:t>11/8/2021</a:t>
+              <a:t>11/30/2021</a:t>
             </a:fld>
             <a:endParaRPr lang="en-US"/>
           </a:p>
@@ -7538,7 +7423,7 @@
           <a:p>
             <a:fld id="{17980AC1-0312-4E97-869E-FA046780C18F}" type="datetime1">
               <a:rPr lang="en-US" smtClean="0"/>
-              <a:t>11/8/2021</a:t>
+              <a:t>11/30/2021</a:t>
             </a:fld>
             <a:endParaRPr lang="en-US"/>
           </a:p>
@@ -7708,7 +7593,7 @@
           <a:p>
             <a:fld id="{8F4801DD-E47D-4CC4-A7FA-9F20F6673B18}" type="datetime1">
               <a:rPr lang="en-US" smtClean="0"/>
-              <a:t>11/8/2021</a:t>
+              <a:t>11/30/2021</a:t>
             </a:fld>
             <a:endParaRPr lang="en-US"/>
           </a:p>
@@ -7952,7 +7837,7 @@
           <a:p>
             <a:fld id="{BF786561-BB39-4DEC-9180-E9BE082C798E}" type="datetime1">
               <a:rPr lang="en-US" smtClean="0"/>
-              <a:t>11/8/2021</a:t>
+              <a:t>11/30/2021</a:t>
             </a:fld>
             <a:endParaRPr lang="en-US"/>
           </a:p>
@@ -8184,7 +8069,7 @@
           <a:p>
             <a:fld id="{4E7702F0-0CE5-4CC0-827E-F25D6B559E3F}" type="datetime1">
               <a:rPr lang="en-US" smtClean="0"/>
-              <a:t>11/8/2021</a:t>
+              <a:t>11/30/2021</a:t>
             </a:fld>
             <a:endParaRPr lang="en-US"/>
           </a:p>
@@ -8551,7 +8436,7 @@
           <a:p>
             <a:fld id="{0520955F-FC17-441B-8C04-BE49B7B30DEB}" type="datetime1">
               <a:rPr lang="en-US" smtClean="0"/>
-              <a:t>11/8/2021</a:t>
+              <a:t>11/30/2021</a:t>
             </a:fld>
             <a:endParaRPr lang="en-US"/>
           </a:p>
@@ -8669,7 +8554,7 @@
           <a:p>
             <a:fld id="{2D80F6ED-3FD7-4447-92BA-3C3B9311D2D3}" type="datetime1">
               <a:rPr lang="en-US" smtClean="0"/>
-              <a:t>11/8/2021</a:t>
+              <a:t>11/30/2021</a:t>
             </a:fld>
             <a:endParaRPr lang="en-US"/>
           </a:p>
@@ -8764,7 +8649,7 @@
           <a:p>
             <a:fld id="{2918E5FC-3CF7-451E-8148-918CB4B7E173}" type="datetime1">
               <a:rPr lang="en-US" smtClean="0"/>
-              <a:t>11/8/2021</a:t>
+              <a:t>11/30/2021</a:t>
             </a:fld>
             <a:endParaRPr lang="en-US"/>
           </a:p>
@@ -9041,7 +8926,7 @@
           <a:p>
             <a:fld id="{A829BC82-10DA-47CF-BF87-5CF96CE3B2E3}" type="datetime1">
               <a:rPr lang="en-US" smtClean="0"/>
-              <a:t>11/8/2021</a:t>
+              <a:t>11/30/2021</a:t>
             </a:fld>
             <a:endParaRPr lang="en-US"/>
           </a:p>
@@ -9298,7 +9183,7 @@
           <a:p>
             <a:fld id="{C92A2A56-14F4-40B0-9CE8-567949C44697}" type="datetime1">
               <a:rPr lang="en-US" smtClean="0"/>
-              <a:t>11/8/2021</a:t>
+              <a:t>11/30/2021</a:t>
             </a:fld>
             <a:endParaRPr lang="en-US"/>
           </a:p>
@@ -9511,7 +9396,7 @@
           <a:p>
             <a:fld id="{99DA4EE0-29A1-49DB-9591-D1E2158C7D40}" type="datetime1">
               <a:rPr lang="en-US" smtClean="0"/>
-              <a:t>11/8/2021</a:t>
+              <a:t>11/30/2021</a:t>
             </a:fld>
             <a:endParaRPr lang="en-US"/>
           </a:p>
@@ -10305,6 +10190,1078 @@
 </file>
 
 <file path=ppt/slides/slide10.xml><?xml version="1.0" encoding="utf-8"?>
+<p:sld xmlns:a="http://schemas.openxmlformats.org/drawingml/2006/main" xmlns:r="http://schemas.openxmlformats.org/officeDocument/2006/relationships" xmlns:p="http://schemas.openxmlformats.org/presentationml/2006/main" show="0">
+  <p:cSld>
+    <p:spTree>
+      <p:nvGrpSpPr>
+        <p:cNvPr id="1" name=""/>
+        <p:cNvGrpSpPr/>
+        <p:nvPr/>
+      </p:nvGrpSpPr>
+      <p:grpSpPr>
+        <a:xfrm>
+          <a:off x="0" y="0"/>
+          <a:ext cx="0" cy="0"/>
+          <a:chOff x="0" y="0"/>
+          <a:chExt cx="0" cy="0"/>
+        </a:xfrm>
+      </p:grpSpPr>
+      <p:pic>
+        <p:nvPicPr>
+          <p:cNvPr id="7" name="Picture 6">
+            <a:extLst>
+              <a:ext uri="{FF2B5EF4-FFF2-40B4-BE49-F238E27FC236}">
+                <a16:creationId xmlns:a16="http://schemas.microsoft.com/office/drawing/2014/main" id="{2561A8DD-5202-426A-A596-138AFEBB7307}"/>
+              </a:ext>
+            </a:extLst>
+          </p:cNvPr>
+          <p:cNvPicPr>
+            <a:picLocks noChangeAspect="1"/>
+          </p:cNvPicPr>
+          <p:nvPr/>
+        </p:nvPicPr>
+        <p:blipFill rotWithShape="1">
+          <a:blip r:embed="rId3"/>
+          <a:srcRect b="5911"/>
+          <a:stretch/>
+        </p:blipFill>
+        <p:spPr>
+          <a:xfrm>
+            <a:off x="3639085" y="1636493"/>
+            <a:ext cx="5504915" cy="3387258"/>
+          </a:xfrm>
+          <a:prstGeom prst="rect">
+            <a:avLst/>
+          </a:prstGeom>
+        </p:spPr>
+      </p:pic>
+      <p:sp>
+        <p:nvSpPr>
+          <p:cNvPr id="2" name="Title 1">
+            <a:extLst>
+              <a:ext uri="{FF2B5EF4-FFF2-40B4-BE49-F238E27FC236}">
+                <a16:creationId xmlns:a16="http://schemas.microsoft.com/office/drawing/2014/main" id="{AB146FD5-B7E6-4311-BEFD-D6D4A89D4FAF}"/>
+              </a:ext>
+            </a:extLst>
+          </p:cNvPr>
+          <p:cNvSpPr>
+            <a:spLocks noGrp="1"/>
+          </p:cNvSpPr>
+          <p:nvPr>
+            <p:ph type="title"/>
+          </p:nvPr>
+        </p:nvSpPr>
+        <p:spPr>
+          <a:xfrm>
+            <a:off x="0" y="1"/>
+            <a:ext cx="9144000" cy="923278"/>
+          </a:xfrm>
+          <a:solidFill>
+            <a:srgbClr val="003C6C"/>
+          </a:solidFill>
+        </p:spPr>
+        <p:txBody>
+          <a:bodyPr/>
+          <a:lstStyle/>
+          <a:p>
+            <a:r>
+              <a:rPr lang="en-US" dirty="0">
+                <a:solidFill>
+                  <a:schemeClr val="bg1"/>
+                </a:solidFill>
+                <a:latin typeface="+mn-lt"/>
+                <a:ea typeface="Microsoft JhengHei UI" panose="020B0604030504040204" pitchFamily="34" charset="-120"/>
+              </a:rPr>
+              <a:t>  California Current System (CCS)</a:t>
+            </a:r>
+          </a:p>
+        </p:txBody>
+      </p:sp>
+      <p:sp>
+        <p:nvSpPr>
+          <p:cNvPr id="3" name="Content Placeholder 2">
+            <a:extLst>
+              <a:ext uri="{FF2B5EF4-FFF2-40B4-BE49-F238E27FC236}">
+                <a16:creationId xmlns:a16="http://schemas.microsoft.com/office/drawing/2014/main" id="{F5F89EB4-FE7A-4332-8A77-6D74A195BC07}"/>
+              </a:ext>
+            </a:extLst>
+          </p:cNvPr>
+          <p:cNvSpPr>
+            <a:spLocks noGrp="1"/>
+          </p:cNvSpPr>
+          <p:nvPr>
+            <p:ph idx="1"/>
+          </p:nvPr>
+        </p:nvSpPr>
+        <p:spPr>
+          <a:xfrm>
+            <a:off x="495484" y="1413128"/>
+            <a:ext cx="3554001" cy="5129185"/>
+          </a:xfrm>
+        </p:spPr>
+        <p:txBody>
+          <a:bodyPr>
+            <a:normAutofit/>
+          </a:bodyPr>
+          <a:lstStyle/>
+          <a:p>
+            <a:pPr>
+              <a:lnSpc>
+                <a:spcPct val="100000"/>
+              </a:lnSpc>
+            </a:pPr>
+            <a:r>
+              <a:rPr lang="en-US" sz="2000" dirty="0">
+                <a:ea typeface="Microsoft JhengHei UI" panose="020B0604030504040204" pitchFamily="34" charset="-120"/>
+              </a:rPr>
+              <a:t>Unique ecosystem</a:t>
+            </a:r>
+          </a:p>
+          <a:p>
+            <a:pPr>
+              <a:lnSpc>
+                <a:spcPct val="100000"/>
+              </a:lnSpc>
+            </a:pPr>
+            <a:r>
+              <a:rPr lang="en-US" sz="2000" dirty="0">
+                <a:ea typeface="Microsoft JhengHei UI" panose="020B0604030504040204" pitchFamily="34" charset="-120"/>
+              </a:rPr>
+              <a:t>Provides many ecosystem services</a:t>
+            </a:r>
+          </a:p>
+          <a:p>
+            <a:pPr>
+              <a:lnSpc>
+                <a:spcPct val="100000"/>
+              </a:lnSpc>
+            </a:pPr>
+            <a:r>
+              <a:rPr lang="en-US" sz="2000" dirty="0">
+                <a:ea typeface="Microsoft JhengHei UI" panose="020B0604030504040204" pitchFamily="34" charset="-120"/>
+              </a:rPr>
+              <a:t>Home to many protected species</a:t>
+            </a:r>
+          </a:p>
+          <a:p>
+            <a:pPr>
+              <a:lnSpc>
+                <a:spcPct val="100000"/>
+              </a:lnSpc>
+            </a:pPr>
+            <a:r>
+              <a:rPr lang="en-US" sz="2000" dirty="0">
+                <a:ea typeface="Microsoft JhengHei UI" panose="020B0604030504040204" pitchFamily="34" charset="-120"/>
+              </a:rPr>
+              <a:t>Sustains commercial and recreational fisheries:</a:t>
+            </a:r>
+          </a:p>
+          <a:p>
+            <a:pPr lvl="1">
+              <a:lnSpc>
+                <a:spcPct val="100000"/>
+              </a:lnSpc>
+            </a:pPr>
+            <a:r>
+              <a:rPr lang="en-US" sz="1800" dirty="0">
+                <a:ea typeface="Microsoft JhengHei UI" panose="020B0604030504040204" pitchFamily="34" charset="-120"/>
+              </a:rPr>
+              <a:t>Forage species</a:t>
+            </a:r>
+          </a:p>
+          <a:p>
+            <a:pPr lvl="1">
+              <a:lnSpc>
+                <a:spcPct val="100000"/>
+              </a:lnSpc>
+            </a:pPr>
+            <a:r>
+              <a:rPr lang="en-US" sz="1800" dirty="0">
+                <a:ea typeface="Microsoft JhengHei UI" panose="020B0604030504040204" pitchFamily="34" charset="-120"/>
+              </a:rPr>
+              <a:t>Coastal Pelagic Species</a:t>
+            </a:r>
+          </a:p>
+        </p:txBody>
+      </p:sp>
+      <p:pic>
+        <p:nvPicPr>
+          <p:cNvPr id="8" name="Picture 7">
+            <a:extLst>
+              <a:ext uri="{FF2B5EF4-FFF2-40B4-BE49-F238E27FC236}">
+                <a16:creationId xmlns:a16="http://schemas.microsoft.com/office/drawing/2014/main" id="{E1A0B5D7-8E64-41AF-A5B9-D5CA770A3AE0}"/>
+              </a:ext>
+            </a:extLst>
+          </p:cNvPr>
+          <p:cNvPicPr>
+            <a:picLocks noChangeAspect="1"/>
+          </p:cNvPicPr>
+          <p:nvPr/>
+        </p:nvPicPr>
+        <p:blipFill>
+          <a:blip r:embed="rId4" cstate="print">
+            <a:extLst>
+              <a:ext uri="{28A0092B-C50C-407E-A947-70E740481C1C}">
+                <a14:useLocalDpi xmlns:a14="http://schemas.microsoft.com/office/drawing/2010/main" val="0"/>
+              </a:ext>
+            </a:extLst>
+          </a:blip>
+          <a:stretch>
+            <a:fillRect/>
+          </a:stretch>
+        </p:blipFill>
+        <p:spPr>
+          <a:xfrm>
+            <a:off x="4855853" y="2574066"/>
+            <a:ext cx="477327" cy="514895"/>
+          </a:xfrm>
+          <a:prstGeom prst="rect">
+            <a:avLst/>
+          </a:prstGeom>
+        </p:spPr>
+      </p:pic>
+      <p:sp>
+        <p:nvSpPr>
+          <p:cNvPr id="9" name="TextBox 8">
+            <a:extLst>
+              <a:ext uri="{FF2B5EF4-FFF2-40B4-BE49-F238E27FC236}">
+                <a16:creationId xmlns:a16="http://schemas.microsoft.com/office/drawing/2014/main" id="{62AD89DE-CF48-472C-B256-59AFAA03520B}"/>
+              </a:ext>
+            </a:extLst>
+          </p:cNvPr>
+          <p:cNvSpPr txBox="1"/>
+          <p:nvPr/>
+        </p:nvSpPr>
+        <p:spPr>
+          <a:xfrm>
+            <a:off x="6776428" y="4997123"/>
+            <a:ext cx="1872087" cy="461665"/>
+          </a:xfrm>
+          <a:prstGeom prst="rect">
+            <a:avLst/>
+          </a:prstGeom>
+          <a:noFill/>
+        </p:spPr>
+        <p:txBody>
+          <a:bodyPr wrap="square" rtlCol="0">
+            <a:spAutoFit/>
+          </a:bodyPr>
+          <a:lstStyle/>
+          <a:p>
+            <a:r>
+              <a:rPr lang="en-US" sz="1200" i="1" dirty="0"/>
+              <a:t>Illustration by Fiona Morris</a:t>
+            </a:r>
+          </a:p>
+        </p:txBody>
+      </p:sp>
+      <p:sp>
+        <p:nvSpPr>
+          <p:cNvPr id="6" name="Slide Number Placeholder 5">
+            <a:extLst>
+              <a:ext uri="{FF2B5EF4-FFF2-40B4-BE49-F238E27FC236}">
+                <a16:creationId xmlns:a16="http://schemas.microsoft.com/office/drawing/2014/main" id="{D59AEBD6-2615-4476-8EA6-3992972395BB}"/>
+              </a:ext>
+            </a:extLst>
+          </p:cNvPr>
+          <p:cNvSpPr>
+            <a:spLocks noGrp="1"/>
+          </p:cNvSpPr>
+          <p:nvPr>
+            <p:ph type="sldNum" sz="quarter" idx="12"/>
+          </p:nvPr>
+        </p:nvSpPr>
+        <p:spPr/>
+        <p:txBody>
+          <a:bodyPr/>
+          <a:lstStyle/>
+          <a:p>
+            <a:fld id="{6FD4AA8C-2C0B-45F2-84FF-CF2E58E014B2}" type="slidenum">
+              <a:rPr lang="en-US" smtClean="0"/>
+              <a:t>10</a:t>
+            </a:fld>
+            <a:endParaRPr lang="en-US" dirty="0"/>
+          </a:p>
+        </p:txBody>
+      </p:sp>
+    </p:spTree>
+    <p:extLst>
+      <p:ext uri="{BB962C8B-B14F-4D97-AF65-F5344CB8AC3E}">
+        <p14:creationId xmlns:p14="http://schemas.microsoft.com/office/powerpoint/2010/main" val="567117408"/>
+      </p:ext>
+    </p:extLst>
+  </p:cSld>
+  <p:clrMapOvr>
+    <a:masterClrMapping/>
+  </p:clrMapOvr>
+</p:sld>
+</file>
+
+<file path=ppt/slides/slide11.xml><?xml version="1.0" encoding="utf-8"?>
+<p:sld xmlns:a="http://schemas.openxmlformats.org/drawingml/2006/main" xmlns:r="http://schemas.openxmlformats.org/officeDocument/2006/relationships" xmlns:p="http://schemas.openxmlformats.org/presentationml/2006/main" show="0">
+  <p:cSld>
+    <p:spTree>
+      <p:nvGrpSpPr>
+        <p:cNvPr id="1" name=""/>
+        <p:cNvGrpSpPr/>
+        <p:nvPr/>
+      </p:nvGrpSpPr>
+      <p:grpSpPr>
+        <a:xfrm>
+          <a:off x="0" y="0"/>
+          <a:ext cx="0" cy="0"/>
+          <a:chOff x="0" y="0"/>
+          <a:chExt cx="0" cy="0"/>
+        </a:xfrm>
+      </p:grpSpPr>
+      <p:sp>
+        <p:nvSpPr>
+          <p:cNvPr id="2" name="Title 1">
+            <a:extLst>
+              <a:ext uri="{FF2B5EF4-FFF2-40B4-BE49-F238E27FC236}">
+                <a16:creationId xmlns:a16="http://schemas.microsoft.com/office/drawing/2014/main" id="{AB146FD5-B7E6-4311-BEFD-D6D4A89D4FAF}"/>
+              </a:ext>
+            </a:extLst>
+          </p:cNvPr>
+          <p:cNvSpPr>
+            <a:spLocks noGrp="1"/>
+          </p:cNvSpPr>
+          <p:nvPr>
+            <p:ph type="title"/>
+          </p:nvPr>
+        </p:nvSpPr>
+        <p:spPr>
+          <a:xfrm>
+            <a:off x="0" y="1"/>
+            <a:ext cx="9144000" cy="923278"/>
+          </a:xfrm>
+          <a:solidFill>
+            <a:srgbClr val="003C6C"/>
+          </a:solidFill>
+        </p:spPr>
+        <p:txBody>
+          <a:bodyPr/>
+          <a:lstStyle/>
+          <a:p>
+            <a:r>
+              <a:rPr lang="en-US" dirty="0">
+                <a:solidFill>
+                  <a:schemeClr val="bg1"/>
+                </a:solidFill>
+                <a:latin typeface="+mn-lt"/>
+                <a:ea typeface="Microsoft JhengHei UI" panose="020B0604030504040204" pitchFamily="34" charset="-120"/>
+              </a:rPr>
+              <a:t>  Coastal Pelagic Species in CCS</a:t>
+            </a:r>
+          </a:p>
+        </p:txBody>
+      </p:sp>
+      <p:graphicFrame>
+        <p:nvGraphicFramePr>
+          <p:cNvPr id="7" name="Content Placeholder 6">
+            <a:extLst>
+              <a:ext uri="{FF2B5EF4-FFF2-40B4-BE49-F238E27FC236}">
+                <a16:creationId xmlns:a16="http://schemas.microsoft.com/office/drawing/2014/main" id="{582885AD-F576-4725-8E9F-375E56F22E1C}"/>
+              </a:ext>
+            </a:extLst>
+          </p:cNvPr>
+          <p:cNvGraphicFramePr>
+            <a:graphicFrameLocks noGrp="1"/>
+          </p:cNvGraphicFramePr>
+          <p:nvPr>
+            <p:ph idx="1"/>
+            <p:extLst>
+              <p:ext uri="{D42A27DB-BD31-4B8C-83A1-F6EECF244321}">
+                <p14:modId xmlns:p14="http://schemas.microsoft.com/office/powerpoint/2010/main" val="3992832315"/>
+              </p:ext>
+            </p:extLst>
+          </p:nvPr>
+        </p:nvGraphicFramePr>
+        <p:xfrm>
+          <a:off x="284480" y="1270000"/>
+          <a:ext cx="8524240" cy="4829349"/>
+        </p:xfrm>
+        <a:graphic>
+          <a:graphicData uri="http://schemas.openxmlformats.org/drawingml/2006/diagram">
+            <dgm:relIds xmlns:dgm="http://schemas.openxmlformats.org/drawingml/2006/diagram" xmlns:r="http://schemas.openxmlformats.org/officeDocument/2006/relationships" r:dm="rId3" r:lo="rId4" r:qs="rId5" r:cs="rId6"/>
+          </a:graphicData>
+        </a:graphic>
+      </p:graphicFrame>
+      <p:sp>
+        <p:nvSpPr>
+          <p:cNvPr id="5" name="Slide Number Placeholder 4">
+            <a:extLst>
+              <a:ext uri="{FF2B5EF4-FFF2-40B4-BE49-F238E27FC236}">
+                <a16:creationId xmlns:a16="http://schemas.microsoft.com/office/drawing/2014/main" id="{2FC33029-A1FC-4FF7-A257-7B080D8D92BB}"/>
+              </a:ext>
+            </a:extLst>
+          </p:cNvPr>
+          <p:cNvSpPr>
+            <a:spLocks noGrp="1"/>
+          </p:cNvSpPr>
+          <p:nvPr>
+            <p:ph type="sldNum" sz="quarter" idx="12"/>
+          </p:nvPr>
+        </p:nvSpPr>
+        <p:spPr/>
+        <p:txBody>
+          <a:bodyPr/>
+          <a:lstStyle/>
+          <a:p>
+            <a:fld id="{6FD4AA8C-2C0B-45F2-84FF-CF2E58E014B2}" type="slidenum">
+              <a:rPr lang="en-US" smtClean="0"/>
+              <a:t>11</a:t>
+            </a:fld>
+            <a:endParaRPr lang="en-US"/>
+          </a:p>
+        </p:txBody>
+      </p:sp>
+    </p:spTree>
+    <p:extLst>
+      <p:ext uri="{BB962C8B-B14F-4D97-AF65-F5344CB8AC3E}">
+        <p14:creationId xmlns:p14="http://schemas.microsoft.com/office/powerpoint/2010/main" val="4077910141"/>
+      </p:ext>
+    </p:extLst>
+  </p:cSld>
+  <p:clrMapOvr>
+    <a:masterClrMapping/>
+  </p:clrMapOvr>
+</p:sld>
+</file>
+
+<file path=ppt/slides/slide12.xml><?xml version="1.0" encoding="utf-8"?>
+<p:sld xmlns:a="http://schemas.openxmlformats.org/drawingml/2006/main" xmlns:r="http://schemas.openxmlformats.org/officeDocument/2006/relationships" xmlns:p="http://schemas.openxmlformats.org/presentationml/2006/main">
+  <p:cSld>
+    <p:spTree>
+      <p:nvGrpSpPr>
+        <p:cNvPr id="1" name=""/>
+        <p:cNvGrpSpPr/>
+        <p:nvPr/>
+      </p:nvGrpSpPr>
+      <p:grpSpPr>
+        <a:xfrm>
+          <a:off x="0" y="0"/>
+          <a:ext cx="0" cy="0"/>
+          <a:chOff x="0" y="0"/>
+          <a:chExt cx="0" cy="0"/>
+        </a:xfrm>
+      </p:grpSpPr>
+      <p:sp>
+        <p:nvSpPr>
+          <p:cNvPr id="2" name="Title 1">
+            <a:extLst>
+              <a:ext uri="{FF2B5EF4-FFF2-40B4-BE49-F238E27FC236}">
+                <a16:creationId xmlns:a16="http://schemas.microsoft.com/office/drawing/2014/main" id="{AB146FD5-B7E6-4311-BEFD-D6D4A89D4FAF}"/>
+              </a:ext>
+            </a:extLst>
+          </p:cNvPr>
+          <p:cNvSpPr>
+            <a:spLocks noGrp="1"/>
+          </p:cNvSpPr>
+          <p:nvPr>
+            <p:ph type="title"/>
+          </p:nvPr>
+        </p:nvSpPr>
+        <p:spPr>
+          <a:xfrm>
+            <a:off x="0" y="1"/>
+            <a:ext cx="9144000" cy="923278"/>
+          </a:xfrm>
+          <a:solidFill>
+            <a:srgbClr val="003C6C"/>
+          </a:solidFill>
+        </p:spPr>
+        <p:txBody>
+          <a:bodyPr>
+            <a:normAutofit/>
+          </a:bodyPr>
+          <a:lstStyle/>
+          <a:p>
+            <a:r>
+              <a:rPr lang="en-US" dirty="0">
+                <a:solidFill>
+                  <a:schemeClr val="bg1"/>
+                </a:solidFill>
+                <a:latin typeface="+mn-lt"/>
+                <a:ea typeface="Microsoft JhengHei UI" panose="020B0604030504040204" pitchFamily="34" charset="-120"/>
+              </a:rPr>
+              <a:t>  Climate is changing!</a:t>
+            </a:r>
+            <a:endParaRPr lang="en-US" dirty="0">
+              <a:solidFill>
+                <a:schemeClr val="bg1"/>
+              </a:solidFill>
+              <a:latin typeface="+mn-lt"/>
+            </a:endParaRPr>
+          </a:p>
+        </p:txBody>
+      </p:sp>
+      <p:sp>
+        <p:nvSpPr>
+          <p:cNvPr id="6" name="Slide Number Placeholder 5">
+            <a:extLst>
+              <a:ext uri="{FF2B5EF4-FFF2-40B4-BE49-F238E27FC236}">
+                <a16:creationId xmlns:a16="http://schemas.microsoft.com/office/drawing/2014/main" id="{84CB9F42-672E-4676-8A37-1A375F5F9B34}"/>
+              </a:ext>
+            </a:extLst>
+          </p:cNvPr>
+          <p:cNvSpPr>
+            <a:spLocks noGrp="1"/>
+          </p:cNvSpPr>
+          <p:nvPr>
+            <p:ph type="sldNum" sz="quarter" idx="12"/>
+          </p:nvPr>
+        </p:nvSpPr>
+        <p:spPr/>
+        <p:txBody>
+          <a:bodyPr/>
+          <a:lstStyle/>
+          <a:p>
+            <a:fld id="{6FD4AA8C-2C0B-45F2-84FF-CF2E58E014B2}" type="slidenum">
+              <a:rPr lang="en-US" smtClean="0"/>
+              <a:t>12</a:t>
+            </a:fld>
+            <a:endParaRPr lang="en-US"/>
+          </a:p>
+        </p:txBody>
+      </p:sp>
+      <p:sp>
+        <p:nvSpPr>
+          <p:cNvPr id="7" name="TextBox 6">
+            <a:hlinkClick r:id="rId3"/>
+            <a:extLst>
+              <a:ext uri="{FF2B5EF4-FFF2-40B4-BE49-F238E27FC236}">
+                <a16:creationId xmlns:a16="http://schemas.microsoft.com/office/drawing/2014/main" id="{5265EB72-9BD3-4F7E-A351-E2284661E996}"/>
+              </a:ext>
+            </a:extLst>
+          </p:cNvPr>
+          <p:cNvSpPr txBox="1"/>
+          <p:nvPr/>
+        </p:nvSpPr>
+        <p:spPr>
+          <a:xfrm>
+            <a:off x="2697282" y="5766606"/>
+            <a:ext cx="2349811" cy="276999"/>
+          </a:xfrm>
+          <a:prstGeom prst="rect">
+            <a:avLst/>
+          </a:prstGeom>
+          <a:noFill/>
+        </p:spPr>
+        <p:txBody>
+          <a:bodyPr wrap="square" rtlCol="0">
+            <a:spAutoFit/>
+          </a:bodyPr>
+          <a:lstStyle/>
+          <a:p>
+            <a:r>
+              <a:rPr lang="en-US" sz="1200" dirty="0"/>
+              <a:t>Source: </a:t>
+            </a:r>
+            <a:r>
+              <a:rPr lang="en-US" sz="1200" dirty="0" err="1">
+                <a:hlinkClick r:id="rId4"/>
+              </a:rPr>
+              <a:t>Pozo</a:t>
+            </a:r>
+            <a:r>
+              <a:rPr lang="en-US" sz="1200" dirty="0">
+                <a:hlinkClick r:id="rId4"/>
+              </a:rPr>
+              <a:t> </a:t>
+            </a:r>
+            <a:r>
+              <a:rPr lang="en-US" sz="1200" dirty="0" err="1">
+                <a:hlinkClick r:id="rId4"/>
+              </a:rPr>
+              <a:t>Buil</a:t>
+            </a:r>
+            <a:r>
+              <a:rPr lang="en-US" sz="1200" dirty="0">
+                <a:hlinkClick r:id="rId4"/>
+              </a:rPr>
+              <a:t> et al. (2021)</a:t>
+            </a:r>
+            <a:endParaRPr lang="en-US" sz="1200" dirty="0"/>
+          </a:p>
+        </p:txBody>
+      </p:sp>
+      <p:pic>
+        <p:nvPicPr>
+          <p:cNvPr id="3074" name="Picture 2" descr="https://www.frontiersin.org/files/Articles/612874/fmars-08-612874-HTML/image_m/fmars-08-612874-g002.jpg">
+            <a:extLst>
+              <a:ext uri="{FF2B5EF4-FFF2-40B4-BE49-F238E27FC236}">
+                <a16:creationId xmlns:a16="http://schemas.microsoft.com/office/drawing/2014/main" id="{FA4F2545-BBCC-45CB-8634-FDDDE3E210D3}"/>
+              </a:ext>
+            </a:extLst>
+          </p:cNvPr>
+          <p:cNvPicPr>
+            <a:picLocks noChangeAspect="1" noChangeArrowheads="1"/>
+          </p:cNvPicPr>
+          <p:nvPr/>
+        </p:nvPicPr>
+        <p:blipFill>
+          <a:blip r:embed="rId5" cstate="hqprint">
+            <a:extLst>
+              <a:ext uri="{28A0092B-C50C-407E-A947-70E740481C1C}">
+                <a14:useLocalDpi xmlns:a14="http://schemas.microsoft.com/office/drawing/2010/main" val="0"/>
+              </a:ext>
+            </a:extLst>
+          </a:blip>
+          <a:srcRect/>
+          <a:stretch>
+            <a:fillRect/>
+          </a:stretch>
+        </p:blipFill>
+        <p:spPr bwMode="auto">
+          <a:xfrm>
+            <a:off x="203790" y="1386630"/>
+            <a:ext cx="4559595" cy="4193624"/>
+          </a:xfrm>
+          <a:prstGeom prst="rect">
+            <a:avLst/>
+          </a:prstGeom>
+          <a:noFill/>
+          <a:extLst>
+            <a:ext uri="{909E8E84-426E-40DD-AFC4-6F175D3DCCD1}">
+              <a14:hiddenFill xmlns:a14="http://schemas.microsoft.com/office/drawing/2010/main">
+                <a:solidFill>
+                  <a:srgbClr val="FFFFFF"/>
+                </a:solidFill>
+              </a14:hiddenFill>
+            </a:ext>
+          </a:extLst>
+        </p:spPr>
+      </p:pic>
+      <p:sp>
+        <p:nvSpPr>
+          <p:cNvPr id="8" name="Rectangle 7">
+            <a:extLst>
+              <a:ext uri="{FF2B5EF4-FFF2-40B4-BE49-F238E27FC236}">
+                <a16:creationId xmlns:a16="http://schemas.microsoft.com/office/drawing/2014/main" id="{27CAECE9-2BF1-42B7-9A04-D2823154811A}"/>
+              </a:ext>
+            </a:extLst>
+          </p:cNvPr>
+          <p:cNvSpPr/>
+          <p:nvPr/>
+        </p:nvSpPr>
+        <p:spPr>
+          <a:xfrm>
+            <a:off x="5047093" y="1063465"/>
+            <a:ext cx="3943542" cy="646331"/>
+          </a:xfrm>
+          <a:prstGeom prst="rect">
+            <a:avLst/>
+          </a:prstGeom>
+        </p:spPr>
+        <p:txBody>
+          <a:bodyPr wrap="square">
+            <a:spAutoFit/>
+          </a:bodyPr>
+          <a:lstStyle/>
+          <a:p>
+            <a:pPr marL="285750" indent="-285750">
+              <a:buFont typeface="Arial" panose="020B0604020202020204" pitchFamily="34" charset="0"/>
+              <a:buChar char="•"/>
+            </a:pPr>
+            <a:r>
+              <a:rPr lang="en-US" dirty="0">
+                <a:ea typeface="Microsoft JhengHei UI" panose="020B0604030504040204" pitchFamily="34" charset="-120"/>
+              </a:rPr>
+              <a:t>For instance, projected changes in Pacific sardine distribution</a:t>
+            </a:r>
+          </a:p>
+        </p:txBody>
+      </p:sp>
+      <p:pic>
+        <p:nvPicPr>
+          <p:cNvPr id="9" name="Picture 2" descr="image">
+            <a:extLst>
+              <a:ext uri="{FF2B5EF4-FFF2-40B4-BE49-F238E27FC236}">
+                <a16:creationId xmlns:a16="http://schemas.microsoft.com/office/drawing/2014/main" id="{81D426E6-F96E-4122-819E-3E5C084466C8}"/>
+              </a:ext>
+            </a:extLst>
+          </p:cNvPr>
+          <p:cNvPicPr>
+            <a:picLocks noChangeAspect="1" noChangeArrowheads="1"/>
+          </p:cNvPicPr>
+          <p:nvPr/>
+        </p:nvPicPr>
+        <p:blipFill>
+          <a:blip r:embed="rId6" cstate="hqprint">
+            <a:extLst>
+              <a:ext uri="{28A0092B-C50C-407E-A947-70E740481C1C}">
+                <a14:useLocalDpi xmlns:a14="http://schemas.microsoft.com/office/drawing/2010/main" val="0"/>
+              </a:ext>
+            </a:extLst>
+          </a:blip>
+          <a:srcRect/>
+          <a:stretch>
+            <a:fillRect/>
+          </a:stretch>
+        </p:blipFill>
+        <p:spPr bwMode="auto">
+          <a:xfrm>
+            <a:off x="5355587" y="1780620"/>
+            <a:ext cx="3635047" cy="4078805"/>
+          </a:xfrm>
+          <a:prstGeom prst="rect">
+            <a:avLst/>
+          </a:prstGeom>
+          <a:noFill/>
+          <a:extLst>
+            <a:ext uri="{909E8E84-426E-40DD-AFC4-6F175D3DCCD1}">
+              <a14:hiddenFill xmlns:a14="http://schemas.microsoft.com/office/drawing/2010/main">
+                <a:solidFill>
+                  <a:srgbClr val="FFFFFF"/>
+                </a:solidFill>
+              </a14:hiddenFill>
+            </a:ext>
+          </a:extLst>
+        </p:spPr>
+      </p:pic>
+      <p:sp>
+        <p:nvSpPr>
+          <p:cNvPr id="10" name="Rectangle 9">
+            <a:extLst>
+              <a:ext uri="{FF2B5EF4-FFF2-40B4-BE49-F238E27FC236}">
+                <a16:creationId xmlns:a16="http://schemas.microsoft.com/office/drawing/2014/main" id="{5BFE04B5-2626-4D55-8248-0A817628AF61}"/>
+              </a:ext>
+            </a:extLst>
+          </p:cNvPr>
+          <p:cNvSpPr/>
+          <p:nvPr/>
+        </p:nvSpPr>
+        <p:spPr>
+          <a:xfrm>
+            <a:off x="5450186" y="5919280"/>
+            <a:ext cx="2843209" cy="938719"/>
+          </a:xfrm>
+          <a:prstGeom prst="rect">
+            <a:avLst/>
+          </a:prstGeom>
+        </p:spPr>
+        <p:txBody>
+          <a:bodyPr wrap="square">
+            <a:spAutoFit/>
+          </a:bodyPr>
+          <a:lstStyle/>
+          <a:p>
+            <a:r>
+              <a:rPr lang="en-US" sz="1100" b="1" dirty="0">
+                <a:solidFill>
+                  <a:srgbClr val="1C1D1E"/>
+                </a:solidFill>
+              </a:rPr>
+              <a:t>Figure. </a:t>
+            </a:r>
+            <a:r>
+              <a:rPr lang="en-US" sz="1100" dirty="0">
+                <a:solidFill>
+                  <a:srgbClr val="1C1D1E"/>
+                </a:solidFill>
+              </a:rPr>
+              <a:t>Mean change in projected sardine habitat suitability (2040–55 period minus 2000–2015 period), in the three ESMs. </a:t>
+            </a:r>
+            <a:r>
+              <a:rPr lang="en-US" sz="1100" dirty="0"/>
+              <a:t>Source: </a:t>
+            </a:r>
+            <a:r>
+              <a:rPr lang="en-US" sz="1100" dirty="0">
+                <a:ea typeface="Microsoft JhengHei UI" panose="020B0604030504040204" pitchFamily="34" charset="-120"/>
+                <a:hlinkClick r:id="rId7"/>
+              </a:rPr>
+              <a:t>Smith et al. (2020)</a:t>
+            </a:r>
+            <a:endParaRPr lang="en-US" sz="1100" dirty="0"/>
+          </a:p>
+          <a:p>
+            <a:endParaRPr lang="en-US" sz="1100" dirty="0"/>
+          </a:p>
+        </p:txBody>
+      </p:sp>
+    </p:spTree>
+    <p:extLst>
+      <p:ext uri="{BB962C8B-B14F-4D97-AF65-F5344CB8AC3E}">
+        <p14:creationId xmlns:p14="http://schemas.microsoft.com/office/powerpoint/2010/main" val="356998789"/>
+      </p:ext>
+    </p:extLst>
+  </p:cSld>
+  <p:clrMapOvr>
+    <a:masterClrMapping/>
+  </p:clrMapOvr>
+</p:sld>
+</file>
+
+<file path=ppt/slides/slide13.xml><?xml version="1.0" encoding="utf-8"?>
+<p:sld xmlns:a="http://schemas.openxmlformats.org/drawingml/2006/main" xmlns:r="http://schemas.openxmlformats.org/officeDocument/2006/relationships" xmlns:p="http://schemas.openxmlformats.org/presentationml/2006/main">
+  <p:cSld>
+    <p:spTree>
+      <p:nvGrpSpPr>
+        <p:cNvPr id="1" name=""/>
+        <p:cNvGrpSpPr/>
+        <p:nvPr/>
+      </p:nvGrpSpPr>
+      <p:grpSpPr>
+        <a:xfrm>
+          <a:off x="0" y="0"/>
+          <a:ext cx="0" cy="0"/>
+          <a:chOff x="0" y="0"/>
+          <a:chExt cx="0" cy="0"/>
+        </a:xfrm>
+      </p:grpSpPr>
+      <p:sp>
+        <p:nvSpPr>
+          <p:cNvPr id="2" name="Title 1">
+            <a:extLst>
+              <a:ext uri="{FF2B5EF4-FFF2-40B4-BE49-F238E27FC236}">
+                <a16:creationId xmlns:a16="http://schemas.microsoft.com/office/drawing/2014/main" id="{AB146FD5-B7E6-4311-BEFD-D6D4A89D4FAF}"/>
+              </a:ext>
+            </a:extLst>
+          </p:cNvPr>
+          <p:cNvSpPr>
+            <a:spLocks noGrp="1"/>
+          </p:cNvSpPr>
+          <p:nvPr>
+            <p:ph type="title"/>
+          </p:nvPr>
+        </p:nvSpPr>
+        <p:spPr>
+          <a:xfrm>
+            <a:off x="0" y="1"/>
+            <a:ext cx="9144000" cy="923278"/>
+          </a:xfrm>
+          <a:solidFill>
+            <a:srgbClr val="003C6C"/>
+          </a:solidFill>
+        </p:spPr>
+        <p:txBody>
+          <a:bodyPr>
+            <a:normAutofit/>
+          </a:bodyPr>
+          <a:lstStyle/>
+          <a:p>
+            <a:r>
+              <a:rPr lang="en-US" dirty="0">
+                <a:solidFill>
+                  <a:schemeClr val="bg1"/>
+                </a:solidFill>
+                <a:latin typeface="+mn-lt"/>
+                <a:ea typeface="Microsoft JhengHei UI" panose="020B0604030504040204" pitchFamily="34" charset="-120"/>
+              </a:rPr>
+              <a:t>  Effect on landings</a:t>
+            </a:r>
+            <a:endParaRPr lang="en-US" dirty="0">
+              <a:solidFill>
+                <a:schemeClr val="bg1"/>
+              </a:solidFill>
+              <a:latin typeface="+mn-lt"/>
+            </a:endParaRPr>
+          </a:p>
+        </p:txBody>
+      </p:sp>
+      <p:sp>
+        <p:nvSpPr>
+          <p:cNvPr id="5" name="Slide Number Placeholder 4">
+            <a:extLst>
+              <a:ext uri="{FF2B5EF4-FFF2-40B4-BE49-F238E27FC236}">
+                <a16:creationId xmlns:a16="http://schemas.microsoft.com/office/drawing/2014/main" id="{C2034F96-8D93-44BD-B3DB-6787446BFC84}"/>
+              </a:ext>
+            </a:extLst>
+          </p:cNvPr>
+          <p:cNvSpPr>
+            <a:spLocks noGrp="1"/>
+          </p:cNvSpPr>
+          <p:nvPr>
+            <p:ph type="sldNum" sz="quarter" idx="12"/>
+          </p:nvPr>
+        </p:nvSpPr>
+        <p:spPr/>
+        <p:txBody>
+          <a:bodyPr/>
+          <a:lstStyle/>
+          <a:p>
+            <a:fld id="{6FD4AA8C-2C0B-45F2-84FF-CF2E58E014B2}" type="slidenum">
+              <a:rPr lang="en-US" smtClean="0"/>
+              <a:t>13</a:t>
+            </a:fld>
+            <a:endParaRPr lang="en-US"/>
+          </a:p>
+        </p:txBody>
+      </p:sp>
+      <p:pic>
+        <p:nvPicPr>
+          <p:cNvPr id="2050" name="Picture 2" descr="image">
+            <a:extLst>
+              <a:ext uri="{FF2B5EF4-FFF2-40B4-BE49-F238E27FC236}">
+                <a16:creationId xmlns:a16="http://schemas.microsoft.com/office/drawing/2014/main" id="{F64B481E-603A-460A-AE15-25810B546154}"/>
+              </a:ext>
+            </a:extLst>
+          </p:cNvPr>
+          <p:cNvPicPr>
+            <a:picLocks noChangeAspect="1" noChangeArrowheads="1"/>
+          </p:cNvPicPr>
+          <p:nvPr/>
+        </p:nvPicPr>
+        <p:blipFill>
+          <a:blip r:embed="rId3" cstate="hqprint">
+            <a:extLst>
+              <a:ext uri="{28A0092B-C50C-407E-A947-70E740481C1C}">
+                <a14:useLocalDpi xmlns:a14="http://schemas.microsoft.com/office/drawing/2010/main" val="0"/>
+              </a:ext>
+            </a:extLst>
+          </a:blip>
+          <a:srcRect/>
+          <a:stretch>
+            <a:fillRect/>
+          </a:stretch>
+        </p:blipFill>
+        <p:spPr bwMode="auto">
+          <a:xfrm>
+            <a:off x="1467067" y="1141886"/>
+            <a:ext cx="5712576" cy="3130016"/>
+          </a:xfrm>
+          <a:prstGeom prst="rect">
+            <a:avLst/>
+          </a:prstGeom>
+          <a:noFill/>
+          <a:extLst>
+            <a:ext uri="{909E8E84-426E-40DD-AFC4-6F175D3DCCD1}">
+              <a14:hiddenFill xmlns:a14="http://schemas.microsoft.com/office/drawing/2010/main">
+                <a:solidFill>
+                  <a:srgbClr val="FFFFFF"/>
+                </a:solidFill>
+              </a14:hiddenFill>
+            </a:ext>
+          </a:extLst>
+        </p:spPr>
+      </p:pic>
+      <p:sp>
+        <p:nvSpPr>
+          <p:cNvPr id="11" name="Rectangle 10">
+            <a:extLst>
+              <a:ext uri="{FF2B5EF4-FFF2-40B4-BE49-F238E27FC236}">
+                <a16:creationId xmlns:a16="http://schemas.microsoft.com/office/drawing/2014/main" id="{60DB0095-16B1-4DC5-879E-738B9526CCC1}"/>
+              </a:ext>
+            </a:extLst>
+          </p:cNvPr>
+          <p:cNvSpPr/>
+          <p:nvPr/>
+        </p:nvSpPr>
+        <p:spPr>
+          <a:xfrm>
+            <a:off x="1040565" y="4818713"/>
+            <a:ext cx="7090480" cy="1477328"/>
+          </a:xfrm>
+          <a:prstGeom prst="rect">
+            <a:avLst/>
+          </a:prstGeom>
+        </p:spPr>
+        <p:txBody>
+          <a:bodyPr wrap="square">
+            <a:spAutoFit/>
+          </a:bodyPr>
+          <a:lstStyle/>
+          <a:p>
+            <a:pPr marL="285750" indent="-285750">
+              <a:buFont typeface="Arial" panose="020B0604020202020204" pitchFamily="34" charset="0"/>
+              <a:buChar char="•"/>
+            </a:pPr>
+            <a:r>
+              <a:rPr lang="en-US" dirty="0">
+                <a:ea typeface="Microsoft JhengHei UI" panose="020B0604030504040204" pitchFamily="34" charset="-120"/>
+                <a:hlinkClick r:id="rId4"/>
+              </a:rPr>
+              <a:t>Smith et al. (2020) </a:t>
+            </a:r>
+            <a:r>
+              <a:rPr lang="en-US" dirty="0">
+                <a:ea typeface="Microsoft JhengHei UI" panose="020B0604030504040204" pitchFamily="34" charset="-120"/>
+              </a:rPr>
+              <a:t>found a positive effect of species distribution on Pacific sardine landings.</a:t>
+            </a:r>
+          </a:p>
+          <a:p>
+            <a:pPr marL="285750" indent="-285750">
+              <a:buFont typeface="Arial" panose="020B0604020202020204" pitchFamily="34" charset="0"/>
+              <a:buChar char="•"/>
+            </a:pPr>
+            <a:endParaRPr lang="en-US" dirty="0">
+              <a:ea typeface="Microsoft JhengHei UI" panose="020B0604030504040204" pitchFamily="34" charset="-120"/>
+            </a:endParaRPr>
+          </a:p>
+          <a:p>
+            <a:pPr marL="285750" indent="-285750">
+              <a:buFont typeface="Arial" panose="020B0604020202020204" pitchFamily="34" charset="0"/>
+              <a:buChar char="•"/>
+            </a:pPr>
+            <a:r>
+              <a:rPr lang="en-US" dirty="0">
+                <a:ea typeface="Microsoft JhengHei UI" panose="020B0604030504040204" pitchFamily="34" charset="-120"/>
+              </a:rPr>
+              <a:t>Changings on distribution could also trigger changes in regulation (e.g. closures)</a:t>
+            </a:r>
+          </a:p>
+        </p:txBody>
+      </p:sp>
+      <p:sp>
+        <p:nvSpPr>
+          <p:cNvPr id="12" name="TextBox 11">
+            <a:extLst>
+              <a:ext uri="{FF2B5EF4-FFF2-40B4-BE49-F238E27FC236}">
+                <a16:creationId xmlns:a16="http://schemas.microsoft.com/office/drawing/2014/main" id="{FDF354D3-8841-498A-B35E-3FE94EFAC19A}"/>
+              </a:ext>
+            </a:extLst>
+          </p:cNvPr>
+          <p:cNvSpPr txBox="1"/>
+          <p:nvPr/>
+        </p:nvSpPr>
+        <p:spPr>
+          <a:xfrm>
+            <a:off x="6048245" y="4406808"/>
+            <a:ext cx="2082800" cy="276999"/>
+          </a:xfrm>
+          <a:prstGeom prst="rect">
+            <a:avLst/>
+          </a:prstGeom>
+          <a:noFill/>
+        </p:spPr>
+        <p:txBody>
+          <a:bodyPr wrap="square" rtlCol="0">
+            <a:spAutoFit/>
+          </a:bodyPr>
+          <a:lstStyle/>
+          <a:p>
+            <a:r>
+              <a:rPr lang="en-US" sz="1200" dirty="0"/>
+              <a:t>Source: </a:t>
+            </a:r>
+            <a:r>
+              <a:rPr lang="en-US" sz="1200" dirty="0">
+                <a:ea typeface="Microsoft JhengHei UI" panose="020B0604030504040204" pitchFamily="34" charset="-120"/>
+                <a:hlinkClick r:id="rId4"/>
+              </a:rPr>
+              <a:t>Smith et al. (2020)</a:t>
+            </a:r>
+            <a:endParaRPr lang="en-US" sz="1200" dirty="0"/>
+          </a:p>
+        </p:txBody>
+      </p:sp>
+    </p:spTree>
+    <p:extLst>
+      <p:ext uri="{BB962C8B-B14F-4D97-AF65-F5344CB8AC3E}">
+        <p14:creationId xmlns:p14="http://schemas.microsoft.com/office/powerpoint/2010/main" val="3701081902"/>
+      </p:ext>
+    </p:extLst>
+  </p:cSld>
+  <p:clrMapOvr>
+    <a:masterClrMapping/>
+  </p:clrMapOvr>
+</p:sld>
+</file>
+
+<file path=ppt/slides/slide14.xml><?xml version="1.0" encoding="utf-8"?>
 <p:sld xmlns:a="http://schemas.openxmlformats.org/drawingml/2006/main" xmlns:r="http://schemas.openxmlformats.org/officeDocument/2006/relationships" xmlns:p="http://schemas.openxmlformats.org/presentationml/2006/main">
   <p:cSld>
     <p:spTree>
@@ -10468,7 +11425,7 @@
           <a:p>
             <a:fld id="{6FD4AA8C-2C0B-45F2-84FF-CF2E58E014B2}" type="slidenum">
               <a:rPr lang="en-US" smtClean="0"/>
-              <a:t>10</a:t>
+              <a:t>14</a:t>
             </a:fld>
             <a:endParaRPr lang="en-US"/>
           </a:p>
@@ -10487,7 +11444,7 @@
 </p:sld>
 </file>
 
-<file path=ppt/slides/slide11.xml><?xml version="1.0" encoding="utf-8"?>
+<file path=ppt/slides/slide15.xml><?xml version="1.0" encoding="utf-8"?>
 <p:sld xmlns:a="http://schemas.openxmlformats.org/drawingml/2006/main" xmlns:r="http://schemas.openxmlformats.org/officeDocument/2006/relationships" xmlns:p="http://schemas.openxmlformats.org/presentationml/2006/main">
   <p:cSld>
     <p:spTree>
@@ -10913,7 +11870,7 @@
           <a:p>
             <a:fld id="{6FD4AA8C-2C0B-45F2-84FF-CF2E58E014B2}" type="slidenum">
               <a:rPr lang="en-US" smtClean="0"/>
-              <a:t>11</a:t>
+              <a:t>15</a:t>
             </a:fld>
             <a:endParaRPr lang="en-US"/>
           </a:p>
@@ -10932,7 +11889,7 @@
 </p:sld>
 </file>
 
-<file path=ppt/slides/slide12.xml><?xml version="1.0" encoding="utf-8"?>
+<file path=ppt/slides/slide16.xml><?xml version="1.0" encoding="utf-8"?>
 <p:sld xmlns:a="http://schemas.openxmlformats.org/drawingml/2006/main" xmlns:r="http://schemas.openxmlformats.org/officeDocument/2006/relationships" xmlns:p="http://schemas.openxmlformats.org/presentationml/2006/main">
   <p:cSld>
     <p:spTree>
@@ -12243,7 +13200,7 @@
           <a:p>
             <a:fld id="{6FD4AA8C-2C0B-45F2-84FF-CF2E58E014B2}" type="slidenum">
               <a:rPr lang="en-US" smtClean="0"/>
-              <a:t>12</a:t>
+              <a:t>16</a:t>
             </a:fld>
             <a:endParaRPr lang="en-US"/>
           </a:p>
@@ -12262,7 +13219,7 @@
 </p:sld>
 </file>
 
-<file path=ppt/slides/slide13.xml><?xml version="1.0" encoding="utf-8"?>
+<file path=ppt/slides/slide17.xml><?xml version="1.0" encoding="utf-8"?>
 <p:sld xmlns:a="http://schemas.openxmlformats.org/drawingml/2006/main" xmlns:r="http://schemas.openxmlformats.org/officeDocument/2006/relationships" xmlns:p="http://schemas.openxmlformats.org/presentationml/2006/main">
   <p:cSld>
     <p:spTree>
@@ -12635,7 +13592,7 @@
           <a:p>
             <a:fld id="{6FD4AA8C-2C0B-45F2-84FF-CF2E58E014B2}" type="slidenum">
               <a:rPr lang="en-US" smtClean="0"/>
-              <a:t>13</a:t>
+              <a:t>17</a:t>
             </a:fld>
             <a:endParaRPr lang="en-US"/>
           </a:p>
@@ -12654,7 +13611,7 @@
 </p:sld>
 </file>
 
-<file path=ppt/slides/slide14.xml><?xml version="1.0" encoding="utf-8"?>
+<file path=ppt/slides/slide18.xml><?xml version="1.0" encoding="utf-8"?>
 <p:sld xmlns:a="http://schemas.openxmlformats.org/drawingml/2006/main" xmlns:r="http://schemas.openxmlformats.org/officeDocument/2006/relationships" xmlns:p="http://schemas.openxmlformats.org/presentationml/2006/main">
   <p:cSld>
     <p:spTree>
@@ -12795,7 +13752,7 @@
           <a:p>
             <a:fld id="{6FD4AA8C-2C0B-45F2-84FF-CF2E58E014B2}" type="slidenum">
               <a:rPr lang="en-US" smtClean="0"/>
-              <a:t>14</a:t>
+              <a:t>18</a:t>
             </a:fld>
             <a:endParaRPr lang="en-US"/>
           </a:p>
@@ -12814,499 +13771,7 @@
 </p:sld>
 </file>
 
-<file path=ppt/slides/slide15.xml><?xml version="1.0" encoding="utf-8"?>
-<p:sld xmlns:a="http://schemas.openxmlformats.org/drawingml/2006/main" xmlns:r="http://schemas.openxmlformats.org/officeDocument/2006/relationships" xmlns:p="http://schemas.openxmlformats.org/presentationml/2006/main">
-  <p:cSld>
-    <p:spTree>
-      <p:nvGrpSpPr>
-        <p:cNvPr id="1" name=""/>
-        <p:cNvGrpSpPr/>
-        <p:nvPr/>
-      </p:nvGrpSpPr>
-      <p:grpSpPr>
-        <a:xfrm>
-          <a:off x="0" y="0"/>
-          <a:ext cx="0" cy="0"/>
-          <a:chOff x="0" y="0"/>
-          <a:chExt cx="0" cy="0"/>
-        </a:xfrm>
-      </p:grpSpPr>
-      <p:sp>
-        <p:nvSpPr>
-          <p:cNvPr id="2" name="Title 1">
-            <a:extLst>
-              <a:ext uri="{FF2B5EF4-FFF2-40B4-BE49-F238E27FC236}">
-                <a16:creationId xmlns:a16="http://schemas.microsoft.com/office/drawing/2014/main" id="{AB146FD5-B7E6-4311-BEFD-D6D4A89D4FAF}"/>
-              </a:ext>
-            </a:extLst>
-          </p:cNvPr>
-          <p:cNvSpPr>
-            <a:spLocks noGrp="1"/>
-          </p:cNvSpPr>
-          <p:nvPr>
-            <p:ph type="title"/>
-          </p:nvPr>
-        </p:nvSpPr>
-        <p:spPr>
-          <a:xfrm>
-            <a:off x="0" y="1"/>
-            <a:ext cx="9144000" cy="923278"/>
-          </a:xfrm>
-          <a:solidFill>
-            <a:srgbClr val="003C6C"/>
-          </a:solidFill>
-        </p:spPr>
-        <p:txBody>
-          <a:bodyPr>
-            <a:normAutofit/>
-          </a:bodyPr>
-          <a:lstStyle/>
-          <a:p>
-            <a:r>
-              <a:rPr lang="en-US" sz="3200" dirty="0">
-                <a:solidFill>
-                  <a:schemeClr val="bg1"/>
-                </a:solidFill>
-                <a:latin typeface="+mn-lt"/>
-              </a:rPr>
-              <a:t>  Results: Squid is a substitute of sardine</a:t>
-            </a:r>
-          </a:p>
-        </p:txBody>
-      </p:sp>
-      <p:pic>
-        <p:nvPicPr>
-          <p:cNvPr id="7" name="Content Placeholder 6">
-            <a:extLst>
-              <a:ext uri="{FF2B5EF4-FFF2-40B4-BE49-F238E27FC236}">
-                <a16:creationId xmlns:a16="http://schemas.microsoft.com/office/drawing/2014/main" id="{9B4A8A31-9904-4813-AFBF-E9EF30FC35B8}"/>
-              </a:ext>
-            </a:extLst>
-          </p:cNvPr>
-          <p:cNvPicPr>
-            <a:picLocks noGrp="1" noChangeAspect="1"/>
-          </p:cNvPicPr>
-          <p:nvPr>
-            <p:ph idx="1"/>
-          </p:nvPr>
-        </p:nvPicPr>
-        <p:blipFill>
-          <a:blip r:embed="rId3">
-            <a:extLst>
-              <a:ext uri="{28A0092B-C50C-407E-A947-70E740481C1C}">
-                <a14:useLocalDpi xmlns:a14="http://schemas.microsoft.com/office/drawing/2010/main" val="0"/>
-              </a:ext>
-            </a:extLst>
-          </a:blip>
-          <a:stretch>
-            <a:fillRect/>
-          </a:stretch>
-        </p:blipFill>
-        <p:spPr>
-          <a:xfrm>
-            <a:off x="341337" y="1110162"/>
-            <a:ext cx="8461325" cy="5221846"/>
-          </a:xfrm>
-        </p:spPr>
-      </p:pic>
-      <p:cxnSp>
-        <p:nvCxnSpPr>
-          <p:cNvPr id="4" name="Straight Arrow Connector 3">
-            <a:extLst>
-              <a:ext uri="{FF2B5EF4-FFF2-40B4-BE49-F238E27FC236}">
-                <a16:creationId xmlns:a16="http://schemas.microsoft.com/office/drawing/2014/main" id="{BA4B2C39-847A-45D2-8F65-1BE932848413}"/>
-              </a:ext>
-            </a:extLst>
-          </p:cNvPr>
-          <p:cNvCxnSpPr/>
-          <p:nvPr/>
-        </p:nvCxnSpPr>
-        <p:spPr>
-          <a:xfrm>
-            <a:off x="341337" y="1965234"/>
-            <a:ext cx="0" cy="1229360"/>
-          </a:xfrm>
-          <a:prstGeom prst="straightConnector1">
-            <a:avLst/>
-          </a:prstGeom>
-          <a:ln w="28575">
-            <a:solidFill>
-              <a:srgbClr val="FF0000"/>
-            </a:solidFill>
-            <a:tailEnd type="triangle"/>
-          </a:ln>
-        </p:spPr>
-        <p:style>
-          <a:lnRef idx="1">
-            <a:schemeClr val="accent1"/>
-          </a:lnRef>
-          <a:fillRef idx="0">
-            <a:schemeClr val="accent1"/>
-          </a:fillRef>
-          <a:effectRef idx="0">
-            <a:schemeClr val="accent1"/>
-          </a:effectRef>
-          <a:fontRef idx="minor">
-            <a:schemeClr val="tx1"/>
-          </a:fontRef>
-        </p:style>
-      </p:cxnSp>
-      <p:cxnSp>
-        <p:nvCxnSpPr>
-          <p:cNvPr id="6" name="Straight Arrow Connector 5">
-            <a:extLst>
-              <a:ext uri="{FF2B5EF4-FFF2-40B4-BE49-F238E27FC236}">
-                <a16:creationId xmlns:a16="http://schemas.microsoft.com/office/drawing/2014/main" id="{7C2E67B9-9B7E-4BA9-BCAA-D5B51DE7322B}"/>
-              </a:ext>
-            </a:extLst>
-          </p:cNvPr>
-          <p:cNvCxnSpPr/>
-          <p:nvPr/>
-        </p:nvCxnSpPr>
-        <p:spPr>
-          <a:xfrm flipH="1">
-            <a:off x="1140097" y="3596640"/>
-            <a:ext cx="1564640" cy="0"/>
-          </a:xfrm>
-          <a:prstGeom prst="straightConnector1">
-            <a:avLst/>
-          </a:prstGeom>
-          <a:ln w="28575">
-            <a:solidFill>
-              <a:srgbClr val="FF0000"/>
-            </a:solidFill>
-            <a:tailEnd type="triangle"/>
-          </a:ln>
-        </p:spPr>
-        <p:style>
-          <a:lnRef idx="1">
-            <a:schemeClr val="accent1"/>
-          </a:lnRef>
-          <a:fillRef idx="0">
-            <a:schemeClr val="accent1"/>
-          </a:fillRef>
-          <a:effectRef idx="0">
-            <a:schemeClr val="accent1"/>
-          </a:effectRef>
-          <a:fontRef idx="minor">
-            <a:schemeClr val="tx1"/>
-          </a:fontRef>
-        </p:style>
-      </p:cxnSp>
-      <p:cxnSp>
-        <p:nvCxnSpPr>
-          <p:cNvPr id="8" name="Straight Arrow Connector 7">
-            <a:extLst>
-              <a:ext uri="{FF2B5EF4-FFF2-40B4-BE49-F238E27FC236}">
-                <a16:creationId xmlns:a16="http://schemas.microsoft.com/office/drawing/2014/main" id="{F72B1D84-F108-4A05-A274-3D5DCA4F774D}"/>
-              </a:ext>
-            </a:extLst>
-          </p:cNvPr>
-          <p:cNvCxnSpPr/>
-          <p:nvPr/>
-        </p:nvCxnSpPr>
-        <p:spPr>
-          <a:xfrm flipH="1">
-            <a:off x="1140097" y="6177280"/>
-            <a:ext cx="1564640" cy="0"/>
-          </a:xfrm>
-          <a:prstGeom prst="straightConnector1">
-            <a:avLst/>
-          </a:prstGeom>
-          <a:ln w="28575">
-            <a:solidFill>
-              <a:srgbClr val="FF0000"/>
-            </a:solidFill>
-            <a:tailEnd type="triangle"/>
-          </a:ln>
-        </p:spPr>
-        <p:style>
-          <a:lnRef idx="1">
-            <a:schemeClr val="accent1"/>
-          </a:lnRef>
-          <a:fillRef idx="0">
-            <a:schemeClr val="accent1"/>
-          </a:fillRef>
-          <a:effectRef idx="0">
-            <a:schemeClr val="accent1"/>
-          </a:effectRef>
-          <a:fontRef idx="minor">
-            <a:schemeClr val="tx1"/>
-          </a:fontRef>
-        </p:style>
-      </p:cxnSp>
-      <p:sp>
-        <p:nvSpPr>
-          <p:cNvPr id="9" name="Slide Number Placeholder 8">
-            <a:extLst>
-              <a:ext uri="{FF2B5EF4-FFF2-40B4-BE49-F238E27FC236}">
-                <a16:creationId xmlns:a16="http://schemas.microsoft.com/office/drawing/2014/main" id="{A1C7DC47-B8E5-45D8-A41E-3085F86E2FEF}"/>
-              </a:ext>
-            </a:extLst>
-          </p:cNvPr>
-          <p:cNvSpPr>
-            <a:spLocks noGrp="1"/>
-          </p:cNvSpPr>
-          <p:nvPr>
-            <p:ph type="sldNum" sz="quarter" idx="12"/>
-          </p:nvPr>
-        </p:nvSpPr>
-        <p:spPr/>
-        <p:txBody>
-          <a:bodyPr/>
-          <a:lstStyle/>
-          <a:p>
-            <a:fld id="{6FD4AA8C-2C0B-45F2-84FF-CF2E58E014B2}" type="slidenum">
-              <a:rPr lang="en-US" smtClean="0"/>
-              <a:t>15</a:t>
-            </a:fld>
-            <a:endParaRPr lang="en-US"/>
-          </a:p>
-        </p:txBody>
-      </p:sp>
-      <p:sp>
-        <p:nvSpPr>
-          <p:cNvPr id="3" name="Rectangle 2">
-            <a:extLst>
-              <a:ext uri="{FF2B5EF4-FFF2-40B4-BE49-F238E27FC236}">
-                <a16:creationId xmlns:a16="http://schemas.microsoft.com/office/drawing/2014/main" id="{DAC33284-DA00-4C32-9683-CC8D003F6F90}"/>
-              </a:ext>
-            </a:extLst>
-          </p:cNvPr>
-          <p:cNvSpPr/>
-          <p:nvPr/>
-        </p:nvSpPr>
-        <p:spPr>
-          <a:xfrm>
-            <a:off x="188937" y="3721085"/>
-            <a:ext cx="8461325" cy="2584422"/>
-          </a:xfrm>
-          <a:prstGeom prst="rect">
-            <a:avLst/>
-          </a:prstGeom>
-          <a:solidFill>
-            <a:schemeClr val="bg1"/>
-          </a:solidFill>
-          <a:ln>
-            <a:noFill/>
-          </a:ln>
-        </p:spPr>
-        <p:style>
-          <a:lnRef idx="2">
-            <a:schemeClr val="accent1">
-              <a:shade val="50000"/>
-            </a:schemeClr>
-          </a:lnRef>
-          <a:fillRef idx="1">
-            <a:schemeClr val="accent1"/>
-          </a:fillRef>
-          <a:effectRef idx="0">
-            <a:schemeClr val="accent1"/>
-          </a:effectRef>
-          <a:fontRef idx="minor">
-            <a:schemeClr val="lt1"/>
-          </a:fontRef>
-        </p:style>
-        <p:txBody>
-          <a:bodyPr rtlCol="0" anchor="ctr"/>
-          <a:lstStyle/>
-          <a:p>
-            <a:pPr algn="ctr"/>
-            <a:endParaRPr lang="en-US"/>
-          </a:p>
-        </p:txBody>
-      </p:sp>
-    </p:spTree>
-    <p:extLst>
-      <p:ext uri="{BB962C8B-B14F-4D97-AF65-F5344CB8AC3E}">
-        <p14:creationId xmlns:p14="http://schemas.microsoft.com/office/powerpoint/2010/main" val="839820914"/>
-      </p:ext>
-    </p:extLst>
-  </p:cSld>
-  <p:clrMapOvr>
-    <a:masterClrMapping/>
-  </p:clrMapOvr>
-  <p:timing>
-    <p:tnLst>
-      <p:par>
-        <p:cTn id="1" dur="indefinite" restart="never" nodeType="tmRoot">
-          <p:childTnLst>
-            <p:seq concurrent="1" nextAc="seek">
-              <p:cTn id="2" dur="indefinite" nodeType="mainSeq">
-                <p:childTnLst>
-                  <p:par>
-                    <p:cTn id="3" fill="hold">
-                      <p:stCondLst>
-                        <p:cond delay="indefinite"/>
-                      </p:stCondLst>
-                      <p:childTnLst>
-                        <p:par>
-                          <p:cTn id="4" fill="hold">
-                            <p:stCondLst>
-                              <p:cond delay="0"/>
-                            </p:stCondLst>
-                            <p:childTnLst>
-                              <p:par>
-                                <p:cTn id="5" presetID="1" presetClass="entr" presetSubtype="0" fill="hold" nodeType="clickEffect">
-                                  <p:stCondLst>
-                                    <p:cond delay="0"/>
-                                  </p:stCondLst>
-                                  <p:childTnLst>
-                                    <p:set>
-                                      <p:cBhvr>
-                                        <p:cTn id="6" dur="1" fill="hold">
-                                          <p:stCondLst>
-                                            <p:cond delay="0"/>
-                                          </p:stCondLst>
-                                        </p:cTn>
-                                        <p:tgtEl>
-                                          <p:spTgt spid="4"/>
-                                        </p:tgtEl>
-                                        <p:attrNameLst>
-                                          <p:attrName>style.visibility</p:attrName>
-                                        </p:attrNameLst>
-                                      </p:cBhvr>
-                                      <p:to>
-                                        <p:strVal val="visible"/>
-                                      </p:to>
-                                    </p:set>
-                                  </p:childTnLst>
-                                </p:cTn>
-                              </p:par>
-                              <p:par>
-                                <p:cTn id="7" presetID="1" presetClass="entr" presetSubtype="0" fill="hold" nodeType="withEffect">
-                                  <p:stCondLst>
-                                    <p:cond delay="0"/>
-                                  </p:stCondLst>
-                                  <p:childTnLst>
-                                    <p:set>
-                                      <p:cBhvr>
-                                        <p:cTn id="8" dur="1" fill="hold">
-                                          <p:stCondLst>
-                                            <p:cond delay="0"/>
-                                          </p:stCondLst>
-                                        </p:cTn>
-                                        <p:tgtEl>
-                                          <p:spTgt spid="6"/>
-                                        </p:tgtEl>
-                                        <p:attrNameLst>
-                                          <p:attrName>style.visibility</p:attrName>
-                                        </p:attrNameLst>
-                                      </p:cBhvr>
-                                      <p:to>
-                                        <p:strVal val="visible"/>
-                                      </p:to>
-                                    </p:set>
-                                  </p:childTnLst>
-                                </p:cTn>
-                              </p:par>
-                              <p:par>
-                                <p:cTn id="9" presetID="1" presetClass="entr" presetSubtype="0" fill="hold" nodeType="withEffect">
-                                  <p:stCondLst>
-                                    <p:cond delay="0"/>
-                                  </p:stCondLst>
-                                  <p:childTnLst>
-                                    <p:set>
-                                      <p:cBhvr>
-                                        <p:cTn id="10" dur="1" fill="hold">
-                                          <p:stCondLst>
-                                            <p:cond delay="0"/>
-                                          </p:stCondLst>
-                                        </p:cTn>
-                                        <p:tgtEl>
-                                          <p:spTgt spid="8"/>
-                                        </p:tgtEl>
-                                        <p:attrNameLst>
-                                          <p:attrName>style.visibility</p:attrName>
-                                        </p:attrNameLst>
-                                      </p:cBhvr>
-                                      <p:to>
-                                        <p:strVal val="visible"/>
-                                      </p:to>
-                                    </p:set>
-                                  </p:childTnLst>
-                                </p:cTn>
-                              </p:par>
-                            </p:childTnLst>
-                          </p:cTn>
-                        </p:par>
-                      </p:childTnLst>
-                    </p:cTn>
-                  </p:par>
-                  <p:par>
-                    <p:cTn id="11" fill="hold">
-                      <p:stCondLst>
-                        <p:cond delay="indefinite"/>
-                      </p:stCondLst>
-                      <p:childTnLst>
-                        <p:par>
-                          <p:cTn id="12" fill="hold">
-                            <p:stCondLst>
-                              <p:cond delay="0"/>
-                            </p:stCondLst>
-                            <p:childTnLst>
-                              <p:par>
-                                <p:cTn id="13" presetID="1" presetClass="exit" presetSubtype="0" fill="hold" grpId="0" nodeType="clickEffect">
-                                  <p:stCondLst>
-                                    <p:cond delay="0"/>
-                                  </p:stCondLst>
-                                  <p:childTnLst>
-                                    <p:set>
-                                      <p:cBhvr>
-                                        <p:cTn id="14" dur="1" fill="hold">
-                                          <p:stCondLst>
-                                            <p:cond delay="0"/>
-                                          </p:stCondLst>
-                                        </p:cTn>
-                                        <p:tgtEl>
-                                          <p:spTgt spid="3"/>
-                                        </p:tgtEl>
-                                        <p:attrNameLst>
-                                          <p:attrName>style.visibility</p:attrName>
-                                        </p:attrNameLst>
-                                      </p:cBhvr>
-                                      <p:to>
-                                        <p:strVal val="hidden"/>
-                                      </p:to>
-                                    </p:set>
-                                  </p:childTnLst>
-                                </p:cTn>
-                              </p:par>
-                            </p:childTnLst>
-                          </p:cTn>
-                        </p:par>
-                      </p:childTnLst>
-                    </p:cTn>
-                  </p:par>
-                </p:childTnLst>
-              </p:cTn>
-              <p:prevCondLst>
-                <p:cond evt="onPrev" delay="0">
-                  <p:tgtEl>
-                    <p:sldTgt/>
-                  </p:tgtEl>
-                </p:cond>
-              </p:prevCondLst>
-              <p:nextCondLst>
-                <p:cond evt="onNext" delay="0">
-                  <p:tgtEl>
-                    <p:sldTgt/>
-                  </p:tgtEl>
-                </p:cond>
-              </p:nextCondLst>
-            </p:seq>
-          </p:childTnLst>
-        </p:cTn>
-      </p:par>
-    </p:tnLst>
-    <p:bldLst>
-      <p:bldP spid="3" grpId="0" animBg="1"/>
-    </p:bldLst>
-  </p:timing>
-</p:sld>
-</file>
-
-<file path=ppt/slides/slide16.xml><?xml version="1.0" encoding="utf-8"?>
+<file path=ppt/slides/slide19.xml><?xml version="1.0" encoding="utf-8"?>
 <p:sld xmlns:a="http://schemas.openxmlformats.org/drawingml/2006/main" xmlns:r="http://schemas.openxmlformats.org/officeDocument/2006/relationships" xmlns:p="http://schemas.openxmlformats.org/presentationml/2006/main">
   <p:cSld>
     <p:spTree>
@@ -13424,7 +13889,7 @@
           <a:p>
             <a:fld id="{6FD4AA8C-2C0B-45F2-84FF-CF2E58E014B2}" type="slidenum">
               <a:rPr lang="en-US" smtClean="0"/>
-              <a:t>16</a:t>
+              <a:t>19</a:t>
             </a:fld>
             <a:endParaRPr lang="en-US"/>
           </a:p>
@@ -13443,159 +13908,7 @@
 </p:sld>
 </file>
 
-<file path=ppt/slides/slide17.xml><?xml version="1.0" encoding="utf-8"?>
-<p:sld xmlns:a="http://schemas.openxmlformats.org/drawingml/2006/main" xmlns:r="http://schemas.openxmlformats.org/officeDocument/2006/relationships" xmlns:p="http://schemas.openxmlformats.org/presentationml/2006/main">
-  <p:cSld>
-    <p:spTree>
-      <p:nvGrpSpPr>
-        <p:cNvPr id="1" name=""/>
-        <p:cNvGrpSpPr/>
-        <p:nvPr/>
-      </p:nvGrpSpPr>
-      <p:grpSpPr>
-        <a:xfrm>
-          <a:off x="0" y="0"/>
-          <a:ext cx="0" cy="0"/>
-          <a:chOff x="0" y="0"/>
-          <a:chExt cx="0" cy="0"/>
-        </a:xfrm>
-      </p:grpSpPr>
-      <p:sp>
-        <p:nvSpPr>
-          <p:cNvPr id="2" name="Title 1">
-            <a:extLst>
-              <a:ext uri="{FF2B5EF4-FFF2-40B4-BE49-F238E27FC236}">
-                <a16:creationId xmlns:a16="http://schemas.microsoft.com/office/drawing/2014/main" id="{AB146FD5-B7E6-4311-BEFD-D6D4A89D4FAF}"/>
-              </a:ext>
-            </a:extLst>
-          </p:cNvPr>
-          <p:cNvSpPr>
-            <a:spLocks noGrp="1"/>
-          </p:cNvSpPr>
-          <p:nvPr>
-            <p:ph type="title"/>
-          </p:nvPr>
-        </p:nvSpPr>
-        <p:spPr>
-          <a:xfrm>
-            <a:off x="0" y="1"/>
-            <a:ext cx="9144000" cy="923278"/>
-          </a:xfrm>
-          <a:solidFill>
-            <a:srgbClr val="003C6C"/>
-          </a:solidFill>
-        </p:spPr>
-        <p:txBody>
-          <a:bodyPr>
-            <a:normAutofit/>
-          </a:bodyPr>
-          <a:lstStyle/>
-          <a:p>
-            <a:r>
-              <a:rPr lang="en-US" dirty="0">
-                <a:solidFill>
-                  <a:schemeClr val="bg1"/>
-                </a:solidFill>
-                <a:latin typeface="+mn-lt"/>
-              </a:rPr>
-              <a:t>  </a:t>
-            </a:r>
-            <a:r>
-              <a:rPr lang="en-US" sz="3100" dirty="0">
-                <a:solidFill>
-                  <a:schemeClr val="bg1"/>
-                </a:solidFill>
-                <a:latin typeface="+mn-lt"/>
-              </a:rPr>
-              <a:t>Results: Sardine closure reduce squid landings</a:t>
-            </a:r>
-            <a:endParaRPr lang="en-US" dirty="0">
-              <a:solidFill>
-                <a:schemeClr val="bg1"/>
-              </a:solidFill>
-              <a:latin typeface="+mn-lt"/>
-            </a:endParaRPr>
-          </a:p>
-        </p:txBody>
-      </p:sp>
-      <p:pic>
-        <p:nvPicPr>
-          <p:cNvPr id="6" name="Content Placeholder 5">
-            <a:extLst>
-              <a:ext uri="{FF2B5EF4-FFF2-40B4-BE49-F238E27FC236}">
-                <a16:creationId xmlns:a16="http://schemas.microsoft.com/office/drawing/2014/main" id="{7F2D95BB-D717-47FC-94B0-79DD6DAC4FA4}"/>
-              </a:ext>
-            </a:extLst>
-          </p:cNvPr>
-          <p:cNvPicPr>
-            <a:picLocks noGrp="1" noChangeAspect="1"/>
-          </p:cNvPicPr>
-          <p:nvPr>
-            <p:ph idx="1"/>
-          </p:nvPr>
-        </p:nvPicPr>
-        <p:blipFill>
-          <a:blip r:embed="rId3">
-            <a:extLst>
-              <a:ext uri="{28A0092B-C50C-407E-A947-70E740481C1C}">
-                <a14:useLocalDpi xmlns:a14="http://schemas.microsoft.com/office/drawing/2010/main" val="0"/>
-              </a:ext>
-            </a:extLst>
-          </a:blip>
-          <a:stretch>
-            <a:fillRect/>
-          </a:stretch>
-        </p:blipFill>
-        <p:spPr>
-          <a:xfrm>
-            <a:off x="440400" y="1225027"/>
-            <a:ext cx="8263199" cy="5099573"/>
-          </a:xfrm>
-        </p:spPr>
-      </p:pic>
-      <p:sp>
-        <p:nvSpPr>
-          <p:cNvPr id="5" name="Slide Number Placeholder 4">
-            <a:extLst>
-              <a:ext uri="{FF2B5EF4-FFF2-40B4-BE49-F238E27FC236}">
-                <a16:creationId xmlns:a16="http://schemas.microsoft.com/office/drawing/2014/main" id="{E5D3A924-2AB0-4FAF-9A50-539DE8BCD754}"/>
-              </a:ext>
-            </a:extLst>
-          </p:cNvPr>
-          <p:cNvSpPr>
-            <a:spLocks noGrp="1"/>
-          </p:cNvSpPr>
-          <p:nvPr>
-            <p:ph type="sldNum" sz="quarter" idx="12"/>
-          </p:nvPr>
-        </p:nvSpPr>
-        <p:spPr/>
-        <p:txBody>
-          <a:bodyPr/>
-          <a:lstStyle/>
-          <a:p>
-            <a:fld id="{6FD4AA8C-2C0B-45F2-84FF-CF2E58E014B2}" type="slidenum">
-              <a:rPr lang="en-US" smtClean="0"/>
-              <a:t>17</a:t>
-            </a:fld>
-            <a:endParaRPr lang="en-US"/>
-          </a:p>
-        </p:txBody>
-      </p:sp>
-    </p:spTree>
-    <p:extLst>
-      <p:ext uri="{BB962C8B-B14F-4D97-AF65-F5344CB8AC3E}">
-        <p14:creationId xmlns:p14="http://schemas.microsoft.com/office/powerpoint/2010/main" val="2682314444"/>
-      </p:ext>
-    </p:extLst>
-  </p:cSld>
-  <p:clrMapOvr>
-    <a:masterClrMapping/>
-  </p:clrMapOvr>
-</p:sld>
-</file>
-
-<file path=ppt/slides/slide18.xml><?xml version="1.0" encoding="utf-8"?>
+<file path=ppt/slides/slide2.xml><?xml version="1.0" encoding="utf-8"?>
 <p:sld xmlns:a="http://schemas.openxmlformats.org/drawingml/2006/main" xmlns:r="http://schemas.openxmlformats.org/officeDocument/2006/relationships" xmlns:p="http://schemas.openxmlformats.org/presentationml/2006/main">
   <p:cSld>
     <p:spTree>
@@ -13648,7 +13961,7 @@
                 </a:solidFill>
                 <a:latin typeface="+mn-lt"/>
               </a:rPr>
-              <a:t>  Conclusions</a:t>
+              <a:t>  Research Question</a:t>
             </a:r>
           </a:p>
         </p:txBody>
@@ -13671,8 +13984,8 @@
         </p:nvSpPr>
         <p:spPr>
           <a:xfrm>
-            <a:off x="406709" y="1830378"/>
-            <a:ext cx="8236548" cy="3895507"/>
+            <a:off x="389784" y="1162595"/>
+            <a:ext cx="8754215" cy="5193756"/>
           </a:xfrm>
         </p:spPr>
         <p:txBody>
@@ -13681,62 +13994,89 @@
           </a:bodyPr>
           <a:lstStyle/>
           <a:p>
-            <a:pPr marL="514350" indent="-514350">
-              <a:lnSpc>
-                <a:spcPct val="110000"/>
-              </a:lnSpc>
-              <a:buFont typeface="+mj-lt"/>
-              <a:buAutoNum type="arabicPeriod"/>
+            <a:pPr marL="0" indent="0">
+              <a:buNone/>
             </a:pPr>
             <a:r>
-              <a:rPr lang="en-US" dirty="0"/>
-              <a:t>Slightly positive effect of presence on landings.</a:t>
-            </a:r>
-          </a:p>
-          <a:p>
-            <a:pPr marL="514350" indent="-514350">
-              <a:lnSpc>
-                <a:spcPct val="110000"/>
-              </a:lnSpc>
-              <a:buFont typeface="+mj-lt"/>
-              <a:buAutoNum type="arabicPeriod"/>
+              <a:rPr lang="en-US" dirty="0">
+                <a:ea typeface="Microsoft JhengHei UI" panose="020B0604030504040204" pitchFamily="34" charset="-120"/>
+              </a:rPr>
+              <a:t>How will climate change impact fishing communities?</a:t>
+            </a:r>
+          </a:p>
+          <a:p>
+            <a:pPr marL="0" indent="0">
+              <a:buNone/>
             </a:pPr>
-            <a:r>
-              <a:rPr lang="en-US" dirty="0"/>
-              <a:t>Substitution between market squid and Pacific sardine.</a:t>
-            </a:r>
-          </a:p>
-          <a:p>
-            <a:pPr marL="514350" indent="-514350">
-              <a:lnSpc>
-                <a:spcPct val="110000"/>
-              </a:lnSpc>
-              <a:buFont typeface="+mj-lt"/>
-              <a:buAutoNum type="arabicPeriod"/>
-            </a:pPr>
-            <a:r>
-              <a:rPr lang="en-US" dirty="0"/>
-              <a:t>Closure reduce market squid landings</a:t>
-            </a:r>
-            <a:r>
-              <a:rPr lang="en-US"/>
-              <a:t>. </a:t>
-            </a:r>
-          </a:p>
-          <a:p>
-            <a:pPr lvl="1">
-              <a:lnSpc>
-                <a:spcPct val="110000"/>
-              </a:lnSpc>
-            </a:pPr>
-            <a:r>
-              <a:rPr lang="en-US"/>
-              <a:t>Is </a:t>
-            </a:r>
-            <a:r>
-              <a:rPr lang="en-US" dirty="0"/>
-              <a:t>this because of a lower participation in fishing?</a:t>
-            </a:r>
+            <a:endParaRPr lang="en-US" dirty="0">
+              <a:ea typeface="Microsoft JhengHei UI" panose="020B0604030504040204" pitchFamily="34" charset="-120"/>
+            </a:endParaRPr>
+          </a:p>
+          <a:p>
+            <a:r>
+              <a:rPr lang="en-US" sz="2400" dirty="0">
+                <a:ea typeface="Microsoft JhengHei UI" panose="020B0604030504040204" pitchFamily="34" charset="-120"/>
+              </a:rPr>
+              <a:t>Specific questions: </a:t>
+            </a:r>
+          </a:p>
+          <a:p>
+            <a:pPr lvl="1"/>
+            <a:r>
+              <a:rPr lang="en-US" sz="2000" dirty="0">
+                <a:ea typeface="Microsoft JhengHei UI" panose="020B0604030504040204" pitchFamily="34" charset="-120"/>
+              </a:rPr>
+              <a:t>How do changes in species distribution and regulations (i.e. closures) will affect landings and vessel participation in the </a:t>
+            </a:r>
+            <a:r>
+              <a:rPr lang="en-US" sz="2000" i="1" dirty="0">
+                <a:ea typeface="Microsoft JhengHei UI" panose="020B0604030504040204" pitchFamily="34" charset="-120"/>
+              </a:rPr>
+              <a:t>Coastal Pelagic Species (CPS) </a:t>
+            </a:r>
+            <a:r>
+              <a:rPr lang="en-US" sz="2000" dirty="0">
+                <a:ea typeface="Microsoft JhengHei UI" panose="020B0604030504040204" pitchFamily="34" charset="-120"/>
+              </a:rPr>
+              <a:t>fishery?</a:t>
+            </a:r>
+          </a:p>
+          <a:p>
+            <a:endParaRPr lang="en-US" sz="2400" dirty="0">
+              <a:ea typeface="Microsoft JhengHei UI" panose="020B0604030504040204" pitchFamily="34" charset="-120"/>
+            </a:endParaRPr>
+          </a:p>
+          <a:p>
+            <a:r>
+              <a:rPr lang="en-US" sz="2400" dirty="0">
+                <a:ea typeface="Microsoft JhengHei UI" panose="020B0604030504040204" pitchFamily="34" charset="-120"/>
+              </a:rPr>
+              <a:t>Contribution:</a:t>
+            </a:r>
+          </a:p>
+          <a:p>
+            <a:pPr lvl="1"/>
+            <a:r>
+              <a:rPr lang="en-US" sz="2000" i="1" dirty="0"/>
+              <a:t>Previous work has focused on one species</a:t>
+            </a:r>
+          </a:p>
+          <a:p>
+            <a:pPr lvl="1"/>
+            <a:r>
+              <a:rPr lang="en-US" sz="2000" i="1" dirty="0"/>
+              <a:t>Important to study other species and their interactions in fishers’ portfolio to assess climate impacts on CPS fleet.</a:t>
+            </a:r>
+          </a:p>
+          <a:p>
+            <a:pPr lvl="1"/>
+            <a:r>
+              <a:rPr lang="en-US" sz="2000" i="1" dirty="0"/>
+              <a:t>Presence of other species might impact targeting decisions.  </a:t>
+            </a:r>
+            <a:endParaRPr lang="en-US" sz="2000" dirty="0">
+              <a:ea typeface="Microsoft JhengHei UI" panose="020B0604030504040204" pitchFamily="34" charset="-120"/>
+            </a:endParaRPr>
           </a:p>
         </p:txBody>
       </p:sp>
@@ -13745,7 +14085,7 @@
           <p:cNvPr id="6" name="Slide Number Placeholder 5">
             <a:extLst>
               <a:ext uri="{FF2B5EF4-FFF2-40B4-BE49-F238E27FC236}">
-                <a16:creationId xmlns:a16="http://schemas.microsoft.com/office/drawing/2014/main" id="{0FE4A19C-1A3A-4029-B746-713A9BE72B65}"/>
+                <a16:creationId xmlns:a16="http://schemas.microsoft.com/office/drawing/2014/main" id="{27F8320F-28EE-40EF-ADDE-86D44B7D516B}"/>
               </a:ext>
             </a:extLst>
           </p:cNvPr>
@@ -13763,7 +14103,7 @@
           <a:p>
             <a:fld id="{6FD4AA8C-2C0B-45F2-84FF-CF2E58E014B2}" type="slidenum">
               <a:rPr lang="en-US" smtClean="0"/>
-              <a:t>18</a:t>
+              <a:t>2</a:t>
             </a:fld>
             <a:endParaRPr lang="en-US"/>
           </a:p>
@@ -13772,609 +14112,7 @@
     </p:spTree>
     <p:extLst>
       <p:ext uri="{BB962C8B-B14F-4D97-AF65-F5344CB8AC3E}">
-        <p14:creationId xmlns:p14="http://schemas.microsoft.com/office/powerpoint/2010/main" val="3782004228"/>
-      </p:ext>
-    </p:extLst>
-  </p:cSld>
-  <p:clrMapOvr>
-    <a:masterClrMapping/>
-  </p:clrMapOvr>
-</p:sld>
-</file>
-
-<file path=ppt/slides/slide19.xml><?xml version="1.0" encoding="utf-8"?>
-<p:sld xmlns:a="http://schemas.openxmlformats.org/drawingml/2006/main" xmlns:r="http://schemas.openxmlformats.org/officeDocument/2006/relationships" xmlns:p="http://schemas.openxmlformats.org/presentationml/2006/main">
-  <p:cSld>
-    <p:spTree>
-      <p:nvGrpSpPr>
-        <p:cNvPr id="1" name=""/>
-        <p:cNvGrpSpPr/>
-        <p:nvPr/>
-      </p:nvGrpSpPr>
-      <p:grpSpPr>
-        <a:xfrm>
-          <a:off x="0" y="0"/>
-          <a:ext cx="0" cy="0"/>
-          <a:chOff x="0" y="0"/>
-          <a:chExt cx="0" cy="0"/>
-        </a:xfrm>
-      </p:grpSpPr>
-      <p:sp>
-        <p:nvSpPr>
-          <p:cNvPr id="6" name="Title 1">
-            <a:extLst>
-              <a:ext uri="{FF2B5EF4-FFF2-40B4-BE49-F238E27FC236}">
-                <a16:creationId xmlns:a16="http://schemas.microsoft.com/office/drawing/2014/main" id="{45902187-C64D-4C7A-96BC-B12E22FAF083}"/>
-              </a:ext>
-            </a:extLst>
-          </p:cNvPr>
-          <p:cNvSpPr txBox="1">
-            <a:spLocks/>
-          </p:cNvSpPr>
-          <p:nvPr/>
-        </p:nvSpPr>
-        <p:spPr>
-          <a:xfrm>
-            <a:off x="0" y="1"/>
-            <a:ext cx="9144000" cy="923278"/>
-          </a:xfrm>
-          <a:prstGeom prst="rect">
-            <a:avLst/>
-          </a:prstGeom>
-          <a:solidFill>
-            <a:srgbClr val="003C6C"/>
-          </a:solidFill>
-        </p:spPr>
-        <p:txBody>
-          <a:bodyPr vert="horz" lIns="91440" tIns="45720" rIns="91440" bIns="45720" rtlCol="0" anchor="ctr">
-            <a:normAutofit/>
-          </a:bodyPr>
-          <a:lstStyle>
-            <a:lvl1pPr algn="l" defTabSz="914400" rtl="0" eaLnBrk="1" latinLnBrk="0" hangingPunct="1">
-              <a:lnSpc>
-                <a:spcPct val="90000"/>
-              </a:lnSpc>
-              <a:spcBef>
-                <a:spcPct val="0"/>
-              </a:spcBef>
-              <a:buNone/>
-              <a:defRPr sz="4400" kern="1200">
-                <a:solidFill>
-                  <a:schemeClr val="tx1"/>
-                </a:solidFill>
-                <a:latin typeface="+mj-lt"/>
-                <a:ea typeface="+mj-ea"/>
-                <a:cs typeface="+mj-cs"/>
-              </a:defRPr>
-            </a:lvl1pPr>
-          </a:lstStyle>
-          <a:p>
-            <a:r>
-              <a:rPr lang="en-US" sz="4800" dirty="0">
-                <a:solidFill>
-                  <a:schemeClr val="bg1"/>
-                </a:solidFill>
-                <a:latin typeface="+mn-lt"/>
-              </a:rPr>
-              <a:t>  Future work</a:t>
-            </a:r>
-          </a:p>
-        </p:txBody>
-      </p:sp>
-      <p:sp>
-        <p:nvSpPr>
-          <p:cNvPr id="7" name="TextBox 6">
-            <a:extLst>
-              <a:ext uri="{FF2B5EF4-FFF2-40B4-BE49-F238E27FC236}">
-                <a16:creationId xmlns:a16="http://schemas.microsoft.com/office/drawing/2014/main" id="{11881D18-2662-4C0C-B0F6-D26D0649522F}"/>
-              </a:ext>
-            </a:extLst>
-          </p:cNvPr>
-          <p:cNvSpPr txBox="1"/>
-          <p:nvPr/>
-        </p:nvSpPr>
-        <p:spPr>
-          <a:xfrm>
-            <a:off x="381148" y="1466098"/>
-            <a:ext cx="8488532" cy="4524315"/>
-          </a:xfrm>
-          <a:prstGeom prst="rect">
-            <a:avLst/>
-          </a:prstGeom>
-          <a:noFill/>
-        </p:spPr>
-        <p:txBody>
-          <a:bodyPr wrap="square" rtlCol="0">
-            <a:spAutoFit/>
-          </a:bodyPr>
-          <a:lstStyle/>
-          <a:p>
-            <a:pPr marL="285750" indent="-285750">
-              <a:buFont typeface="Arial" panose="020B0604020202020204" pitchFamily="34" charset="0"/>
-              <a:buChar char="•"/>
-            </a:pPr>
-            <a:r>
-              <a:rPr lang="en-US" sz="2400" dirty="0">
-                <a:ea typeface="Microsoft JhengHei UI" panose="020B0604030504040204" pitchFamily="34" charset="-120"/>
-              </a:rPr>
-              <a:t>Incorporate </a:t>
-            </a:r>
-            <a:r>
-              <a:rPr lang="en-US" sz="2400">
-                <a:ea typeface="Microsoft JhengHei UI" panose="020B0604030504040204" pitchFamily="34" charset="-120"/>
-              </a:rPr>
-              <a:t>individual vessel-level data </a:t>
-            </a:r>
-            <a:r>
-              <a:rPr lang="en-US" sz="2400" dirty="0">
-                <a:ea typeface="Microsoft JhengHei UI" panose="020B0604030504040204" pitchFamily="34" charset="-120"/>
-              </a:rPr>
-              <a:t>for landings.</a:t>
-            </a:r>
-          </a:p>
-          <a:p>
-            <a:pPr marL="742950" lvl="1" indent="-285750">
-              <a:buFont typeface="Arial" panose="020B0604020202020204" pitchFamily="34" charset="0"/>
-              <a:buChar char="•"/>
-            </a:pPr>
-            <a:r>
-              <a:rPr lang="en-US" sz="2400" dirty="0">
-                <a:ea typeface="Microsoft JhengHei UI" panose="020B0604030504040204" pitchFamily="34" charset="-120"/>
-              </a:rPr>
-              <a:t>Check whether a vessel can switch between species or ports.</a:t>
-            </a:r>
-          </a:p>
-          <a:p>
-            <a:pPr marL="742950" lvl="1" indent="-285750">
-              <a:buFont typeface="Arial" panose="020B0604020202020204" pitchFamily="34" charset="0"/>
-              <a:buChar char="•"/>
-            </a:pPr>
-            <a:r>
-              <a:rPr lang="en-US" sz="2400" dirty="0">
-                <a:ea typeface="Microsoft JhengHei UI" panose="020B0604030504040204" pitchFamily="34" charset="-120"/>
-              </a:rPr>
-              <a:t>Vessels/port landings.</a:t>
-            </a:r>
-          </a:p>
-          <a:p>
-            <a:pPr marL="742950" lvl="1" indent="-285750">
-              <a:buFont typeface="Arial" panose="020B0604020202020204" pitchFamily="34" charset="0"/>
-              <a:buChar char="•"/>
-            </a:pPr>
-            <a:r>
-              <a:rPr lang="en-US" sz="2400" dirty="0">
-                <a:ea typeface="Microsoft JhengHei UI" panose="020B0604030504040204" pitchFamily="34" charset="-120"/>
-              </a:rPr>
-              <a:t>Vessel/port hierarchal effects.</a:t>
-            </a:r>
-          </a:p>
-          <a:p>
-            <a:pPr marL="285750" indent="-285750">
-              <a:buFont typeface="Arial" panose="020B0604020202020204" pitchFamily="34" charset="0"/>
-              <a:buChar char="•"/>
-            </a:pPr>
-            <a:r>
-              <a:rPr lang="en-US" sz="2400" dirty="0">
-                <a:ea typeface="Microsoft JhengHei UI" panose="020B0604030504040204" pitchFamily="34" charset="-120"/>
-              </a:rPr>
-              <a:t>Econometrics:</a:t>
-            </a:r>
-          </a:p>
-          <a:p>
-            <a:pPr marL="742950" lvl="1" indent="-285750">
-              <a:buFont typeface="Arial" panose="020B0604020202020204" pitchFamily="34" charset="0"/>
-              <a:buChar char="•"/>
-            </a:pPr>
-            <a:r>
-              <a:rPr lang="en-US" sz="2400" dirty="0">
-                <a:ea typeface="Microsoft JhengHei UI" panose="020B0604030504040204" pitchFamily="34" charset="-120"/>
-              </a:rPr>
-              <a:t>Serial Correlation</a:t>
-            </a:r>
-          </a:p>
-          <a:p>
-            <a:pPr marL="742950" lvl="1" indent="-285750">
-              <a:buFont typeface="Arial" panose="020B0604020202020204" pitchFamily="34" charset="0"/>
-              <a:buChar char="•"/>
-            </a:pPr>
-            <a:r>
-              <a:rPr lang="en-US" sz="2400" dirty="0">
-                <a:ea typeface="Microsoft JhengHei UI" panose="020B0604030504040204" pitchFamily="34" charset="-120"/>
-              </a:rPr>
-              <a:t>Non-stationarity</a:t>
-            </a:r>
-          </a:p>
-          <a:p>
-            <a:pPr marL="742950" lvl="1" indent="-285750">
-              <a:buFont typeface="Arial" panose="020B0604020202020204" pitchFamily="34" charset="0"/>
-              <a:buChar char="•"/>
-            </a:pPr>
-            <a:r>
-              <a:rPr lang="en-US" sz="2400" dirty="0">
-                <a:ea typeface="Microsoft JhengHei UI" panose="020B0604030504040204" pitchFamily="34" charset="-120"/>
-              </a:rPr>
-              <a:t>Selection Bias</a:t>
-            </a:r>
-          </a:p>
-          <a:p>
-            <a:pPr marL="742950" lvl="1" indent="-285750">
-              <a:buFont typeface="Arial" panose="020B0604020202020204" pitchFamily="34" charset="0"/>
-              <a:buChar char="•"/>
-            </a:pPr>
-            <a:r>
-              <a:rPr lang="en-US" sz="2400" dirty="0">
-                <a:ea typeface="Microsoft JhengHei UI" panose="020B0604030504040204" pitchFamily="34" charset="-120"/>
-              </a:rPr>
-              <a:t>How to test them in a Bayesian framework??</a:t>
-            </a:r>
-          </a:p>
-          <a:p>
-            <a:pPr marL="285750" indent="-285750">
-              <a:buFont typeface="Arial" panose="020B0604020202020204" pitchFamily="34" charset="0"/>
-              <a:buChar char="•"/>
-            </a:pPr>
-            <a:r>
-              <a:rPr lang="en-US" sz="2400" dirty="0">
-                <a:ea typeface="Microsoft JhengHei UI" panose="020B0604030504040204" pitchFamily="34" charset="-120"/>
-              </a:rPr>
-              <a:t>Estimate a discrete choice model for participation.</a:t>
-            </a:r>
-          </a:p>
-          <a:p>
-            <a:pPr marL="285750" indent="-285750">
-              <a:buFont typeface="Arial" panose="020B0604020202020204" pitchFamily="34" charset="0"/>
-              <a:buChar char="•"/>
-            </a:pPr>
-            <a:r>
-              <a:rPr lang="en-US" sz="2400" dirty="0">
-                <a:ea typeface="Microsoft JhengHei UI" panose="020B0604030504040204" pitchFamily="34" charset="-120"/>
-              </a:rPr>
-              <a:t>Forecast landings &amp; participation using SDM projections.</a:t>
-            </a:r>
-          </a:p>
-        </p:txBody>
-      </p:sp>
-      <p:sp>
-        <p:nvSpPr>
-          <p:cNvPr id="4" name="Slide Number Placeholder 3">
-            <a:extLst>
-              <a:ext uri="{FF2B5EF4-FFF2-40B4-BE49-F238E27FC236}">
-                <a16:creationId xmlns:a16="http://schemas.microsoft.com/office/drawing/2014/main" id="{32025B15-862C-43A4-9958-8CC0D98F0231}"/>
-              </a:ext>
-            </a:extLst>
-          </p:cNvPr>
-          <p:cNvSpPr>
-            <a:spLocks noGrp="1"/>
-          </p:cNvSpPr>
-          <p:nvPr>
-            <p:ph type="sldNum" sz="quarter" idx="12"/>
-          </p:nvPr>
-        </p:nvSpPr>
-        <p:spPr/>
-        <p:txBody>
-          <a:bodyPr/>
-          <a:lstStyle/>
-          <a:p>
-            <a:fld id="{6FD4AA8C-2C0B-45F2-84FF-CF2E58E014B2}" type="slidenum">
-              <a:rPr lang="en-US" smtClean="0"/>
-              <a:t>19</a:t>
-            </a:fld>
-            <a:endParaRPr lang="en-US"/>
-          </a:p>
-        </p:txBody>
-      </p:sp>
-    </p:spTree>
-    <p:extLst>
-      <p:ext uri="{BB962C8B-B14F-4D97-AF65-F5344CB8AC3E}">
-        <p14:creationId xmlns:p14="http://schemas.microsoft.com/office/powerpoint/2010/main" val="3675343604"/>
-      </p:ext>
-    </p:extLst>
-  </p:cSld>
-  <p:clrMapOvr>
-    <a:masterClrMapping/>
-  </p:clrMapOvr>
-</p:sld>
-</file>
-
-<file path=ppt/slides/slide2.xml><?xml version="1.0" encoding="utf-8"?>
-<p:sld xmlns:a="http://schemas.openxmlformats.org/drawingml/2006/main" xmlns:r="http://schemas.openxmlformats.org/officeDocument/2006/relationships" xmlns:p="http://schemas.openxmlformats.org/presentationml/2006/main">
-  <p:cSld>
-    <p:spTree>
-      <p:nvGrpSpPr>
-        <p:cNvPr id="1" name=""/>
-        <p:cNvGrpSpPr/>
-        <p:nvPr/>
-      </p:nvGrpSpPr>
-      <p:grpSpPr>
-        <a:xfrm>
-          <a:off x="0" y="0"/>
-          <a:ext cx="0" cy="0"/>
-          <a:chOff x="0" y="0"/>
-          <a:chExt cx="0" cy="0"/>
-        </a:xfrm>
-      </p:grpSpPr>
-      <p:pic>
-        <p:nvPicPr>
-          <p:cNvPr id="7" name="Picture 6">
-            <a:extLst>
-              <a:ext uri="{FF2B5EF4-FFF2-40B4-BE49-F238E27FC236}">
-                <a16:creationId xmlns:a16="http://schemas.microsoft.com/office/drawing/2014/main" id="{2561A8DD-5202-426A-A596-138AFEBB7307}"/>
-              </a:ext>
-            </a:extLst>
-          </p:cNvPr>
-          <p:cNvPicPr>
-            <a:picLocks noChangeAspect="1"/>
-          </p:cNvPicPr>
-          <p:nvPr/>
-        </p:nvPicPr>
-        <p:blipFill rotWithShape="1">
-          <a:blip r:embed="rId3"/>
-          <a:srcRect b="5911"/>
-          <a:stretch/>
-        </p:blipFill>
-        <p:spPr>
-          <a:xfrm>
-            <a:off x="3639085" y="1636493"/>
-            <a:ext cx="5504915" cy="3387258"/>
-          </a:xfrm>
-          <a:prstGeom prst="rect">
-            <a:avLst/>
-          </a:prstGeom>
-        </p:spPr>
-      </p:pic>
-      <p:sp>
-        <p:nvSpPr>
-          <p:cNvPr id="2" name="Title 1">
-            <a:extLst>
-              <a:ext uri="{FF2B5EF4-FFF2-40B4-BE49-F238E27FC236}">
-                <a16:creationId xmlns:a16="http://schemas.microsoft.com/office/drawing/2014/main" id="{AB146FD5-B7E6-4311-BEFD-D6D4A89D4FAF}"/>
-              </a:ext>
-            </a:extLst>
-          </p:cNvPr>
-          <p:cNvSpPr>
-            <a:spLocks noGrp="1"/>
-          </p:cNvSpPr>
-          <p:nvPr>
-            <p:ph type="title"/>
-          </p:nvPr>
-        </p:nvSpPr>
-        <p:spPr>
-          <a:xfrm>
-            <a:off x="0" y="1"/>
-            <a:ext cx="9144000" cy="923278"/>
-          </a:xfrm>
-          <a:solidFill>
-            <a:srgbClr val="003C6C"/>
-          </a:solidFill>
-        </p:spPr>
-        <p:txBody>
-          <a:bodyPr/>
-          <a:lstStyle/>
-          <a:p>
-            <a:r>
-              <a:rPr lang="en-US" dirty="0">
-                <a:solidFill>
-                  <a:schemeClr val="bg1"/>
-                </a:solidFill>
-                <a:latin typeface="+mn-lt"/>
-                <a:ea typeface="Microsoft JhengHei UI" panose="020B0604030504040204" pitchFamily="34" charset="-120"/>
-              </a:rPr>
-              <a:t>  California Current System (CCS)</a:t>
-            </a:r>
-          </a:p>
-        </p:txBody>
-      </p:sp>
-      <p:sp>
-        <p:nvSpPr>
-          <p:cNvPr id="3" name="Content Placeholder 2">
-            <a:extLst>
-              <a:ext uri="{FF2B5EF4-FFF2-40B4-BE49-F238E27FC236}">
-                <a16:creationId xmlns:a16="http://schemas.microsoft.com/office/drawing/2014/main" id="{F5F89EB4-FE7A-4332-8A77-6D74A195BC07}"/>
-              </a:ext>
-            </a:extLst>
-          </p:cNvPr>
-          <p:cNvSpPr>
-            <a:spLocks noGrp="1"/>
-          </p:cNvSpPr>
-          <p:nvPr>
-            <p:ph idx="1"/>
-          </p:nvPr>
-        </p:nvSpPr>
-        <p:spPr>
-          <a:xfrm>
-            <a:off x="495484" y="1413128"/>
-            <a:ext cx="3554001" cy="5129185"/>
-          </a:xfrm>
-        </p:spPr>
-        <p:txBody>
-          <a:bodyPr>
-            <a:normAutofit/>
-          </a:bodyPr>
-          <a:lstStyle/>
-          <a:p>
-            <a:pPr>
-              <a:lnSpc>
-                <a:spcPct val="100000"/>
-              </a:lnSpc>
-            </a:pPr>
-            <a:r>
-              <a:rPr lang="en-US" sz="2000" dirty="0">
-                <a:ea typeface="Microsoft JhengHei UI" panose="020B0604030504040204" pitchFamily="34" charset="-120"/>
-              </a:rPr>
-              <a:t>Unique ecosystem</a:t>
-            </a:r>
-          </a:p>
-          <a:p>
-            <a:pPr>
-              <a:lnSpc>
-                <a:spcPct val="100000"/>
-              </a:lnSpc>
-            </a:pPr>
-            <a:r>
-              <a:rPr lang="en-US" sz="2000" dirty="0">
-                <a:ea typeface="Microsoft JhengHei UI" panose="020B0604030504040204" pitchFamily="34" charset="-120"/>
-              </a:rPr>
-              <a:t>Provides many ecosystem services</a:t>
-            </a:r>
-          </a:p>
-          <a:p>
-            <a:pPr>
-              <a:lnSpc>
-                <a:spcPct val="100000"/>
-              </a:lnSpc>
-            </a:pPr>
-            <a:r>
-              <a:rPr lang="en-US" sz="2000" dirty="0">
-                <a:ea typeface="Microsoft JhengHei UI" panose="020B0604030504040204" pitchFamily="34" charset="-120"/>
-              </a:rPr>
-              <a:t>Home to many protected species</a:t>
-            </a:r>
-          </a:p>
-          <a:p>
-            <a:pPr>
-              <a:lnSpc>
-                <a:spcPct val="100000"/>
-              </a:lnSpc>
-            </a:pPr>
-            <a:r>
-              <a:rPr lang="en-US" sz="2000" dirty="0">
-                <a:ea typeface="Microsoft JhengHei UI" panose="020B0604030504040204" pitchFamily="34" charset="-120"/>
-              </a:rPr>
-              <a:t>Sustains commercial and recreational fisheries:</a:t>
-            </a:r>
-          </a:p>
-          <a:p>
-            <a:pPr lvl="1">
-              <a:lnSpc>
-                <a:spcPct val="100000"/>
-              </a:lnSpc>
-            </a:pPr>
-            <a:r>
-              <a:rPr lang="en-US" sz="1800" dirty="0">
-                <a:ea typeface="Microsoft JhengHei UI" panose="020B0604030504040204" pitchFamily="34" charset="-120"/>
-              </a:rPr>
-              <a:t>Forage species</a:t>
-            </a:r>
-          </a:p>
-          <a:p>
-            <a:pPr lvl="1">
-              <a:lnSpc>
-                <a:spcPct val="100000"/>
-              </a:lnSpc>
-            </a:pPr>
-            <a:r>
-              <a:rPr lang="en-US" sz="1800" dirty="0">
-                <a:ea typeface="Microsoft JhengHei UI" panose="020B0604030504040204" pitchFamily="34" charset="-120"/>
-              </a:rPr>
-              <a:t>Coastal Pelagic Species</a:t>
-            </a:r>
-          </a:p>
-        </p:txBody>
-      </p:sp>
-      <p:pic>
-        <p:nvPicPr>
-          <p:cNvPr id="8" name="Picture 7">
-            <a:extLst>
-              <a:ext uri="{FF2B5EF4-FFF2-40B4-BE49-F238E27FC236}">
-                <a16:creationId xmlns:a16="http://schemas.microsoft.com/office/drawing/2014/main" id="{E1A0B5D7-8E64-41AF-A5B9-D5CA770A3AE0}"/>
-              </a:ext>
-            </a:extLst>
-          </p:cNvPr>
-          <p:cNvPicPr>
-            <a:picLocks noChangeAspect="1"/>
-          </p:cNvPicPr>
-          <p:nvPr/>
-        </p:nvPicPr>
-        <p:blipFill>
-          <a:blip r:embed="rId4" cstate="print">
-            <a:extLst>
-              <a:ext uri="{28A0092B-C50C-407E-A947-70E740481C1C}">
-                <a14:useLocalDpi xmlns:a14="http://schemas.microsoft.com/office/drawing/2010/main" val="0"/>
-              </a:ext>
-            </a:extLst>
-          </a:blip>
-          <a:stretch>
-            <a:fillRect/>
-          </a:stretch>
-        </p:blipFill>
-        <p:spPr>
-          <a:xfrm>
-            <a:off x="4855853" y="2574066"/>
-            <a:ext cx="477327" cy="514895"/>
-          </a:xfrm>
-          <a:prstGeom prst="rect">
-            <a:avLst/>
-          </a:prstGeom>
-        </p:spPr>
-      </p:pic>
-      <p:sp>
-        <p:nvSpPr>
-          <p:cNvPr id="9" name="TextBox 8">
-            <a:extLst>
-              <a:ext uri="{FF2B5EF4-FFF2-40B4-BE49-F238E27FC236}">
-                <a16:creationId xmlns:a16="http://schemas.microsoft.com/office/drawing/2014/main" id="{62AD89DE-CF48-472C-B256-59AFAA03520B}"/>
-              </a:ext>
-            </a:extLst>
-          </p:cNvPr>
-          <p:cNvSpPr txBox="1"/>
-          <p:nvPr/>
-        </p:nvSpPr>
-        <p:spPr>
-          <a:xfrm>
-            <a:off x="6776428" y="4997123"/>
-            <a:ext cx="1872087" cy="461665"/>
-          </a:xfrm>
-          <a:prstGeom prst="rect">
-            <a:avLst/>
-          </a:prstGeom>
-          <a:noFill/>
-        </p:spPr>
-        <p:txBody>
-          <a:bodyPr wrap="square" rtlCol="0">
-            <a:spAutoFit/>
-          </a:bodyPr>
-          <a:lstStyle/>
-          <a:p>
-            <a:r>
-              <a:rPr lang="en-US" sz="1200" i="1" dirty="0"/>
-              <a:t>Illustration by Fiona Morris</a:t>
-            </a:r>
-          </a:p>
-        </p:txBody>
-      </p:sp>
-      <p:sp>
-        <p:nvSpPr>
-          <p:cNvPr id="6" name="Slide Number Placeholder 5">
-            <a:extLst>
-              <a:ext uri="{FF2B5EF4-FFF2-40B4-BE49-F238E27FC236}">
-                <a16:creationId xmlns:a16="http://schemas.microsoft.com/office/drawing/2014/main" id="{D59AEBD6-2615-4476-8EA6-3992972395BB}"/>
-              </a:ext>
-            </a:extLst>
-          </p:cNvPr>
-          <p:cNvSpPr>
-            <a:spLocks noGrp="1"/>
-          </p:cNvSpPr>
-          <p:nvPr>
-            <p:ph type="sldNum" sz="quarter" idx="12"/>
-          </p:nvPr>
-        </p:nvSpPr>
-        <p:spPr/>
-        <p:txBody>
-          <a:bodyPr/>
-          <a:lstStyle/>
-          <a:p>
-            <a:fld id="{6FD4AA8C-2C0B-45F2-84FF-CF2E58E014B2}" type="slidenum">
-              <a:rPr lang="en-US" smtClean="0"/>
-              <a:t>2</a:t>
-            </a:fld>
-            <a:endParaRPr lang="en-US" dirty="0"/>
-          </a:p>
-        </p:txBody>
-      </p:sp>
-    </p:spTree>
-    <p:extLst>
-      <p:ext uri="{BB962C8B-B14F-4D97-AF65-F5344CB8AC3E}">
-        <p14:creationId xmlns:p14="http://schemas.microsoft.com/office/powerpoint/2010/main" val="567117408"/>
+        <p14:creationId xmlns:p14="http://schemas.microsoft.com/office/powerpoint/2010/main" val="3354476907"/>
       </p:ext>
     </p:extLst>
   </p:cSld>
@@ -14385,359 +14123,6 @@
 </file>
 
 <file path=ppt/slides/slide20.xml><?xml version="1.0" encoding="utf-8"?>
-<p:sld xmlns:a="http://schemas.openxmlformats.org/drawingml/2006/main" xmlns:r="http://schemas.openxmlformats.org/officeDocument/2006/relationships" xmlns:p="http://schemas.openxmlformats.org/presentationml/2006/main">
-  <p:cSld>
-    <p:bg>
-      <p:bgPr>
-        <a:solidFill>
-          <a:srgbClr val="003C6C"/>
-        </a:solidFill>
-        <a:effectLst/>
-      </p:bgPr>
-    </p:bg>
-    <p:spTree>
-      <p:nvGrpSpPr>
-        <p:cNvPr id="1" name=""/>
-        <p:cNvGrpSpPr/>
-        <p:nvPr/>
-      </p:nvGrpSpPr>
-      <p:grpSpPr>
-        <a:xfrm>
-          <a:off x="0" y="0"/>
-          <a:ext cx="0" cy="0"/>
-          <a:chOff x="0" y="0"/>
-          <a:chExt cx="0" cy="0"/>
-        </a:xfrm>
-      </p:grpSpPr>
-      <p:sp>
-        <p:nvSpPr>
-          <p:cNvPr id="2" name="Title 1">
-            <a:extLst>
-              <a:ext uri="{FF2B5EF4-FFF2-40B4-BE49-F238E27FC236}">
-                <a16:creationId xmlns:a16="http://schemas.microsoft.com/office/drawing/2014/main" id="{1ADB77D2-C19A-410A-8137-D34D2546F304}"/>
-              </a:ext>
-            </a:extLst>
-          </p:cNvPr>
-          <p:cNvSpPr>
-            <a:spLocks noGrp="1"/>
-          </p:cNvSpPr>
-          <p:nvPr>
-            <p:ph type="ctrTitle"/>
-          </p:nvPr>
-        </p:nvSpPr>
-        <p:spPr>
-          <a:xfrm>
-            <a:off x="462611" y="1122323"/>
-            <a:ext cx="8030346" cy="852351"/>
-          </a:xfrm>
-        </p:spPr>
-        <p:txBody>
-          <a:bodyPr>
-            <a:normAutofit/>
-          </a:bodyPr>
-          <a:lstStyle/>
-          <a:p>
-            <a:r>
-              <a:rPr lang="en-US" sz="3600" dirty="0">
-                <a:solidFill>
-                  <a:schemeClr val="bg1"/>
-                </a:solidFill>
-                <a:latin typeface="Lato Semibold" panose="020F0502020204030203" pitchFamily="34" charset="0"/>
-                <a:ea typeface="Lato Semibold" panose="020F0502020204030203" pitchFamily="34" charset="0"/>
-                <a:cs typeface="Lato Semibold" panose="020F0502020204030203" pitchFamily="34" charset="0"/>
-              </a:rPr>
-              <a:t>Thanks for your attention!</a:t>
-            </a:r>
-          </a:p>
-        </p:txBody>
-      </p:sp>
-      <p:sp>
-        <p:nvSpPr>
-          <p:cNvPr id="3" name="Subtitle 2">
-            <a:extLst>
-              <a:ext uri="{FF2B5EF4-FFF2-40B4-BE49-F238E27FC236}">
-                <a16:creationId xmlns:a16="http://schemas.microsoft.com/office/drawing/2014/main" id="{55D00C7A-D1C2-4751-ACDD-59B01C304ED0}"/>
-              </a:ext>
-            </a:extLst>
-          </p:cNvPr>
-          <p:cNvSpPr>
-            <a:spLocks noGrp="1"/>
-          </p:cNvSpPr>
-          <p:nvPr>
-            <p:ph type="subTitle" idx="1"/>
-          </p:nvPr>
-        </p:nvSpPr>
-        <p:spPr>
-          <a:xfrm>
-            <a:off x="1061853" y="4062720"/>
-            <a:ext cx="6831862" cy="1962029"/>
-          </a:xfrm>
-        </p:spPr>
-        <p:txBody>
-          <a:bodyPr>
-            <a:normAutofit fontScale="92500" lnSpcReduction="10000"/>
-          </a:bodyPr>
-          <a:lstStyle/>
-          <a:p>
-            <a:endParaRPr lang="en-US" sz="1200" dirty="0">
-              <a:solidFill>
-                <a:schemeClr val="bg1"/>
-              </a:solidFill>
-              <a:ea typeface="Microsoft JhengHei UI" panose="020B0604030504040204" pitchFamily="34" charset="-120"/>
-            </a:endParaRPr>
-          </a:p>
-          <a:p>
-            <a:r>
-              <a:rPr lang="en-US" sz="1900" b="1" dirty="0">
-                <a:solidFill>
-                  <a:schemeClr val="bg1"/>
-                </a:solidFill>
-                <a:ea typeface="Lato Semibold" panose="020F0502020204030203" pitchFamily="34" charset="0"/>
-                <a:cs typeface="Lato Semibold" panose="020F0502020204030203" pitchFamily="34" charset="0"/>
-              </a:rPr>
-              <a:t>Felipe J. Quezada</a:t>
-            </a:r>
-          </a:p>
-          <a:p>
-            <a:r>
-              <a:rPr lang="en-US" sz="1300" dirty="0">
-                <a:solidFill>
-                  <a:schemeClr val="bg1"/>
-                </a:solidFill>
-                <a:ea typeface="Microsoft JhengHei UI" panose="020B0604030504040204" pitchFamily="34" charset="-120"/>
-              </a:rPr>
-              <a:t> Postdoctoral Scholar</a:t>
-            </a:r>
-          </a:p>
-          <a:p>
-            <a:r>
-              <a:rPr lang="en-US" sz="1300" dirty="0">
-                <a:solidFill>
-                  <a:schemeClr val="bg1"/>
-                </a:solidFill>
-                <a:ea typeface="Microsoft JhengHei UI" panose="020B0604030504040204" pitchFamily="34" charset="-120"/>
-              </a:rPr>
-              <a:t> UC Santa Cruz &amp; NOAA-SWFSC</a:t>
-            </a:r>
-          </a:p>
-          <a:p>
-            <a:endParaRPr lang="en-US" sz="1200" dirty="0">
-              <a:solidFill>
-                <a:schemeClr val="bg1"/>
-              </a:solidFill>
-              <a:ea typeface="Microsoft JhengHei UI" panose="020B0604030504040204" pitchFamily="34" charset="-120"/>
-            </a:endParaRPr>
-          </a:p>
-          <a:p>
-            <a:r>
-              <a:rPr lang="en-US" sz="1300" dirty="0">
-                <a:solidFill>
-                  <a:srgbClr val="FF3399"/>
-                </a:solidFill>
-                <a:ea typeface="Microsoft JhengHei UI" panose="020B0604030504040204" pitchFamily="34" charset="-120"/>
-                <a:hlinkClick r:id="rId2">
-                  <a:extLst>
-                    <a:ext uri="{A12FA001-AC4F-418D-AE19-62706E023703}">
-                      <ahyp:hlinkClr xmlns:ahyp="http://schemas.microsoft.com/office/drawing/2018/hyperlinkcolor" val="tx"/>
-                    </a:ext>
-                  </a:extLst>
-                </a:hlinkClick>
-              </a:rPr>
-              <a:t>felipequezada.com</a:t>
-            </a:r>
-            <a:endParaRPr lang="en-US" sz="1300" dirty="0">
-              <a:solidFill>
-                <a:srgbClr val="FF3399"/>
-              </a:solidFill>
-              <a:ea typeface="Microsoft JhengHei UI" panose="020B0604030504040204" pitchFamily="34" charset="-120"/>
-            </a:endParaRPr>
-          </a:p>
-          <a:p>
-            <a:r>
-              <a:rPr lang="en-US" sz="1300" dirty="0">
-                <a:solidFill>
-                  <a:srgbClr val="FF3399"/>
-                </a:solidFill>
-                <a:ea typeface="Microsoft JhengHei UI" panose="020B0604030504040204" pitchFamily="34" charset="-120"/>
-              </a:rPr>
-              <a:t> </a:t>
-            </a:r>
-            <a:r>
-              <a:rPr lang="en-US" sz="1300" dirty="0">
-                <a:solidFill>
-                  <a:srgbClr val="FF3399"/>
-                </a:solidFill>
-                <a:ea typeface="Microsoft JhengHei UI" panose="020B0604030504040204" pitchFamily="34" charset="-120"/>
-                <a:hlinkClick r:id="rId3">
-                  <a:extLst>
-                    <a:ext uri="{A12FA001-AC4F-418D-AE19-62706E023703}">
-                      <ahyp:hlinkClr xmlns:ahyp="http://schemas.microsoft.com/office/drawing/2018/hyperlinkcolor" val="tx"/>
-                    </a:ext>
-                  </a:extLst>
-                </a:hlinkClick>
-              </a:rPr>
-              <a:t>felipe.quezada@noaa.gov</a:t>
-            </a:r>
-            <a:endParaRPr lang="en-US" sz="1300" dirty="0">
-              <a:solidFill>
-                <a:srgbClr val="FF3399"/>
-              </a:solidFill>
-              <a:ea typeface="Microsoft JhengHei UI" panose="020B0604030504040204" pitchFamily="34" charset="-120"/>
-            </a:endParaRPr>
-          </a:p>
-        </p:txBody>
-      </p:sp>
-      <p:pic>
-        <p:nvPicPr>
-          <p:cNvPr id="1026" name="Picture 2" descr="https://communications.ucsc.edu/wp-content/uploads/2021/04/2021-Logo-Do-2.jpg">
-            <a:extLst>
-              <a:ext uri="{FF2B5EF4-FFF2-40B4-BE49-F238E27FC236}">
-                <a16:creationId xmlns:a16="http://schemas.microsoft.com/office/drawing/2014/main" id="{3AA06CBB-4867-46FA-B33F-3F8F976D86FE}"/>
-              </a:ext>
-            </a:extLst>
-          </p:cNvPr>
-          <p:cNvPicPr>
-            <a:picLocks noChangeAspect="1" noChangeArrowheads="1"/>
-          </p:cNvPicPr>
-          <p:nvPr/>
-        </p:nvPicPr>
-        <p:blipFill>
-          <a:blip r:embed="rId4">
-            <a:extLst>
-              <a:ext uri="{28A0092B-C50C-407E-A947-70E740481C1C}">
-                <a14:useLocalDpi xmlns:a14="http://schemas.microsoft.com/office/drawing/2010/main" val="0"/>
-              </a:ext>
-            </a:extLst>
-          </a:blip>
-          <a:srcRect/>
-          <a:stretch>
-            <a:fillRect/>
-          </a:stretch>
-        </p:blipFill>
-        <p:spPr bwMode="auto">
-          <a:xfrm>
-            <a:off x="1195743" y="2590542"/>
-            <a:ext cx="2486025" cy="852351"/>
-          </a:xfrm>
-          <a:prstGeom prst="rect">
-            <a:avLst/>
-          </a:prstGeom>
-          <a:noFill/>
-          <a:extLst>
-            <a:ext uri="{909E8E84-426E-40DD-AFC4-6F175D3DCCD1}">
-              <a14:hiddenFill xmlns:a14="http://schemas.microsoft.com/office/drawing/2010/main">
-                <a:solidFill>
-                  <a:srgbClr val="FFFFFF"/>
-                </a:solidFill>
-              </a14:hiddenFill>
-            </a:ext>
-          </a:extLst>
-        </p:spPr>
-      </p:pic>
-      <p:cxnSp>
-        <p:nvCxnSpPr>
-          <p:cNvPr id="5" name="Straight Connector 4">
-            <a:extLst>
-              <a:ext uri="{FF2B5EF4-FFF2-40B4-BE49-F238E27FC236}">
-                <a16:creationId xmlns:a16="http://schemas.microsoft.com/office/drawing/2014/main" id="{67B4593C-666A-4A21-9A4D-CE41B22F5DEC}"/>
-              </a:ext>
-            </a:extLst>
-          </p:cNvPr>
-          <p:cNvCxnSpPr>
-            <a:cxnSpLocks/>
-          </p:cNvCxnSpPr>
-          <p:nvPr/>
-        </p:nvCxnSpPr>
-        <p:spPr>
-          <a:xfrm flipV="1">
-            <a:off x="680759" y="2153127"/>
-            <a:ext cx="7764647" cy="24120"/>
-          </a:xfrm>
-          <a:prstGeom prst="line">
-            <a:avLst/>
-          </a:prstGeom>
-          <a:ln w="50800">
-            <a:solidFill>
-              <a:srgbClr val="FDC700"/>
-            </a:solidFill>
-          </a:ln>
-        </p:spPr>
-        <p:style>
-          <a:lnRef idx="1">
-            <a:schemeClr val="accent1"/>
-          </a:lnRef>
-          <a:fillRef idx="0">
-            <a:schemeClr val="accent1"/>
-          </a:fillRef>
-          <a:effectRef idx="0">
-            <a:schemeClr val="accent1"/>
-          </a:effectRef>
-          <a:fontRef idx="minor">
-            <a:schemeClr val="tx1"/>
-          </a:fontRef>
-        </p:style>
-      </p:cxnSp>
-      <p:pic>
-        <p:nvPicPr>
-          <p:cNvPr id="11" name="Picture 2" descr="https://cpo.noaa.gov/portals/0/Images/COCA/CAFA.png">
-            <a:extLst>
-              <a:ext uri="{FF2B5EF4-FFF2-40B4-BE49-F238E27FC236}">
-                <a16:creationId xmlns:a16="http://schemas.microsoft.com/office/drawing/2014/main" id="{5AA85E32-1D0C-4254-B07D-4090700404DF}"/>
-              </a:ext>
-            </a:extLst>
-          </p:cNvPr>
-          <p:cNvPicPr>
-            <a:picLocks noChangeAspect="1" noChangeArrowheads="1"/>
-          </p:cNvPicPr>
-          <p:nvPr/>
-        </p:nvPicPr>
-        <p:blipFill>
-          <a:blip r:embed="rId5">
-            <a:extLst>
-              <a:ext uri="{28A0092B-C50C-407E-A947-70E740481C1C}">
-                <a14:useLocalDpi xmlns:a14="http://schemas.microsoft.com/office/drawing/2010/main" val="0"/>
-              </a:ext>
-            </a:extLst>
-          </a:blip>
-          <a:srcRect/>
-          <a:stretch>
-            <a:fillRect/>
-          </a:stretch>
-        </p:blipFill>
-        <p:spPr bwMode="auto">
-          <a:xfrm>
-            <a:off x="5462234" y="2599817"/>
-            <a:ext cx="2573524" cy="852351"/>
-          </a:xfrm>
-          <a:prstGeom prst="rect">
-            <a:avLst/>
-          </a:prstGeom>
-          <a:noFill/>
-          <a:extLst>
-            <a:ext uri="{909E8E84-426E-40DD-AFC4-6F175D3DCCD1}">
-              <a14:hiddenFill xmlns:a14="http://schemas.microsoft.com/office/drawing/2010/main">
-                <a:solidFill>
-                  <a:srgbClr val="FFFFFF"/>
-                </a:solidFill>
-              </a14:hiddenFill>
-            </a:ext>
-          </a:extLst>
-        </p:spPr>
-      </p:pic>
-    </p:spTree>
-    <p:extLst>
-      <p:ext uri="{BB962C8B-B14F-4D97-AF65-F5344CB8AC3E}">
-        <p14:creationId xmlns:p14="http://schemas.microsoft.com/office/powerpoint/2010/main" val="3797257758"/>
-      </p:ext>
-    </p:extLst>
-  </p:cSld>
-  <p:clrMapOvr>
-    <a:masterClrMapping/>
-  </p:clrMapOvr>
-</p:sld>
-</file>
-
-<file path=ppt/slides/slide21.xml><?xml version="1.0" encoding="utf-8"?>
 <p:sld xmlns:a="http://schemas.openxmlformats.org/drawingml/2006/main" xmlns:r="http://schemas.openxmlformats.org/officeDocument/2006/relationships" xmlns:p="http://schemas.openxmlformats.org/presentationml/2006/main" show="0">
   <p:cSld>
     <p:spTree>
@@ -14968,7 +14353,7 @@
           <a:p>
             <a:fld id="{6FD4AA8C-2C0B-45F2-84FF-CF2E58E014B2}" type="slidenum">
               <a:rPr lang="en-US" smtClean="0"/>
-              <a:t>21</a:t>
+              <a:t>20</a:t>
             </a:fld>
             <a:endParaRPr lang="en-US"/>
           </a:p>
@@ -14987,7 +14372,7 @@
 </p:sld>
 </file>
 
-<file path=ppt/slides/slide22.xml><?xml version="1.0" encoding="utf-8"?>
+<file path=ppt/slides/slide21.xml><?xml version="1.0" encoding="utf-8"?>
 <p:sld xmlns:a="http://schemas.openxmlformats.org/drawingml/2006/main" xmlns:r="http://schemas.openxmlformats.org/officeDocument/2006/relationships" xmlns:p="http://schemas.openxmlformats.org/presentationml/2006/main" show="0">
   <p:cSld>
     <p:spTree>
@@ -15106,7 +14491,7 @@
           <a:p>
             <a:fld id="{6FD4AA8C-2C0B-45F2-84FF-CF2E58E014B2}" type="slidenum">
               <a:rPr lang="en-US" smtClean="0"/>
-              <a:t>22</a:t>
+              <a:t>21</a:t>
             </a:fld>
             <a:endParaRPr lang="en-US"/>
           </a:p>
@@ -15155,7 +14540,7 @@
 </p:sld>
 </file>
 
-<file path=ppt/slides/slide23.xml><?xml version="1.0" encoding="utf-8"?>
+<file path=ppt/slides/slide22.xml><?xml version="1.0" encoding="utf-8"?>
 <p:sld xmlns:a="http://schemas.openxmlformats.org/drawingml/2006/main" xmlns:r="http://schemas.openxmlformats.org/officeDocument/2006/relationships" xmlns:p="http://schemas.openxmlformats.org/presentationml/2006/main" show="0">
   <p:cSld>
     <p:spTree>
@@ -16209,7 +15594,7 @@
           <a:p>
             <a:fld id="{6FD4AA8C-2C0B-45F2-84FF-CF2E58E014B2}" type="slidenum">
               <a:rPr lang="en-US" smtClean="0"/>
-              <a:t>23</a:t>
+              <a:t>22</a:t>
             </a:fld>
             <a:endParaRPr lang="en-US"/>
           </a:p>
@@ -16228,7 +15613,7 @@
 </p:sld>
 </file>
 
-<file path=ppt/slides/slide24.xml><?xml version="1.0" encoding="utf-8"?>
+<file path=ppt/slides/slide23.xml><?xml version="1.0" encoding="utf-8"?>
 <p:sld xmlns:a="http://schemas.openxmlformats.org/drawingml/2006/main" xmlns:r="http://schemas.openxmlformats.org/officeDocument/2006/relationships" xmlns:p="http://schemas.openxmlformats.org/presentationml/2006/main" show="0">
   <p:cSld>
     <p:spTree>
@@ -17804,7 +17189,7 @@
           <a:p>
             <a:fld id="{6FD4AA8C-2C0B-45F2-84FF-CF2E58E014B2}" type="slidenum">
               <a:rPr lang="en-US" smtClean="0"/>
-              <a:t>24</a:t>
+              <a:t>23</a:t>
             </a:fld>
             <a:endParaRPr lang="en-US"/>
           </a:p>
@@ -17823,7 +17208,7 @@
 </p:sld>
 </file>
 
-<file path=ppt/slides/slide25.xml><?xml version="1.0" encoding="utf-8"?>
+<file path=ppt/slides/slide24.xml><?xml version="1.0" encoding="utf-8"?>
 <p:sld xmlns:a="http://schemas.openxmlformats.org/drawingml/2006/main" xmlns:r="http://schemas.openxmlformats.org/officeDocument/2006/relationships" xmlns:p="http://schemas.openxmlformats.org/presentationml/2006/main" show="0">
   <p:cSld>
     <p:spTree>
@@ -17989,7 +17374,7 @@
           <a:p>
             <a:fld id="{6FD4AA8C-2C0B-45F2-84FF-CF2E58E014B2}" type="slidenum">
               <a:rPr lang="en-US" smtClean="0"/>
-              <a:t>25</a:t>
+              <a:t>24</a:t>
             </a:fld>
             <a:endParaRPr lang="en-US"/>
           </a:p>
@@ -18098,7 +17483,7 @@
 </p:sld>
 </file>
 
-<file path=ppt/slides/slide26.xml><?xml version="1.0" encoding="utf-8"?>
+<file path=ppt/slides/slide25.xml><?xml version="1.0" encoding="utf-8"?>
 <p:sld xmlns:a="http://schemas.openxmlformats.org/drawingml/2006/main" xmlns:r="http://schemas.openxmlformats.org/officeDocument/2006/relationships" xmlns:p="http://schemas.openxmlformats.org/presentationml/2006/main" show="0">
   <p:cSld>
     <p:spTree>
@@ -19224,7 +18609,7 @@
           <a:p>
             <a:fld id="{6FD4AA8C-2C0B-45F2-84FF-CF2E58E014B2}" type="slidenum">
               <a:rPr lang="en-US" smtClean="0"/>
-              <a:t>26</a:t>
+              <a:t>25</a:t>
             </a:fld>
             <a:endParaRPr lang="en-US"/>
           </a:p>
@@ -19286,7 +18671,9 @@
           </a:solidFill>
         </p:spPr>
         <p:txBody>
-          <a:bodyPr/>
+          <a:bodyPr>
+            <a:normAutofit/>
+          </a:bodyPr>
           <a:lstStyle/>
           <a:p>
             <a:r>
@@ -19297,48 +18684,23 @@
                 <a:latin typeface="+mn-lt"/>
                 <a:ea typeface="Microsoft JhengHei UI" panose="020B0604030504040204" pitchFamily="34" charset="-120"/>
               </a:rPr>
-              <a:t>  Coastal Pelagic Species in CCS</a:t>
-            </a:r>
+              <a:t>Substitution between species</a:t>
+            </a:r>
+            <a:endParaRPr lang="en-US" dirty="0">
+              <a:solidFill>
+                <a:schemeClr val="bg1"/>
+              </a:solidFill>
+              <a:latin typeface="+mn-lt"/>
+            </a:endParaRPr>
           </a:p>
         </p:txBody>
       </p:sp>
-      <p:graphicFrame>
-        <p:nvGraphicFramePr>
-          <p:cNvPr id="7" name="Content Placeholder 6">
-            <a:extLst>
-              <a:ext uri="{FF2B5EF4-FFF2-40B4-BE49-F238E27FC236}">
-                <a16:creationId xmlns:a16="http://schemas.microsoft.com/office/drawing/2014/main" id="{582885AD-F576-4725-8E9F-375E56F22E1C}"/>
-              </a:ext>
-            </a:extLst>
-          </p:cNvPr>
-          <p:cNvGraphicFramePr>
-            <a:graphicFrameLocks noGrp="1"/>
-          </p:cNvGraphicFramePr>
-          <p:nvPr>
-            <p:ph idx="1"/>
-            <p:extLst>
-              <p:ext uri="{D42A27DB-BD31-4B8C-83A1-F6EECF244321}">
-                <p14:modId xmlns:p14="http://schemas.microsoft.com/office/powerpoint/2010/main" val="3992832315"/>
-              </p:ext>
-            </p:extLst>
-          </p:nvPr>
-        </p:nvGraphicFramePr>
-        <p:xfrm>
-          <a:off x="284480" y="1270000"/>
-          <a:ext cx="8524240" cy="4829349"/>
-        </p:xfrm>
-        <a:graphic>
-          <a:graphicData uri="http://schemas.openxmlformats.org/drawingml/2006/diagram">
-            <dgm:relIds xmlns:dgm="http://schemas.openxmlformats.org/drawingml/2006/diagram" xmlns:r="http://schemas.openxmlformats.org/officeDocument/2006/relationships" r:dm="rId3" r:lo="rId4" r:qs="rId5" r:cs="rId6"/>
-          </a:graphicData>
-        </a:graphic>
-      </p:graphicFrame>
       <p:sp>
         <p:nvSpPr>
           <p:cNvPr id="5" name="Slide Number Placeholder 4">
             <a:extLst>
               <a:ext uri="{FF2B5EF4-FFF2-40B4-BE49-F238E27FC236}">
-                <a16:creationId xmlns:a16="http://schemas.microsoft.com/office/drawing/2014/main" id="{2FC33029-A1FC-4FF7-A257-7B080D8D92BB}"/>
+                <a16:creationId xmlns:a16="http://schemas.microsoft.com/office/drawing/2014/main" id="{FA59C87A-A493-4F65-9CCE-51756B0FA08F}"/>
               </a:ext>
             </a:extLst>
           </p:cNvPr>
@@ -19358,14 +18720,111 @@
               <a:rPr lang="en-US" smtClean="0"/>
               <a:t>3</a:t>
             </a:fld>
-            <a:endParaRPr lang="en-US"/>
+            <a:endParaRPr lang="en-US" dirty="0"/>
+          </a:p>
+        </p:txBody>
+      </p:sp>
+      <p:pic>
+        <p:nvPicPr>
+          <p:cNvPr id="7" name="Picture 6">
+            <a:extLst>
+              <a:ext uri="{FF2B5EF4-FFF2-40B4-BE49-F238E27FC236}">
+                <a16:creationId xmlns:a16="http://schemas.microsoft.com/office/drawing/2014/main" id="{FDE62AC4-D4D7-46FC-8F31-2A49EA8346BF}"/>
+              </a:ext>
+            </a:extLst>
+          </p:cNvPr>
+          <p:cNvPicPr>
+            <a:picLocks noChangeAspect="1"/>
+          </p:cNvPicPr>
+          <p:nvPr/>
+        </p:nvPicPr>
+        <p:blipFill>
+          <a:blip r:embed="rId3"/>
+          <a:stretch>
+            <a:fillRect/>
+          </a:stretch>
+        </p:blipFill>
+        <p:spPr>
+          <a:xfrm>
+            <a:off x="239096" y="1088302"/>
+            <a:ext cx="8447703" cy="2876739"/>
+          </a:xfrm>
+          <a:prstGeom prst="rect">
+            <a:avLst/>
+          </a:prstGeom>
+        </p:spPr>
+      </p:pic>
+      <p:pic>
+        <p:nvPicPr>
+          <p:cNvPr id="8" name="Picture 7">
+            <a:extLst>
+              <a:ext uri="{FF2B5EF4-FFF2-40B4-BE49-F238E27FC236}">
+                <a16:creationId xmlns:a16="http://schemas.microsoft.com/office/drawing/2014/main" id="{62823F08-F4C9-428C-B43B-A3F0824BC7E1}"/>
+              </a:ext>
+            </a:extLst>
+          </p:cNvPr>
+          <p:cNvPicPr>
+            <a:picLocks noChangeAspect="1"/>
+          </p:cNvPicPr>
+          <p:nvPr/>
+        </p:nvPicPr>
+        <p:blipFill>
+          <a:blip r:embed="rId4"/>
+          <a:stretch>
+            <a:fillRect/>
+          </a:stretch>
+        </p:blipFill>
+        <p:spPr>
+          <a:xfrm>
+            <a:off x="4198775" y="3465528"/>
+            <a:ext cx="4814596" cy="3255948"/>
+          </a:xfrm>
+          <a:prstGeom prst="rect">
+            <a:avLst/>
+          </a:prstGeom>
+        </p:spPr>
+      </p:pic>
+      <p:sp>
+        <p:nvSpPr>
+          <p:cNvPr id="10" name="TextBox 9">
+            <a:extLst>
+              <a:ext uri="{FF2B5EF4-FFF2-40B4-BE49-F238E27FC236}">
+                <a16:creationId xmlns:a16="http://schemas.microsoft.com/office/drawing/2014/main" id="{15C47F72-6E00-4495-863F-819B8357C1BE}"/>
+              </a:ext>
+            </a:extLst>
+          </p:cNvPr>
+          <p:cNvSpPr txBox="1"/>
+          <p:nvPr/>
+        </p:nvSpPr>
+        <p:spPr>
+          <a:xfrm>
+            <a:off x="1203649" y="4846368"/>
+            <a:ext cx="2267339" cy="923330"/>
+          </a:xfrm>
+          <a:prstGeom prst="rect">
+            <a:avLst/>
+          </a:prstGeom>
+          <a:solidFill>
+            <a:srgbClr val="FDC700"/>
+          </a:solidFill>
+        </p:spPr>
+        <p:txBody>
+          <a:bodyPr wrap="square" rtlCol="0">
+            <a:spAutoFit/>
+          </a:bodyPr>
+          <a:lstStyle/>
+          <a:p>
+            <a:r>
+              <a:rPr lang="en-US" b="1" dirty="0"/>
+              <a:t>Switching behavior between squid and sardine</a:t>
+            </a:r>
           </a:p>
         </p:txBody>
       </p:sp>
     </p:spTree>
     <p:extLst>
       <p:ext uri="{BB962C8B-B14F-4D97-AF65-F5344CB8AC3E}">
-        <p14:creationId xmlns:p14="http://schemas.microsoft.com/office/powerpoint/2010/main" val="4077910141"/>
+        <p14:creationId xmlns:p14="http://schemas.microsoft.com/office/powerpoint/2010/main" val="3723678946"/>
       </p:ext>
     </p:extLst>
   </p:cSld>
@@ -19376,6 +18835,775 @@
 </file>
 
 <file path=ppt/slides/slide4.xml><?xml version="1.0" encoding="utf-8"?>
+<p:sld xmlns:a="http://schemas.openxmlformats.org/drawingml/2006/main" xmlns:r="http://schemas.openxmlformats.org/officeDocument/2006/relationships" xmlns:p="http://schemas.openxmlformats.org/presentationml/2006/main">
+  <p:cSld>
+    <p:spTree>
+      <p:nvGrpSpPr>
+        <p:cNvPr id="1" name=""/>
+        <p:cNvGrpSpPr/>
+        <p:nvPr/>
+      </p:nvGrpSpPr>
+      <p:grpSpPr>
+        <a:xfrm>
+          <a:off x="0" y="0"/>
+          <a:ext cx="0" cy="0"/>
+          <a:chOff x="0" y="0"/>
+          <a:chExt cx="0" cy="0"/>
+        </a:xfrm>
+      </p:grpSpPr>
+      <p:sp>
+        <p:nvSpPr>
+          <p:cNvPr id="3" name="Content Placeholder 2">
+            <a:extLst>
+              <a:ext uri="{FF2B5EF4-FFF2-40B4-BE49-F238E27FC236}">
+                <a16:creationId xmlns:a16="http://schemas.microsoft.com/office/drawing/2014/main" id="{6778B9F2-7802-4660-AD29-C718D0D44B59}"/>
+              </a:ext>
+            </a:extLst>
+          </p:cNvPr>
+          <p:cNvSpPr>
+            <a:spLocks noGrp="1"/>
+          </p:cNvSpPr>
+          <p:nvPr>
+            <p:ph idx="1"/>
+          </p:nvPr>
+        </p:nvSpPr>
+        <p:spPr>
+          <a:xfrm>
+            <a:off x="497724" y="1668026"/>
+            <a:ext cx="8148551" cy="4471517"/>
+          </a:xfrm>
+        </p:spPr>
+        <p:txBody>
+          <a:bodyPr>
+            <a:normAutofit lnSpcReduction="10000"/>
+          </a:bodyPr>
+          <a:lstStyle/>
+          <a:p>
+            <a:r>
+              <a:rPr lang="en-US" dirty="0"/>
+              <a:t>Two approaches</a:t>
+            </a:r>
+          </a:p>
+          <a:p>
+            <a:pPr lvl="1"/>
+            <a:r>
+              <a:rPr lang="en-US" dirty="0"/>
+              <a:t>Landings model by vessels</a:t>
+            </a:r>
+          </a:p>
+          <a:p>
+            <a:pPr lvl="2"/>
+            <a:r>
+              <a:rPr lang="en-US" dirty="0"/>
+              <a:t>Separate equation for each species: Squid, Sardine, Anchovy.</a:t>
+            </a:r>
+          </a:p>
+          <a:p>
+            <a:pPr lvl="2"/>
+            <a:r>
+              <a:rPr lang="en-US" dirty="0"/>
+              <a:t>Results using public aggregate data, but working on individual data.</a:t>
+            </a:r>
+          </a:p>
+          <a:p>
+            <a:pPr lvl="1"/>
+            <a:r>
+              <a:rPr lang="en-US" dirty="0"/>
+              <a:t>Participation model (</a:t>
+            </a:r>
+            <a:r>
+              <a:rPr lang="en-US" dirty="0">
+                <a:solidFill>
+                  <a:srgbClr val="FF0000"/>
+                </a:solidFill>
+              </a:rPr>
+              <a:t>no results yet</a:t>
+            </a:r>
+            <a:r>
+              <a:rPr lang="en-US" dirty="0"/>
+              <a:t>).</a:t>
+            </a:r>
+          </a:p>
+          <a:p>
+            <a:endParaRPr lang="en-US" dirty="0"/>
+          </a:p>
+          <a:p>
+            <a:r>
+              <a:rPr lang="en-US" dirty="0"/>
+              <a:t>Data</a:t>
+            </a:r>
+          </a:p>
+          <a:p>
+            <a:pPr lvl="1"/>
+            <a:r>
+              <a:rPr lang="en-US" dirty="0"/>
+              <a:t>Fish tickets from The Pacific Fisheries Information Network (</a:t>
+            </a:r>
+            <a:r>
+              <a:rPr lang="en-US" dirty="0" err="1"/>
+              <a:t>PacFIN</a:t>
+            </a:r>
+            <a:r>
+              <a:rPr lang="en-US" dirty="0"/>
+              <a:t>) from 1980-2020</a:t>
+            </a:r>
+          </a:p>
+          <a:p>
+            <a:pPr lvl="1"/>
+            <a:r>
+              <a:rPr lang="en-US" dirty="0"/>
+              <a:t>Current and projected species distribution from Species Distribution Models (SDMs) from </a:t>
+            </a:r>
+            <a:r>
+              <a:rPr lang="en-US" b="1" dirty="0"/>
+              <a:t>1997-2018</a:t>
+            </a:r>
+            <a:endParaRPr lang="en-US" sz="3200" b="1" dirty="0"/>
+          </a:p>
+        </p:txBody>
+      </p:sp>
+      <p:sp>
+        <p:nvSpPr>
+          <p:cNvPr id="4" name="Title 1">
+            <a:extLst>
+              <a:ext uri="{FF2B5EF4-FFF2-40B4-BE49-F238E27FC236}">
+                <a16:creationId xmlns:a16="http://schemas.microsoft.com/office/drawing/2014/main" id="{3FBCC271-54BC-4357-BEF3-B86B9F0FC7E1}"/>
+              </a:ext>
+            </a:extLst>
+          </p:cNvPr>
+          <p:cNvSpPr txBox="1">
+            <a:spLocks/>
+          </p:cNvSpPr>
+          <p:nvPr/>
+        </p:nvSpPr>
+        <p:spPr>
+          <a:xfrm>
+            <a:off x="0" y="1"/>
+            <a:ext cx="9144000" cy="923278"/>
+          </a:xfrm>
+          <a:prstGeom prst="rect">
+            <a:avLst/>
+          </a:prstGeom>
+          <a:solidFill>
+            <a:srgbClr val="003C6C"/>
+          </a:solidFill>
+        </p:spPr>
+        <p:txBody>
+          <a:bodyPr vert="horz" lIns="91440" tIns="45720" rIns="91440" bIns="45720" rtlCol="0" anchor="ctr">
+            <a:normAutofit/>
+          </a:bodyPr>
+          <a:lstStyle>
+            <a:lvl1pPr algn="l" defTabSz="914400" rtl="0" eaLnBrk="1" latinLnBrk="0" hangingPunct="1">
+              <a:lnSpc>
+                <a:spcPct val="90000"/>
+              </a:lnSpc>
+              <a:spcBef>
+                <a:spcPct val="0"/>
+              </a:spcBef>
+              <a:buNone/>
+              <a:defRPr sz="4400" kern="1200">
+                <a:solidFill>
+                  <a:schemeClr val="tx1"/>
+                </a:solidFill>
+                <a:latin typeface="+mj-lt"/>
+                <a:ea typeface="+mj-ea"/>
+                <a:cs typeface="+mj-cs"/>
+              </a:defRPr>
+            </a:lvl1pPr>
+          </a:lstStyle>
+          <a:p>
+            <a:r>
+              <a:rPr lang="en-US" dirty="0">
+                <a:solidFill>
+                  <a:schemeClr val="bg1"/>
+                </a:solidFill>
+                <a:latin typeface="+mn-lt"/>
+              </a:rPr>
+              <a:t>  Methodology</a:t>
+            </a:r>
+          </a:p>
+        </p:txBody>
+      </p:sp>
+      <p:sp>
+        <p:nvSpPr>
+          <p:cNvPr id="8" name="Slide Number Placeholder 7">
+            <a:extLst>
+              <a:ext uri="{FF2B5EF4-FFF2-40B4-BE49-F238E27FC236}">
+                <a16:creationId xmlns:a16="http://schemas.microsoft.com/office/drawing/2014/main" id="{35119DF3-03E7-474D-9806-C0F74E13EEE4}"/>
+              </a:ext>
+            </a:extLst>
+          </p:cNvPr>
+          <p:cNvSpPr>
+            <a:spLocks noGrp="1"/>
+          </p:cNvSpPr>
+          <p:nvPr>
+            <p:ph type="sldNum" sz="quarter" idx="12"/>
+          </p:nvPr>
+        </p:nvSpPr>
+        <p:spPr/>
+        <p:txBody>
+          <a:bodyPr/>
+          <a:lstStyle/>
+          <a:p>
+            <a:fld id="{6FD4AA8C-2C0B-45F2-84FF-CF2E58E014B2}" type="slidenum">
+              <a:rPr lang="en-US" smtClean="0"/>
+              <a:t>4</a:t>
+            </a:fld>
+            <a:endParaRPr lang="en-US"/>
+          </a:p>
+        </p:txBody>
+      </p:sp>
+    </p:spTree>
+    <p:extLst>
+      <p:ext uri="{BB962C8B-B14F-4D97-AF65-F5344CB8AC3E}">
+        <p14:creationId xmlns:p14="http://schemas.microsoft.com/office/powerpoint/2010/main" val="4262470316"/>
+      </p:ext>
+    </p:extLst>
+  </p:cSld>
+  <p:clrMapOvr>
+    <a:masterClrMapping/>
+  </p:clrMapOvr>
+</p:sld>
+</file>
+
+<file path=ppt/slides/slide5.xml><?xml version="1.0" encoding="utf-8"?>
+<p:sld xmlns:a="http://schemas.openxmlformats.org/drawingml/2006/main" xmlns:r="http://schemas.openxmlformats.org/officeDocument/2006/relationships" xmlns:p="http://schemas.openxmlformats.org/presentationml/2006/main">
+  <p:cSld>
+    <p:spTree>
+      <p:nvGrpSpPr>
+        <p:cNvPr id="1" name=""/>
+        <p:cNvGrpSpPr/>
+        <p:nvPr/>
+      </p:nvGrpSpPr>
+      <p:grpSpPr>
+        <a:xfrm>
+          <a:off x="0" y="0"/>
+          <a:ext cx="0" cy="0"/>
+          <a:chOff x="0" y="0"/>
+          <a:chExt cx="0" cy="0"/>
+        </a:xfrm>
+      </p:grpSpPr>
+      <p:pic>
+        <p:nvPicPr>
+          <p:cNvPr id="13" name="Picture 12">
+            <a:extLst>
+              <a:ext uri="{FF2B5EF4-FFF2-40B4-BE49-F238E27FC236}">
+                <a16:creationId xmlns:a16="http://schemas.microsoft.com/office/drawing/2014/main" id="{F4D4C478-7836-46D5-9585-F543C13668BA}"/>
+              </a:ext>
+            </a:extLst>
+          </p:cNvPr>
+          <p:cNvPicPr>
+            <a:picLocks noChangeAspect="1"/>
+          </p:cNvPicPr>
+          <p:nvPr/>
+        </p:nvPicPr>
+        <p:blipFill>
+          <a:blip r:embed="rId3">
+            <a:extLst>
+              <a:ext uri="{28A0092B-C50C-407E-A947-70E740481C1C}">
+                <a14:useLocalDpi xmlns:a14="http://schemas.microsoft.com/office/drawing/2010/main" val="0"/>
+              </a:ext>
+            </a:extLst>
+          </a:blip>
+          <a:stretch>
+            <a:fillRect/>
+          </a:stretch>
+        </p:blipFill>
+        <p:spPr>
+          <a:xfrm>
+            <a:off x="3691667" y="1153482"/>
+            <a:ext cx="5267530" cy="5267530"/>
+          </a:xfrm>
+          <a:prstGeom prst="rect">
+            <a:avLst/>
+          </a:prstGeom>
+        </p:spPr>
+      </p:pic>
+      <p:sp>
+        <p:nvSpPr>
+          <p:cNvPr id="6" name="Title 1">
+            <a:extLst>
+              <a:ext uri="{FF2B5EF4-FFF2-40B4-BE49-F238E27FC236}">
+                <a16:creationId xmlns:a16="http://schemas.microsoft.com/office/drawing/2014/main" id="{7A4D911E-7C4E-4B57-8DC5-74A6D42574E4}"/>
+              </a:ext>
+            </a:extLst>
+          </p:cNvPr>
+          <p:cNvSpPr txBox="1">
+            <a:spLocks/>
+          </p:cNvSpPr>
+          <p:nvPr/>
+        </p:nvSpPr>
+        <p:spPr>
+          <a:xfrm>
+            <a:off x="0" y="1"/>
+            <a:ext cx="9144000" cy="923278"/>
+          </a:xfrm>
+          <a:prstGeom prst="rect">
+            <a:avLst/>
+          </a:prstGeom>
+          <a:solidFill>
+            <a:srgbClr val="003C6C"/>
+          </a:solidFill>
+        </p:spPr>
+        <p:txBody>
+          <a:bodyPr vert="horz" lIns="91440" tIns="45720" rIns="91440" bIns="45720" rtlCol="0" anchor="ctr">
+            <a:normAutofit/>
+          </a:bodyPr>
+          <a:lstStyle>
+            <a:lvl1pPr algn="l" defTabSz="914400" rtl="0" eaLnBrk="1" latinLnBrk="0" hangingPunct="1">
+              <a:lnSpc>
+                <a:spcPct val="90000"/>
+              </a:lnSpc>
+              <a:spcBef>
+                <a:spcPct val="0"/>
+              </a:spcBef>
+              <a:buNone/>
+              <a:defRPr sz="4400" kern="1200">
+                <a:solidFill>
+                  <a:schemeClr val="tx1"/>
+                </a:solidFill>
+                <a:latin typeface="+mj-lt"/>
+                <a:ea typeface="+mj-ea"/>
+                <a:cs typeface="+mj-cs"/>
+              </a:defRPr>
+            </a:lvl1pPr>
+          </a:lstStyle>
+          <a:p>
+            <a:r>
+              <a:rPr lang="en-US" dirty="0">
+                <a:solidFill>
+                  <a:schemeClr val="bg1"/>
+                </a:solidFill>
+                <a:latin typeface="+mn-lt"/>
+              </a:rPr>
+              <a:t>  SDMs and Landings</a:t>
+            </a:r>
+          </a:p>
+        </p:txBody>
+      </p:sp>
+      <p:sp>
+        <p:nvSpPr>
+          <p:cNvPr id="4" name="TextBox 3">
+            <a:extLst>
+              <a:ext uri="{FF2B5EF4-FFF2-40B4-BE49-F238E27FC236}">
+                <a16:creationId xmlns:a16="http://schemas.microsoft.com/office/drawing/2014/main" id="{66C032AD-52F1-42FE-BE23-6F0ABBD7956A}"/>
+              </a:ext>
+            </a:extLst>
+          </p:cNvPr>
+          <p:cNvSpPr txBox="1"/>
+          <p:nvPr/>
+        </p:nvSpPr>
+        <p:spPr>
+          <a:xfrm>
+            <a:off x="4114800" y="2936240"/>
+            <a:ext cx="914400" cy="369332"/>
+          </a:xfrm>
+          <a:prstGeom prst="rect">
+            <a:avLst/>
+          </a:prstGeom>
+          <a:noFill/>
+        </p:spPr>
+        <p:txBody>
+          <a:bodyPr wrap="square" rtlCol="0">
+            <a:spAutoFit/>
+          </a:bodyPr>
+          <a:lstStyle/>
+          <a:p>
+            <a:endParaRPr lang="en-US" dirty="0"/>
+          </a:p>
+        </p:txBody>
+      </p:sp>
+      <p:sp>
+        <p:nvSpPr>
+          <p:cNvPr id="10" name="Slide Number Placeholder 9">
+            <a:extLst>
+              <a:ext uri="{FF2B5EF4-FFF2-40B4-BE49-F238E27FC236}">
+                <a16:creationId xmlns:a16="http://schemas.microsoft.com/office/drawing/2014/main" id="{253E0FC3-8EC3-4C7A-B19C-66E75CC4D240}"/>
+              </a:ext>
+            </a:extLst>
+          </p:cNvPr>
+          <p:cNvSpPr>
+            <a:spLocks noGrp="1"/>
+          </p:cNvSpPr>
+          <p:nvPr>
+            <p:ph type="sldNum" sz="quarter" idx="12"/>
+          </p:nvPr>
+        </p:nvSpPr>
+        <p:spPr/>
+        <p:txBody>
+          <a:bodyPr/>
+          <a:lstStyle/>
+          <a:p>
+            <a:fld id="{6FD4AA8C-2C0B-45F2-84FF-CF2E58E014B2}" type="slidenum">
+              <a:rPr lang="en-US" smtClean="0"/>
+              <a:t>5</a:t>
+            </a:fld>
+            <a:endParaRPr lang="en-US"/>
+          </a:p>
+        </p:txBody>
+      </p:sp>
+      <p:pic>
+        <p:nvPicPr>
+          <p:cNvPr id="11" name="Picture 10" descr="page7image1832">
+            <a:extLst>
+              <a:ext uri="{FF2B5EF4-FFF2-40B4-BE49-F238E27FC236}">
+                <a16:creationId xmlns:a16="http://schemas.microsoft.com/office/drawing/2014/main" id="{7BE39F05-3C0F-4B66-9832-D944CFFC234E}"/>
+              </a:ext>
+            </a:extLst>
+          </p:cNvPr>
+          <p:cNvPicPr>
+            <a:picLocks noChangeAspect="1" noChangeArrowheads="1"/>
+          </p:cNvPicPr>
+          <p:nvPr/>
+        </p:nvPicPr>
+        <p:blipFill>
+          <a:blip r:embed="rId4">
+            <a:extLst>
+              <a:ext uri="{28A0092B-C50C-407E-A947-70E740481C1C}">
+                <a14:useLocalDpi xmlns:a14="http://schemas.microsoft.com/office/drawing/2010/main" val="0"/>
+              </a:ext>
+            </a:extLst>
+          </a:blip>
+          <a:srcRect/>
+          <a:stretch>
+            <a:fillRect/>
+          </a:stretch>
+        </p:blipFill>
+        <p:spPr bwMode="auto">
+          <a:xfrm>
+            <a:off x="184803" y="1340628"/>
+            <a:ext cx="4031014" cy="1472265"/>
+          </a:xfrm>
+          <a:prstGeom prst="rect">
+            <a:avLst/>
+          </a:prstGeom>
+          <a:noFill/>
+          <a:extLst>
+            <a:ext uri="{909E8E84-426E-40DD-AFC4-6F175D3DCCD1}">
+              <a14:hiddenFill xmlns:a14="http://schemas.microsoft.com/office/drawing/2010/main">
+                <a:solidFill>
+                  <a:srgbClr val="FFFFFF"/>
+                </a:solidFill>
+              </a14:hiddenFill>
+            </a:ext>
+          </a:extLst>
+        </p:spPr>
+      </p:pic>
+      <p:sp>
+        <p:nvSpPr>
+          <p:cNvPr id="12" name="Sardine Distribution and Abundance Change">
+            <a:extLst>
+              <a:ext uri="{FF2B5EF4-FFF2-40B4-BE49-F238E27FC236}">
+                <a16:creationId xmlns:a16="http://schemas.microsoft.com/office/drawing/2014/main" id="{1446A428-D2E3-48C9-8861-CEF87EDBA890}"/>
+              </a:ext>
+            </a:extLst>
+          </p:cNvPr>
+          <p:cNvSpPr txBox="1"/>
+          <p:nvPr/>
+        </p:nvSpPr>
+        <p:spPr>
+          <a:xfrm>
+            <a:off x="184803" y="3296430"/>
+            <a:ext cx="4031014" cy="2762535"/>
+          </a:xfrm>
+          <a:prstGeom prst="rect">
+            <a:avLst/>
+          </a:prstGeom>
+          <a:ln w="12700">
+            <a:miter lim="400000"/>
+          </a:ln>
+          <a:extLst>
+            <a:ext uri="{C572A759-6A51-4108-AA02-DFA0A04FC94B}">
+              <ma14:wrappingTextBoxFlag xmlns:lc="http://schemas.openxmlformats.org/drawingml/2006/lockedCanvas" xmlns:ma14="http://schemas.microsoft.com/office/mac/drawingml/2011/main" xmlns:a14="http://schemas.microsoft.com/office/drawing/2010/main" xmlns:m="http://schemas.openxmlformats.org/officeDocument/2006/math" xmlns="" val="1"/>
+            </a:ext>
+          </a:extLst>
+        </p:spPr>
+        <p:txBody>
+          <a:bodyPr wrap="square" lIns="26789" tIns="26789" rIns="26789" bIns="26789" anchor="ctr">
+            <a:spAutoFit/>
+          </a:bodyPr>
+          <a:lstStyle>
+            <a:defPPr>
+              <a:defRPr lang="en-US"/>
+            </a:defPPr>
+            <a:lvl1pPr marL="0" algn="l" defTabSz="457200" rtl="0" eaLnBrk="1" latinLnBrk="0" hangingPunct="1">
+              <a:defRPr sz="1800" kern="1200">
+                <a:solidFill>
+                  <a:schemeClr val="tx1"/>
+                </a:solidFill>
+                <a:latin typeface="+mn-lt"/>
+                <a:ea typeface="+mn-ea"/>
+                <a:cs typeface="+mn-cs"/>
+              </a:defRPr>
+            </a:lvl1pPr>
+            <a:lvl2pPr marL="457200" algn="l" defTabSz="457200" rtl="0" eaLnBrk="1" latinLnBrk="0" hangingPunct="1">
+              <a:defRPr sz="1800" kern="1200">
+                <a:solidFill>
+                  <a:schemeClr val="tx1"/>
+                </a:solidFill>
+                <a:latin typeface="+mn-lt"/>
+                <a:ea typeface="+mn-ea"/>
+                <a:cs typeface="+mn-cs"/>
+              </a:defRPr>
+            </a:lvl2pPr>
+            <a:lvl3pPr marL="914400" algn="l" defTabSz="457200" rtl="0" eaLnBrk="1" latinLnBrk="0" hangingPunct="1">
+              <a:defRPr sz="1800" kern="1200">
+                <a:solidFill>
+                  <a:schemeClr val="tx1"/>
+                </a:solidFill>
+                <a:latin typeface="+mn-lt"/>
+                <a:ea typeface="+mn-ea"/>
+                <a:cs typeface="+mn-cs"/>
+              </a:defRPr>
+            </a:lvl3pPr>
+            <a:lvl4pPr marL="1371600" algn="l" defTabSz="457200" rtl="0" eaLnBrk="1" latinLnBrk="0" hangingPunct="1">
+              <a:defRPr sz="1800" kern="1200">
+                <a:solidFill>
+                  <a:schemeClr val="tx1"/>
+                </a:solidFill>
+                <a:latin typeface="+mn-lt"/>
+                <a:ea typeface="+mn-ea"/>
+                <a:cs typeface="+mn-cs"/>
+              </a:defRPr>
+            </a:lvl4pPr>
+            <a:lvl5pPr marL="1828800" algn="l" defTabSz="457200" rtl="0" eaLnBrk="1" latinLnBrk="0" hangingPunct="1">
+              <a:defRPr sz="1800" kern="1200">
+                <a:solidFill>
+                  <a:schemeClr val="tx1"/>
+                </a:solidFill>
+                <a:latin typeface="+mn-lt"/>
+                <a:ea typeface="+mn-ea"/>
+                <a:cs typeface="+mn-cs"/>
+              </a:defRPr>
+            </a:lvl5pPr>
+            <a:lvl6pPr marL="2286000" algn="l" defTabSz="457200" rtl="0" eaLnBrk="1" latinLnBrk="0" hangingPunct="1">
+              <a:defRPr sz="1800" kern="1200">
+                <a:solidFill>
+                  <a:schemeClr val="tx1"/>
+                </a:solidFill>
+                <a:latin typeface="+mn-lt"/>
+                <a:ea typeface="+mn-ea"/>
+                <a:cs typeface="+mn-cs"/>
+              </a:defRPr>
+            </a:lvl6pPr>
+            <a:lvl7pPr marL="2743200" algn="l" defTabSz="457200" rtl="0" eaLnBrk="1" latinLnBrk="0" hangingPunct="1">
+              <a:defRPr sz="1800" kern="1200">
+                <a:solidFill>
+                  <a:schemeClr val="tx1"/>
+                </a:solidFill>
+                <a:latin typeface="+mn-lt"/>
+                <a:ea typeface="+mn-ea"/>
+                <a:cs typeface="+mn-cs"/>
+              </a:defRPr>
+            </a:lvl7pPr>
+            <a:lvl8pPr marL="3200400" algn="l" defTabSz="457200" rtl="0" eaLnBrk="1" latinLnBrk="0" hangingPunct="1">
+              <a:defRPr sz="1800" kern="1200">
+                <a:solidFill>
+                  <a:schemeClr val="tx1"/>
+                </a:solidFill>
+                <a:latin typeface="+mn-lt"/>
+                <a:ea typeface="+mn-ea"/>
+                <a:cs typeface="+mn-cs"/>
+              </a:defRPr>
+            </a:lvl8pPr>
+            <a:lvl9pPr marL="3657600" algn="l" defTabSz="457200" rtl="0" eaLnBrk="1" latinLnBrk="0" hangingPunct="1">
+              <a:defRPr sz="1800" kern="1200">
+                <a:solidFill>
+                  <a:schemeClr val="tx1"/>
+                </a:solidFill>
+                <a:latin typeface="+mn-lt"/>
+                <a:ea typeface="+mn-ea"/>
+                <a:cs typeface="+mn-cs"/>
+              </a:defRPr>
+            </a:lvl9pPr>
+          </a:lstStyle>
+          <a:p>
+            <a:pPr marL="285750" indent="-285750">
+              <a:buFont typeface="Arial" panose="020B0604020202020204" pitchFamily="34" charset="0"/>
+              <a:buChar char="•"/>
+            </a:pPr>
+            <a:r>
+              <a:rPr lang="en-CA" sz="1600" dirty="0">
+                <a:solidFill>
+                  <a:schemeClr val="tx1"/>
+                </a:solidFill>
+              </a:rPr>
+              <a:t>SDMs to model  distribution of sardine, anchovy, </a:t>
+            </a:r>
+            <a:r>
+              <a:rPr lang="en-CA" sz="1600" dirty="0"/>
+              <a:t>market squid, herring</a:t>
+            </a:r>
+            <a:r>
+              <a:rPr lang="en-CA" sz="1600" dirty="0">
+                <a:solidFill>
+                  <a:schemeClr val="tx1"/>
+                </a:solidFill>
+              </a:rPr>
+              <a:t> (</a:t>
+            </a:r>
+            <a:r>
+              <a:rPr lang="en-CA" sz="1600" dirty="0">
+                <a:solidFill>
+                  <a:schemeClr val="tx1"/>
+                </a:solidFill>
+                <a:hlinkClick r:id="rId5"/>
+              </a:rPr>
+              <a:t>Muhling et al. 2019</a:t>
+            </a:r>
+            <a:r>
+              <a:rPr lang="en-CA" sz="1600" dirty="0">
+                <a:solidFill>
+                  <a:schemeClr val="tx1"/>
+                </a:solidFill>
+              </a:rPr>
+              <a:t>, </a:t>
+            </a:r>
+            <a:r>
+              <a:rPr lang="en-CA" sz="1600" dirty="0">
+                <a:solidFill>
+                  <a:schemeClr val="tx1"/>
+                </a:solidFill>
+                <a:hlinkClick r:id="rId6"/>
+              </a:rPr>
+              <a:t>2020</a:t>
+            </a:r>
+            <a:r>
+              <a:rPr lang="en-CA" sz="1600" dirty="0">
+                <a:solidFill>
+                  <a:schemeClr val="tx1"/>
+                </a:solidFill>
+              </a:rPr>
+              <a:t>, </a:t>
+            </a:r>
+            <a:r>
+              <a:rPr lang="en-CA" sz="1600" dirty="0">
+                <a:solidFill>
+                  <a:schemeClr val="tx1"/>
+                </a:solidFill>
+                <a:hlinkClick r:id="rId7"/>
+              </a:rPr>
+              <a:t>Brodie et al. 2021</a:t>
+            </a:r>
+            <a:r>
+              <a:rPr lang="en-CA" sz="1600" dirty="0">
+                <a:solidFill>
+                  <a:schemeClr val="tx1"/>
+                </a:solidFill>
+              </a:rPr>
+              <a:t>)</a:t>
+            </a:r>
+          </a:p>
+          <a:p>
+            <a:pPr marL="285750" indent="-285750">
+              <a:buFont typeface="Arial" panose="020B0604020202020204" pitchFamily="34" charset="0"/>
+              <a:buChar char="•"/>
+            </a:pPr>
+            <a:endParaRPr lang="en-US" sz="1600" dirty="0">
+              <a:solidFill>
+                <a:schemeClr val="tx1"/>
+              </a:solidFill>
+            </a:endParaRPr>
+          </a:p>
+          <a:p>
+            <a:pPr marL="285750" indent="-285750">
+              <a:buFont typeface="Arial" panose="020B0604020202020204" pitchFamily="34" charset="0"/>
+              <a:buChar char="•"/>
+            </a:pPr>
+            <a:r>
+              <a:rPr lang="en-US" sz="1600" dirty="0">
+                <a:solidFill>
+                  <a:schemeClr val="tx1"/>
+                </a:solidFill>
+              </a:rPr>
+              <a:t>SDM ar</a:t>
+            </a:r>
+            <a:r>
+              <a:rPr lang="en-US" sz="1600" dirty="0"/>
+              <a:t>e at the 0.1 degree of resolution.</a:t>
+            </a:r>
+            <a:endParaRPr lang="en-US" sz="1600" dirty="0">
+              <a:solidFill>
+                <a:schemeClr val="tx1"/>
+              </a:solidFill>
+            </a:endParaRPr>
+          </a:p>
+          <a:p>
+            <a:pPr marL="285750" indent="-285750">
+              <a:buFont typeface="Arial" panose="020B0604020202020204" pitchFamily="34" charset="0"/>
+              <a:buChar char="•"/>
+            </a:pPr>
+            <a:r>
+              <a:rPr lang="en-US" sz="1600" dirty="0">
+                <a:solidFill>
+                  <a:schemeClr val="tx1"/>
+                </a:solidFill>
+              </a:rPr>
+              <a:t>We use port radius to construct our variable of abundance</a:t>
+            </a:r>
+          </a:p>
+          <a:p>
+            <a:pPr marL="742950" lvl="1" indent="-285750">
+              <a:buFont typeface="Arial" panose="020B0604020202020204" pitchFamily="34" charset="0"/>
+              <a:buChar char="•"/>
+            </a:pPr>
+            <a:r>
+              <a:rPr lang="en-US" sz="1600" dirty="0"/>
+              <a:t>Fishery operates close to shore</a:t>
+            </a:r>
+          </a:p>
+          <a:p>
+            <a:pPr marL="742950" lvl="1" indent="-285750">
+              <a:buFont typeface="Arial" panose="020B0604020202020204" pitchFamily="34" charset="0"/>
+              <a:buChar char="•"/>
+            </a:pPr>
+            <a:r>
+              <a:rPr lang="en-US" sz="1600" dirty="0"/>
+              <a:t>Mostly undergoing daily trips</a:t>
+            </a:r>
+          </a:p>
+          <a:p>
+            <a:pPr marL="742950" lvl="1" indent="-285750">
+              <a:buFont typeface="Arial" panose="020B0604020202020204" pitchFamily="34" charset="0"/>
+              <a:buChar char="•"/>
+            </a:pPr>
+            <a:r>
+              <a:rPr lang="en-US" sz="1600" dirty="0"/>
+              <a:t>Data: Logbooks </a:t>
+            </a:r>
+            <a:endParaRPr lang="en-US" sz="1600" dirty="0">
+              <a:solidFill>
+                <a:schemeClr val="tx1"/>
+              </a:solidFill>
+            </a:endParaRPr>
+          </a:p>
+          <a:p>
+            <a:pPr marL="285750" indent="-285750">
+              <a:buFont typeface="Arial" panose="020B0604020202020204" pitchFamily="34" charset="0"/>
+              <a:buChar char="•"/>
+            </a:pPr>
+            <a:endParaRPr sz="1600" dirty="0">
+              <a:solidFill>
+                <a:schemeClr val="tx1"/>
+              </a:solidFill>
+            </a:endParaRPr>
+          </a:p>
+        </p:txBody>
+      </p:sp>
+    </p:spTree>
+    <p:extLst>
+      <p:ext uri="{BB962C8B-B14F-4D97-AF65-F5344CB8AC3E}">
+        <p14:creationId xmlns:p14="http://schemas.microsoft.com/office/powerpoint/2010/main" val="3755863466"/>
+      </p:ext>
+    </p:extLst>
+  </p:cSld>
+  <p:clrMapOvr>
+    <a:masterClrMapping/>
+  </p:clrMapOvr>
+</p:sld>
+</file>
+
+<file path=ppt/slides/slide6.xml><?xml version="1.0" encoding="utf-8"?>
 <p:sld xmlns:a="http://schemas.openxmlformats.org/drawingml/2006/main" xmlns:r="http://schemas.openxmlformats.org/officeDocument/2006/relationships" xmlns:p="http://schemas.openxmlformats.org/presentationml/2006/main">
   <p:cSld>
     <p:spTree>
@@ -19424,6 +19652,980 @@
           <a:lstStyle/>
           <a:p>
             <a:r>
+              <a:rPr lang="en-US" sz="4000" dirty="0">
+                <a:solidFill>
+                  <a:schemeClr val="bg1"/>
+                </a:solidFill>
+                <a:latin typeface="+mn-lt"/>
+              </a:rPr>
+              <a:t>  Results: Interaction and closure</a:t>
+            </a:r>
+          </a:p>
+        </p:txBody>
+      </p:sp>
+      <p:pic>
+        <p:nvPicPr>
+          <p:cNvPr id="7" name="Content Placeholder 6">
+            <a:extLst>
+              <a:ext uri="{FF2B5EF4-FFF2-40B4-BE49-F238E27FC236}">
+                <a16:creationId xmlns:a16="http://schemas.microsoft.com/office/drawing/2014/main" id="{9B4A8A31-9904-4813-AFBF-E9EF30FC35B8}"/>
+              </a:ext>
+            </a:extLst>
+          </p:cNvPr>
+          <p:cNvPicPr>
+            <a:picLocks noGrp="1" noChangeAspect="1"/>
+          </p:cNvPicPr>
+          <p:nvPr>
+            <p:ph idx="1"/>
+          </p:nvPr>
+        </p:nvPicPr>
+        <p:blipFill>
+          <a:blip r:embed="rId3">
+            <a:extLst>
+              <a:ext uri="{28A0092B-C50C-407E-A947-70E740481C1C}">
+                <a14:useLocalDpi xmlns:a14="http://schemas.microsoft.com/office/drawing/2010/main" val="0"/>
+              </a:ext>
+            </a:extLst>
+          </a:blip>
+          <a:stretch>
+            <a:fillRect/>
+          </a:stretch>
+        </p:blipFill>
+        <p:spPr>
+          <a:xfrm>
+            <a:off x="341337" y="1416557"/>
+            <a:ext cx="8461325" cy="5221846"/>
+          </a:xfrm>
+        </p:spPr>
+      </p:pic>
+      <p:cxnSp>
+        <p:nvCxnSpPr>
+          <p:cNvPr id="8" name="Straight Arrow Connector 7">
+            <a:extLst>
+              <a:ext uri="{FF2B5EF4-FFF2-40B4-BE49-F238E27FC236}">
+                <a16:creationId xmlns:a16="http://schemas.microsoft.com/office/drawing/2014/main" id="{F72B1D84-F108-4A05-A274-3D5DCA4F774D}"/>
+              </a:ext>
+            </a:extLst>
+          </p:cNvPr>
+          <p:cNvCxnSpPr/>
+          <p:nvPr/>
+        </p:nvCxnSpPr>
+        <p:spPr>
+          <a:xfrm flipH="1">
+            <a:off x="1140097" y="6177280"/>
+            <a:ext cx="1564640" cy="0"/>
+          </a:xfrm>
+          <a:prstGeom prst="straightConnector1">
+            <a:avLst/>
+          </a:prstGeom>
+          <a:ln w="28575">
+            <a:solidFill>
+              <a:srgbClr val="FF0000"/>
+            </a:solidFill>
+            <a:tailEnd type="triangle"/>
+          </a:ln>
+        </p:spPr>
+        <p:style>
+          <a:lnRef idx="1">
+            <a:schemeClr val="accent1"/>
+          </a:lnRef>
+          <a:fillRef idx="0">
+            <a:schemeClr val="accent1"/>
+          </a:fillRef>
+          <a:effectRef idx="0">
+            <a:schemeClr val="accent1"/>
+          </a:effectRef>
+          <a:fontRef idx="minor">
+            <a:schemeClr val="tx1"/>
+          </a:fontRef>
+        </p:style>
+      </p:cxnSp>
+      <p:sp>
+        <p:nvSpPr>
+          <p:cNvPr id="9" name="Slide Number Placeholder 8">
+            <a:extLst>
+              <a:ext uri="{FF2B5EF4-FFF2-40B4-BE49-F238E27FC236}">
+                <a16:creationId xmlns:a16="http://schemas.microsoft.com/office/drawing/2014/main" id="{A1C7DC47-B8E5-45D8-A41E-3085F86E2FEF}"/>
+              </a:ext>
+            </a:extLst>
+          </p:cNvPr>
+          <p:cNvSpPr>
+            <a:spLocks noGrp="1"/>
+          </p:cNvSpPr>
+          <p:nvPr>
+            <p:ph type="sldNum" sz="quarter" idx="12"/>
+          </p:nvPr>
+        </p:nvSpPr>
+        <p:spPr/>
+        <p:txBody>
+          <a:bodyPr/>
+          <a:lstStyle/>
+          <a:p>
+            <a:fld id="{6FD4AA8C-2C0B-45F2-84FF-CF2E58E014B2}" type="slidenum">
+              <a:rPr lang="en-US" smtClean="0"/>
+              <a:t>6</a:t>
+            </a:fld>
+            <a:endParaRPr lang="en-US"/>
+          </a:p>
+        </p:txBody>
+      </p:sp>
+      <p:pic>
+        <p:nvPicPr>
+          <p:cNvPr id="5" name="Picture 4">
+            <a:extLst>
+              <a:ext uri="{FF2B5EF4-FFF2-40B4-BE49-F238E27FC236}">
+                <a16:creationId xmlns:a16="http://schemas.microsoft.com/office/drawing/2014/main" id="{B3E50A68-8072-4E50-91D7-1C9CC7CAC3F6}"/>
+              </a:ext>
+            </a:extLst>
+          </p:cNvPr>
+          <p:cNvPicPr>
+            <a:picLocks noChangeAspect="1"/>
+          </p:cNvPicPr>
+          <p:nvPr/>
+        </p:nvPicPr>
+        <p:blipFill>
+          <a:blip r:embed="rId4"/>
+          <a:stretch>
+            <a:fillRect/>
+          </a:stretch>
+        </p:blipFill>
+        <p:spPr>
+          <a:xfrm>
+            <a:off x="341337" y="4114278"/>
+            <a:ext cx="8401050" cy="2524125"/>
+          </a:xfrm>
+          <a:prstGeom prst="rect">
+            <a:avLst/>
+          </a:prstGeom>
+        </p:spPr>
+      </p:pic>
+      <p:sp>
+        <p:nvSpPr>
+          <p:cNvPr id="10" name="TextBox 9">
+            <a:extLst>
+              <a:ext uri="{FF2B5EF4-FFF2-40B4-BE49-F238E27FC236}">
+                <a16:creationId xmlns:a16="http://schemas.microsoft.com/office/drawing/2014/main" id="{F42D0C75-402F-41F2-A130-BDDA570F6B58}"/>
+              </a:ext>
+            </a:extLst>
+          </p:cNvPr>
+          <p:cNvSpPr txBox="1"/>
+          <p:nvPr/>
+        </p:nvSpPr>
+        <p:spPr>
+          <a:xfrm>
+            <a:off x="341337" y="1147665"/>
+            <a:ext cx="3288271" cy="338554"/>
+          </a:xfrm>
+          <a:prstGeom prst="rect">
+            <a:avLst/>
+          </a:prstGeom>
+          <a:noFill/>
+        </p:spPr>
+        <p:txBody>
+          <a:bodyPr wrap="square" rtlCol="0">
+            <a:spAutoFit/>
+          </a:bodyPr>
+          <a:lstStyle/>
+          <a:p>
+            <a:r>
+              <a:rPr lang="en-US" sz="1600" dirty="0"/>
+              <a:t>1. Interaction between species</a:t>
+            </a:r>
+          </a:p>
+        </p:txBody>
+      </p:sp>
+      <p:sp>
+        <p:nvSpPr>
+          <p:cNvPr id="12" name="TextBox 11">
+            <a:extLst>
+              <a:ext uri="{FF2B5EF4-FFF2-40B4-BE49-F238E27FC236}">
+                <a16:creationId xmlns:a16="http://schemas.microsoft.com/office/drawing/2014/main" id="{692B6002-7C59-4FAB-88AB-6605490C8631}"/>
+              </a:ext>
+            </a:extLst>
+          </p:cNvPr>
+          <p:cNvSpPr txBox="1"/>
+          <p:nvPr/>
+        </p:nvSpPr>
+        <p:spPr>
+          <a:xfrm>
+            <a:off x="278281" y="3848408"/>
+            <a:ext cx="3288271" cy="338554"/>
+          </a:xfrm>
+          <a:prstGeom prst="rect">
+            <a:avLst/>
+          </a:prstGeom>
+          <a:noFill/>
+        </p:spPr>
+        <p:txBody>
+          <a:bodyPr wrap="square" rtlCol="0">
+            <a:spAutoFit/>
+          </a:bodyPr>
+          <a:lstStyle/>
+          <a:p>
+            <a:r>
+              <a:rPr lang="en-US" sz="1600" dirty="0"/>
+              <a:t>2. Closure</a:t>
+            </a:r>
+          </a:p>
+        </p:txBody>
+      </p:sp>
+    </p:spTree>
+    <p:extLst>
+      <p:ext uri="{BB962C8B-B14F-4D97-AF65-F5344CB8AC3E}">
+        <p14:creationId xmlns:p14="http://schemas.microsoft.com/office/powerpoint/2010/main" val="839820914"/>
+      </p:ext>
+    </p:extLst>
+  </p:cSld>
+  <p:clrMapOvr>
+    <a:masterClrMapping/>
+  </p:clrMapOvr>
+  <p:timing>
+    <p:tnLst>
+      <p:par>
+        <p:cTn id="1" dur="indefinite" restart="never" nodeType="tmRoot">
+          <p:childTnLst>
+            <p:seq concurrent="1" nextAc="seek">
+              <p:cTn id="2" dur="indefinite" nodeType="mainSeq">
+                <p:childTnLst>
+                  <p:par>
+                    <p:cTn id="3" fill="hold">
+                      <p:stCondLst>
+                        <p:cond delay="indefinite"/>
+                        <p:cond evt="onBegin" delay="0">
+                          <p:tn val="2"/>
+                        </p:cond>
+                      </p:stCondLst>
+                      <p:childTnLst>
+                        <p:par>
+                          <p:cTn id="4" fill="hold">
+                            <p:stCondLst>
+                              <p:cond delay="0"/>
+                            </p:stCondLst>
+                            <p:childTnLst>
+                              <p:par>
+                                <p:cTn id="5" presetID="1" presetClass="entr" presetSubtype="0" fill="hold" nodeType="withEffect">
+                                  <p:stCondLst>
+                                    <p:cond delay="0"/>
+                                  </p:stCondLst>
+                                  <p:childTnLst>
+                                    <p:set>
+                                      <p:cBhvr>
+                                        <p:cTn id="6" dur="1" fill="hold">
+                                          <p:stCondLst>
+                                            <p:cond delay="0"/>
+                                          </p:stCondLst>
+                                        </p:cTn>
+                                        <p:tgtEl>
+                                          <p:spTgt spid="8"/>
+                                        </p:tgtEl>
+                                        <p:attrNameLst>
+                                          <p:attrName>style.visibility</p:attrName>
+                                        </p:attrNameLst>
+                                      </p:cBhvr>
+                                      <p:to>
+                                        <p:strVal val="visible"/>
+                                      </p:to>
+                                    </p:set>
+                                  </p:childTnLst>
+                                </p:cTn>
+                              </p:par>
+                            </p:childTnLst>
+                          </p:cTn>
+                        </p:par>
+                      </p:childTnLst>
+                    </p:cTn>
+                  </p:par>
+                </p:childTnLst>
+              </p:cTn>
+              <p:prevCondLst>
+                <p:cond evt="onPrev" delay="0">
+                  <p:tgtEl>
+                    <p:sldTgt/>
+                  </p:tgtEl>
+                </p:cond>
+              </p:prevCondLst>
+              <p:nextCondLst>
+                <p:cond evt="onNext" delay="0">
+                  <p:tgtEl>
+                    <p:sldTgt/>
+                  </p:tgtEl>
+                </p:cond>
+              </p:nextCondLst>
+            </p:seq>
+          </p:childTnLst>
+        </p:cTn>
+      </p:par>
+    </p:tnLst>
+  </p:timing>
+</p:sld>
+</file>
+
+<file path=ppt/slides/slide7.xml><?xml version="1.0" encoding="utf-8"?>
+<p:sld xmlns:a="http://schemas.openxmlformats.org/drawingml/2006/main" xmlns:r="http://schemas.openxmlformats.org/officeDocument/2006/relationships" xmlns:p="http://schemas.openxmlformats.org/presentationml/2006/main">
+  <p:cSld>
+    <p:spTree>
+      <p:nvGrpSpPr>
+        <p:cNvPr id="1" name=""/>
+        <p:cNvGrpSpPr/>
+        <p:nvPr/>
+      </p:nvGrpSpPr>
+      <p:grpSpPr>
+        <a:xfrm>
+          <a:off x="0" y="0"/>
+          <a:ext cx="0" cy="0"/>
+          <a:chOff x="0" y="0"/>
+          <a:chExt cx="0" cy="0"/>
+        </a:xfrm>
+      </p:grpSpPr>
+      <p:sp>
+        <p:nvSpPr>
+          <p:cNvPr id="2" name="Title 1">
+            <a:extLst>
+              <a:ext uri="{FF2B5EF4-FFF2-40B4-BE49-F238E27FC236}">
+                <a16:creationId xmlns:a16="http://schemas.microsoft.com/office/drawing/2014/main" id="{AB146FD5-B7E6-4311-BEFD-D6D4A89D4FAF}"/>
+              </a:ext>
+            </a:extLst>
+          </p:cNvPr>
+          <p:cNvSpPr>
+            <a:spLocks noGrp="1"/>
+          </p:cNvSpPr>
+          <p:nvPr>
+            <p:ph type="title"/>
+          </p:nvPr>
+        </p:nvSpPr>
+        <p:spPr>
+          <a:xfrm>
+            <a:off x="-47017" y="0"/>
+            <a:ext cx="9144000" cy="923278"/>
+          </a:xfrm>
+          <a:solidFill>
+            <a:srgbClr val="003C6C"/>
+          </a:solidFill>
+        </p:spPr>
+        <p:txBody>
+          <a:bodyPr/>
+          <a:lstStyle/>
+          <a:p>
+            <a:r>
+              <a:rPr lang="en-US" dirty="0">
+                <a:solidFill>
+                  <a:schemeClr val="bg1"/>
+                </a:solidFill>
+                <a:latin typeface="+mn-lt"/>
+              </a:rPr>
+              <a:t>  Conclusions and Future Work</a:t>
+            </a:r>
+          </a:p>
+        </p:txBody>
+      </p:sp>
+      <p:sp>
+        <p:nvSpPr>
+          <p:cNvPr id="3" name="Content Placeholder 2">
+            <a:extLst>
+              <a:ext uri="{FF2B5EF4-FFF2-40B4-BE49-F238E27FC236}">
+                <a16:creationId xmlns:a16="http://schemas.microsoft.com/office/drawing/2014/main" id="{F5F89EB4-FE7A-4332-8A77-6D74A195BC07}"/>
+              </a:ext>
+            </a:extLst>
+          </p:cNvPr>
+          <p:cNvSpPr>
+            <a:spLocks noGrp="1"/>
+          </p:cNvSpPr>
+          <p:nvPr>
+            <p:ph idx="1"/>
+          </p:nvPr>
+        </p:nvSpPr>
+        <p:spPr>
+          <a:xfrm>
+            <a:off x="406709" y="1240971"/>
+            <a:ext cx="8515222" cy="5480505"/>
+          </a:xfrm>
+        </p:spPr>
+        <p:txBody>
+          <a:bodyPr>
+            <a:normAutofit fontScale="92500" lnSpcReduction="20000"/>
+          </a:bodyPr>
+          <a:lstStyle/>
+          <a:p>
+            <a:pPr marL="0" indent="0">
+              <a:lnSpc>
+                <a:spcPct val="110000"/>
+              </a:lnSpc>
+              <a:buNone/>
+            </a:pPr>
+            <a:r>
+              <a:rPr lang="en-US" sz="2900" b="1" dirty="0"/>
+              <a:t>Conclusions:</a:t>
+            </a:r>
+          </a:p>
+          <a:p>
+            <a:pPr marL="514350" indent="-514350">
+              <a:lnSpc>
+                <a:spcPct val="110000"/>
+              </a:lnSpc>
+              <a:buFont typeface="+mj-lt"/>
+              <a:buAutoNum type="arabicPeriod"/>
+            </a:pPr>
+            <a:r>
+              <a:rPr lang="en-US" sz="2900" dirty="0"/>
+              <a:t>Slightly positive effect of presence on landings.</a:t>
+            </a:r>
+          </a:p>
+          <a:p>
+            <a:pPr marL="514350" indent="-514350">
+              <a:lnSpc>
+                <a:spcPct val="110000"/>
+              </a:lnSpc>
+              <a:buFont typeface="+mj-lt"/>
+              <a:buAutoNum type="arabicPeriod"/>
+            </a:pPr>
+            <a:r>
+              <a:rPr lang="en-US" sz="2900" dirty="0"/>
+              <a:t>Substitution between market squid and Pacific sardine through species abundance.</a:t>
+            </a:r>
+          </a:p>
+          <a:p>
+            <a:pPr marL="514350" indent="-514350">
+              <a:lnSpc>
+                <a:spcPct val="110000"/>
+              </a:lnSpc>
+              <a:buFont typeface="+mj-lt"/>
+              <a:buAutoNum type="arabicPeriod"/>
+            </a:pPr>
+            <a:r>
+              <a:rPr lang="en-US" sz="2900" dirty="0"/>
+              <a:t>Closure reduce squid landings. </a:t>
+            </a:r>
+          </a:p>
+          <a:p>
+            <a:pPr marL="514350" indent="-514350">
+              <a:lnSpc>
+                <a:spcPct val="110000"/>
+              </a:lnSpc>
+              <a:buFont typeface="+mj-lt"/>
+              <a:buAutoNum type="arabicPeriod"/>
+            </a:pPr>
+            <a:endParaRPr lang="en-US" sz="2900" dirty="0"/>
+          </a:p>
+          <a:p>
+            <a:pPr marL="0" indent="0">
+              <a:lnSpc>
+                <a:spcPct val="110000"/>
+              </a:lnSpc>
+              <a:buNone/>
+            </a:pPr>
+            <a:r>
+              <a:rPr lang="en-US" sz="2900" b="1" dirty="0">
+                <a:ea typeface="Microsoft JhengHei UI" panose="020B0604030504040204" pitchFamily="34" charset="-120"/>
+              </a:rPr>
+              <a:t>Future Work</a:t>
+            </a:r>
+          </a:p>
+          <a:p>
+            <a:pPr marL="285750" indent="-285750">
+              <a:lnSpc>
+                <a:spcPct val="110000"/>
+              </a:lnSpc>
+            </a:pPr>
+            <a:r>
+              <a:rPr lang="en-US" sz="2900" dirty="0">
+                <a:ea typeface="Microsoft JhengHei UI" panose="020B0604030504040204" pitchFamily="34" charset="-120"/>
+              </a:rPr>
+              <a:t>Incorporate individual vessel-level data for landings.</a:t>
+            </a:r>
+          </a:p>
+          <a:p>
+            <a:pPr marL="285750" indent="-285750">
+              <a:lnSpc>
+                <a:spcPct val="110000"/>
+              </a:lnSpc>
+            </a:pPr>
+            <a:r>
+              <a:rPr lang="en-US" sz="2900" dirty="0">
+                <a:ea typeface="Microsoft JhengHei UI" panose="020B0604030504040204" pitchFamily="34" charset="-120"/>
+              </a:rPr>
+              <a:t>Estimate a discrete choice model for participation.</a:t>
+            </a:r>
+          </a:p>
+          <a:p>
+            <a:pPr marL="285750" indent="-285750">
+              <a:lnSpc>
+                <a:spcPct val="110000"/>
+              </a:lnSpc>
+            </a:pPr>
+            <a:r>
+              <a:rPr lang="en-US" sz="2900" dirty="0">
+                <a:ea typeface="Microsoft JhengHei UI" panose="020B0604030504040204" pitchFamily="34" charset="-120"/>
+              </a:rPr>
+              <a:t>Forecast landings &amp; participation using SDM projections</a:t>
+            </a:r>
+            <a:endParaRPr lang="en-US" sz="2900" dirty="0"/>
+          </a:p>
+          <a:p>
+            <a:pPr marL="514350" indent="-514350">
+              <a:lnSpc>
+                <a:spcPct val="110000"/>
+              </a:lnSpc>
+              <a:buFont typeface="+mj-lt"/>
+              <a:buAutoNum type="arabicPeriod"/>
+            </a:pPr>
+            <a:endParaRPr lang="en-US" dirty="0"/>
+          </a:p>
+          <a:p>
+            <a:pPr marL="514350" indent="-514350">
+              <a:lnSpc>
+                <a:spcPct val="110000"/>
+              </a:lnSpc>
+              <a:buFont typeface="+mj-lt"/>
+              <a:buAutoNum type="arabicPeriod"/>
+            </a:pPr>
+            <a:endParaRPr lang="en-US" dirty="0"/>
+          </a:p>
+        </p:txBody>
+      </p:sp>
+      <p:sp>
+        <p:nvSpPr>
+          <p:cNvPr id="6" name="Slide Number Placeholder 5">
+            <a:extLst>
+              <a:ext uri="{FF2B5EF4-FFF2-40B4-BE49-F238E27FC236}">
+                <a16:creationId xmlns:a16="http://schemas.microsoft.com/office/drawing/2014/main" id="{0FE4A19C-1A3A-4029-B746-713A9BE72B65}"/>
+              </a:ext>
+            </a:extLst>
+          </p:cNvPr>
+          <p:cNvSpPr>
+            <a:spLocks noGrp="1"/>
+          </p:cNvSpPr>
+          <p:nvPr>
+            <p:ph type="sldNum" sz="quarter" idx="12"/>
+          </p:nvPr>
+        </p:nvSpPr>
+        <p:spPr/>
+        <p:txBody>
+          <a:bodyPr/>
+          <a:lstStyle/>
+          <a:p>
+            <a:fld id="{6FD4AA8C-2C0B-45F2-84FF-CF2E58E014B2}" type="slidenum">
+              <a:rPr lang="en-US" smtClean="0"/>
+              <a:t>7</a:t>
+            </a:fld>
+            <a:endParaRPr lang="en-US"/>
+          </a:p>
+        </p:txBody>
+      </p:sp>
+    </p:spTree>
+    <p:extLst>
+      <p:ext uri="{BB962C8B-B14F-4D97-AF65-F5344CB8AC3E}">
+        <p14:creationId xmlns:p14="http://schemas.microsoft.com/office/powerpoint/2010/main" val="388225851"/>
+      </p:ext>
+    </p:extLst>
+  </p:cSld>
+  <p:clrMapOvr>
+    <a:masterClrMapping/>
+  </p:clrMapOvr>
+</p:sld>
+</file>
+
+<file path=ppt/slides/slide8.xml><?xml version="1.0" encoding="utf-8"?>
+<p:sld xmlns:a="http://schemas.openxmlformats.org/drawingml/2006/main" xmlns:r="http://schemas.openxmlformats.org/officeDocument/2006/relationships" xmlns:p="http://schemas.openxmlformats.org/presentationml/2006/main">
+  <p:cSld>
+    <p:bg>
+      <p:bgPr>
+        <a:solidFill>
+          <a:srgbClr val="003C6C"/>
+        </a:solidFill>
+        <a:effectLst/>
+      </p:bgPr>
+    </p:bg>
+    <p:spTree>
+      <p:nvGrpSpPr>
+        <p:cNvPr id="1" name=""/>
+        <p:cNvGrpSpPr/>
+        <p:nvPr/>
+      </p:nvGrpSpPr>
+      <p:grpSpPr>
+        <a:xfrm>
+          <a:off x="0" y="0"/>
+          <a:ext cx="0" cy="0"/>
+          <a:chOff x="0" y="0"/>
+          <a:chExt cx="0" cy="0"/>
+        </a:xfrm>
+      </p:grpSpPr>
+      <p:sp>
+        <p:nvSpPr>
+          <p:cNvPr id="2" name="Title 1">
+            <a:extLst>
+              <a:ext uri="{FF2B5EF4-FFF2-40B4-BE49-F238E27FC236}">
+                <a16:creationId xmlns:a16="http://schemas.microsoft.com/office/drawing/2014/main" id="{1ADB77D2-C19A-410A-8137-D34D2546F304}"/>
+              </a:ext>
+            </a:extLst>
+          </p:cNvPr>
+          <p:cNvSpPr>
+            <a:spLocks noGrp="1"/>
+          </p:cNvSpPr>
+          <p:nvPr>
+            <p:ph type="ctrTitle"/>
+          </p:nvPr>
+        </p:nvSpPr>
+        <p:spPr>
+          <a:xfrm>
+            <a:off x="462611" y="1122323"/>
+            <a:ext cx="8030346" cy="852351"/>
+          </a:xfrm>
+        </p:spPr>
+        <p:txBody>
+          <a:bodyPr>
+            <a:normAutofit/>
+          </a:bodyPr>
+          <a:lstStyle/>
+          <a:p>
+            <a:r>
+              <a:rPr lang="en-US" sz="3600" dirty="0">
+                <a:solidFill>
+                  <a:schemeClr val="bg1"/>
+                </a:solidFill>
+                <a:latin typeface="Lato Semibold" panose="020F0502020204030203" pitchFamily="34" charset="0"/>
+                <a:ea typeface="Lato Semibold" panose="020F0502020204030203" pitchFamily="34" charset="0"/>
+                <a:cs typeface="Lato Semibold" panose="020F0502020204030203" pitchFamily="34" charset="0"/>
+              </a:rPr>
+              <a:t>Thanks for your attention!</a:t>
+            </a:r>
+          </a:p>
+        </p:txBody>
+      </p:sp>
+      <p:sp>
+        <p:nvSpPr>
+          <p:cNvPr id="3" name="Subtitle 2">
+            <a:extLst>
+              <a:ext uri="{FF2B5EF4-FFF2-40B4-BE49-F238E27FC236}">
+                <a16:creationId xmlns:a16="http://schemas.microsoft.com/office/drawing/2014/main" id="{55D00C7A-D1C2-4751-ACDD-59B01C304ED0}"/>
+              </a:ext>
+            </a:extLst>
+          </p:cNvPr>
+          <p:cNvSpPr>
+            <a:spLocks noGrp="1"/>
+          </p:cNvSpPr>
+          <p:nvPr>
+            <p:ph type="subTitle" idx="1"/>
+          </p:nvPr>
+        </p:nvSpPr>
+        <p:spPr>
+          <a:xfrm>
+            <a:off x="1061853" y="4062720"/>
+            <a:ext cx="6831862" cy="1962029"/>
+          </a:xfrm>
+        </p:spPr>
+        <p:txBody>
+          <a:bodyPr>
+            <a:normAutofit fontScale="92500" lnSpcReduction="10000"/>
+          </a:bodyPr>
+          <a:lstStyle/>
+          <a:p>
+            <a:endParaRPr lang="en-US" sz="1200" dirty="0">
+              <a:solidFill>
+                <a:schemeClr val="bg1"/>
+              </a:solidFill>
+              <a:ea typeface="Microsoft JhengHei UI" panose="020B0604030504040204" pitchFamily="34" charset="-120"/>
+            </a:endParaRPr>
+          </a:p>
+          <a:p>
+            <a:r>
+              <a:rPr lang="en-US" sz="1900" b="1" dirty="0">
+                <a:solidFill>
+                  <a:schemeClr val="bg1"/>
+                </a:solidFill>
+                <a:ea typeface="Lato Semibold" panose="020F0502020204030203" pitchFamily="34" charset="0"/>
+                <a:cs typeface="Lato Semibold" panose="020F0502020204030203" pitchFamily="34" charset="0"/>
+              </a:rPr>
+              <a:t>Felipe J. Quezada</a:t>
+            </a:r>
+          </a:p>
+          <a:p>
+            <a:r>
+              <a:rPr lang="en-US" sz="1300" dirty="0">
+                <a:solidFill>
+                  <a:schemeClr val="bg1"/>
+                </a:solidFill>
+                <a:ea typeface="Microsoft JhengHei UI" panose="020B0604030504040204" pitchFamily="34" charset="-120"/>
+              </a:rPr>
+              <a:t> Postdoctoral Scholar</a:t>
+            </a:r>
+          </a:p>
+          <a:p>
+            <a:r>
+              <a:rPr lang="en-US" sz="1300" dirty="0">
+                <a:solidFill>
+                  <a:schemeClr val="bg1"/>
+                </a:solidFill>
+                <a:ea typeface="Microsoft JhengHei UI" panose="020B0604030504040204" pitchFamily="34" charset="-120"/>
+              </a:rPr>
+              <a:t> UC Santa Cruz &amp; NOAA-SWFSC</a:t>
+            </a:r>
+          </a:p>
+          <a:p>
+            <a:endParaRPr lang="en-US" sz="1200" dirty="0">
+              <a:solidFill>
+                <a:schemeClr val="bg1"/>
+              </a:solidFill>
+              <a:ea typeface="Microsoft JhengHei UI" panose="020B0604030504040204" pitchFamily="34" charset="-120"/>
+            </a:endParaRPr>
+          </a:p>
+          <a:p>
+            <a:r>
+              <a:rPr lang="en-US" sz="1300" dirty="0">
+                <a:solidFill>
+                  <a:srgbClr val="FF3399"/>
+                </a:solidFill>
+                <a:ea typeface="Microsoft JhengHei UI" panose="020B0604030504040204" pitchFamily="34" charset="-120"/>
+                <a:hlinkClick r:id="rId2">
+                  <a:extLst>
+                    <a:ext uri="{A12FA001-AC4F-418D-AE19-62706E023703}">
+                      <ahyp:hlinkClr xmlns:ahyp="http://schemas.microsoft.com/office/drawing/2018/hyperlinkcolor" val="tx"/>
+                    </a:ext>
+                  </a:extLst>
+                </a:hlinkClick>
+              </a:rPr>
+              <a:t>felipequezada.com</a:t>
+            </a:r>
+            <a:endParaRPr lang="en-US" sz="1300" dirty="0">
+              <a:solidFill>
+                <a:srgbClr val="FF3399"/>
+              </a:solidFill>
+              <a:ea typeface="Microsoft JhengHei UI" panose="020B0604030504040204" pitchFamily="34" charset="-120"/>
+            </a:endParaRPr>
+          </a:p>
+          <a:p>
+            <a:r>
+              <a:rPr lang="en-US" sz="1300" dirty="0">
+                <a:solidFill>
+                  <a:srgbClr val="FF3399"/>
+                </a:solidFill>
+                <a:ea typeface="Microsoft JhengHei UI" panose="020B0604030504040204" pitchFamily="34" charset="-120"/>
+              </a:rPr>
+              <a:t> </a:t>
+            </a:r>
+            <a:r>
+              <a:rPr lang="en-US" sz="1300" dirty="0">
+                <a:solidFill>
+                  <a:srgbClr val="FF3399"/>
+                </a:solidFill>
+                <a:ea typeface="Microsoft JhengHei UI" panose="020B0604030504040204" pitchFamily="34" charset="-120"/>
+                <a:hlinkClick r:id="rId3">
+                  <a:extLst>
+                    <a:ext uri="{A12FA001-AC4F-418D-AE19-62706E023703}">
+                      <ahyp:hlinkClr xmlns:ahyp="http://schemas.microsoft.com/office/drawing/2018/hyperlinkcolor" val="tx"/>
+                    </a:ext>
+                  </a:extLst>
+                </a:hlinkClick>
+              </a:rPr>
+              <a:t>felipe.quezada@noaa.gov</a:t>
+            </a:r>
+            <a:endParaRPr lang="en-US" sz="1300" dirty="0">
+              <a:solidFill>
+                <a:srgbClr val="FF3399"/>
+              </a:solidFill>
+              <a:ea typeface="Microsoft JhengHei UI" panose="020B0604030504040204" pitchFamily="34" charset="-120"/>
+            </a:endParaRPr>
+          </a:p>
+        </p:txBody>
+      </p:sp>
+      <p:pic>
+        <p:nvPicPr>
+          <p:cNvPr id="1026" name="Picture 2" descr="https://communications.ucsc.edu/wp-content/uploads/2021/04/2021-Logo-Do-2.jpg">
+            <a:extLst>
+              <a:ext uri="{FF2B5EF4-FFF2-40B4-BE49-F238E27FC236}">
+                <a16:creationId xmlns:a16="http://schemas.microsoft.com/office/drawing/2014/main" id="{3AA06CBB-4867-46FA-B33F-3F8F976D86FE}"/>
+              </a:ext>
+            </a:extLst>
+          </p:cNvPr>
+          <p:cNvPicPr>
+            <a:picLocks noChangeAspect="1" noChangeArrowheads="1"/>
+          </p:cNvPicPr>
+          <p:nvPr/>
+        </p:nvPicPr>
+        <p:blipFill>
+          <a:blip r:embed="rId4">
+            <a:extLst>
+              <a:ext uri="{28A0092B-C50C-407E-A947-70E740481C1C}">
+                <a14:useLocalDpi xmlns:a14="http://schemas.microsoft.com/office/drawing/2010/main" val="0"/>
+              </a:ext>
+            </a:extLst>
+          </a:blip>
+          <a:srcRect/>
+          <a:stretch>
+            <a:fillRect/>
+          </a:stretch>
+        </p:blipFill>
+        <p:spPr bwMode="auto">
+          <a:xfrm>
+            <a:off x="1195743" y="2590542"/>
+            <a:ext cx="2486025" cy="852351"/>
+          </a:xfrm>
+          <a:prstGeom prst="rect">
+            <a:avLst/>
+          </a:prstGeom>
+          <a:noFill/>
+          <a:extLst>
+            <a:ext uri="{909E8E84-426E-40DD-AFC4-6F175D3DCCD1}">
+              <a14:hiddenFill xmlns:a14="http://schemas.microsoft.com/office/drawing/2010/main">
+                <a:solidFill>
+                  <a:srgbClr val="FFFFFF"/>
+                </a:solidFill>
+              </a14:hiddenFill>
+            </a:ext>
+          </a:extLst>
+        </p:spPr>
+      </p:pic>
+      <p:cxnSp>
+        <p:nvCxnSpPr>
+          <p:cNvPr id="5" name="Straight Connector 4">
+            <a:extLst>
+              <a:ext uri="{FF2B5EF4-FFF2-40B4-BE49-F238E27FC236}">
+                <a16:creationId xmlns:a16="http://schemas.microsoft.com/office/drawing/2014/main" id="{67B4593C-666A-4A21-9A4D-CE41B22F5DEC}"/>
+              </a:ext>
+            </a:extLst>
+          </p:cNvPr>
+          <p:cNvCxnSpPr>
+            <a:cxnSpLocks/>
+          </p:cNvCxnSpPr>
+          <p:nvPr/>
+        </p:nvCxnSpPr>
+        <p:spPr>
+          <a:xfrm flipV="1">
+            <a:off x="680759" y="2153127"/>
+            <a:ext cx="7764647" cy="24120"/>
+          </a:xfrm>
+          <a:prstGeom prst="line">
+            <a:avLst/>
+          </a:prstGeom>
+          <a:ln w="50800">
+            <a:solidFill>
+              <a:srgbClr val="FDC700"/>
+            </a:solidFill>
+          </a:ln>
+        </p:spPr>
+        <p:style>
+          <a:lnRef idx="1">
+            <a:schemeClr val="accent1"/>
+          </a:lnRef>
+          <a:fillRef idx="0">
+            <a:schemeClr val="accent1"/>
+          </a:fillRef>
+          <a:effectRef idx="0">
+            <a:schemeClr val="accent1"/>
+          </a:effectRef>
+          <a:fontRef idx="minor">
+            <a:schemeClr val="tx1"/>
+          </a:fontRef>
+        </p:style>
+      </p:cxnSp>
+      <p:pic>
+        <p:nvPicPr>
+          <p:cNvPr id="11" name="Picture 2" descr="https://cpo.noaa.gov/portals/0/Images/COCA/CAFA.png">
+            <a:extLst>
+              <a:ext uri="{FF2B5EF4-FFF2-40B4-BE49-F238E27FC236}">
+                <a16:creationId xmlns:a16="http://schemas.microsoft.com/office/drawing/2014/main" id="{5AA85E32-1D0C-4254-B07D-4090700404DF}"/>
+              </a:ext>
+            </a:extLst>
+          </p:cNvPr>
+          <p:cNvPicPr>
+            <a:picLocks noChangeAspect="1" noChangeArrowheads="1"/>
+          </p:cNvPicPr>
+          <p:nvPr/>
+        </p:nvPicPr>
+        <p:blipFill>
+          <a:blip r:embed="rId5">
+            <a:extLst>
+              <a:ext uri="{28A0092B-C50C-407E-A947-70E740481C1C}">
+                <a14:useLocalDpi xmlns:a14="http://schemas.microsoft.com/office/drawing/2010/main" val="0"/>
+              </a:ext>
+            </a:extLst>
+          </a:blip>
+          <a:srcRect/>
+          <a:stretch>
+            <a:fillRect/>
+          </a:stretch>
+        </p:blipFill>
+        <p:spPr bwMode="auto">
+          <a:xfrm>
+            <a:off x="5462234" y="2599817"/>
+            <a:ext cx="2573524" cy="852351"/>
+          </a:xfrm>
+          <a:prstGeom prst="rect">
+            <a:avLst/>
+          </a:prstGeom>
+          <a:noFill/>
+          <a:extLst>
+            <a:ext uri="{909E8E84-426E-40DD-AFC4-6F175D3DCCD1}">
+              <a14:hiddenFill xmlns:a14="http://schemas.microsoft.com/office/drawing/2010/main">
+                <a:solidFill>
+                  <a:srgbClr val="FFFFFF"/>
+                </a:solidFill>
+              </a14:hiddenFill>
+            </a:ext>
+          </a:extLst>
+        </p:spPr>
+      </p:pic>
+    </p:spTree>
+    <p:extLst>
+      <p:ext uri="{BB962C8B-B14F-4D97-AF65-F5344CB8AC3E}">
+        <p14:creationId xmlns:p14="http://schemas.microsoft.com/office/powerpoint/2010/main" val="3346730995"/>
+      </p:ext>
+    </p:extLst>
+  </p:cSld>
+  <p:clrMapOvr>
+    <a:masterClrMapping/>
+  </p:clrMapOvr>
+</p:sld>
+</file>
+
+<file path=ppt/slides/slide9.xml><?xml version="1.0" encoding="utf-8"?>
+<p:sld xmlns:a="http://schemas.openxmlformats.org/drawingml/2006/main" xmlns:r="http://schemas.openxmlformats.org/officeDocument/2006/relationships" xmlns:p="http://schemas.openxmlformats.org/presentationml/2006/main" show="0">
+  <p:cSld>
+    <p:spTree>
+      <p:nvGrpSpPr>
+        <p:cNvPr id="1" name=""/>
+        <p:cNvGrpSpPr/>
+        <p:nvPr/>
+      </p:nvGrpSpPr>
+      <p:grpSpPr>
+        <a:xfrm>
+          <a:off x="0" y="0"/>
+          <a:ext cx="0" cy="0"/>
+          <a:chOff x="0" y="0"/>
+          <a:chExt cx="0" cy="0"/>
+        </a:xfrm>
+      </p:grpSpPr>
+      <p:sp>
+        <p:nvSpPr>
+          <p:cNvPr id="2" name="Title 1">
+            <a:extLst>
+              <a:ext uri="{FF2B5EF4-FFF2-40B4-BE49-F238E27FC236}">
+                <a16:creationId xmlns:a16="http://schemas.microsoft.com/office/drawing/2014/main" id="{AB146FD5-B7E6-4311-BEFD-D6D4A89D4FAF}"/>
+              </a:ext>
+            </a:extLst>
+          </p:cNvPr>
+          <p:cNvSpPr>
+            <a:spLocks noGrp="1"/>
+          </p:cNvSpPr>
+          <p:nvPr>
+            <p:ph type="title"/>
+          </p:nvPr>
+        </p:nvSpPr>
+        <p:spPr>
+          <a:xfrm>
+            <a:off x="0" y="1"/>
+            <a:ext cx="9144000" cy="923278"/>
+          </a:xfrm>
+          <a:solidFill>
+            <a:srgbClr val="003C6C"/>
+          </a:solidFill>
+        </p:spPr>
+        <p:txBody>
+          <a:bodyPr>
+            <a:normAutofit/>
+          </a:bodyPr>
+          <a:lstStyle/>
+          <a:p>
+            <a:r>
               <a:rPr lang="en-US" dirty="0">
                 <a:solidFill>
                   <a:schemeClr val="bg1"/>
@@ -19465,7 +20667,7 @@
           <a:p>
             <a:fld id="{6FD4AA8C-2C0B-45F2-84FF-CF2E58E014B2}" type="slidenum">
               <a:rPr lang="en-US" smtClean="0"/>
-              <a:t>4</a:t>
+              <a:t>9</a:t>
             </a:fld>
             <a:endParaRPr lang="en-US" dirty="0"/>
           </a:p>
@@ -19953,1607 +21155,6 @@
       <p:bldP spid="14" grpId="0" animBg="1"/>
     </p:bldLst>
   </p:timing>
-</p:sld>
-</file>
-
-<file path=ppt/slides/slide5.xml><?xml version="1.0" encoding="utf-8"?>
-<p:sld xmlns:a="http://schemas.openxmlformats.org/drawingml/2006/main" xmlns:r="http://schemas.openxmlformats.org/officeDocument/2006/relationships" xmlns:p="http://schemas.openxmlformats.org/presentationml/2006/main">
-  <p:cSld>
-    <p:spTree>
-      <p:nvGrpSpPr>
-        <p:cNvPr id="1" name=""/>
-        <p:cNvGrpSpPr/>
-        <p:nvPr/>
-      </p:nvGrpSpPr>
-      <p:grpSpPr>
-        <a:xfrm>
-          <a:off x="0" y="0"/>
-          <a:ext cx="0" cy="0"/>
-          <a:chOff x="0" y="0"/>
-          <a:chExt cx="0" cy="0"/>
-        </a:xfrm>
-      </p:grpSpPr>
-      <p:sp>
-        <p:nvSpPr>
-          <p:cNvPr id="2" name="Title 1">
-            <a:extLst>
-              <a:ext uri="{FF2B5EF4-FFF2-40B4-BE49-F238E27FC236}">
-                <a16:creationId xmlns:a16="http://schemas.microsoft.com/office/drawing/2014/main" id="{AB146FD5-B7E6-4311-BEFD-D6D4A89D4FAF}"/>
-              </a:ext>
-            </a:extLst>
-          </p:cNvPr>
-          <p:cNvSpPr>
-            <a:spLocks noGrp="1"/>
-          </p:cNvSpPr>
-          <p:nvPr>
-            <p:ph type="title"/>
-          </p:nvPr>
-        </p:nvSpPr>
-        <p:spPr>
-          <a:xfrm>
-            <a:off x="0" y="1"/>
-            <a:ext cx="9144000" cy="923278"/>
-          </a:xfrm>
-          <a:solidFill>
-            <a:srgbClr val="003C6C"/>
-          </a:solidFill>
-        </p:spPr>
-        <p:txBody>
-          <a:bodyPr>
-            <a:normAutofit/>
-          </a:bodyPr>
-          <a:lstStyle/>
-          <a:p>
-            <a:r>
-              <a:rPr lang="en-US" dirty="0">
-                <a:solidFill>
-                  <a:schemeClr val="bg1"/>
-                </a:solidFill>
-                <a:latin typeface="+mn-lt"/>
-                <a:ea typeface="Microsoft JhengHei UI" panose="020B0604030504040204" pitchFamily="34" charset="-120"/>
-              </a:rPr>
-              <a:t>  Climate is changing!</a:t>
-            </a:r>
-            <a:endParaRPr lang="en-US" dirty="0">
-              <a:solidFill>
-                <a:schemeClr val="bg1"/>
-              </a:solidFill>
-              <a:latin typeface="+mn-lt"/>
-            </a:endParaRPr>
-          </a:p>
-        </p:txBody>
-      </p:sp>
-      <p:sp>
-        <p:nvSpPr>
-          <p:cNvPr id="6" name="Slide Number Placeholder 5">
-            <a:extLst>
-              <a:ext uri="{FF2B5EF4-FFF2-40B4-BE49-F238E27FC236}">
-                <a16:creationId xmlns:a16="http://schemas.microsoft.com/office/drawing/2014/main" id="{84CB9F42-672E-4676-8A37-1A375F5F9B34}"/>
-              </a:ext>
-            </a:extLst>
-          </p:cNvPr>
-          <p:cNvSpPr>
-            <a:spLocks noGrp="1"/>
-          </p:cNvSpPr>
-          <p:nvPr>
-            <p:ph type="sldNum" sz="quarter" idx="12"/>
-          </p:nvPr>
-        </p:nvSpPr>
-        <p:spPr/>
-        <p:txBody>
-          <a:bodyPr/>
-          <a:lstStyle/>
-          <a:p>
-            <a:fld id="{6FD4AA8C-2C0B-45F2-84FF-CF2E58E014B2}" type="slidenum">
-              <a:rPr lang="en-US" smtClean="0"/>
-              <a:t>5</a:t>
-            </a:fld>
-            <a:endParaRPr lang="en-US"/>
-          </a:p>
-        </p:txBody>
-      </p:sp>
-      <p:sp>
-        <p:nvSpPr>
-          <p:cNvPr id="7" name="TextBox 6">
-            <a:hlinkClick r:id="rId3"/>
-            <a:extLst>
-              <a:ext uri="{FF2B5EF4-FFF2-40B4-BE49-F238E27FC236}">
-                <a16:creationId xmlns:a16="http://schemas.microsoft.com/office/drawing/2014/main" id="{5265EB72-9BD3-4F7E-A351-E2284661E996}"/>
-              </a:ext>
-            </a:extLst>
-          </p:cNvPr>
-          <p:cNvSpPr txBox="1"/>
-          <p:nvPr/>
-        </p:nvSpPr>
-        <p:spPr>
-          <a:xfrm>
-            <a:off x="2697282" y="5766606"/>
-            <a:ext cx="2349811" cy="276999"/>
-          </a:xfrm>
-          <a:prstGeom prst="rect">
-            <a:avLst/>
-          </a:prstGeom>
-          <a:noFill/>
-        </p:spPr>
-        <p:txBody>
-          <a:bodyPr wrap="square" rtlCol="0">
-            <a:spAutoFit/>
-          </a:bodyPr>
-          <a:lstStyle/>
-          <a:p>
-            <a:r>
-              <a:rPr lang="en-US" sz="1200" dirty="0"/>
-              <a:t>Source: </a:t>
-            </a:r>
-            <a:r>
-              <a:rPr lang="en-US" sz="1200" dirty="0" err="1">
-                <a:hlinkClick r:id="rId4"/>
-              </a:rPr>
-              <a:t>Pozo</a:t>
-            </a:r>
-            <a:r>
-              <a:rPr lang="en-US" sz="1200" dirty="0">
-                <a:hlinkClick r:id="rId4"/>
-              </a:rPr>
-              <a:t> </a:t>
-            </a:r>
-            <a:r>
-              <a:rPr lang="en-US" sz="1200" dirty="0" err="1">
-                <a:hlinkClick r:id="rId4"/>
-              </a:rPr>
-              <a:t>Buil</a:t>
-            </a:r>
-            <a:r>
-              <a:rPr lang="en-US" sz="1200" dirty="0">
-                <a:hlinkClick r:id="rId4"/>
-              </a:rPr>
-              <a:t> et al. (2021)</a:t>
-            </a:r>
-            <a:endParaRPr lang="en-US" sz="1200" dirty="0"/>
-          </a:p>
-        </p:txBody>
-      </p:sp>
-      <p:pic>
-        <p:nvPicPr>
-          <p:cNvPr id="3074" name="Picture 2" descr="https://www.frontiersin.org/files/Articles/612874/fmars-08-612874-HTML/image_m/fmars-08-612874-g002.jpg">
-            <a:extLst>
-              <a:ext uri="{FF2B5EF4-FFF2-40B4-BE49-F238E27FC236}">
-                <a16:creationId xmlns:a16="http://schemas.microsoft.com/office/drawing/2014/main" id="{FA4F2545-BBCC-45CB-8634-FDDDE3E210D3}"/>
-              </a:ext>
-            </a:extLst>
-          </p:cNvPr>
-          <p:cNvPicPr>
-            <a:picLocks noChangeAspect="1" noChangeArrowheads="1"/>
-          </p:cNvPicPr>
-          <p:nvPr/>
-        </p:nvPicPr>
-        <p:blipFill>
-          <a:blip r:embed="rId5" cstate="hqprint">
-            <a:extLst>
-              <a:ext uri="{28A0092B-C50C-407E-A947-70E740481C1C}">
-                <a14:useLocalDpi xmlns:a14="http://schemas.microsoft.com/office/drawing/2010/main" val="0"/>
-              </a:ext>
-            </a:extLst>
-          </a:blip>
-          <a:srcRect/>
-          <a:stretch>
-            <a:fillRect/>
-          </a:stretch>
-        </p:blipFill>
-        <p:spPr bwMode="auto">
-          <a:xfrm>
-            <a:off x="203790" y="1386630"/>
-            <a:ext cx="4559595" cy="4193624"/>
-          </a:xfrm>
-          <a:prstGeom prst="rect">
-            <a:avLst/>
-          </a:prstGeom>
-          <a:noFill/>
-          <a:extLst>
-            <a:ext uri="{909E8E84-426E-40DD-AFC4-6F175D3DCCD1}">
-              <a14:hiddenFill xmlns:a14="http://schemas.microsoft.com/office/drawing/2010/main">
-                <a:solidFill>
-                  <a:srgbClr val="FFFFFF"/>
-                </a:solidFill>
-              </a14:hiddenFill>
-            </a:ext>
-          </a:extLst>
-        </p:spPr>
-      </p:pic>
-      <p:sp>
-        <p:nvSpPr>
-          <p:cNvPr id="8" name="Rectangle 7">
-            <a:extLst>
-              <a:ext uri="{FF2B5EF4-FFF2-40B4-BE49-F238E27FC236}">
-                <a16:creationId xmlns:a16="http://schemas.microsoft.com/office/drawing/2014/main" id="{27CAECE9-2BF1-42B7-9A04-D2823154811A}"/>
-              </a:ext>
-            </a:extLst>
-          </p:cNvPr>
-          <p:cNvSpPr/>
-          <p:nvPr/>
-        </p:nvSpPr>
-        <p:spPr>
-          <a:xfrm>
-            <a:off x="5047093" y="1063465"/>
-            <a:ext cx="3943542" cy="646331"/>
-          </a:xfrm>
-          <a:prstGeom prst="rect">
-            <a:avLst/>
-          </a:prstGeom>
-        </p:spPr>
-        <p:txBody>
-          <a:bodyPr wrap="square">
-            <a:spAutoFit/>
-          </a:bodyPr>
-          <a:lstStyle/>
-          <a:p>
-            <a:pPr marL="285750" indent="-285750">
-              <a:buFont typeface="Arial" panose="020B0604020202020204" pitchFamily="34" charset="0"/>
-              <a:buChar char="•"/>
-            </a:pPr>
-            <a:r>
-              <a:rPr lang="en-US" dirty="0">
-                <a:ea typeface="Microsoft JhengHei UI" panose="020B0604030504040204" pitchFamily="34" charset="-120"/>
-              </a:rPr>
-              <a:t>For instance, projected changes in Pacific sardine distribution</a:t>
-            </a:r>
-          </a:p>
-        </p:txBody>
-      </p:sp>
-      <p:pic>
-        <p:nvPicPr>
-          <p:cNvPr id="9" name="Picture 2" descr="image">
-            <a:extLst>
-              <a:ext uri="{FF2B5EF4-FFF2-40B4-BE49-F238E27FC236}">
-                <a16:creationId xmlns:a16="http://schemas.microsoft.com/office/drawing/2014/main" id="{81D426E6-F96E-4122-819E-3E5C084466C8}"/>
-              </a:ext>
-            </a:extLst>
-          </p:cNvPr>
-          <p:cNvPicPr>
-            <a:picLocks noChangeAspect="1" noChangeArrowheads="1"/>
-          </p:cNvPicPr>
-          <p:nvPr/>
-        </p:nvPicPr>
-        <p:blipFill>
-          <a:blip r:embed="rId6" cstate="hqprint">
-            <a:extLst>
-              <a:ext uri="{28A0092B-C50C-407E-A947-70E740481C1C}">
-                <a14:useLocalDpi xmlns:a14="http://schemas.microsoft.com/office/drawing/2010/main" val="0"/>
-              </a:ext>
-            </a:extLst>
-          </a:blip>
-          <a:srcRect/>
-          <a:stretch>
-            <a:fillRect/>
-          </a:stretch>
-        </p:blipFill>
-        <p:spPr bwMode="auto">
-          <a:xfrm>
-            <a:off x="5355587" y="1780620"/>
-            <a:ext cx="3635047" cy="4078805"/>
-          </a:xfrm>
-          <a:prstGeom prst="rect">
-            <a:avLst/>
-          </a:prstGeom>
-          <a:noFill/>
-          <a:extLst>
-            <a:ext uri="{909E8E84-426E-40DD-AFC4-6F175D3DCCD1}">
-              <a14:hiddenFill xmlns:a14="http://schemas.microsoft.com/office/drawing/2010/main">
-                <a:solidFill>
-                  <a:srgbClr val="FFFFFF"/>
-                </a:solidFill>
-              </a14:hiddenFill>
-            </a:ext>
-          </a:extLst>
-        </p:spPr>
-      </p:pic>
-      <p:sp>
-        <p:nvSpPr>
-          <p:cNvPr id="10" name="Rectangle 9">
-            <a:extLst>
-              <a:ext uri="{FF2B5EF4-FFF2-40B4-BE49-F238E27FC236}">
-                <a16:creationId xmlns:a16="http://schemas.microsoft.com/office/drawing/2014/main" id="{5BFE04B5-2626-4D55-8248-0A817628AF61}"/>
-              </a:ext>
-            </a:extLst>
-          </p:cNvPr>
-          <p:cNvSpPr/>
-          <p:nvPr/>
-        </p:nvSpPr>
-        <p:spPr>
-          <a:xfrm>
-            <a:off x="5450186" y="5919280"/>
-            <a:ext cx="2843209" cy="938719"/>
-          </a:xfrm>
-          <a:prstGeom prst="rect">
-            <a:avLst/>
-          </a:prstGeom>
-        </p:spPr>
-        <p:txBody>
-          <a:bodyPr wrap="square">
-            <a:spAutoFit/>
-          </a:bodyPr>
-          <a:lstStyle/>
-          <a:p>
-            <a:r>
-              <a:rPr lang="en-US" sz="1100" b="1" dirty="0">
-                <a:solidFill>
-                  <a:srgbClr val="1C1D1E"/>
-                </a:solidFill>
-              </a:rPr>
-              <a:t>Figure. </a:t>
-            </a:r>
-            <a:r>
-              <a:rPr lang="en-US" sz="1100" dirty="0">
-                <a:solidFill>
-                  <a:srgbClr val="1C1D1E"/>
-                </a:solidFill>
-              </a:rPr>
-              <a:t>Mean change in projected sardine habitat suitability (2040–55 period minus 2000–2015 period), in the three ESMs. </a:t>
-            </a:r>
-            <a:r>
-              <a:rPr lang="en-US" sz="1100" dirty="0"/>
-              <a:t>Source: </a:t>
-            </a:r>
-            <a:r>
-              <a:rPr lang="en-US" sz="1100" dirty="0">
-                <a:ea typeface="Microsoft JhengHei UI" panose="020B0604030504040204" pitchFamily="34" charset="-120"/>
-                <a:hlinkClick r:id="rId7"/>
-              </a:rPr>
-              <a:t>Smith et al. (2020)</a:t>
-            </a:r>
-            <a:endParaRPr lang="en-US" sz="1100" dirty="0"/>
-          </a:p>
-          <a:p>
-            <a:endParaRPr lang="en-US" sz="1100" dirty="0"/>
-          </a:p>
-        </p:txBody>
-      </p:sp>
-    </p:spTree>
-    <p:extLst>
-      <p:ext uri="{BB962C8B-B14F-4D97-AF65-F5344CB8AC3E}">
-        <p14:creationId xmlns:p14="http://schemas.microsoft.com/office/powerpoint/2010/main" val="356998789"/>
-      </p:ext>
-    </p:extLst>
-  </p:cSld>
-  <p:clrMapOvr>
-    <a:masterClrMapping/>
-  </p:clrMapOvr>
-</p:sld>
-</file>
-
-<file path=ppt/slides/slide6.xml><?xml version="1.0" encoding="utf-8"?>
-<p:sld xmlns:a="http://schemas.openxmlformats.org/drawingml/2006/main" xmlns:r="http://schemas.openxmlformats.org/officeDocument/2006/relationships" xmlns:p="http://schemas.openxmlformats.org/presentationml/2006/main">
-  <p:cSld>
-    <p:spTree>
-      <p:nvGrpSpPr>
-        <p:cNvPr id="1" name=""/>
-        <p:cNvGrpSpPr/>
-        <p:nvPr/>
-      </p:nvGrpSpPr>
-      <p:grpSpPr>
-        <a:xfrm>
-          <a:off x="0" y="0"/>
-          <a:ext cx="0" cy="0"/>
-          <a:chOff x="0" y="0"/>
-          <a:chExt cx="0" cy="0"/>
-        </a:xfrm>
-      </p:grpSpPr>
-      <p:sp>
-        <p:nvSpPr>
-          <p:cNvPr id="2" name="Title 1">
-            <a:extLst>
-              <a:ext uri="{FF2B5EF4-FFF2-40B4-BE49-F238E27FC236}">
-                <a16:creationId xmlns:a16="http://schemas.microsoft.com/office/drawing/2014/main" id="{AB146FD5-B7E6-4311-BEFD-D6D4A89D4FAF}"/>
-              </a:ext>
-            </a:extLst>
-          </p:cNvPr>
-          <p:cNvSpPr>
-            <a:spLocks noGrp="1"/>
-          </p:cNvSpPr>
-          <p:nvPr>
-            <p:ph type="title"/>
-          </p:nvPr>
-        </p:nvSpPr>
-        <p:spPr>
-          <a:xfrm>
-            <a:off x="0" y="1"/>
-            <a:ext cx="9144000" cy="923278"/>
-          </a:xfrm>
-          <a:solidFill>
-            <a:srgbClr val="003C6C"/>
-          </a:solidFill>
-        </p:spPr>
-        <p:txBody>
-          <a:bodyPr>
-            <a:normAutofit/>
-          </a:bodyPr>
-          <a:lstStyle/>
-          <a:p>
-            <a:r>
-              <a:rPr lang="en-US" dirty="0">
-                <a:solidFill>
-                  <a:schemeClr val="bg1"/>
-                </a:solidFill>
-                <a:latin typeface="+mn-lt"/>
-                <a:ea typeface="Microsoft JhengHei UI" panose="020B0604030504040204" pitchFamily="34" charset="-120"/>
-              </a:rPr>
-              <a:t>  Effect on landings</a:t>
-            </a:r>
-            <a:endParaRPr lang="en-US" dirty="0">
-              <a:solidFill>
-                <a:schemeClr val="bg1"/>
-              </a:solidFill>
-              <a:latin typeface="+mn-lt"/>
-            </a:endParaRPr>
-          </a:p>
-        </p:txBody>
-      </p:sp>
-      <p:sp>
-        <p:nvSpPr>
-          <p:cNvPr id="5" name="Slide Number Placeholder 4">
-            <a:extLst>
-              <a:ext uri="{FF2B5EF4-FFF2-40B4-BE49-F238E27FC236}">
-                <a16:creationId xmlns:a16="http://schemas.microsoft.com/office/drawing/2014/main" id="{C2034F96-8D93-44BD-B3DB-6787446BFC84}"/>
-              </a:ext>
-            </a:extLst>
-          </p:cNvPr>
-          <p:cNvSpPr>
-            <a:spLocks noGrp="1"/>
-          </p:cNvSpPr>
-          <p:nvPr>
-            <p:ph type="sldNum" sz="quarter" idx="12"/>
-          </p:nvPr>
-        </p:nvSpPr>
-        <p:spPr/>
-        <p:txBody>
-          <a:bodyPr/>
-          <a:lstStyle/>
-          <a:p>
-            <a:fld id="{6FD4AA8C-2C0B-45F2-84FF-CF2E58E014B2}" type="slidenum">
-              <a:rPr lang="en-US" smtClean="0"/>
-              <a:t>6</a:t>
-            </a:fld>
-            <a:endParaRPr lang="en-US"/>
-          </a:p>
-        </p:txBody>
-      </p:sp>
-      <p:pic>
-        <p:nvPicPr>
-          <p:cNvPr id="2050" name="Picture 2" descr="image">
-            <a:extLst>
-              <a:ext uri="{FF2B5EF4-FFF2-40B4-BE49-F238E27FC236}">
-                <a16:creationId xmlns:a16="http://schemas.microsoft.com/office/drawing/2014/main" id="{F64B481E-603A-460A-AE15-25810B546154}"/>
-              </a:ext>
-            </a:extLst>
-          </p:cNvPr>
-          <p:cNvPicPr>
-            <a:picLocks noChangeAspect="1" noChangeArrowheads="1"/>
-          </p:cNvPicPr>
-          <p:nvPr/>
-        </p:nvPicPr>
-        <p:blipFill>
-          <a:blip r:embed="rId3" cstate="hqprint">
-            <a:extLst>
-              <a:ext uri="{28A0092B-C50C-407E-A947-70E740481C1C}">
-                <a14:useLocalDpi xmlns:a14="http://schemas.microsoft.com/office/drawing/2010/main" val="0"/>
-              </a:ext>
-            </a:extLst>
-          </a:blip>
-          <a:srcRect/>
-          <a:stretch>
-            <a:fillRect/>
-          </a:stretch>
-        </p:blipFill>
-        <p:spPr bwMode="auto">
-          <a:xfrm>
-            <a:off x="1467067" y="1141886"/>
-            <a:ext cx="5712576" cy="3130016"/>
-          </a:xfrm>
-          <a:prstGeom prst="rect">
-            <a:avLst/>
-          </a:prstGeom>
-          <a:noFill/>
-          <a:extLst>
-            <a:ext uri="{909E8E84-426E-40DD-AFC4-6F175D3DCCD1}">
-              <a14:hiddenFill xmlns:a14="http://schemas.microsoft.com/office/drawing/2010/main">
-                <a:solidFill>
-                  <a:srgbClr val="FFFFFF"/>
-                </a:solidFill>
-              </a14:hiddenFill>
-            </a:ext>
-          </a:extLst>
-        </p:spPr>
-      </p:pic>
-      <p:sp>
-        <p:nvSpPr>
-          <p:cNvPr id="11" name="Rectangle 10">
-            <a:extLst>
-              <a:ext uri="{FF2B5EF4-FFF2-40B4-BE49-F238E27FC236}">
-                <a16:creationId xmlns:a16="http://schemas.microsoft.com/office/drawing/2014/main" id="{60DB0095-16B1-4DC5-879E-738B9526CCC1}"/>
-              </a:ext>
-            </a:extLst>
-          </p:cNvPr>
-          <p:cNvSpPr/>
-          <p:nvPr/>
-        </p:nvSpPr>
-        <p:spPr>
-          <a:xfrm>
-            <a:off x="1040565" y="4818713"/>
-            <a:ext cx="7090480" cy="1477328"/>
-          </a:xfrm>
-          <a:prstGeom prst="rect">
-            <a:avLst/>
-          </a:prstGeom>
-        </p:spPr>
-        <p:txBody>
-          <a:bodyPr wrap="square">
-            <a:spAutoFit/>
-          </a:bodyPr>
-          <a:lstStyle/>
-          <a:p>
-            <a:pPr marL="285750" indent="-285750">
-              <a:buFont typeface="Arial" panose="020B0604020202020204" pitchFamily="34" charset="0"/>
-              <a:buChar char="•"/>
-            </a:pPr>
-            <a:r>
-              <a:rPr lang="en-US" dirty="0">
-                <a:ea typeface="Microsoft JhengHei UI" panose="020B0604030504040204" pitchFamily="34" charset="-120"/>
-                <a:hlinkClick r:id="rId4"/>
-              </a:rPr>
-              <a:t>Smith et al. (2020) </a:t>
-            </a:r>
-            <a:r>
-              <a:rPr lang="en-US" dirty="0">
-                <a:ea typeface="Microsoft JhengHei UI" panose="020B0604030504040204" pitchFamily="34" charset="-120"/>
-              </a:rPr>
-              <a:t>found a positive effect of species distribution on Pacific sardine landings.</a:t>
-            </a:r>
-          </a:p>
-          <a:p>
-            <a:pPr marL="285750" indent="-285750">
-              <a:buFont typeface="Arial" panose="020B0604020202020204" pitchFamily="34" charset="0"/>
-              <a:buChar char="•"/>
-            </a:pPr>
-            <a:endParaRPr lang="en-US" dirty="0">
-              <a:ea typeface="Microsoft JhengHei UI" panose="020B0604030504040204" pitchFamily="34" charset="-120"/>
-            </a:endParaRPr>
-          </a:p>
-          <a:p>
-            <a:pPr marL="285750" indent="-285750">
-              <a:buFont typeface="Arial" panose="020B0604020202020204" pitchFamily="34" charset="0"/>
-              <a:buChar char="•"/>
-            </a:pPr>
-            <a:r>
-              <a:rPr lang="en-US" dirty="0">
-                <a:ea typeface="Microsoft JhengHei UI" panose="020B0604030504040204" pitchFamily="34" charset="-120"/>
-              </a:rPr>
-              <a:t>Changings on distribution could also trigger changes in regulation (e.g. closures)</a:t>
-            </a:r>
-          </a:p>
-        </p:txBody>
-      </p:sp>
-      <p:sp>
-        <p:nvSpPr>
-          <p:cNvPr id="12" name="TextBox 11">
-            <a:extLst>
-              <a:ext uri="{FF2B5EF4-FFF2-40B4-BE49-F238E27FC236}">
-                <a16:creationId xmlns:a16="http://schemas.microsoft.com/office/drawing/2014/main" id="{FDF354D3-8841-498A-B35E-3FE94EFAC19A}"/>
-              </a:ext>
-            </a:extLst>
-          </p:cNvPr>
-          <p:cNvSpPr txBox="1"/>
-          <p:nvPr/>
-        </p:nvSpPr>
-        <p:spPr>
-          <a:xfrm>
-            <a:off x="6048245" y="4406808"/>
-            <a:ext cx="2082800" cy="276999"/>
-          </a:xfrm>
-          <a:prstGeom prst="rect">
-            <a:avLst/>
-          </a:prstGeom>
-          <a:noFill/>
-        </p:spPr>
-        <p:txBody>
-          <a:bodyPr wrap="square" rtlCol="0">
-            <a:spAutoFit/>
-          </a:bodyPr>
-          <a:lstStyle/>
-          <a:p>
-            <a:r>
-              <a:rPr lang="en-US" sz="1200" dirty="0"/>
-              <a:t>Source: </a:t>
-            </a:r>
-            <a:r>
-              <a:rPr lang="en-US" sz="1200" dirty="0">
-                <a:ea typeface="Microsoft JhengHei UI" panose="020B0604030504040204" pitchFamily="34" charset="-120"/>
-                <a:hlinkClick r:id="rId4"/>
-              </a:rPr>
-              <a:t>Smith et al. (2020)</a:t>
-            </a:r>
-            <a:endParaRPr lang="en-US" sz="1200" dirty="0"/>
-          </a:p>
-        </p:txBody>
-      </p:sp>
-    </p:spTree>
-    <p:extLst>
-      <p:ext uri="{BB962C8B-B14F-4D97-AF65-F5344CB8AC3E}">
-        <p14:creationId xmlns:p14="http://schemas.microsoft.com/office/powerpoint/2010/main" val="3701081902"/>
-      </p:ext>
-    </p:extLst>
-  </p:cSld>
-  <p:clrMapOvr>
-    <a:masterClrMapping/>
-  </p:clrMapOvr>
-</p:sld>
-</file>
-
-<file path=ppt/slides/slide7.xml><?xml version="1.0" encoding="utf-8"?>
-<p:sld xmlns:a="http://schemas.openxmlformats.org/drawingml/2006/main" xmlns:r="http://schemas.openxmlformats.org/officeDocument/2006/relationships" xmlns:p="http://schemas.openxmlformats.org/presentationml/2006/main">
-  <p:cSld>
-    <p:spTree>
-      <p:nvGrpSpPr>
-        <p:cNvPr id="1" name=""/>
-        <p:cNvGrpSpPr/>
-        <p:nvPr/>
-      </p:nvGrpSpPr>
-      <p:grpSpPr>
-        <a:xfrm>
-          <a:off x="0" y="0"/>
-          <a:ext cx="0" cy="0"/>
-          <a:chOff x="0" y="0"/>
-          <a:chExt cx="0" cy="0"/>
-        </a:xfrm>
-      </p:grpSpPr>
-      <p:sp>
-        <p:nvSpPr>
-          <p:cNvPr id="2" name="Title 1">
-            <a:extLst>
-              <a:ext uri="{FF2B5EF4-FFF2-40B4-BE49-F238E27FC236}">
-                <a16:creationId xmlns:a16="http://schemas.microsoft.com/office/drawing/2014/main" id="{AB146FD5-B7E6-4311-BEFD-D6D4A89D4FAF}"/>
-              </a:ext>
-            </a:extLst>
-          </p:cNvPr>
-          <p:cNvSpPr>
-            <a:spLocks noGrp="1"/>
-          </p:cNvSpPr>
-          <p:nvPr>
-            <p:ph type="title"/>
-          </p:nvPr>
-        </p:nvSpPr>
-        <p:spPr>
-          <a:xfrm>
-            <a:off x="0" y="1"/>
-            <a:ext cx="9144000" cy="923278"/>
-          </a:xfrm>
-          <a:solidFill>
-            <a:srgbClr val="003C6C"/>
-          </a:solidFill>
-        </p:spPr>
-        <p:txBody>
-          <a:bodyPr/>
-          <a:lstStyle/>
-          <a:p>
-            <a:r>
-              <a:rPr lang="en-US" dirty="0">
-                <a:solidFill>
-                  <a:schemeClr val="bg1"/>
-                </a:solidFill>
-                <a:latin typeface="+mn-lt"/>
-              </a:rPr>
-              <a:t>  Research Question</a:t>
-            </a:r>
-          </a:p>
-        </p:txBody>
-      </p:sp>
-      <p:sp>
-        <p:nvSpPr>
-          <p:cNvPr id="3" name="Content Placeholder 2">
-            <a:extLst>
-              <a:ext uri="{FF2B5EF4-FFF2-40B4-BE49-F238E27FC236}">
-                <a16:creationId xmlns:a16="http://schemas.microsoft.com/office/drawing/2014/main" id="{F5F89EB4-FE7A-4332-8A77-6D74A195BC07}"/>
-              </a:ext>
-            </a:extLst>
-          </p:cNvPr>
-          <p:cNvSpPr>
-            <a:spLocks noGrp="1"/>
-          </p:cNvSpPr>
-          <p:nvPr>
-            <p:ph idx="1"/>
-          </p:nvPr>
-        </p:nvSpPr>
-        <p:spPr>
-          <a:xfrm>
-            <a:off x="389785" y="1162595"/>
-            <a:ext cx="8349266" cy="5193756"/>
-          </a:xfrm>
-        </p:spPr>
-        <p:txBody>
-          <a:bodyPr>
-            <a:normAutofit/>
-          </a:bodyPr>
-          <a:lstStyle/>
-          <a:p>
-            <a:pPr marL="0" indent="0">
-              <a:buNone/>
-            </a:pPr>
-            <a:r>
-              <a:rPr lang="en-US" dirty="0">
-                <a:ea typeface="Microsoft JhengHei UI" panose="020B0604030504040204" pitchFamily="34" charset="-120"/>
-              </a:rPr>
-              <a:t>How will climate change impact fishing communities?</a:t>
-            </a:r>
-          </a:p>
-          <a:p>
-            <a:pPr marL="0" indent="0">
-              <a:buNone/>
-            </a:pPr>
-            <a:endParaRPr lang="en-US" dirty="0">
-              <a:ea typeface="Microsoft JhengHei UI" panose="020B0604030504040204" pitchFamily="34" charset="-120"/>
-            </a:endParaRPr>
-          </a:p>
-          <a:p>
-            <a:r>
-              <a:rPr lang="en-US" sz="2400" dirty="0">
-                <a:ea typeface="Microsoft JhengHei UI" panose="020B0604030504040204" pitchFamily="34" charset="-120"/>
-              </a:rPr>
-              <a:t>Specific questions: </a:t>
-            </a:r>
-          </a:p>
-          <a:p>
-            <a:pPr lvl="1"/>
-            <a:r>
-              <a:rPr lang="en-US" sz="2000" dirty="0">
-                <a:ea typeface="Microsoft JhengHei UI" panose="020B0604030504040204" pitchFamily="34" charset="-120"/>
-              </a:rPr>
-              <a:t>How do changes in species distribution and regulations (i.e. closures) affect landings and vessel participation in the multispecies </a:t>
-            </a:r>
-            <a:r>
-              <a:rPr lang="en-US" sz="2000" i="1" dirty="0">
-                <a:ea typeface="Microsoft JhengHei UI" panose="020B0604030504040204" pitchFamily="34" charset="-120"/>
-              </a:rPr>
-              <a:t>Coastal Pelagic Species (CPS) </a:t>
-            </a:r>
-            <a:r>
-              <a:rPr lang="en-US" sz="2000" dirty="0">
-                <a:ea typeface="Microsoft JhengHei UI" panose="020B0604030504040204" pitchFamily="34" charset="-120"/>
-              </a:rPr>
-              <a:t>fishery?</a:t>
-            </a:r>
-          </a:p>
-          <a:p>
-            <a:endParaRPr lang="en-US" sz="2400" dirty="0">
-              <a:ea typeface="Microsoft JhengHei UI" panose="020B0604030504040204" pitchFamily="34" charset="-120"/>
-            </a:endParaRPr>
-          </a:p>
-          <a:p>
-            <a:r>
-              <a:rPr lang="en-US" sz="2400" dirty="0">
-                <a:ea typeface="Microsoft JhengHei UI" panose="020B0604030504040204" pitchFamily="34" charset="-120"/>
-              </a:rPr>
-              <a:t>Contribution:</a:t>
-            </a:r>
-          </a:p>
-          <a:p>
-            <a:pPr lvl="1"/>
-            <a:r>
-              <a:rPr lang="en-US" sz="2000" i="1" dirty="0"/>
-              <a:t>Previous work has focused on one species</a:t>
-            </a:r>
-          </a:p>
-          <a:p>
-            <a:pPr lvl="1"/>
-            <a:r>
-              <a:rPr lang="en-US" sz="2000" i="1" dirty="0"/>
-              <a:t>Important to study other species and their interactions in fishers’ portfolio to assess climate impacts on CPS fleet.</a:t>
-            </a:r>
-          </a:p>
-          <a:p>
-            <a:pPr lvl="1"/>
-            <a:r>
-              <a:rPr lang="en-US" sz="2000" i="1" dirty="0"/>
-              <a:t>Presence of other species might impact targeting decisions.  </a:t>
-            </a:r>
-            <a:endParaRPr lang="en-US" sz="2000" dirty="0">
-              <a:ea typeface="Microsoft JhengHei UI" panose="020B0604030504040204" pitchFamily="34" charset="-120"/>
-            </a:endParaRPr>
-          </a:p>
-        </p:txBody>
-      </p:sp>
-      <p:sp>
-        <p:nvSpPr>
-          <p:cNvPr id="6" name="Slide Number Placeholder 5">
-            <a:extLst>
-              <a:ext uri="{FF2B5EF4-FFF2-40B4-BE49-F238E27FC236}">
-                <a16:creationId xmlns:a16="http://schemas.microsoft.com/office/drawing/2014/main" id="{27F8320F-28EE-40EF-ADDE-86D44B7D516B}"/>
-              </a:ext>
-            </a:extLst>
-          </p:cNvPr>
-          <p:cNvSpPr>
-            <a:spLocks noGrp="1"/>
-          </p:cNvSpPr>
-          <p:nvPr>
-            <p:ph type="sldNum" sz="quarter" idx="12"/>
-          </p:nvPr>
-        </p:nvSpPr>
-        <p:spPr/>
-        <p:txBody>
-          <a:bodyPr/>
-          <a:lstStyle/>
-          <a:p>
-            <a:fld id="{6FD4AA8C-2C0B-45F2-84FF-CF2E58E014B2}" type="slidenum">
-              <a:rPr lang="en-US" smtClean="0"/>
-              <a:t>7</a:t>
-            </a:fld>
-            <a:endParaRPr lang="en-US"/>
-          </a:p>
-        </p:txBody>
-      </p:sp>
-    </p:spTree>
-    <p:extLst>
-      <p:ext uri="{BB962C8B-B14F-4D97-AF65-F5344CB8AC3E}">
-        <p14:creationId xmlns:p14="http://schemas.microsoft.com/office/powerpoint/2010/main" val="3354476907"/>
-      </p:ext>
-    </p:extLst>
-  </p:cSld>
-  <p:clrMapOvr>
-    <a:masterClrMapping/>
-  </p:clrMapOvr>
-</p:sld>
-</file>
-
-<file path=ppt/slides/slide8.xml><?xml version="1.0" encoding="utf-8"?>
-<p:sld xmlns:a="http://schemas.openxmlformats.org/drawingml/2006/main" xmlns:r="http://schemas.openxmlformats.org/officeDocument/2006/relationships" xmlns:p="http://schemas.openxmlformats.org/presentationml/2006/main">
-  <p:cSld>
-    <p:spTree>
-      <p:nvGrpSpPr>
-        <p:cNvPr id="1" name=""/>
-        <p:cNvGrpSpPr/>
-        <p:nvPr/>
-      </p:nvGrpSpPr>
-      <p:grpSpPr>
-        <a:xfrm>
-          <a:off x="0" y="0"/>
-          <a:ext cx="0" cy="0"/>
-          <a:chOff x="0" y="0"/>
-          <a:chExt cx="0" cy="0"/>
-        </a:xfrm>
-      </p:grpSpPr>
-      <p:sp>
-        <p:nvSpPr>
-          <p:cNvPr id="3" name="Content Placeholder 2">
-            <a:extLst>
-              <a:ext uri="{FF2B5EF4-FFF2-40B4-BE49-F238E27FC236}">
-                <a16:creationId xmlns:a16="http://schemas.microsoft.com/office/drawing/2014/main" id="{6778B9F2-7802-4660-AD29-C718D0D44B59}"/>
-              </a:ext>
-            </a:extLst>
-          </p:cNvPr>
-          <p:cNvSpPr>
-            <a:spLocks noGrp="1"/>
-          </p:cNvSpPr>
-          <p:nvPr>
-            <p:ph idx="1"/>
-          </p:nvPr>
-        </p:nvSpPr>
-        <p:spPr>
-          <a:xfrm>
-            <a:off x="497724" y="1668026"/>
-            <a:ext cx="8148551" cy="3821371"/>
-          </a:xfrm>
-        </p:spPr>
-        <p:txBody>
-          <a:bodyPr>
-            <a:normAutofit/>
-          </a:bodyPr>
-          <a:lstStyle/>
-          <a:p>
-            <a:r>
-              <a:rPr lang="en-US" dirty="0"/>
-              <a:t>Two approaches</a:t>
-            </a:r>
-          </a:p>
-          <a:p>
-            <a:pPr lvl="1"/>
-            <a:r>
-              <a:rPr lang="en-US" dirty="0"/>
-              <a:t>Landings model (results using public aggregate data).</a:t>
-            </a:r>
-          </a:p>
-          <a:p>
-            <a:pPr lvl="1"/>
-            <a:r>
-              <a:rPr lang="en-US" dirty="0"/>
-              <a:t>Participation model (</a:t>
-            </a:r>
-            <a:r>
-              <a:rPr lang="en-US" dirty="0">
-                <a:solidFill>
-                  <a:srgbClr val="FF0000"/>
-                </a:solidFill>
-              </a:rPr>
-              <a:t>no results yet</a:t>
-            </a:r>
-            <a:r>
-              <a:rPr lang="en-US" dirty="0"/>
-              <a:t>).</a:t>
-            </a:r>
-          </a:p>
-          <a:p>
-            <a:endParaRPr lang="en-US" dirty="0"/>
-          </a:p>
-          <a:p>
-            <a:r>
-              <a:rPr lang="en-US" dirty="0"/>
-              <a:t>Data</a:t>
-            </a:r>
-          </a:p>
-          <a:p>
-            <a:pPr lvl="1"/>
-            <a:r>
-              <a:rPr lang="en-US" dirty="0"/>
-              <a:t>Fish tickets from The Pacific Fisheries Information Network (</a:t>
-            </a:r>
-            <a:r>
-              <a:rPr lang="en-US" dirty="0" err="1"/>
-              <a:t>PacFIN</a:t>
-            </a:r>
-            <a:r>
-              <a:rPr lang="en-US" dirty="0"/>
-              <a:t>) from 1980-2020</a:t>
-            </a:r>
-          </a:p>
-          <a:p>
-            <a:pPr lvl="1"/>
-            <a:r>
-              <a:rPr lang="en-US" dirty="0"/>
-              <a:t>Current and projected species distribution from Species Distribution Models (SDMs) from </a:t>
-            </a:r>
-            <a:r>
-              <a:rPr lang="en-US" b="1" dirty="0"/>
-              <a:t>1997-2018</a:t>
-            </a:r>
-            <a:endParaRPr lang="en-US" sz="3200" b="1" dirty="0"/>
-          </a:p>
-        </p:txBody>
-      </p:sp>
-      <p:sp>
-        <p:nvSpPr>
-          <p:cNvPr id="4" name="Title 1">
-            <a:extLst>
-              <a:ext uri="{FF2B5EF4-FFF2-40B4-BE49-F238E27FC236}">
-                <a16:creationId xmlns:a16="http://schemas.microsoft.com/office/drawing/2014/main" id="{3FBCC271-54BC-4357-BEF3-B86B9F0FC7E1}"/>
-              </a:ext>
-            </a:extLst>
-          </p:cNvPr>
-          <p:cNvSpPr txBox="1">
-            <a:spLocks/>
-          </p:cNvSpPr>
-          <p:nvPr/>
-        </p:nvSpPr>
-        <p:spPr>
-          <a:xfrm>
-            <a:off x="0" y="1"/>
-            <a:ext cx="9144000" cy="923278"/>
-          </a:xfrm>
-          <a:prstGeom prst="rect">
-            <a:avLst/>
-          </a:prstGeom>
-          <a:solidFill>
-            <a:srgbClr val="003C6C"/>
-          </a:solidFill>
-        </p:spPr>
-        <p:txBody>
-          <a:bodyPr vert="horz" lIns="91440" tIns="45720" rIns="91440" bIns="45720" rtlCol="0" anchor="ctr">
-            <a:normAutofit/>
-          </a:bodyPr>
-          <a:lstStyle>
-            <a:lvl1pPr algn="l" defTabSz="914400" rtl="0" eaLnBrk="1" latinLnBrk="0" hangingPunct="1">
-              <a:lnSpc>
-                <a:spcPct val="90000"/>
-              </a:lnSpc>
-              <a:spcBef>
-                <a:spcPct val="0"/>
-              </a:spcBef>
-              <a:buNone/>
-              <a:defRPr sz="4400" kern="1200">
-                <a:solidFill>
-                  <a:schemeClr val="tx1"/>
-                </a:solidFill>
-                <a:latin typeface="+mj-lt"/>
-                <a:ea typeface="+mj-ea"/>
-                <a:cs typeface="+mj-cs"/>
-              </a:defRPr>
-            </a:lvl1pPr>
-          </a:lstStyle>
-          <a:p>
-            <a:r>
-              <a:rPr lang="en-US" dirty="0">
-                <a:solidFill>
-                  <a:schemeClr val="bg1"/>
-                </a:solidFill>
-                <a:latin typeface="+mn-lt"/>
-              </a:rPr>
-              <a:t>  Methodology</a:t>
-            </a:r>
-          </a:p>
-        </p:txBody>
-      </p:sp>
-      <p:sp>
-        <p:nvSpPr>
-          <p:cNvPr id="8" name="Slide Number Placeholder 7">
-            <a:extLst>
-              <a:ext uri="{FF2B5EF4-FFF2-40B4-BE49-F238E27FC236}">
-                <a16:creationId xmlns:a16="http://schemas.microsoft.com/office/drawing/2014/main" id="{35119DF3-03E7-474D-9806-C0F74E13EEE4}"/>
-              </a:ext>
-            </a:extLst>
-          </p:cNvPr>
-          <p:cNvSpPr>
-            <a:spLocks noGrp="1"/>
-          </p:cNvSpPr>
-          <p:nvPr>
-            <p:ph type="sldNum" sz="quarter" idx="12"/>
-          </p:nvPr>
-        </p:nvSpPr>
-        <p:spPr/>
-        <p:txBody>
-          <a:bodyPr/>
-          <a:lstStyle/>
-          <a:p>
-            <a:fld id="{6FD4AA8C-2C0B-45F2-84FF-CF2E58E014B2}" type="slidenum">
-              <a:rPr lang="en-US" smtClean="0"/>
-              <a:t>8</a:t>
-            </a:fld>
-            <a:endParaRPr lang="en-US"/>
-          </a:p>
-        </p:txBody>
-      </p:sp>
-    </p:spTree>
-    <p:extLst>
-      <p:ext uri="{BB962C8B-B14F-4D97-AF65-F5344CB8AC3E}">
-        <p14:creationId xmlns:p14="http://schemas.microsoft.com/office/powerpoint/2010/main" val="4262470316"/>
-      </p:ext>
-    </p:extLst>
-  </p:cSld>
-  <p:clrMapOvr>
-    <a:masterClrMapping/>
-  </p:clrMapOvr>
-</p:sld>
-</file>
-
-<file path=ppt/slides/slide9.xml><?xml version="1.0" encoding="utf-8"?>
-<p:sld xmlns:a="http://schemas.openxmlformats.org/drawingml/2006/main" xmlns:r="http://schemas.openxmlformats.org/officeDocument/2006/relationships" xmlns:p="http://schemas.openxmlformats.org/presentationml/2006/main">
-  <p:cSld>
-    <p:spTree>
-      <p:nvGrpSpPr>
-        <p:cNvPr id="1" name=""/>
-        <p:cNvGrpSpPr/>
-        <p:nvPr/>
-      </p:nvGrpSpPr>
-      <p:grpSpPr>
-        <a:xfrm>
-          <a:off x="0" y="0"/>
-          <a:ext cx="0" cy="0"/>
-          <a:chOff x="0" y="0"/>
-          <a:chExt cx="0" cy="0"/>
-        </a:xfrm>
-      </p:grpSpPr>
-      <p:pic>
-        <p:nvPicPr>
-          <p:cNvPr id="13" name="Picture 12">
-            <a:extLst>
-              <a:ext uri="{FF2B5EF4-FFF2-40B4-BE49-F238E27FC236}">
-                <a16:creationId xmlns:a16="http://schemas.microsoft.com/office/drawing/2014/main" id="{F4D4C478-7836-46D5-9585-F543C13668BA}"/>
-              </a:ext>
-            </a:extLst>
-          </p:cNvPr>
-          <p:cNvPicPr>
-            <a:picLocks noChangeAspect="1"/>
-          </p:cNvPicPr>
-          <p:nvPr/>
-        </p:nvPicPr>
-        <p:blipFill>
-          <a:blip r:embed="rId3">
-            <a:extLst>
-              <a:ext uri="{28A0092B-C50C-407E-A947-70E740481C1C}">
-                <a14:useLocalDpi xmlns:a14="http://schemas.microsoft.com/office/drawing/2010/main" val="0"/>
-              </a:ext>
-            </a:extLst>
-          </a:blip>
-          <a:stretch>
-            <a:fillRect/>
-          </a:stretch>
-        </p:blipFill>
-        <p:spPr>
-          <a:xfrm>
-            <a:off x="3691667" y="1153482"/>
-            <a:ext cx="5267530" cy="5267530"/>
-          </a:xfrm>
-          <a:prstGeom prst="rect">
-            <a:avLst/>
-          </a:prstGeom>
-        </p:spPr>
-      </p:pic>
-      <p:sp>
-        <p:nvSpPr>
-          <p:cNvPr id="6" name="Title 1">
-            <a:extLst>
-              <a:ext uri="{FF2B5EF4-FFF2-40B4-BE49-F238E27FC236}">
-                <a16:creationId xmlns:a16="http://schemas.microsoft.com/office/drawing/2014/main" id="{7A4D911E-7C4E-4B57-8DC5-74A6D42574E4}"/>
-              </a:ext>
-            </a:extLst>
-          </p:cNvPr>
-          <p:cNvSpPr txBox="1">
-            <a:spLocks/>
-          </p:cNvSpPr>
-          <p:nvPr/>
-        </p:nvSpPr>
-        <p:spPr>
-          <a:xfrm>
-            <a:off x="0" y="1"/>
-            <a:ext cx="9144000" cy="923278"/>
-          </a:xfrm>
-          <a:prstGeom prst="rect">
-            <a:avLst/>
-          </a:prstGeom>
-          <a:solidFill>
-            <a:srgbClr val="003C6C"/>
-          </a:solidFill>
-        </p:spPr>
-        <p:txBody>
-          <a:bodyPr vert="horz" lIns="91440" tIns="45720" rIns="91440" bIns="45720" rtlCol="0" anchor="ctr">
-            <a:normAutofit/>
-          </a:bodyPr>
-          <a:lstStyle>
-            <a:lvl1pPr algn="l" defTabSz="914400" rtl="0" eaLnBrk="1" latinLnBrk="0" hangingPunct="1">
-              <a:lnSpc>
-                <a:spcPct val="90000"/>
-              </a:lnSpc>
-              <a:spcBef>
-                <a:spcPct val="0"/>
-              </a:spcBef>
-              <a:buNone/>
-              <a:defRPr sz="4400" kern="1200">
-                <a:solidFill>
-                  <a:schemeClr val="tx1"/>
-                </a:solidFill>
-                <a:latin typeface="+mj-lt"/>
-                <a:ea typeface="+mj-ea"/>
-                <a:cs typeface="+mj-cs"/>
-              </a:defRPr>
-            </a:lvl1pPr>
-          </a:lstStyle>
-          <a:p>
-            <a:r>
-              <a:rPr lang="en-US" dirty="0">
-                <a:solidFill>
-                  <a:schemeClr val="bg1"/>
-                </a:solidFill>
-                <a:latin typeface="+mn-lt"/>
-              </a:rPr>
-              <a:t>  Species Distribution Model (SDM)</a:t>
-            </a:r>
-          </a:p>
-        </p:txBody>
-      </p:sp>
-      <p:sp>
-        <p:nvSpPr>
-          <p:cNvPr id="4" name="TextBox 3">
-            <a:extLst>
-              <a:ext uri="{FF2B5EF4-FFF2-40B4-BE49-F238E27FC236}">
-                <a16:creationId xmlns:a16="http://schemas.microsoft.com/office/drawing/2014/main" id="{66C032AD-52F1-42FE-BE23-6F0ABBD7956A}"/>
-              </a:ext>
-            </a:extLst>
-          </p:cNvPr>
-          <p:cNvSpPr txBox="1"/>
-          <p:nvPr/>
-        </p:nvSpPr>
-        <p:spPr>
-          <a:xfrm>
-            <a:off x="4114800" y="2936240"/>
-            <a:ext cx="914400" cy="369332"/>
-          </a:xfrm>
-          <a:prstGeom prst="rect">
-            <a:avLst/>
-          </a:prstGeom>
-          <a:noFill/>
-        </p:spPr>
-        <p:txBody>
-          <a:bodyPr wrap="square" rtlCol="0">
-            <a:spAutoFit/>
-          </a:bodyPr>
-          <a:lstStyle/>
-          <a:p>
-            <a:endParaRPr lang="en-US" dirty="0"/>
-          </a:p>
-        </p:txBody>
-      </p:sp>
-      <p:sp>
-        <p:nvSpPr>
-          <p:cNvPr id="10" name="Slide Number Placeholder 9">
-            <a:extLst>
-              <a:ext uri="{FF2B5EF4-FFF2-40B4-BE49-F238E27FC236}">
-                <a16:creationId xmlns:a16="http://schemas.microsoft.com/office/drawing/2014/main" id="{253E0FC3-8EC3-4C7A-B19C-66E75CC4D240}"/>
-              </a:ext>
-            </a:extLst>
-          </p:cNvPr>
-          <p:cNvSpPr>
-            <a:spLocks noGrp="1"/>
-          </p:cNvSpPr>
-          <p:nvPr>
-            <p:ph type="sldNum" sz="quarter" idx="12"/>
-          </p:nvPr>
-        </p:nvSpPr>
-        <p:spPr/>
-        <p:txBody>
-          <a:bodyPr/>
-          <a:lstStyle/>
-          <a:p>
-            <a:fld id="{6FD4AA8C-2C0B-45F2-84FF-CF2E58E014B2}" type="slidenum">
-              <a:rPr lang="en-US" smtClean="0"/>
-              <a:t>9</a:t>
-            </a:fld>
-            <a:endParaRPr lang="en-US"/>
-          </a:p>
-        </p:txBody>
-      </p:sp>
-      <p:pic>
-        <p:nvPicPr>
-          <p:cNvPr id="11" name="Picture 10" descr="page7image1832">
-            <a:extLst>
-              <a:ext uri="{FF2B5EF4-FFF2-40B4-BE49-F238E27FC236}">
-                <a16:creationId xmlns:a16="http://schemas.microsoft.com/office/drawing/2014/main" id="{7BE39F05-3C0F-4B66-9832-D944CFFC234E}"/>
-              </a:ext>
-            </a:extLst>
-          </p:cNvPr>
-          <p:cNvPicPr>
-            <a:picLocks noChangeAspect="1" noChangeArrowheads="1"/>
-          </p:cNvPicPr>
-          <p:nvPr/>
-        </p:nvPicPr>
-        <p:blipFill>
-          <a:blip r:embed="rId4">
-            <a:extLst>
-              <a:ext uri="{28A0092B-C50C-407E-A947-70E740481C1C}">
-                <a14:useLocalDpi xmlns:a14="http://schemas.microsoft.com/office/drawing/2010/main" val="0"/>
-              </a:ext>
-            </a:extLst>
-          </a:blip>
-          <a:srcRect/>
-          <a:stretch>
-            <a:fillRect/>
-          </a:stretch>
-        </p:blipFill>
-        <p:spPr bwMode="auto">
-          <a:xfrm>
-            <a:off x="184803" y="1340628"/>
-            <a:ext cx="4031014" cy="1472265"/>
-          </a:xfrm>
-          <a:prstGeom prst="rect">
-            <a:avLst/>
-          </a:prstGeom>
-          <a:noFill/>
-          <a:extLst>
-            <a:ext uri="{909E8E84-426E-40DD-AFC4-6F175D3DCCD1}">
-              <a14:hiddenFill xmlns:a14="http://schemas.microsoft.com/office/drawing/2010/main">
-                <a:solidFill>
-                  <a:srgbClr val="FFFFFF"/>
-                </a:solidFill>
-              </a14:hiddenFill>
-            </a:ext>
-          </a:extLst>
-        </p:spPr>
-      </p:pic>
-      <p:sp>
-        <p:nvSpPr>
-          <p:cNvPr id="12" name="Sardine Distribution and Abundance Change">
-            <a:extLst>
-              <a:ext uri="{FF2B5EF4-FFF2-40B4-BE49-F238E27FC236}">
-                <a16:creationId xmlns:a16="http://schemas.microsoft.com/office/drawing/2014/main" id="{1446A428-D2E3-48C9-8861-CEF87EDBA890}"/>
-              </a:ext>
-            </a:extLst>
-          </p:cNvPr>
-          <p:cNvSpPr txBox="1"/>
-          <p:nvPr/>
-        </p:nvSpPr>
-        <p:spPr>
-          <a:xfrm>
-            <a:off x="184803" y="3296430"/>
-            <a:ext cx="4031014" cy="2762535"/>
-          </a:xfrm>
-          <a:prstGeom prst="rect">
-            <a:avLst/>
-          </a:prstGeom>
-          <a:ln w="12700">
-            <a:miter lim="400000"/>
-          </a:ln>
-          <a:extLst>
-            <a:ext uri="{C572A759-6A51-4108-AA02-DFA0A04FC94B}">
-              <ma14:wrappingTextBoxFlag xmlns="" xmlns:m="http://schemas.openxmlformats.org/officeDocument/2006/math" xmlns:a14="http://schemas.microsoft.com/office/drawing/2010/main" xmlns:ma14="http://schemas.microsoft.com/office/mac/drawingml/2011/main" xmlns:lc="http://schemas.openxmlformats.org/drawingml/2006/lockedCanvas" val="1"/>
-            </a:ext>
-          </a:extLst>
-        </p:spPr>
-        <p:txBody>
-          <a:bodyPr wrap="square" lIns="26789" tIns="26789" rIns="26789" bIns="26789" anchor="ctr">
-            <a:spAutoFit/>
-          </a:bodyPr>
-          <a:lstStyle>
-            <a:defPPr>
-              <a:defRPr lang="en-US"/>
-            </a:defPPr>
-            <a:lvl1pPr marL="0" algn="l" defTabSz="457200" rtl="0" eaLnBrk="1" latinLnBrk="0" hangingPunct="1">
-              <a:defRPr sz="1800" kern="1200">
-                <a:solidFill>
-                  <a:schemeClr val="tx1"/>
-                </a:solidFill>
-                <a:latin typeface="+mn-lt"/>
-                <a:ea typeface="+mn-ea"/>
-                <a:cs typeface="+mn-cs"/>
-              </a:defRPr>
-            </a:lvl1pPr>
-            <a:lvl2pPr marL="457200" algn="l" defTabSz="457200" rtl="0" eaLnBrk="1" latinLnBrk="0" hangingPunct="1">
-              <a:defRPr sz="1800" kern="1200">
-                <a:solidFill>
-                  <a:schemeClr val="tx1"/>
-                </a:solidFill>
-                <a:latin typeface="+mn-lt"/>
-                <a:ea typeface="+mn-ea"/>
-                <a:cs typeface="+mn-cs"/>
-              </a:defRPr>
-            </a:lvl2pPr>
-            <a:lvl3pPr marL="914400" algn="l" defTabSz="457200" rtl="0" eaLnBrk="1" latinLnBrk="0" hangingPunct="1">
-              <a:defRPr sz="1800" kern="1200">
-                <a:solidFill>
-                  <a:schemeClr val="tx1"/>
-                </a:solidFill>
-                <a:latin typeface="+mn-lt"/>
-                <a:ea typeface="+mn-ea"/>
-                <a:cs typeface="+mn-cs"/>
-              </a:defRPr>
-            </a:lvl3pPr>
-            <a:lvl4pPr marL="1371600" algn="l" defTabSz="457200" rtl="0" eaLnBrk="1" latinLnBrk="0" hangingPunct="1">
-              <a:defRPr sz="1800" kern="1200">
-                <a:solidFill>
-                  <a:schemeClr val="tx1"/>
-                </a:solidFill>
-                <a:latin typeface="+mn-lt"/>
-                <a:ea typeface="+mn-ea"/>
-                <a:cs typeface="+mn-cs"/>
-              </a:defRPr>
-            </a:lvl4pPr>
-            <a:lvl5pPr marL="1828800" algn="l" defTabSz="457200" rtl="0" eaLnBrk="1" latinLnBrk="0" hangingPunct="1">
-              <a:defRPr sz="1800" kern="1200">
-                <a:solidFill>
-                  <a:schemeClr val="tx1"/>
-                </a:solidFill>
-                <a:latin typeface="+mn-lt"/>
-                <a:ea typeface="+mn-ea"/>
-                <a:cs typeface="+mn-cs"/>
-              </a:defRPr>
-            </a:lvl5pPr>
-            <a:lvl6pPr marL="2286000" algn="l" defTabSz="457200" rtl="0" eaLnBrk="1" latinLnBrk="0" hangingPunct="1">
-              <a:defRPr sz="1800" kern="1200">
-                <a:solidFill>
-                  <a:schemeClr val="tx1"/>
-                </a:solidFill>
-                <a:latin typeface="+mn-lt"/>
-                <a:ea typeface="+mn-ea"/>
-                <a:cs typeface="+mn-cs"/>
-              </a:defRPr>
-            </a:lvl6pPr>
-            <a:lvl7pPr marL="2743200" algn="l" defTabSz="457200" rtl="0" eaLnBrk="1" latinLnBrk="0" hangingPunct="1">
-              <a:defRPr sz="1800" kern="1200">
-                <a:solidFill>
-                  <a:schemeClr val="tx1"/>
-                </a:solidFill>
-                <a:latin typeface="+mn-lt"/>
-                <a:ea typeface="+mn-ea"/>
-                <a:cs typeface="+mn-cs"/>
-              </a:defRPr>
-            </a:lvl7pPr>
-            <a:lvl8pPr marL="3200400" algn="l" defTabSz="457200" rtl="0" eaLnBrk="1" latinLnBrk="0" hangingPunct="1">
-              <a:defRPr sz="1800" kern="1200">
-                <a:solidFill>
-                  <a:schemeClr val="tx1"/>
-                </a:solidFill>
-                <a:latin typeface="+mn-lt"/>
-                <a:ea typeface="+mn-ea"/>
-                <a:cs typeface="+mn-cs"/>
-              </a:defRPr>
-            </a:lvl8pPr>
-            <a:lvl9pPr marL="3657600" algn="l" defTabSz="457200" rtl="0" eaLnBrk="1" latinLnBrk="0" hangingPunct="1">
-              <a:defRPr sz="1800" kern="1200">
-                <a:solidFill>
-                  <a:schemeClr val="tx1"/>
-                </a:solidFill>
-                <a:latin typeface="+mn-lt"/>
-                <a:ea typeface="+mn-ea"/>
-                <a:cs typeface="+mn-cs"/>
-              </a:defRPr>
-            </a:lvl9pPr>
-          </a:lstStyle>
-          <a:p>
-            <a:pPr marL="285750" indent="-285750">
-              <a:buFont typeface="Arial" panose="020B0604020202020204" pitchFamily="34" charset="0"/>
-              <a:buChar char="•"/>
-            </a:pPr>
-            <a:r>
-              <a:rPr lang="en-CA" sz="1600" dirty="0">
-                <a:solidFill>
-                  <a:schemeClr val="tx1"/>
-                </a:solidFill>
-              </a:rPr>
-              <a:t>SDMs to model  distribution of sardine, anchovy, </a:t>
-            </a:r>
-            <a:r>
-              <a:rPr lang="en-CA" sz="1600" dirty="0"/>
-              <a:t>market squid, herring</a:t>
-            </a:r>
-            <a:r>
-              <a:rPr lang="en-CA" sz="1600" dirty="0">
-                <a:solidFill>
-                  <a:schemeClr val="tx1"/>
-                </a:solidFill>
-              </a:rPr>
-              <a:t> (</a:t>
-            </a:r>
-            <a:r>
-              <a:rPr lang="en-CA" sz="1600" dirty="0">
-                <a:solidFill>
-                  <a:schemeClr val="tx1"/>
-                </a:solidFill>
-                <a:hlinkClick r:id="rId5"/>
-              </a:rPr>
-              <a:t>Muhling et al. 2019</a:t>
-            </a:r>
-            <a:r>
-              <a:rPr lang="en-CA" sz="1600" dirty="0">
-                <a:solidFill>
-                  <a:schemeClr val="tx1"/>
-                </a:solidFill>
-              </a:rPr>
-              <a:t>, </a:t>
-            </a:r>
-            <a:r>
-              <a:rPr lang="en-CA" sz="1600" dirty="0">
-                <a:solidFill>
-                  <a:schemeClr val="tx1"/>
-                </a:solidFill>
-                <a:hlinkClick r:id="rId6"/>
-              </a:rPr>
-              <a:t>2020</a:t>
-            </a:r>
-            <a:r>
-              <a:rPr lang="en-CA" sz="1600" dirty="0">
-                <a:solidFill>
-                  <a:schemeClr val="tx1"/>
-                </a:solidFill>
-              </a:rPr>
-              <a:t>, </a:t>
-            </a:r>
-            <a:r>
-              <a:rPr lang="en-CA" sz="1600" dirty="0">
-                <a:solidFill>
-                  <a:schemeClr val="tx1"/>
-                </a:solidFill>
-                <a:hlinkClick r:id="rId7"/>
-              </a:rPr>
-              <a:t>Brodie et al. 2021</a:t>
-            </a:r>
-            <a:r>
-              <a:rPr lang="en-CA" sz="1600" dirty="0">
-                <a:solidFill>
-                  <a:schemeClr val="tx1"/>
-                </a:solidFill>
-              </a:rPr>
-              <a:t>)</a:t>
-            </a:r>
-          </a:p>
-          <a:p>
-            <a:pPr marL="285750" indent="-285750">
-              <a:buFont typeface="Arial" panose="020B0604020202020204" pitchFamily="34" charset="0"/>
-              <a:buChar char="•"/>
-            </a:pPr>
-            <a:endParaRPr lang="en-US" sz="1600" dirty="0">
-              <a:solidFill>
-                <a:schemeClr val="tx1"/>
-              </a:solidFill>
-            </a:endParaRPr>
-          </a:p>
-          <a:p>
-            <a:pPr marL="285750" indent="-285750">
-              <a:buFont typeface="Arial" panose="020B0604020202020204" pitchFamily="34" charset="0"/>
-              <a:buChar char="•"/>
-            </a:pPr>
-            <a:r>
-              <a:rPr lang="en-US" sz="1600" dirty="0">
-                <a:solidFill>
-                  <a:schemeClr val="tx1"/>
-                </a:solidFill>
-              </a:rPr>
-              <a:t>SDM ar</a:t>
-            </a:r>
-            <a:r>
-              <a:rPr lang="en-US" sz="1600" dirty="0"/>
-              <a:t>e at the 0.1 degree of resolution.</a:t>
-            </a:r>
-            <a:endParaRPr lang="en-US" sz="1600" dirty="0">
-              <a:solidFill>
-                <a:schemeClr val="tx1"/>
-              </a:solidFill>
-            </a:endParaRPr>
-          </a:p>
-          <a:p>
-            <a:pPr marL="285750" indent="-285750">
-              <a:buFont typeface="Arial" panose="020B0604020202020204" pitchFamily="34" charset="0"/>
-              <a:buChar char="•"/>
-            </a:pPr>
-            <a:r>
-              <a:rPr lang="en-US" sz="1600" dirty="0">
-                <a:solidFill>
-                  <a:schemeClr val="tx1"/>
-                </a:solidFill>
-              </a:rPr>
-              <a:t>We use port radius to construct our variable of abundance</a:t>
-            </a:r>
-          </a:p>
-          <a:p>
-            <a:pPr marL="742950" lvl="1" indent="-285750">
-              <a:buFont typeface="Arial" panose="020B0604020202020204" pitchFamily="34" charset="0"/>
-              <a:buChar char="•"/>
-            </a:pPr>
-            <a:r>
-              <a:rPr lang="en-US" sz="1600" dirty="0"/>
-              <a:t>Fishery operates close to shore</a:t>
-            </a:r>
-          </a:p>
-          <a:p>
-            <a:pPr marL="742950" lvl="1" indent="-285750">
-              <a:buFont typeface="Arial" panose="020B0604020202020204" pitchFamily="34" charset="0"/>
-              <a:buChar char="•"/>
-            </a:pPr>
-            <a:r>
-              <a:rPr lang="en-US" sz="1600" dirty="0"/>
-              <a:t>Mostly undergoing daily trips</a:t>
-            </a:r>
-          </a:p>
-          <a:p>
-            <a:pPr marL="742950" lvl="1" indent="-285750">
-              <a:buFont typeface="Arial" panose="020B0604020202020204" pitchFamily="34" charset="0"/>
-              <a:buChar char="•"/>
-            </a:pPr>
-            <a:r>
-              <a:rPr lang="en-US" sz="1600" dirty="0"/>
-              <a:t>Data: Logbooks </a:t>
-            </a:r>
-            <a:endParaRPr lang="en-US" sz="1600" dirty="0">
-              <a:solidFill>
-                <a:schemeClr val="tx1"/>
-              </a:solidFill>
-            </a:endParaRPr>
-          </a:p>
-          <a:p>
-            <a:pPr marL="285750" indent="-285750">
-              <a:buFont typeface="Arial" panose="020B0604020202020204" pitchFamily="34" charset="0"/>
-              <a:buChar char="•"/>
-            </a:pPr>
-            <a:endParaRPr sz="1600" dirty="0">
-              <a:solidFill>
-                <a:schemeClr val="tx1"/>
-              </a:solidFill>
-            </a:endParaRPr>
-          </a:p>
-        </p:txBody>
-      </p:sp>
-    </p:spTree>
-    <p:extLst>
-      <p:ext uri="{BB962C8B-B14F-4D97-AF65-F5344CB8AC3E}">
-        <p14:creationId xmlns:p14="http://schemas.microsoft.com/office/powerpoint/2010/main" val="3755863466"/>
-      </p:ext>
-    </p:extLst>
-  </p:cSld>
-  <p:clrMapOvr>
-    <a:masterClrMapping/>
-  </p:clrMapOvr>
 </p:sld>
 </file>
 

--- a/Slides/slides_landing_FQE.pptx
+++ b/Slides/slides_landing_FQE.pptx
@@ -9828,13 +9828,13 @@
         </p:nvSpPr>
         <p:spPr>
           <a:xfrm>
-            <a:off x="568171" y="884467"/>
-            <a:ext cx="8030346" cy="1451420"/>
+            <a:off x="555935" y="1418605"/>
+            <a:ext cx="8104243" cy="1451420"/>
           </a:xfrm>
         </p:spPr>
         <p:txBody>
           <a:bodyPr>
-            <a:normAutofit/>
+            <a:normAutofit fontScale="90000"/>
           </a:bodyPr>
           <a:lstStyle/>
           <a:p>
@@ -9848,72 +9848,7 @@
                 <a:ea typeface="Lato Semibold" panose="020F0502020204030203" pitchFamily="34" charset="0"/>
                 <a:cs typeface="Lato Semibold" panose="020F0502020204030203" pitchFamily="34" charset="0"/>
               </a:rPr>
-              <a:t>The Effect of Climate Change and Closures </a:t>
-            </a:r>
-            <a:r>
-              <a:rPr lang="en-US" sz="3600">
-                <a:solidFill>
-                  <a:schemeClr val="bg1"/>
-                </a:solidFill>
-                <a:latin typeface="Lato Semibold" panose="020F0502020204030203" pitchFamily="34" charset="0"/>
-                <a:ea typeface="Lato Semibold" panose="020F0502020204030203" pitchFamily="34" charset="0"/>
-                <a:cs typeface="Lato Semibold" panose="020F0502020204030203" pitchFamily="34" charset="0"/>
-              </a:rPr>
-              <a:t>on Fisher Portfolios</a:t>
-            </a:r>
-            <a:r>
-              <a:rPr lang="en-US" sz="3600" dirty="0">
-                <a:solidFill>
-                  <a:schemeClr val="bg1"/>
-                </a:solidFill>
-                <a:latin typeface="Lato Semibold" panose="020F0502020204030203" pitchFamily="34" charset="0"/>
-                <a:ea typeface="Lato Semibold" panose="020F0502020204030203" pitchFamily="34" charset="0"/>
-                <a:cs typeface="Lato Semibold" panose="020F0502020204030203" pitchFamily="34" charset="0"/>
-              </a:rPr>
-              <a:t>:</a:t>
-            </a:r>
-          </a:p>
-        </p:txBody>
-      </p:sp>
-      <p:sp>
-        <p:nvSpPr>
-          <p:cNvPr id="3" name="Subtitle 2">
-            <a:extLst>
-              <a:ext uri="{FF2B5EF4-FFF2-40B4-BE49-F238E27FC236}">
-                <a16:creationId xmlns:a16="http://schemas.microsoft.com/office/drawing/2014/main" id="{55D00C7A-D1C2-4751-ACDD-59B01C304ED0}"/>
-              </a:ext>
-            </a:extLst>
-          </p:cNvPr>
-          <p:cNvSpPr>
-            <a:spLocks noGrp="1"/>
-          </p:cNvSpPr>
-          <p:nvPr>
-            <p:ph type="subTitle" idx="1"/>
-          </p:nvPr>
-        </p:nvSpPr>
-        <p:spPr>
-          <a:xfrm>
-            <a:off x="568171" y="2489512"/>
-            <a:ext cx="6831862" cy="1166389"/>
-          </a:xfrm>
-        </p:spPr>
-        <p:txBody>
-          <a:bodyPr>
-            <a:normAutofit/>
-          </a:bodyPr>
-          <a:lstStyle/>
-          <a:p>
-            <a:pPr algn="l"/>
-            <a:r>
-              <a:rPr lang="en-US" dirty="0">
-                <a:solidFill>
-                  <a:schemeClr val="bg1"/>
-                </a:solidFill>
-                <a:latin typeface="Lato Semibold" panose="020F0502020204030203" pitchFamily="34" charset="0"/>
-                <a:ea typeface="Lato Semibold" panose="020F0502020204030203" pitchFamily="34" charset="0"/>
-                <a:cs typeface="Lato Semibold" panose="020F0502020204030203" pitchFamily="34" charset="0"/>
-              </a:rPr>
-              <a:t>Substitution between Coastal Pelagic Species</a:t>
+              <a:t>Portfolio Substitution between Coastal Pelagic Species under Shifting Target Species Distributions and Policy Constraints</a:t>
             </a:r>
           </a:p>
         </p:txBody>
@@ -10084,7 +10019,7 @@
         <p:spPr>
           <a:xfrm>
             <a:off x="545482" y="5485051"/>
-            <a:ext cx="2244525" cy="369332"/>
+            <a:ext cx="2257349" cy="369332"/>
           </a:xfrm>
           <a:prstGeom prst="rect">
             <a:avLst/>
@@ -10103,7 +10038,7 @@
                 </a:solidFill>
                 <a:ea typeface="Microsoft JhengHei UI" panose="020B0604030504040204" pitchFamily="34" charset="-120"/>
               </a:rPr>
-              <a:t>November 3</a:t>
+              <a:t>December 2</a:t>
             </a:r>
             <a:r>
               <a:rPr lang="en-US" baseline="30000" dirty="0">
@@ -10112,7 +10047,7 @@
                 </a:solidFill>
                 <a:ea typeface="Microsoft JhengHei UI" panose="020B0604030504040204" pitchFamily="34" charset="-120"/>
               </a:rPr>
-              <a:t>rd</a:t>
+              <a:t>nd</a:t>
             </a:r>
             <a:r>
               <a:rPr lang="en-US" dirty="0">
@@ -19176,7 +19111,7 @@
                 </a:solidFill>
                 <a:latin typeface="+mn-lt"/>
               </a:rPr>
-              <a:t>  SDMs and Landings</a:t>
+              <a:t>  SDMs link to Landings</a:t>
             </a:r>
           </a:p>
         </p:txBody>
@@ -19303,8 +19238,8 @@
         </p:nvSpPr>
         <p:spPr>
           <a:xfrm>
-            <a:off x="184803" y="3296430"/>
-            <a:ext cx="4031014" cy="2762535"/>
+            <a:off x="184803" y="3173320"/>
+            <a:ext cx="4031014" cy="3008756"/>
           </a:xfrm>
           <a:prstGeom prst="rect">
             <a:avLst/>
@@ -19314,7 +19249,7 @@
           </a:ln>
           <a:extLst>
             <a:ext uri="{C572A759-6A51-4108-AA02-DFA0A04FC94B}">
-              <ma14:wrappingTextBoxFlag xmlns:lc="http://schemas.openxmlformats.org/drawingml/2006/lockedCanvas" xmlns:ma14="http://schemas.microsoft.com/office/mac/drawingml/2011/main" xmlns:a14="http://schemas.microsoft.com/office/drawing/2010/main" xmlns:m="http://schemas.openxmlformats.org/officeDocument/2006/math" xmlns="" val="1"/>
+              <ma14:wrappingTextBoxFlag xmlns="" xmlns:m="http://schemas.openxmlformats.org/officeDocument/2006/math" xmlns:a14="http://schemas.microsoft.com/office/drawing/2010/main" xmlns:ma14="http://schemas.microsoft.com/office/mac/drawingml/2011/main" xmlns:lc="http://schemas.openxmlformats.org/drawingml/2006/lockedCanvas" val="1"/>
             </a:ext>
           </a:extLst>
         </p:spPr>
@@ -19432,7 +19367,7 @@
             </a:r>
             <a:r>
               <a:rPr lang="en-CA" sz="1600" dirty="0"/>
-              <a:t>market squid, herring</a:t>
+              <a:t>market squid, chub and jack mackerel, herring</a:t>
             </a:r>
             <a:r>
               <a:rPr lang="en-CA" sz="1600" dirty="0">
